--- a/presentations/update.pptx
+++ b/presentations/update.pptx
@@ -26,32 +26,36 @@
     <p:sldMasterId id="2147483690" r:id="rId23"/>
     <p:sldMasterId id="2147483692" r:id="rId24"/>
     <p:sldMasterId id="2147483694" r:id="rId25"/>
-    <p:sldMasterId id="2147483700" r:id="rId26"/>
-    <p:sldMasterId id="2147483702" r:id="rId27"/>
-    <p:sldMasterId id="2147483704" r:id="rId28"/>
-    <p:sldMasterId id="2147483706" r:id="rId29"/>
+    <p:sldMasterId id="2147483696" r:id="rId26"/>
+    <p:sldMasterId id="2147483698" r:id="rId27"/>
+    <p:sldMasterId id="2147483700" r:id="rId28"/>
+    <p:sldMasterId id="2147483702" r:id="rId29"/>
     <p:sldMasterId id="2147483708" r:id="rId30"/>
     <p:sldMasterId id="2147483710" r:id="rId31"/>
     <p:sldMasterId id="2147483712" r:id="rId32"/>
     <p:sldMasterId id="2147483714" r:id="rId33"/>
+    <p:sldMasterId id="2147483716" r:id="rId34"/>
+    <p:sldMasterId id="2147483718" r:id="rId35"/>
+    <p:sldMasterId id="2147483720" r:id="rId36"/>
+    <p:sldMasterId id="2147483722" r:id="rId37"/>
   </p:sldMasterIdLst>
   <p:notesMasterIdLst>
-    <p:notesMasterId r:id="rId34"/>
+    <p:notesMasterId r:id="rId38"/>
   </p:notesMasterIdLst>
   <p:sldIdLst>
-    <p:sldId id="256" r:id="rId35"/>
-    <p:sldId id="257" r:id="rId36"/>
-    <p:sldId id="258" r:id="rId37"/>
-    <p:sldId id="259" r:id="rId38"/>
-    <p:sldId id="260" r:id="rId39"/>
-    <p:sldId id="261" r:id="rId40"/>
-    <p:sldId id="262" r:id="rId41"/>
-    <p:sldId id="263" r:id="rId42"/>
-    <p:sldId id="264" r:id="rId43"/>
-    <p:sldId id="265" r:id="rId44"/>
-    <p:sldId id="266" r:id="rId45"/>
-    <p:sldId id="267" r:id="rId46"/>
-    <p:sldId id="268" r:id="rId47"/>
+    <p:sldId id="256" r:id="rId39"/>
+    <p:sldId id="257" r:id="rId40"/>
+    <p:sldId id="258" r:id="rId41"/>
+    <p:sldId id="259" r:id="rId42"/>
+    <p:sldId id="260" r:id="rId43"/>
+    <p:sldId id="261" r:id="rId44"/>
+    <p:sldId id="262" r:id="rId45"/>
+    <p:sldId id="263" r:id="rId46"/>
+    <p:sldId id="264" r:id="rId47"/>
+    <p:sldId id="265" r:id="rId48"/>
+    <p:sldId id="266" r:id="rId49"/>
+    <p:sldId id="267" r:id="rId50"/>
+    <p:sldId id="268" r:id="rId51"/>
   </p:sldIdLst>
   <p:sldSz cx="9144000" cy="5143500"/>
   <p:notesSz cx="6858000" cy="9144000"/>
@@ -77,7 +81,7 @@
       </p:grpSpPr>
       <p:sp>
         <p:nvSpPr>
-          <p:cNvPr id="136" name="PlaceHolder 1"/>
+          <p:cNvPr id="155" name="PlaceHolder 1"/>
           <p:cNvSpPr>
             <a:spLocks noGrp="1"/>
           </p:cNvSpPr>
@@ -126,7 +130,7 @@
       </p:sp>
       <p:sp>
         <p:nvSpPr>
-          <p:cNvPr id="137" name="PlaceHolder 2"/>
+          <p:cNvPr id="156" name="PlaceHolder 2"/>
           <p:cNvSpPr>
             <a:spLocks noGrp="1"/>
           </p:cNvSpPr>
@@ -177,7 +181,7 @@
       </p:sp>
       <p:sp>
         <p:nvSpPr>
-          <p:cNvPr id="138" name="PlaceHolder 3"/>
+          <p:cNvPr id="157" name="PlaceHolder 3"/>
           <p:cNvSpPr>
             <a:spLocks noGrp="1"/>
           </p:cNvSpPr>
@@ -228,12 +232,12 @@
       </p:sp>
       <p:sp>
         <p:nvSpPr>
-          <p:cNvPr id="139" name="PlaceHolder 4"/>
+          <p:cNvPr id="158" name="PlaceHolder 4"/>
           <p:cNvSpPr>
             <a:spLocks noGrp="1"/>
           </p:cNvSpPr>
           <p:nvPr>
-            <p:ph type="dt" idx="33"/>
+            <p:ph type="dt" idx="37"/>
           </p:nvPr>
         </p:nvSpPr>
         <p:spPr>
@@ -291,12 +295,12 @@
       </p:sp>
       <p:sp>
         <p:nvSpPr>
-          <p:cNvPr id="140" name="PlaceHolder 5"/>
+          <p:cNvPr id="159" name="PlaceHolder 5"/>
           <p:cNvSpPr>
             <a:spLocks noGrp="1"/>
           </p:cNvSpPr>
           <p:nvPr>
-            <p:ph type="ftr" idx="34"/>
+            <p:ph type="ftr" idx="38"/>
           </p:nvPr>
         </p:nvSpPr>
         <p:spPr>
@@ -354,12 +358,12 @@
       </p:sp>
       <p:sp>
         <p:nvSpPr>
-          <p:cNvPr id="141" name="PlaceHolder 6"/>
+          <p:cNvPr id="160" name="PlaceHolder 6"/>
           <p:cNvSpPr>
             <a:spLocks noGrp="1"/>
           </p:cNvSpPr>
           <p:nvPr>
-            <p:ph type="sldNum" idx="35"/>
+            <p:ph type="sldNum" idx="39"/>
           </p:nvPr>
         </p:nvSpPr>
         <p:spPr>
@@ -395,7 +399,7 @@
             <a:pPr indent="0" algn="r">
               <a:buNone/>
             </a:pPr>
-            <a:fld id="{255BF2F1-CFCF-4942-9E98-3BD2FECB3B66}" type="slidenum">
+            <a:fld id="{1422BB80-8090-4844-8E5B-A937FD2339C3}" type="slidenum">
               <a:rPr b="0" lang="en-US" sz="1400" strike="noStrike" u="none">
                 <a:solidFill>
                   <a:srgbClr val="000000"/>
@@ -440,7 +444,7 @@
       </p:grpSpPr>
       <p:sp>
         <p:nvSpPr>
-          <p:cNvPr id="223" name="PlaceHolder 1"/>
+          <p:cNvPr id="242" name="PlaceHolder 1"/>
           <p:cNvSpPr>
             <a:spLocks noGrp="1"/>
           </p:cNvSpPr>
@@ -451,7 +455,7 @@
         <p:spPr>
           <a:xfrm>
             <a:off x="685080" y="1143000"/>
-            <a:ext cx="5476680" cy="3075120"/>
+            <a:ext cx="5476320" cy="3074760"/>
           </a:xfrm>
           <a:prstGeom prst="rect">
             <a:avLst/>
@@ -463,7 +467,7 @@
       </p:sp>
       <p:sp>
         <p:nvSpPr>
-          <p:cNvPr id="224" name="PlaceHolder 2"/>
+          <p:cNvPr id="243" name="PlaceHolder 2"/>
           <p:cNvSpPr>
             <a:spLocks noGrp="1"/>
           </p:cNvSpPr>
@@ -474,7 +478,7 @@
         <p:spPr>
           <a:xfrm>
             <a:off x="685800" y="4400640"/>
-            <a:ext cx="5475240" cy="3589200"/>
+            <a:ext cx="5474880" cy="3588840"/>
           </a:xfrm>
           <a:prstGeom prst="rect">
             <a:avLst/>
@@ -504,18 +508,18 @@
       </p:sp>
       <p:sp>
         <p:nvSpPr>
-          <p:cNvPr id="225" name="PlaceHolder 3"/>
+          <p:cNvPr id="244" name="PlaceHolder 3"/>
           <p:cNvSpPr>
             <a:spLocks noGrp="1"/>
           </p:cNvSpPr>
           <p:nvPr>
-            <p:ph type="sldNum" idx="49"/>
+            <p:ph type="sldNum" idx="53"/>
           </p:nvPr>
         </p:nvSpPr>
         <p:spPr>
           <a:xfrm>
             <a:off x="3884760" y="8685360"/>
-            <a:ext cx="2960640" cy="447480"/>
+            <a:ext cx="2960280" cy="447120"/>
           </a:xfrm>
           <a:prstGeom prst="rect">
             <a:avLst/>
@@ -558,7 +562,7 @@
                 <a:tab algn="l" pos="0"/>
               </a:tabLst>
             </a:pPr>
-            <a:fld id="{F699F27D-15AE-4210-93F4-9E234D3CC4FF}" type="slidenum">
+            <a:fld id="{860204E9-2008-4798-87AF-1A85E3EA44CA}" type="slidenum">
               <a:rPr b="0" lang="en" sz="1200" strike="noStrike" u="none">
                 <a:solidFill>
                   <a:srgbClr val="000000"/>
@@ -603,7 +607,7 @@
       </p:grpSpPr>
       <p:sp>
         <p:nvSpPr>
-          <p:cNvPr id="250" name="PlaceHolder 1"/>
+          <p:cNvPr id="269" name="PlaceHolder 1"/>
           <p:cNvSpPr>
             <a:spLocks noGrp="1"/>
           </p:cNvSpPr>
@@ -614,7 +618,7 @@
         <p:spPr>
           <a:xfrm>
             <a:off x="685080" y="1143000"/>
-            <a:ext cx="5476680" cy="3075120"/>
+            <a:ext cx="5476320" cy="3074760"/>
           </a:xfrm>
           <a:prstGeom prst="rect">
             <a:avLst/>
@@ -626,7 +630,7 @@
       </p:sp>
       <p:sp>
         <p:nvSpPr>
-          <p:cNvPr id="251" name="PlaceHolder 2"/>
+          <p:cNvPr id="270" name="PlaceHolder 2"/>
           <p:cNvSpPr>
             <a:spLocks noGrp="1"/>
           </p:cNvSpPr>
@@ -637,7 +641,7 @@
         <p:spPr>
           <a:xfrm>
             <a:off x="685800" y="4400640"/>
-            <a:ext cx="5475240" cy="3589200"/>
+            <a:ext cx="5474880" cy="3588840"/>
           </a:xfrm>
           <a:prstGeom prst="rect">
             <a:avLst/>
@@ -667,18 +671,18 @@
       </p:sp>
       <p:sp>
         <p:nvSpPr>
-          <p:cNvPr id="252" name="PlaceHolder 3"/>
+          <p:cNvPr id="271" name="PlaceHolder 3"/>
           <p:cNvSpPr>
             <a:spLocks noGrp="1"/>
           </p:cNvSpPr>
           <p:nvPr>
-            <p:ph type="sldNum" idx="58"/>
+            <p:ph type="sldNum" idx="62"/>
           </p:nvPr>
         </p:nvSpPr>
         <p:spPr>
           <a:xfrm>
             <a:off x="3884760" y="8685360"/>
-            <a:ext cx="2960640" cy="447480"/>
+            <a:ext cx="2960280" cy="447120"/>
           </a:xfrm>
           <a:prstGeom prst="rect">
             <a:avLst/>
@@ -721,7 +725,7 @@
                 <a:tab algn="l" pos="0"/>
               </a:tabLst>
             </a:pPr>
-            <a:fld id="{64767044-4893-4781-8F7D-09911449F70A}" type="slidenum">
+            <a:fld id="{162F893C-129C-40D5-9964-240E159D05A6}" type="slidenum">
               <a:rPr b="0" lang="en" sz="1200" strike="noStrike" u="none">
                 <a:solidFill>
                   <a:srgbClr val="000000"/>
@@ -766,7 +770,7 @@
       </p:grpSpPr>
       <p:sp>
         <p:nvSpPr>
-          <p:cNvPr id="253" name="PlaceHolder 1"/>
+          <p:cNvPr id="272" name="PlaceHolder 1"/>
           <p:cNvSpPr>
             <a:spLocks noGrp="1"/>
           </p:cNvSpPr>
@@ -777,7 +781,7 @@
         <p:spPr>
           <a:xfrm>
             <a:off x="685080" y="1143000"/>
-            <a:ext cx="5476680" cy="3075120"/>
+            <a:ext cx="5476320" cy="3074760"/>
           </a:xfrm>
           <a:prstGeom prst="rect">
             <a:avLst/>
@@ -789,7 +793,7 @@
       </p:sp>
       <p:sp>
         <p:nvSpPr>
-          <p:cNvPr id="254" name="PlaceHolder 2"/>
+          <p:cNvPr id="273" name="PlaceHolder 2"/>
           <p:cNvSpPr>
             <a:spLocks noGrp="1"/>
           </p:cNvSpPr>
@@ -800,7 +804,7 @@
         <p:spPr>
           <a:xfrm>
             <a:off x="685800" y="4400640"/>
-            <a:ext cx="5475240" cy="3589200"/>
+            <a:ext cx="5474880" cy="3588840"/>
           </a:xfrm>
           <a:prstGeom prst="rect">
             <a:avLst/>
@@ -830,18 +834,18 @@
       </p:sp>
       <p:sp>
         <p:nvSpPr>
-          <p:cNvPr id="255" name="PlaceHolder 3"/>
+          <p:cNvPr id="274" name="PlaceHolder 3"/>
           <p:cNvSpPr>
             <a:spLocks noGrp="1"/>
           </p:cNvSpPr>
           <p:nvPr>
-            <p:ph type="sldNum" idx="59"/>
+            <p:ph type="sldNum" idx="63"/>
           </p:nvPr>
         </p:nvSpPr>
         <p:spPr>
           <a:xfrm>
             <a:off x="3884760" y="8685360"/>
-            <a:ext cx="2960640" cy="447480"/>
+            <a:ext cx="2960280" cy="447120"/>
           </a:xfrm>
           <a:prstGeom prst="rect">
             <a:avLst/>
@@ -884,7 +888,7 @@
                 <a:tab algn="l" pos="0"/>
               </a:tabLst>
             </a:pPr>
-            <a:fld id="{AA5E1D12-2D26-4E30-808C-92BAF41DFC70}" type="slidenum">
+            <a:fld id="{05E1DDBE-4CED-4343-A69C-FDC810864A4D}" type="slidenum">
               <a:rPr b="0" lang="en" sz="1200" strike="noStrike" u="none">
                 <a:solidFill>
                   <a:srgbClr val="000000"/>
@@ -929,7 +933,7 @@
       </p:grpSpPr>
       <p:sp>
         <p:nvSpPr>
-          <p:cNvPr id="256" name="PlaceHolder 1"/>
+          <p:cNvPr id="275" name="PlaceHolder 1"/>
           <p:cNvSpPr>
             <a:spLocks noGrp="1"/>
           </p:cNvSpPr>
@@ -940,7 +944,7 @@
         <p:spPr>
           <a:xfrm>
             <a:off x="685080" y="1143000"/>
-            <a:ext cx="5476680" cy="3075120"/>
+            <a:ext cx="5476320" cy="3074760"/>
           </a:xfrm>
           <a:prstGeom prst="rect">
             <a:avLst/>
@@ -952,7 +956,7 @@
       </p:sp>
       <p:sp>
         <p:nvSpPr>
-          <p:cNvPr id="257" name="PlaceHolder 2"/>
+          <p:cNvPr id="276" name="PlaceHolder 2"/>
           <p:cNvSpPr>
             <a:spLocks noGrp="1"/>
           </p:cNvSpPr>
@@ -963,7 +967,7 @@
         <p:spPr>
           <a:xfrm>
             <a:off x="685800" y="4400640"/>
-            <a:ext cx="5475240" cy="3589200"/>
+            <a:ext cx="5474880" cy="3588840"/>
           </a:xfrm>
           <a:prstGeom prst="rect">
             <a:avLst/>
@@ -993,18 +997,18 @@
       </p:sp>
       <p:sp>
         <p:nvSpPr>
-          <p:cNvPr id="258" name="PlaceHolder 3"/>
+          <p:cNvPr id="277" name="PlaceHolder 3"/>
           <p:cNvSpPr>
             <a:spLocks noGrp="1"/>
           </p:cNvSpPr>
           <p:nvPr>
-            <p:ph type="sldNum" idx="60"/>
+            <p:ph type="sldNum" idx="64"/>
           </p:nvPr>
         </p:nvSpPr>
         <p:spPr>
           <a:xfrm>
             <a:off x="3884760" y="8685360"/>
-            <a:ext cx="2960640" cy="447480"/>
+            <a:ext cx="2960280" cy="447120"/>
           </a:xfrm>
           <a:prstGeom prst="rect">
             <a:avLst/>
@@ -1047,7 +1051,7 @@
                 <a:tab algn="l" pos="0"/>
               </a:tabLst>
             </a:pPr>
-            <a:fld id="{6B023C5F-14EE-452B-B04A-A1B0005D0ACD}" type="slidenum">
+            <a:fld id="{BB104668-756D-4179-9A31-D10CD487C79F}" type="slidenum">
               <a:rPr b="0" lang="en" sz="1200" strike="noStrike" u="none">
                 <a:solidFill>
                   <a:srgbClr val="000000"/>
@@ -1092,7 +1096,7 @@
       </p:grpSpPr>
       <p:sp>
         <p:nvSpPr>
-          <p:cNvPr id="259" name="PlaceHolder 1"/>
+          <p:cNvPr id="278" name="PlaceHolder 1"/>
           <p:cNvSpPr>
             <a:spLocks noGrp="1"/>
           </p:cNvSpPr>
@@ -1103,7 +1107,7 @@
         <p:spPr>
           <a:xfrm>
             <a:off x="685080" y="1143000"/>
-            <a:ext cx="5476680" cy="3075120"/>
+            <a:ext cx="5476320" cy="3074760"/>
           </a:xfrm>
           <a:prstGeom prst="rect">
             <a:avLst/>
@@ -1115,7 +1119,7 @@
       </p:sp>
       <p:sp>
         <p:nvSpPr>
-          <p:cNvPr id="260" name="PlaceHolder 2"/>
+          <p:cNvPr id="279" name="PlaceHolder 2"/>
           <p:cNvSpPr>
             <a:spLocks noGrp="1"/>
           </p:cNvSpPr>
@@ -1126,7 +1130,7 @@
         <p:spPr>
           <a:xfrm>
             <a:off x="685800" y="4400640"/>
-            <a:ext cx="5475240" cy="3589200"/>
+            <a:ext cx="5474880" cy="3588840"/>
           </a:xfrm>
           <a:prstGeom prst="rect">
             <a:avLst/>
@@ -1156,18 +1160,18 @@
       </p:sp>
       <p:sp>
         <p:nvSpPr>
-          <p:cNvPr id="261" name="PlaceHolder 3"/>
+          <p:cNvPr id="280" name="PlaceHolder 3"/>
           <p:cNvSpPr>
             <a:spLocks noGrp="1"/>
           </p:cNvSpPr>
           <p:nvPr>
-            <p:ph type="sldNum" idx="61"/>
+            <p:ph type="sldNum" idx="65"/>
           </p:nvPr>
         </p:nvSpPr>
         <p:spPr>
           <a:xfrm>
             <a:off x="3884760" y="8685360"/>
-            <a:ext cx="2960640" cy="447480"/>
+            <a:ext cx="2960280" cy="447120"/>
           </a:xfrm>
           <a:prstGeom prst="rect">
             <a:avLst/>
@@ -1210,7 +1214,7 @@
                 <a:tab algn="l" pos="0"/>
               </a:tabLst>
             </a:pPr>
-            <a:fld id="{0C243D55-F60E-48A4-9A07-5BFC56E8E734}" type="slidenum">
+            <a:fld id="{86D1884B-76D1-4BA1-AE37-BD1F31476377}" type="slidenum">
               <a:rPr b="0" lang="en" sz="1200" strike="noStrike" u="none">
                 <a:solidFill>
                   <a:srgbClr val="000000"/>
@@ -1255,7 +1259,7 @@
       </p:grpSpPr>
       <p:sp>
         <p:nvSpPr>
-          <p:cNvPr id="226" name="PlaceHolder 1"/>
+          <p:cNvPr id="245" name="PlaceHolder 1"/>
           <p:cNvSpPr>
             <a:spLocks noGrp="1"/>
           </p:cNvSpPr>
@@ -1266,7 +1270,7 @@
         <p:spPr>
           <a:xfrm>
             <a:off x="685080" y="1143000"/>
-            <a:ext cx="5476680" cy="3075120"/>
+            <a:ext cx="5476320" cy="3074760"/>
           </a:xfrm>
           <a:prstGeom prst="rect">
             <a:avLst/>
@@ -1278,7 +1282,7 @@
       </p:sp>
       <p:sp>
         <p:nvSpPr>
-          <p:cNvPr id="227" name="PlaceHolder 2"/>
+          <p:cNvPr id="246" name="PlaceHolder 2"/>
           <p:cNvSpPr>
             <a:spLocks noGrp="1"/>
           </p:cNvSpPr>
@@ -1289,7 +1293,7 @@
         <p:spPr>
           <a:xfrm>
             <a:off x="685800" y="4400640"/>
-            <a:ext cx="5475240" cy="3589200"/>
+            <a:ext cx="5474880" cy="3588840"/>
           </a:xfrm>
           <a:prstGeom prst="rect">
             <a:avLst/>
@@ -1319,18 +1323,18 @@
       </p:sp>
       <p:sp>
         <p:nvSpPr>
-          <p:cNvPr id="228" name="PlaceHolder 3"/>
+          <p:cNvPr id="247" name="PlaceHolder 3"/>
           <p:cNvSpPr>
             <a:spLocks noGrp="1"/>
           </p:cNvSpPr>
           <p:nvPr>
-            <p:ph type="sldNum" idx="50"/>
+            <p:ph type="sldNum" idx="54"/>
           </p:nvPr>
         </p:nvSpPr>
         <p:spPr>
           <a:xfrm>
             <a:off x="3884760" y="8685360"/>
-            <a:ext cx="2960640" cy="447480"/>
+            <a:ext cx="2960280" cy="447120"/>
           </a:xfrm>
           <a:prstGeom prst="rect">
             <a:avLst/>
@@ -1373,7 +1377,7 @@
                 <a:tab algn="l" pos="0"/>
               </a:tabLst>
             </a:pPr>
-            <a:fld id="{3C126BDD-8B54-44C7-B318-5B8253FF2B28}" type="slidenum">
+            <a:fld id="{3D409ED2-1F2F-4F09-BA1E-4C6F0853F70F}" type="slidenum">
               <a:rPr b="0" lang="en" sz="1200" strike="noStrike" u="none">
                 <a:solidFill>
                   <a:srgbClr val="000000"/>
@@ -1418,7 +1422,7 @@
       </p:grpSpPr>
       <p:sp>
         <p:nvSpPr>
-          <p:cNvPr id="229" name="PlaceHolder 1"/>
+          <p:cNvPr id="248" name="PlaceHolder 1"/>
           <p:cNvSpPr>
             <a:spLocks noGrp="1"/>
           </p:cNvSpPr>
@@ -1429,7 +1433,7 @@
         <p:spPr>
           <a:xfrm>
             <a:off x="685080" y="1143000"/>
-            <a:ext cx="5476680" cy="3075120"/>
+            <a:ext cx="5476320" cy="3074760"/>
           </a:xfrm>
           <a:prstGeom prst="rect">
             <a:avLst/>
@@ -1441,7 +1445,7 @@
       </p:sp>
       <p:sp>
         <p:nvSpPr>
-          <p:cNvPr id="230" name="PlaceHolder 2"/>
+          <p:cNvPr id="249" name="PlaceHolder 2"/>
           <p:cNvSpPr>
             <a:spLocks noGrp="1"/>
           </p:cNvSpPr>
@@ -1452,7 +1456,7 @@
         <p:spPr>
           <a:xfrm>
             <a:off x="685800" y="4400640"/>
-            <a:ext cx="5475240" cy="3589200"/>
+            <a:ext cx="5474880" cy="3588840"/>
           </a:xfrm>
           <a:prstGeom prst="rect">
             <a:avLst/>
@@ -1482,18 +1486,18 @@
       </p:sp>
       <p:sp>
         <p:nvSpPr>
-          <p:cNvPr id="231" name="PlaceHolder 3"/>
+          <p:cNvPr id="250" name="PlaceHolder 3"/>
           <p:cNvSpPr>
             <a:spLocks noGrp="1"/>
           </p:cNvSpPr>
           <p:nvPr>
-            <p:ph type="sldNum" idx="51"/>
+            <p:ph type="sldNum" idx="55"/>
           </p:nvPr>
         </p:nvSpPr>
         <p:spPr>
           <a:xfrm>
             <a:off x="3884760" y="8685360"/>
-            <a:ext cx="2960640" cy="447480"/>
+            <a:ext cx="2960280" cy="447120"/>
           </a:xfrm>
           <a:prstGeom prst="rect">
             <a:avLst/>
@@ -1536,7 +1540,7 @@
                 <a:tab algn="l" pos="0"/>
               </a:tabLst>
             </a:pPr>
-            <a:fld id="{BC60DBAE-2A82-42A1-85E4-E7B810BC3A1F}" type="slidenum">
+            <a:fld id="{F979F4C2-0156-4853-A186-85AE89F7AC53}" type="slidenum">
               <a:rPr b="0" lang="en" sz="1200" strike="noStrike" u="none">
                 <a:solidFill>
                   <a:srgbClr val="000000"/>
@@ -1581,7 +1585,7 @@
       </p:grpSpPr>
       <p:sp>
         <p:nvSpPr>
-          <p:cNvPr id="232" name="PlaceHolder 1"/>
+          <p:cNvPr id="251" name="PlaceHolder 1"/>
           <p:cNvSpPr>
             <a:spLocks noGrp="1"/>
           </p:cNvSpPr>
@@ -1592,7 +1596,7 @@
         <p:spPr>
           <a:xfrm>
             <a:off x="685080" y="1143000"/>
-            <a:ext cx="5476680" cy="3075120"/>
+            <a:ext cx="5476320" cy="3074760"/>
           </a:xfrm>
           <a:prstGeom prst="rect">
             <a:avLst/>
@@ -1604,7 +1608,7 @@
       </p:sp>
       <p:sp>
         <p:nvSpPr>
-          <p:cNvPr id="233" name="PlaceHolder 2"/>
+          <p:cNvPr id="252" name="PlaceHolder 2"/>
           <p:cNvSpPr>
             <a:spLocks noGrp="1"/>
           </p:cNvSpPr>
@@ -1615,7 +1619,7 @@
         <p:spPr>
           <a:xfrm>
             <a:off x="685800" y="4400640"/>
-            <a:ext cx="5475240" cy="3589200"/>
+            <a:ext cx="5474880" cy="3588840"/>
           </a:xfrm>
           <a:prstGeom prst="rect">
             <a:avLst/>
@@ -1645,18 +1649,18 @@
       </p:sp>
       <p:sp>
         <p:nvSpPr>
-          <p:cNvPr id="234" name="PlaceHolder 3"/>
+          <p:cNvPr id="253" name="PlaceHolder 3"/>
           <p:cNvSpPr>
             <a:spLocks noGrp="1"/>
           </p:cNvSpPr>
           <p:nvPr>
-            <p:ph type="sldNum" idx="52"/>
+            <p:ph type="sldNum" idx="56"/>
           </p:nvPr>
         </p:nvSpPr>
         <p:spPr>
           <a:xfrm>
             <a:off x="3884760" y="8685360"/>
-            <a:ext cx="2960640" cy="447480"/>
+            <a:ext cx="2960280" cy="447120"/>
           </a:xfrm>
           <a:prstGeom prst="rect">
             <a:avLst/>
@@ -1699,7 +1703,7 @@
                 <a:tab algn="l" pos="0"/>
               </a:tabLst>
             </a:pPr>
-            <a:fld id="{980E9B34-6A88-404E-A308-1C83C3325166}" type="slidenum">
+            <a:fld id="{08DA9B7F-34A4-431A-9871-0FB457A2BE01}" type="slidenum">
               <a:rPr b="0" lang="en" sz="1200" strike="noStrike" u="none">
                 <a:solidFill>
                   <a:srgbClr val="000000"/>
@@ -1744,7 +1748,7 @@
       </p:grpSpPr>
       <p:sp>
         <p:nvSpPr>
-          <p:cNvPr id="235" name="PlaceHolder 1"/>
+          <p:cNvPr id="254" name="PlaceHolder 1"/>
           <p:cNvSpPr>
             <a:spLocks noGrp="1"/>
           </p:cNvSpPr>
@@ -1755,7 +1759,7 @@
         <p:spPr>
           <a:xfrm>
             <a:off x="685080" y="1143000"/>
-            <a:ext cx="5476680" cy="3075120"/>
+            <a:ext cx="5476320" cy="3074760"/>
           </a:xfrm>
           <a:prstGeom prst="rect">
             <a:avLst/>
@@ -1767,7 +1771,7 @@
       </p:sp>
       <p:sp>
         <p:nvSpPr>
-          <p:cNvPr id="236" name="PlaceHolder 2"/>
+          <p:cNvPr id="255" name="PlaceHolder 2"/>
           <p:cNvSpPr>
             <a:spLocks noGrp="1"/>
           </p:cNvSpPr>
@@ -1778,7 +1782,7 @@
         <p:spPr>
           <a:xfrm>
             <a:off x="685800" y="4400640"/>
-            <a:ext cx="5475240" cy="3589200"/>
+            <a:ext cx="5474880" cy="3588840"/>
           </a:xfrm>
           <a:prstGeom prst="rect">
             <a:avLst/>
@@ -1808,18 +1812,18 @@
       </p:sp>
       <p:sp>
         <p:nvSpPr>
-          <p:cNvPr id="237" name="PlaceHolder 3"/>
+          <p:cNvPr id="256" name="PlaceHolder 3"/>
           <p:cNvSpPr>
             <a:spLocks noGrp="1"/>
           </p:cNvSpPr>
           <p:nvPr>
-            <p:ph type="sldNum" idx="53"/>
+            <p:ph type="sldNum" idx="57"/>
           </p:nvPr>
         </p:nvSpPr>
         <p:spPr>
           <a:xfrm>
             <a:off x="3884760" y="8685360"/>
-            <a:ext cx="2960640" cy="447480"/>
+            <a:ext cx="2960280" cy="447120"/>
           </a:xfrm>
           <a:prstGeom prst="rect">
             <a:avLst/>
@@ -1862,7 +1866,7 @@
                 <a:tab algn="l" pos="0"/>
               </a:tabLst>
             </a:pPr>
-            <a:fld id="{14DC2CC8-8273-4CAE-94F8-EB8F5562A7C3}" type="slidenum">
+            <a:fld id="{E9865A78-A456-4861-AB6B-5E1B189A8E44}" type="slidenum">
               <a:rPr b="0" lang="en" sz="1200" strike="noStrike" u="none">
                 <a:solidFill>
                   <a:srgbClr val="000000"/>
@@ -1907,7 +1911,7 @@
       </p:grpSpPr>
       <p:sp>
         <p:nvSpPr>
-          <p:cNvPr id="238" name="PlaceHolder 1"/>
+          <p:cNvPr id="257" name="PlaceHolder 1"/>
           <p:cNvSpPr>
             <a:spLocks noGrp="1"/>
           </p:cNvSpPr>
@@ -1918,7 +1922,7 @@
         <p:spPr>
           <a:xfrm>
             <a:off x="685080" y="1143000"/>
-            <a:ext cx="5476680" cy="3075120"/>
+            <a:ext cx="5476320" cy="3074760"/>
           </a:xfrm>
           <a:prstGeom prst="rect">
             <a:avLst/>
@@ -1930,7 +1934,7 @@
       </p:sp>
       <p:sp>
         <p:nvSpPr>
-          <p:cNvPr id="239" name="PlaceHolder 2"/>
+          <p:cNvPr id="258" name="PlaceHolder 2"/>
           <p:cNvSpPr>
             <a:spLocks noGrp="1"/>
           </p:cNvSpPr>
@@ -1941,7 +1945,7 @@
         <p:spPr>
           <a:xfrm>
             <a:off x="685800" y="4400640"/>
-            <a:ext cx="5475240" cy="3589200"/>
+            <a:ext cx="5474880" cy="3588840"/>
           </a:xfrm>
           <a:prstGeom prst="rect">
             <a:avLst/>
@@ -1971,18 +1975,18 @@
       </p:sp>
       <p:sp>
         <p:nvSpPr>
-          <p:cNvPr id="240" name="PlaceHolder 3"/>
+          <p:cNvPr id="259" name="PlaceHolder 3"/>
           <p:cNvSpPr>
             <a:spLocks noGrp="1"/>
           </p:cNvSpPr>
           <p:nvPr>
-            <p:ph type="sldNum" idx="54"/>
+            <p:ph type="sldNum" idx="58"/>
           </p:nvPr>
         </p:nvSpPr>
         <p:spPr>
           <a:xfrm>
             <a:off x="3884760" y="8685360"/>
-            <a:ext cx="2960640" cy="447480"/>
+            <a:ext cx="2960280" cy="447120"/>
           </a:xfrm>
           <a:prstGeom prst="rect">
             <a:avLst/>
@@ -2025,7 +2029,7 @@
                 <a:tab algn="l" pos="0"/>
               </a:tabLst>
             </a:pPr>
-            <a:fld id="{D9D64210-CB2F-4C04-87DE-FA27539D800A}" type="slidenum">
+            <a:fld id="{4477DF4A-8016-4949-B881-EDB6743E8F54}" type="slidenum">
               <a:rPr b="0" lang="en" sz="1200" strike="noStrike" u="none">
                 <a:solidFill>
                   <a:srgbClr val="000000"/>
@@ -2070,7 +2074,7 @@
       </p:grpSpPr>
       <p:sp>
         <p:nvSpPr>
-          <p:cNvPr id="241" name="PlaceHolder 1"/>
+          <p:cNvPr id="260" name="PlaceHolder 1"/>
           <p:cNvSpPr>
             <a:spLocks noGrp="1"/>
           </p:cNvSpPr>
@@ -2081,7 +2085,7 @@
         <p:spPr>
           <a:xfrm>
             <a:off x="685080" y="1143000"/>
-            <a:ext cx="5476680" cy="3075120"/>
+            <a:ext cx="5476320" cy="3074760"/>
           </a:xfrm>
           <a:prstGeom prst="rect">
             <a:avLst/>
@@ -2093,7 +2097,7 @@
       </p:sp>
       <p:sp>
         <p:nvSpPr>
-          <p:cNvPr id="242" name="PlaceHolder 2"/>
+          <p:cNvPr id="261" name="PlaceHolder 2"/>
           <p:cNvSpPr>
             <a:spLocks noGrp="1"/>
           </p:cNvSpPr>
@@ -2104,7 +2108,7 @@
         <p:spPr>
           <a:xfrm>
             <a:off x="685800" y="4400640"/>
-            <a:ext cx="5475240" cy="3589200"/>
+            <a:ext cx="5474880" cy="3588840"/>
           </a:xfrm>
           <a:prstGeom prst="rect">
             <a:avLst/>
@@ -2134,18 +2138,18 @@
       </p:sp>
       <p:sp>
         <p:nvSpPr>
-          <p:cNvPr id="243" name="PlaceHolder 3"/>
+          <p:cNvPr id="262" name="PlaceHolder 3"/>
           <p:cNvSpPr>
             <a:spLocks noGrp="1"/>
           </p:cNvSpPr>
           <p:nvPr>
-            <p:ph type="sldNum" idx="55"/>
+            <p:ph type="sldNum" idx="59"/>
           </p:nvPr>
         </p:nvSpPr>
         <p:spPr>
           <a:xfrm>
             <a:off x="3884760" y="8685360"/>
-            <a:ext cx="2960640" cy="447480"/>
+            <a:ext cx="2960280" cy="447120"/>
           </a:xfrm>
           <a:prstGeom prst="rect">
             <a:avLst/>
@@ -2188,7 +2192,7 @@
                 <a:tab algn="l" pos="0"/>
               </a:tabLst>
             </a:pPr>
-            <a:fld id="{A04D9D0E-7586-401D-B73A-B1F14EE6FFDB}" type="slidenum">
+            <a:fld id="{F881E832-3AF6-4C2E-A6A6-851EE5A2F0AD}" type="slidenum">
               <a:rPr b="0" lang="en" sz="1200" strike="noStrike" u="none">
                 <a:solidFill>
                   <a:srgbClr val="000000"/>
@@ -2233,7 +2237,7 @@
       </p:grpSpPr>
       <p:sp>
         <p:nvSpPr>
-          <p:cNvPr id="244" name="PlaceHolder 1"/>
+          <p:cNvPr id="263" name="PlaceHolder 1"/>
           <p:cNvSpPr>
             <a:spLocks noGrp="1"/>
           </p:cNvSpPr>
@@ -2244,7 +2248,7 @@
         <p:spPr>
           <a:xfrm>
             <a:off x="685080" y="1143000"/>
-            <a:ext cx="5476680" cy="3075120"/>
+            <a:ext cx="5476320" cy="3074760"/>
           </a:xfrm>
           <a:prstGeom prst="rect">
             <a:avLst/>
@@ -2256,7 +2260,7 @@
       </p:sp>
       <p:sp>
         <p:nvSpPr>
-          <p:cNvPr id="245" name="PlaceHolder 2"/>
+          <p:cNvPr id="264" name="PlaceHolder 2"/>
           <p:cNvSpPr>
             <a:spLocks noGrp="1"/>
           </p:cNvSpPr>
@@ -2267,7 +2271,7 @@
         <p:spPr>
           <a:xfrm>
             <a:off x="685800" y="4400640"/>
-            <a:ext cx="5475240" cy="3589200"/>
+            <a:ext cx="5474880" cy="3588840"/>
           </a:xfrm>
           <a:prstGeom prst="rect">
             <a:avLst/>
@@ -2297,18 +2301,18 @@
       </p:sp>
       <p:sp>
         <p:nvSpPr>
-          <p:cNvPr id="246" name="PlaceHolder 3"/>
+          <p:cNvPr id="265" name="PlaceHolder 3"/>
           <p:cNvSpPr>
             <a:spLocks noGrp="1"/>
           </p:cNvSpPr>
           <p:nvPr>
-            <p:ph type="sldNum" idx="56"/>
+            <p:ph type="sldNum" idx="60"/>
           </p:nvPr>
         </p:nvSpPr>
         <p:spPr>
           <a:xfrm>
             <a:off x="3884760" y="8685360"/>
-            <a:ext cx="2960640" cy="447480"/>
+            <a:ext cx="2960280" cy="447120"/>
           </a:xfrm>
           <a:prstGeom prst="rect">
             <a:avLst/>
@@ -2351,7 +2355,7 @@
                 <a:tab algn="l" pos="0"/>
               </a:tabLst>
             </a:pPr>
-            <a:fld id="{CF5CC3B4-F6B5-4525-862F-C8BEF066CB30}" type="slidenum">
+            <a:fld id="{9F6C4397-C8CF-4E96-BE65-FC16322D04A6}" type="slidenum">
               <a:rPr b="0" lang="en" sz="1200" strike="noStrike" u="none">
                 <a:solidFill>
                   <a:srgbClr val="000000"/>
@@ -2396,7 +2400,7 @@
       </p:grpSpPr>
       <p:sp>
         <p:nvSpPr>
-          <p:cNvPr id="247" name="PlaceHolder 1"/>
+          <p:cNvPr id="266" name="PlaceHolder 1"/>
           <p:cNvSpPr>
             <a:spLocks noGrp="1"/>
           </p:cNvSpPr>
@@ -2407,7 +2411,7 @@
         <p:spPr>
           <a:xfrm>
             <a:off x="685080" y="1143000"/>
-            <a:ext cx="5476680" cy="3075120"/>
+            <a:ext cx="5476320" cy="3074760"/>
           </a:xfrm>
           <a:prstGeom prst="rect">
             <a:avLst/>
@@ -2419,7 +2423,7 @@
       </p:sp>
       <p:sp>
         <p:nvSpPr>
-          <p:cNvPr id="248" name="PlaceHolder 2"/>
+          <p:cNvPr id="267" name="PlaceHolder 2"/>
           <p:cNvSpPr>
             <a:spLocks noGrp="1"/>
           </p:cNvSpPr>
@@ -2430,7 +2434,7 @@
         <p:spPr>
           <a:xfrm>
             <a:off x="685800" y="4400640"/>
-            <a:ext cx="5475240" cy="3589200"/>
+            <a:ext cx="5474880" cy="3588840"/>
           </a:xfrm>
           <a:prstGeom prst="rect">
             <a:avLst/>
@@ -2460,18 +2464,18 @@
       </p:sp>
       <p:sp>
         <p:nvSpPr>
-          <p:cNvPr id="249" name="PlaceHolder 3"/>
+          <p:cNvPr id="268" name="PlaceHolder 3"/>
           <p:cNvSpPr>
             <a:spLocks noGrp="1"/>
           </p:cNvSpPr>
           <p:nvPr>
-            <p:ph type="sldNum" idx="57"/>
+            <p:ph type="sldNum" idx="61"/>
           </p:nvPr>
         </p:nvSpPr>
         <p:spPr>
           <a:xfrm>
             <a:off x="3884760" y="8685360"/>
-            <a:ext cx="2960640" cy="447480"/>
+            <a:ext cx="2960280" cy="447120"/>
           </a:xfrm>
           <a:prstGeom prst="rect">
             <a:avLst/>
@@ -2514,7 +2518,7 @@
                 <a:tab algn="l" pos="0"/>
               </a:tabLst>
             </a:pPr>
-            <a:fld id="{0203CA5D-A944-4AD4-AF98-8795742B2F6A}" type="slidenum">
+            <a:fld id="{2E2D8E35-A81E-4BB6-BCE4-26FE34AEC8C6}" type="slidenum">
               <a:rPr b="0" lang="en" sz="1200" strike="noStrike" u="none">
                 <a:solidFill>
                   <a:srgbClr val="000000"/>
@@ -2653,7 +2657,7 @@
         <p:txBody>
           <a:bodyPr/>
           <a:p>
-            <a:fld id="{4B41E20A-422F-497B-97DB-0B978A2F7821}" type="slidenum">
+            <a:fld id="{0DE9C971-A253-4D7D-B0E3-488560E2C56B}" type="slidenum">
               <a:t>&lt;#&gt;</a:t>
             </a:fld>
           </a:p>
@@ -2736,7 +2740,7 @@
         <p:txBody>
           <a:bodyPr/>
           <a:p>
-            <a:fld id="{09ACFF91-B4CE-4F2E-8C15-8BEFCC3C7B44}" type="slidenum">
+            <a:fld id="{E594059A-A2A5-438A-A4B2-6CD6FF1DF4F4}" type="slidenum">
               <a:t>&lt;#&gt;</a:t>
             </a:fld>
           </a:p>
@@ -2860,7 +2864,7 @@
         <p:txBody>
           <a:bodyPr/>
           <a:p>
-            <a:fld id="{EEBDB6E1-A863-48C9-A43C-9715C989BB5B}" type="slidenum">
+            <a:fld id="{6ED864B2-56B0-4D12-858F-87C35294746F}" type="slidenum">
               <a:t>&lt;#&gt;</a:t>
             </a:fld>
           </a:p>
@@ -2987,7 +2991,7 @@
         <p:txBody>
           <a:bodyPr/>
           <a:p>
-            <a:fld id="{21CA01A7-180A-4AFA-96E4-99467473C598}" type="slidenum">
+            <a:fld id="{4E4E3C40-5EC3-4E89-82EF-9108A0F0B613}" type="slidenum">
               <a:t>&lt;#&gt;</a:t>
             </a:fld>
           </a:p>
@@ -3158,7 +3162,7 @@
         <p:txBody>
           <a:bodyPr/>
           <a:p>
-            <a:fld id="{F0546DF9-326D-4D01-AEA0-7EC9A10D0D9B}" type="slidenum">
+            <a:fld id="{40411B48-9836-4969-AD21-4F437C29EB19}" type="slidenum">
               <a:t>&lt;#&gt;</a:t>
             </a:fld>
           </a:p>
@@ -3241,7 +3245,7 @@
         <p:txBody>
           <a:bodyPr/>
           <a:p>
-            <a:fld id="{EA292587-DE49-43FF-AA08-57B53894D61C}" type="slidenum">
+            <a:fld id="{616DD69D-136F-41C4-BDED-50B43B1345FD}" type="slidenum">
               <a:t>&lt;#&gt;</a:t>
             </a:fld>
           </a:p>
@@ -3365,7 +3369,7 @@
         <p:txBody>
           <a:bodyPr/>
           <a:p>
-            <a:fld id="{EC539571-4F02-4763-9D76-FEE2DB8BAF83}" type="slidenum">
+            <a:fld id="{C1A9C6AD-4096-42DD-B0FC-A27FF90954D0}" type="slidenum">
               <a:t>&lt;#&gt;</a:t>
             </a:fld>
           </a:p>
@@ -3492,7 +3496,7 @@
         <p:txBody>
           <a:bodyPr/>
           <a:p>
-            <a:fld id="{77E39962-3EEC-469C-9C92-76D75225918F}" type="slidenum">
+            <a:fld id="{7B04D023-30EF-4B2B-8342-98B24CB25265}" type="slidenum">
               <a:t>&lt;#&gt;</a:t>
             </a:fld>
           </a:p>
@@ -3663,7 +3667,7 @@
         <p:txBody>
           <a:bodyPr/>
           <a:p>
-            <a:fld id="{15D14A3E-0D96-40DE-B7F0-EDE9B3A5D244}" type="slidenum">
+            <a:fld id="{710E18D0-25C1-409C-8F64-0E23C8EFEE3E}" type="slidenum">
               <a:t>&lt;#&gt;</a:t>
             </a:fld>
           </a:p>
@@ -3746,7 +3750,7 @@
         <p:txBody>
           <a:bodyPr/>
           <a:p>
-            <a:fld id="{45F3567C-3298-406D-809E-23E5B81DAC2E}" type="slidenum">
+            <a:fld id="{1C493DF3-36C7-45DC-AC95-6FB8C988DEA7}" type="slidenum">
               <a:t>&lt;#&gt;</a:t>
             </a:fld>
           </a:p>
@@ -3870,7 +3874,7 @@
         <p:txBody>
           <a:bodyPr/>
           <a:p>
-            <a:fld id="{8F52F37C-C5E1-485B-A240-E4689D16D2F1}" type="slidenum">
+            <a:fld id="{FCA0AE2D-3C96-457B-9008-D75BB134A349}" type="slidenum">
               <a:t>&lt;#&gt;</a:t>
             </a:fld>
           </a:p>
@@ -3912,7 +3916,7 @@
         <p:txBody>
           <a:bodyPr/>
           <a:p>
-            <a:fld id="{0ACF7FAC-2A93-4C27-A76B-DB99076E1396}" type="slidenum">
+            <a:fld id="{9D080977-E385-499B-A488-180178778D46}" type="slidenum">
               <a:t>&lt;#&gt;</a:t>
             </a:fld>
           </a:p>
@@ -4039,7 +4043,7 @@
         <p:txBody>
           <a:bodyPr/>
           <a:p>
-            <a:fld id="{95DC5BFE-43C7-4B67-B881-DBAE1E46D9CF}" type="slidenum">
+            <a:fld id="{436402AD-79E8-4261-BC33-BE772730B3ED}" type="slidenum">
               <a:t>&lt;#&gt;</a:t>
             </a:fld>
           </a:p>
@@ -4210,7 +4214,7 @@
         <p:txBody>
           <a:bodyPr/>
           <a:p>
-            <a:fld id="{4D300B1C-1766-4133-A032-63A1CBB2A8BA}" type="slidenum">
+            <a:fld id="{A3B224B8-B268-430A-869F-DD201FAE2ADC}" type="slidenum">
               <a:t>&lt;#&gt;</a:t>
             </a:fld>
           </a:p>
@@ -4293,7 +4297,7 @@
         <p:txBody>
           <a:bodyPr/>
           <a:p>
-            <a:fld id="{35A7880A-B048-457D-A7C0-A2D9D63D83B6}" type="slidenum">
+            <a:fld id="{75CC2E8C-47B9-4C08-A94B-3D5C75090FED}" type="slidenum">
               <a:t>&lt;#&gt;</a:t>
             </a:fld>
           </a:p>
@@ -4417,7 +4421,7 @@
         <p:txBody>
           <a:bodyPr/>
           <a:p>
-            <a:fld id="{439EE406-FDB5-4362-89F7-6BBDA8FFBDEF}" type="slidenum">
+            <a:fld id="{7C3B58F0-EE36-44DC-A893-54DB6790F68F}" type="slidenum">
               <a:t>&lt;#&gt;</a:t>
             </a:fld>
           </a:p>
@@ -4544,7 +4548,7 @@
         <p:txBody>
           <a:bodyPr/>
           <a:p>
-            <a:fld id="{0BB1B4BB-2DC4-4CE7-9E22-23AD1B88DEB9}" type="slidenum">
+            <a:fld id="{7EC291A2-AE1A-49D9-A0E9-EC3BE125207C}" type="slidenum">
               <a:t>&lt;#&gt;</a:t>
             </a:fld>
           </a:p>
@@ -4557,261 +4561,7 @@
 
 <file path=ppt/slideLayouts/slideLayout25.xml><?xml version="1.0" encoding="utf-8"?>
 <p:sldLayout xmlns:a="http://schemas.openxmlformats.org/drawingml/2006/main" xmlns:p="http://schemas.openxmlformats.org/presentationml/2006/main" xmlns:r="http://schemas.openxmlformats.org/officeDocument/2006/relationships" xmlns:p14="http://schemas.microsoft.com/office/powerpoint/2010/main" xmlns:p15="http://schemas.microsoft.com/office/powerpoint/2012/main" xmlns:mc="http://schemas.openxmlformats.org/markup-compatibility/2006" type="twoObj" preserve="1">
-  <p:cSld name="Default 20">
-    <p:spTree>
-      <p:nvGrpSpPr>
-        <p:cNvPr id="1" name=""/>
-        <p:cNvGrpSpPr/>
-        <p:nvPr/>
-      </p:nvGrpSpPr>
-      <p:grpSpPr>
-        <a:xfrm>
-          <a:off x="0" y="0"/>
-          <a:ext cx="0" cy="0"/>
-          <a:chOff x="0" y="0"/>
-          <a:chExt cx="0" cy="0"/>
-        </a:xfrm>
-      </p:grpSpPr>
-      <p:sp>
-        <p:nvSpPr>
-          <p:cNvPr id="109" name="PlaceHolder 1"/>
-          <p:cNvSpPr>
-            <a:spLocks noGrp="1"/>
-          </p:cNvSpPr>
-          <p:nvPr>
-            <p:ph type="title"/>
-          </p:nvPr>
-        </p:nvSpPr>
-        <p:spPr>
-          <a:xfrm>
-            <a:off x="457200" y="205200"/>
-            <a:ext cx="8229240" cy="858600"/>
-          </a:xfrm>
-          <a:prstGeom prst="rect">
-            <a:avLst/>
-          </a:prstGeom>
-          <a:noFill/>
-          <a:ln w="0">
-            <a:noFill/>
-          </a:ln>
-        </p:spPr>
-        <p:txBody>
-          <a:bodyPr lIns="0" rIns="0" tIns="0" bIns="0" anchor="ctr">
-            <a:noAutofit/>
-          </a:bodyPr>
-          <a:p>
-            <a:pPr indent="0" algn="ctr">
-              <a:buNone/>
-            </a:pPr>
-            <a:endParaRPr b="0" lang="en-US" sz="4400" strike="noStrike" u="none">
-              <a:solidFill>
-                <a:srgbClr val="000000"/>
-              </a:solidFill>
-              <a:uFillTx/>
-              <a:latin typeface="Arial"/>
-            </a:endParaRPr>
-          </a:p>
-        </p:txBody>
-      </p:sp>
-      <p:sp>
-        <p:nvSpPr>
-          <p:cNvPr id="110" name="PlaceHolder 2"/>
-          <p:cNvSpPr>
-            <a:spLocks noGrp="1"/>
-          </p:cNvSpPr>
-          <p:nvPr>
-            <p:ph/>
-          </p:nvPr>
-        </p:nvSpPr>
-        <p:spPr>
-          <a:xfrm>
-            <a:off x="457200" y="1203480"/>
-            <a:ext cx="4015800" cy="2982960"/>
-          </a:xfrm>
-          <a:prstGeom prst="rect">
-            <a:avLst/>
-          </a:prstGeom>
-          <a:noFill/>
-          <a:ln w="0">
-            <a:noFill/>
-          </a:ln>
-        </p:spPr>
-        <p:txBody>
-          <a:bodyPr lIns="0" rIns="0" tIns="0" bIns="0" anchor="t">
-            <a:normAutofit/>
-          </a:bodyPr>
-          <a:p>
-            <a:pPr indent="0">
-              <a:spcBef>
-                <a:spcPts val="1417"/>
-              </a:spcBef>
-              <a:buNone/>
-            </a:pPr>
-            <a:endParaRPr b="0" lang="en-US" sz="3200" strike="noStrike" u="none">
-              <a:solidFill>
-                <a:srgbClr val="000000"/>
-              </a:solidFill>
-              <a:uFillTx/>
-              <a:latin typeface="Arial"/>
-            </a:endParaRPr>
-          </a:p>
-        </p:txBody>
-      </p:sp>
-      <p:sp>
-        <p:nvSpPr>
-          <p:cNvPr id="111" name="PlaceHolder 3"/>
-          <p:cNvSpPr>
-            <a:spLocks noGrp="1"/>
-          </p:cNvSpPr>
-          <p:nvPr>
-            <p:ph/>
-          </p:nvPr>
-        </p:nvSpPr>
-        <p:spPr>
-          <a:xfrm>
-            <a:off x="4674240" y="1203480"/>
-            <a:ext cx="4015800" cy="2982960"/>
-          </a:xfrm>
-          <a:prstGeom prst="rect">
-            <a:avLst/>
-          </a:prstGeom>
-          <a:noFill/>
-          <a:ln w="0">
-            <a:noFill/>
-          </a:ln>
-        </p:spPr>
-        <p:txBody>
-          <a:bodyPr lIns="0" rIns="0" tIns="0" bIns="0" anchor="t">
-            <a:normAutofit/>
-          </a:bodyPr>
-          <a:p>
-            <a:pPr indent="0">
-              <a:spcBef>
-                <a:spcPts val="1417"/>
-              </a:spcBef>
-              <a:buNone/>
-            </a:pPr>
-            <a:endParaRPr b="0" lang="en-US" sz="3200" strike="noStrike" u="none">
-              <a:solidFill>
-                <a:srgbClr val="000000"/>
-              </a:solidFill>
-              <a:uFillTx/>
-              <a:latin typeface="Arial"/>
-            </a:endParaRPr>
-          </a:p>
-        </p:txBody>
-      </p:sp>
-      <p:sp>
-        <p:nvSpPr>
-          <p:cNvPr id="5" name="PlaceHolder 4"/>
-          <p:cNvSpPr>
-            <a:spLocks noGrp="1"/>
-          </p:cNvSpPr>
-          <p:nvPr>
-            <p:ph type="sldNum" idx="24"/>
-          </p:nvPr>
-        </p:nvSpPr>
-        <p:spPr/>
-        <p:txBody>
-          <a:bodyPr/>
-          <a:p>
-            <a:fld id="{9BB02A83-39C5-4404-BC01-70DDA777B59D}" type="slidenum">
-              <a:t>&lt;#&gt;</a:t>
-            </a:fld>
-          </a:p>
-        </p:txBody>
-      </p:sp>
-    </p:spTree>
-  </p:cSld>
-</p:sldLayout>
-</file>
-
-<file path=ppt/slideLayouts/slideLayout26.xml><?xml version="1.0" encoding="utf-8"?>
-<p:sldLayout xmlns:a="http://schemas.openxmlformats.org/drawingml/2006/main" xmlns:p="http://schemas.openxmlformats.org/presentationml/2006/main" xmlns:r="http://schemas.openxmlformats.org/officeDocument/2006/relationships" xmlns:p14="http://schemas.microsoft.com/office/powerpoint/2010/main" xmlns:p15="http://schemas.microsoft.com/office/powerpoint/2012/main" xmlns:mc="http://schemas.openxmlformats.org/markup-compatibility/2006" type="titleOnly" preserve="1">
-  <p:cSld name="Default 20">
-    <p:spTree>
-      <p:nvGrpSpPr>
-        <p:cNvPr id="1" name=""/>
-        <p:cNvGrpSpPr/>
-        <p:nvPr/>
-      </p:nvGrpSpPr>
-      <p:grpSpPr>
-        <a:xfrm>
-          <a:off x="0" y="0"/>
-          <a:ext cx="0" cy="0"/>
-          <a:chOff x="0" y="0"/>
-          <a:chExt cx="0" cy="0"/>
-        </a:xfrm>
-      </p:grpSpPr>
-      <p:sp>
-        <p:nvSpPr>
-          <p:cNvPr id="112" name="PlaceHolder 1"/>
-          <p:cNvSpPr>
-            <a:spLocks noGrp="1"/>
-          </p:cNvSpPr>
-          <p:nvPr>
-            <p:ph type="title"/>
-          </p:nvPr>
-        </p:nvSpPr>
-        <p:spPr>
-          <a:xfrm>
-            <a:off x="457200" y="205200"/>
-            <a:ext cx="8229240" cy="858600"/>
-          </a:xfrm>
-          <a:prstGeom prst="rect">
-            <a:avLst/>
-          </a:prstGeom>
-          <a:noFill/>
-          <a:ln w="0">
-            <a:noFill/>
-          </a:ln>
-        </p:spPr>
-        <p:txBody>
-          <a:bodyPr lIns="0" rIns="0" tIns="0" bIns="0" anchor="ctr">
-            <a:noAutofit/>
-          </a:bodyPr>
-          <a:p>
-            <a:pPr indent="0" algn="ctr">
-              <a:buNone/>
-            </a:pPr>
-            <a:endParaRPr b="0" lang="en-US" sz="4400" strike="noStrike" u="none">
-              <a:solidFill>
-                <a:srgbClr val="000000"/>
-              </a:solidFill>
-              <a:uFillTx/>
-              <a:latin typeface="Arial"/>
-            </a:endParaRPr>
-          </a:p>
-        </p:txBody>
-      </p:sp>
-      <p:sp>
-        <p:nvSpPr>
-          <p:cNvPr id="3" name="PlaceHolder 2"/>
-          <p:cNvSpPr>
-            <a:spLocks noGrp="1"/>
-          </p:cNvSpPr>
-          <p:nvPr>
-            <p:ph type="sldNum" idx="24"/>
-          </p:nvPr>
-        </p:nvSpPr>
-        <p:spPr/>
-        <p:txBody>
-          <a:bodyPr/>
-          <a:p>
-            <a:fld id="{ED7D3D83-F7D6-4D12-AE82-EF63FA42D345}" type="slidenum">
-              <a:t>&lt;#&gt;</a:t>
-            </a:fld>
-          </a:p>
-        </p:txBody>
-      </p:sp>
-    </p:spTree>
-  </p:cSld>
-</p:sldLayout>
-</file>
-
-<file path=ppt/slideLayouts/slideLayout27.xml><?xml version="1.0" encoding="utf-8"?>
-<p:sldLayout xmlns:a="http://schemas.openxmlformats.org/drawingml/2006/main" xmlns:p="http://schemas.openxmlformats.org/presentationml/2006/main" xmlns:r="http://schemas.openxmlformats.org/officeDocument/2006/relationships" xmlns:p14="http://schemas.microsoft.com/office/powerpoint/2010/main" xmlns:p15="http://schemas.microsoft.com/office/powerpoint/2012/main" xmlns:mc="http://schemas.openxmlformats.org/markup-compatibility/2006" type="title" preserve="1">
-  <p:cSld name="Default 20">
+  <p:cSld name="Default 21">
     <p:spTree>
       <p:nvGrpSpPr>
         <p:cNvPr id="1" name=""/>
@@ -4874,6 +4624,260 @@
             <a:spLocks noGrp="1"/>
           </p:cNvSpPr>
           <p:nvPr>
+            <p:ph/>
+          </p:nvPr>
+        </p:nvSpPr>
+        <p:spPr>
+          <a:xfrm>
+            <a:off x="457200" y="1203480"/>
+            <a:ext cx="4015800" cy="2982960"/>
+          </a:xfrm>
+          <a:prstGeom prst="rect">
+            <a:avLst/>
+          </a:prstGeom>
+          <a:noFill/>
+          <a:ln w="0">
+            <a:noFill/>
+          </a:ln>
+        </p:spPr>
+        <p:txBody>
+          <a:bodyPr lIns="0" rIns="0" tIns="0" bIns="0" anchor="t">
+            <a:normAutofit/>
+          </a:bodyPr>
+          <a:p>
+            <a:pPr indent="0">
+              <a:spcBef>
+                <a:spcPts val="1417"/>
+              </a:spcBef>
+              <a:buNone/>
+            </a:pPr>
+            <a:endParaRPr b="0" lang="en-US" sz="3200" strike="noStrike" u="none">
+              <a:solidFill>
+                <a:srgbClr val="000000"/>
+              </a:solidFill>
+              <a:uFillTx/>
+              <a:latin typeface="Arial"/>
+            </a:endParaRPr>
+          </a:p>
+        </p:txBody>
+      </p:sp>
+      <p:sp>
+        <p:nvSpPr>
+          <p:cNvPr id="115" name="PlaceHolder 3"/>
+          <p:cNvSpPr>
+            <a:spLocks noGrp="1"/>
+          </p:cNvSpPr>
+          <p:nvPr>
+            <p:ph/>
+          </p:nvPr>
+        </p:nvSpPr>
+        <p:spPr>
+          <a:xfrm>
+            <a:off x="4674240" y="1203480"/>
+            <a:ext cx="4015800" cy="2982960"/>
+          </a:xfrm>
+          <a:prstGeom prst="rect">
+            <a:avLst/>
+          </a:prstGeom>
+          <a:noFill/>
+          <a:ln w="0">
+            <a:noFill/>
+          </a:ln>
+        </p:spPr>
+        <p:txBody>
+          <a:bodyPr lIns="0" rIns="0" tIns="0" bIns="0" anchor="t">
+            <a:normAutofit/>
+          </a:bodyPr>
+          <a:p>
+            <a:pPr indent="0">
+              <a:spcBef>
+                <a:spcPts val="1417"/>
+              </a:spcBef>
+              <a:buNone/>
+            </a:pPr>
+            <a:endParaRPr b="0" lang="en-US" sz="3200" strike="noStrike" u="none">
+              <a:solidFill>
+                <a:srgbClr val="000000"/>
+              </a:solidFill>
+              <a:uFillTx/>
+              <a:latin typeface="Arial"/>
+            </a:endParaRPr>
+          </a:p>
+        </p:txBody>
+      </p:sp>
+      <p:sp>
+        <p:nvSpPr>
+          <p:cNvPr id="5" name="PlaceHolder 4"/>
+          <p:cNvSpPr>
+            <a:spLocks noGrp="1"/>
+          </p:cNvSpPr>
+          <p:nvPr>
+            <p:ph type="sldNum" idx="25"/>
+          </p:nvPr>
+        </p:nvSpPr>
+        <p:spPr/>
+        <p:txBody>
+          <a:bodyPr/>
+          <a:p>
+            <a:fld id="{57671226-84DA-40C5-B48C-CC3BD1532973}" type="slidenum">
+              <a:t>&lt;#&gt;</a:t>
+            </a:fld>
+          </a:p>
+        </p:txBody>
+      </p:sp>
+    </p:spTree>
+  </p:cSld>
+</p:sldLayout>
+</file>
+
+<file path=ppt/slideLayouts/slideLayout26.xml><?xml version="1.0" encoding="utf-8"?>
+<p:sldLayout xmlns:a="http://schemas.openxmlformats.org/drawingml/2006/main" xmlns:p="http://schemas.openxmlformats.org/presentationml/2006/main" xmlns:r="http://schemas.openxmlformats.org/officeDocument/2006/relationships" xmlns:p14="http://schemas.microsoft.com/office/powerpoint/2010/main" xmlns:p15="http://schemas.microsoft.com/office/powerpoint/2012/main" xmlns:mc="http://schemas.openxmlformats.org/markup-compatibility/2006" type="titleOnly" preserve="1">
+  <p:cSld name="Default 22">
+    <p:spTree>
+      <p:nvGrpSpPr>
+        <p:cNvPr id="1" name=""/>
+        <p:cNvGrpSpPr/>
+        <p:nvPr/>
+      </p:nvGrpSpPr>
+      <p:grpSpPr>
+        <a:xfrm>
+          <a:off x="0" y="0"/>
+          <a:ext cx="0" cy="0"/>
+          <a:chOff x="0" y="0"/>
+          <a:chExt cx="0" cy="0"/>
+        </a:xfrm>
+      </p:grpSpPr>
+      <p:sp>
+        <p:nvSpPr>
+          <p:cNvPr id="118" name="PlaceHolder 1"/>
+          <p:cNvSpPr>
+            <a:spLocks noGrp="1"/>
+          </p:cNvSpPr>
+          <p:nvPr>
+            <p:ph type="title"/>
+          </p:nvPr>
+        </p:nvSpPr>
+        <p:spPr>
+          <a:xfrm>
+            <a:off x="457200" y="205200"/>
+            <a:ext cx="8229240" cy="858600"/>
+          </a:xfrm>
+          <a:prstGeom prst="rect">
+            <a:avLst/>
+          </a:prstGeom>
+          <a:noFill/>
+          <a:ln w="0">
+            <a:noFill/>
+          </a:ln>
+        </p:spPr>
+        <p:txBody>
+          <a:bodyPr lIns="0" rIns="0" tIns="0" bIns="0" anchor="ctr">
+            <a:noAutofit/>
+          </a:bodyPr>
+          <a:p>
+            <a:pPr indent="0" algn="ctr">
+              <a:buNone/>
+            </a:pPr>
+            <a:endParaRPr b="0" lang="en-US" sz="4400" strike="noStrike" u="none">
+              <a:solidFill>
+                <a:srgbClr val="000000"/>
+              </a:solidFill>
+              <a:uFillTx/>
+              <a:latin typeface="Arial"/>
+            </a:endParaRPr>
+          </a:p>
+        </p:txBody>
+      </p:sp>
+      <p:sp>
+        <p:nvSpPr>
+          <p:cNvPr id="3" name="PlaceHolder 2"/>
+          <p:cNvSpPr>
+            <a:spLocks noGrp="1"/>
+          </p:cNvSpPr>
+          <p:nvPr>
+            <p:ph type="sldNum" idx="26"/>
+          </p:nvPr>
+        </p:nvSpPr>
+        <p:spPr/>
+        <p:txBody>
+          <a:bodyPr/>
+          <a:p>
+            <a:fld id="{576B2465-2E83-47C6-B912-CDAA9EC08918}" type="slidenum">
+              <a:t>&lt;#&gt;</a:t>
+            </a:fld>
+          </a:p>
+        </p:txBody>
+      </p:sp>
+    </p:spTree>
+  </p:cSld>
+</p:sldLayout>
+</file>
+
+<file path=ppt/slideLayouts/slideLayout27.xml><?xml version="1.0" encoding="utf-8"?>
+<p:sldLayout xmlns:a="http://schemas.openxmlformats.org/drawingml/2006/main" xmlns:p="http://schemas.openxmlformats.org/presentationml/2006/main" xmlns:r="http://schemas.openxmlformats.org/officeDocument/2006/relationships" xmlns:p14="http://schemas.microsoft.com/office/powerpoint/2010/main" xmlns:p15="http://schemas.microsoft.com/office/powerpoint/2012/main" xmlns:mc="http://schemas.openxmlformats.org/markup-compatibility/2006" type="title" preserve="1">
+  <p:cSld name="Default 23">
+    <p:spTree>
+      <p:nvGrpSpPr>
+        <p:cNvPr id="1" name=""/>
+        <p:cNvGrpSpPr/>
+        <p:nvPr/>
+      </p:nvGrpSpPr>
+      <p:grpSpPr>
+        <a:xfrm>
+          <a:off x="0" y="0"/>
+          <a:ext cx="0" cy="0"/>
+          <a:chOff x="0" y="0"/>
+          <a:chExt cx="0" cy="0"/>
+        </a:xfrm>
+      </p:grpSpPr>
+      <p:sp>
+        <p:nvSpPr>
+          <p:cNvPr id="121" name="PlaceHolder 1"/>
+          <p:cNvSpPr>
+            <a:spLocks noGrp="1"/>
+          </p:cNvSpPr>
+          <p:nvPr>
+            <p:ph type="title"/>
+          </p:nvPr>
+        </p:nvSpPr>
+        <p:spPr>
+          <a:xfrm>
+            <a:off x="457200" y="205200"/>
+            <a:ext cx="8229240" cy="858600"/>
+          </a:xfrm>
+          <a:prstGeom prst="rect">
+            <a:avLst/>
+          </a:prstGeom>
+          <a:noFill/>
+          <a:ln w="0">
+            <a:noFill/>
+          </a:ln>
+        </p:spPr>
+        <p:txBody>
+          <a:bodyPr lIns="0" rIns="0" tIns="0" bIns="0" anchor="ctr">
+            <a:noAutofit/>
+          </a:bodyPr>
+          <a:p>
+            <a:pPr indent="0" algn="ctr">
+              <a:buNone/>
+            </a:pPr>
+            <a:endParaRPr b="0" lang="en-US" sz="4400" strike="noStrike" u="none">
+              <a:solidFill>
+                <a:srgbClr val="000000"/>
+              </a:solidFill>
+              <a:uFillTx/>
+              <a:latin typeface="Arial"/>
+            </a:endParaRPr>
+          </a:p>
+        </p:txBody>
+      </p:sp>
+      <p:sp>
+        <p:nvSpPr>
+          <p:cNvPr id="122" name="PlaceHolder 2"/>
+          <p:cNvSpPr>
+            <a:spLocks noGrp="1"/>
+          </p:cNvSpPr>
+          <p:nvPr>
             <p:ph type="subTitle"/>
           </p:nvPr>
         </p:nvSpPr>
@@ -4915,14 +4919,14 @@
             <a:spLocks noGrp="1"/>
           </p:cNvSpPr>
           <p:nvPr>
-            <p:ph type="sldNum" idx="24"/>
+            <p:ph type="sldNum" idx="27"/>
           </p:nvPr>
         </p:nvSpPr>
         <p:spPr/>
         <p:txBody>
           <a:bodyPr/>
           <a:p>
-            <a:fld id="{CF4324E5-CA9E-42FE-875C-2527D16A18F8}" type="slidenum">
+            <a:fld id="{4981BFD0-08C1-4BAA-B68C-A9325F82E9FE}" type="slidenum">
               <a:t>&lt;#&gt;</a:t>
             </a:fld>
           </a:p>
@@ -4934,8 +4938,8 @@
 </file>
 
 <file path=ppt/slideLayouts/slideLayout28.xml><?xml version="1.0" encoding="utf-8"?>
-<p:sldLayout xmlns:a="http://schemas.openxmlformats.org/drawingml/2006/main" xmlns:p="http://schemas.openxmlformats.org/presentationml/2006/main" xmlns:r="http://schemas.openxmlformats.org/officeDocument/2006/relationships" xmlns:p14="http://schemas.microsoft.com/office/powerpoint/2010/main" xmlns:p15="http://schemas.microsoft.com/office/powerpoint/2012/main" xmlns:mc="http://schemas.openxmlformats.org/markup-compatibility/2006" type="blank" preserve="1">
-  <p:cSld name="Default 20">
+<p:sldLayout xmlns:a="http://schemas.openxmlformats.org/drawingml/2006/main" xmlns:p="http://schemas.openxmlformats.org/presentationml/2006/main" xmlns:r="http://schemas.openxmlformats.org/officeDocument/2006/relationships" xmlns:p14="http://schemas.microsoft.com/office/powerpoint/2010/main" xmlns:p15="http://schemas.microsoft.com/office/powerpoint/2012/main" xmlns:mc="http://schemas.openxmlformats.org/markup-compatibility/2006" type="tx" preserve="1">
+  <p:cSld name="Default 24">
     <p:spTree>
       <p:nvGrpSpPr>
         <p:cNvPr id="1" name=""/>
@@ -4952,19 +4956,104 @@
       </p:grpSpPr>
       <p:sp>
         <p:nvSpPr>
-          <p:cNvPr id="2" name="PlaceHolder 1"/>
+          <p:cNvPr id="126" name="PlaceHolder 1"/>
           <p:cNvSpPr>
             <a:spLocks noGrp="1"/>
           </p:cNvSpPr>
           <p:nvPr>
-            <p:ph type="sldNum" idx="24"/>
+            <p:ph type="title"/>
+          </p:nvPr>
+        </p:nvSpPr>
+        <p:spPr>
+          <a:xfrm>
+            <a:off x="457200" y="205200"/>
+            <a:ext cx="8229240" cy="858600"/>
+          </a:xfrm>
+          <a:prstGeom prst="rect">
+            <a:avLst/>
+          </a:prstGeom>
+          <a:noFill/>
+          <a:ln w="0">
+            <a:noFill/>
+          </a:ln>
+        </p:spPr>
+        <p:txBody>
+          <a:bodyPr lIns="0" rIns="0" tIns="0" bIns="0" anchor="ctr">
+            <a:noAutofit/>
+          </a:bodyPr>
+          <a:p>
+            <a:pPr indent="0" algn="ctr">
+              <a:buNone/>
+            </a:pPr>
+            <a:endParaRPr b="0" lang="en-US" sz="4400" strike="noStrike" u="none">
+              <a:solidFill>
+                <a:srgbClr val="000000"/>
+              </a:solidFill>
+              <a:uFillTx/>
+              <a:latin typeface="Arial"/>
+            </a:endParaRPr>
+          </a:p>
+        </p:txBody>
+      </p:sp>
+      <p:sp>
+        <p:nvSpPr>
+          <p:cNvPr id="127" name="PlaceHolder 2"/>
+          <p:cNvSpPr>
+            <a:spLocks noGrp="1"/>
+          </p:cNvSpPr>
+          <p:nvPr>
+            <p:ph/>
+          </p:nvPr>
+        </p:nvSpPr>
+        <p:spPr>
+          <a:xfrm>
+            <a:off x="457200" y="1203480"/>
+            <a:ext cx="8229240" cy="2982960"/>
+          </a:xfrm>
+          <a:prstGeom prst="rect">
+            <a:avLst/>
+          </a:prstGeom>
+          <a:noFill/>
+          <a:ln w="0">
+            <a:noFill/>
+          </a:ln>
+        </p:spPr>
+        <p:txBody>
+          <a:bodyPr lIns="0" rIns="0" tIns="0" bIns="0" anchor="t">
+            <a:normAutofit/>
+          </a:bodyPr>
+          <a:p>
+            <a:pPr indent="0">
+              <a:spcBef>
+                <a:spcPts val="1417"/>
+              </a:spcBef>
+              <a:buNone/>
+            </a:pPr>
+            <a:endParaRPr b="0" lang="en-US" sz="3200" strike="noStrike" u="none">
+              <a:solidFill>
+                <a:srgbClr val="000000"/>
+              </a:solidFill>
+              <a:uFillTx/>
+              <a:latin typeface="Arial"/>
+            </a:endParaRPr>
+          </a:p>
+        </p:txBody>
+      </p:sp>
+      <p:sp>
+        <p:nvSpPr>
+          <p:cNvPr id="4" name="PlaceHolder 3"/>
+          <p:cNvSpPr>
+            <a:spLocks noGrp="1"/>
+          </p:cNvSpPr>
+          <p:nvPr>
+            <p:ph type="sldNum" idx="28"/>
           </p:nvPr>
         </p:nvSpPr>
         <p:spPr/>
         <p:txBody>
           <a:bodyPr/>
           <a:p>
-            <a:fld id="{14650101-8E24-4D2D-9408-0A5C078CD945}" type="slidenum">
+            <a:fld id="{05655ED5-5E90-418C-8BB4-CE9DEA86D84F}" type="slidenum">
               <a:t>&lt;#&gt;</a:t>
             </a:fld>
           </a:p>
@@ -4976,8 +5065,8 @@
 </file>
 
 <file path=ppt/slideLayouts/slideLayout29.xml><?xml version="1.0" encoding="utf-8"?>
-<p:sldLayout xmlns:a="http://schemas.openxmlformats.org/drawingml/2006/main" xmlns:p="http://schemas.openxmlformats.org/presentationml/2006/main" xmlns:r="http://schemas.openxmlformats.org/officeDocument/2006/relationships" xmlns:p14="http://schemas.microsoft.com/office/powerpoint/2010/main" xmlns:p15="http://schemas.microsoft.com/office/powerpoint/2012/main" xmlns:mc="http://schemas.openxmlformats.org/markup-compatibility/2006" type="blank" preserve="1">
-  <p:cSld name="SECTION_HEADER">
+<p:sldLayout xmlns:a="http://schemas.openxmlformats.org/drawingml/2006/main" xmlns:p="http://schemas.openxmlformats.org/presentationml/2006/main" xmlns:r="http://schemas.openxmlformats.org/officeDocument/2006/relationships" xmlns:p14="http://schemas.microsoft.com/office/powerpoint/2010/main" xmlns:p15="http://schemas.microsoft.com/office/powerpoint/2012/main" xmlns:mc="http://schemas.openxmlformats.org/markup-compatibility/2006" type="twoObj" preserve="1">
+  <p:cSld name="Default 24">
     <p:spTree>
       <p:nvGrpSpPr>
         <p:cNvPr id="1" name=""/>
@@ -4994,19 +5083,148 @@
       </p:grpSpPr>
       <p:sp>
         <p:nvSpPr>
-          <p:cNvPr id="2" name="PlaceHolder 1"/>
+          <p:cNvPr id="128" name="PlaceHolder 1"/>
           <p:cNvSpPr>
             <a:spLocks noGrp="1"/>
           </p:cNvSpPr>
           <p:nvPr>
-            <p:ph type="sldNum" idx="25"/>
+            <p:ph type="title"/>
+          </p:nvPr>
+        </p:nvSpPr>
+        <p:spPr>
+          <a:xfrm>
+            <a:off x="457200" y="205200"/>
+            <a:ext cx="8229240" cy="858600"/>
+          </a:xfrm>
+          <a:prstGeom prst="rect">
+            <a:avLst/>
+          </a:prstGeom>
+          <a:noFill/>
+          <a:ln w="0">
+            <a:noFill/>
+          </a:ln>
+        </p:spPr>
+        <p:txBody>
+          <a:bodyPr lIns="0" rIns="0" tIns="0" bIns="0" anchor="ctr">
+            <a:noAutofit/>
+          </a:bodyPr>
+          <a:p>
+            <a:pPr indent="0" algn="ctr">
+              <a:buNone/>
+            </a:pPr>
+            <a:endParaRPr b="0" lang="en-US" sz="4400" strike="noStrike" u="none">
+              <a:solidFill>
+                <a:srgbClr val="000000"/>
+              </a:solidFill>
+              <a:uFillTx/>
+              <a:latin typeface="Arial"/>
+            </a:endParaRPr>
+          </a:p>
+        </p:txBody>
+      </p:sp>
+      <p:sp>
+        <p:nvSpPr>
+          <p:cNvPr id="129" name="PlaceHolder 2"/>
+          <p:cNvSpPr>
+            <a:spLocks noGrp="1"/>
+          </p:cNvSpPr>
+          <p:nvPr>
+            <p:ph/>
+          </p:nvPr>
+        </p:nvSpPr>
+        <p:spPr>
+          <a:xfrm>
+            <a:off x="457200" y="1203480"/>
+            <a:ext cx="4015800" cy="2982960"/>
+          </a:xfrm>
+          <a:prstGeom prst="rect">
+            <a:avLst/>
+          </a:prstGeom>
+          <a:noFill/>
+          <a:ln w="0">
+            <a:noFill/>
+          </a:ln>
+        </p:spPr>
+        <p:txBody>
+          <a:bodyPr lIns="0" rIns="0" tIns="0" bIns="0" anchor="t">
+            <a:normAutofit/>
+          </a:bodyPr>
+          <a:p>
+            <a:pPr indent="0">
+              <a:spcBef>
+                <a:spcPts val="1417"/>
+              </a:spcBef>
+              <a:buNone/>
+            </a:pPr>
+            <a:endParaRPr b="0" lang="en-US" sz="3200" strike="noStrike" u="none">
+              <a:solidFill>
+                <a:srgbClr val="000000"/>
+              </a:solidFill>
+              <a:uFillTx/>
+              <a:latin typeface="Arial"/>
+            </a:endParaRPr>
+          </a:p>
+        </p:txBody>
+      </p:sp>
+      <p:sp>
+        <p:nvSpPr>
+          <p:cNvPr id="130" name="PlaceHolder 3"/>
+          <p:cNvSpPr>
+            <a:spLocks noGrp="1"/>
+          </p:cNvSpPr>
+          <p:nvPr>
+            <p:ph/>
+          </p:nvPr>
+        </p:nvSpPr>
+        <p:spPr>
+          <a:xfrm>
+            <a:off x="4674240" y="1203480"/>
+            <a:ext cx="4015800" cy="2982960"/>
+          </a:xfrm>
+          <a:prstGeom prst="rect">
+            <a:avLst/>
+          </a:prstGeom>
+          <a:noFill/>
+          <a:ln w="0">
+            <a:noFill/>
+          </a:ln>
+        </p:spPr>
+        <p:txBody>
+          <a:bodyPr lIns="0" rIns="0" tIns="0" bIns="0" anchor="t">
+            <a:normAutofit/>
+          </a:bodyPr>
+          <a:p>
+            <a:pPr indent="0">
+              <a:spcBef>
+                <a:spcPts val="1417"/>
+              </a:spcBef>
+              <a:buNone/>
+            </a:pPr>
+            <a:endParaRPr b="0" lang="en-US" sz="3200" strike="noStrike" u="none">
+              <a:solidFill>
+                <a:srgbClr val="000000"/>
+              </a:solidFill>
+              <a:uFillTx/>
+              <a:latin typeface="Arial"/>
+            </a:endParaRPr>
+          </a:p>
+        </p:txBody>
+      </p:sp>
+      <p:sp>
+        <p:nvSpPr>
+          <p:cNvPr id="5" name="PlaceHolder 4"/>
+          <p:cNvSpPr>
+            <a:spLocks noGrp="1"/>
+          </p:cNvSpPr>
+          <p:nvPr>
+            <p:ph type="sldNum" idx="28"/>
           </p:nvPr>
         </p:nvSpPr>
         <p:spPr/>
         <p:txBody>
           <a:bodyPr/>
           <a:p>
-            <a:fld id="{A4C25C5C-2A5F-492F-87DE-791CD6242A43}" type="slidenum">
+            <a:fld id="{3E29BDD8-800B-48A9-A514-0241A698BA67}" type="slidenum">
               <a:t>&lt;#&gt;</a:t>
             </a:fld>
           </a:p>
@@ -5130,7 +5348,7 @@
         <p:txBody>
           <a:bodyPr/>
           <a:p>
-            <a:fld id="{082E2850-97B4-4153-8B67-CDF52C43F1EF}" type="slidenum">
+            <a:fld id="{627F9482-522C-4B35-9FE4-1D3D303C9C40}" type="slidenum">
               <a:t>&lt;#&gt;</a:t>
             </a:fld>
           </a:p>
@@ -5142,8 +5360,8 @@
 </file>
 
 <file path=ppt/slideLayouts/slideLayout30.xml><?xml version="1.0" encoding="utf-8"?>
-<p:sldLayout xmlns:a="http://schemas.openxmlformats.org/drawingml/2006/main" xmlns:p="http://schemas.openxmlformats.org/presentationml/2006/main" xmlns:r="http://schemas.openxmlformats.org/officeDocument/2006/relationships" xmlns:p14="http://schemas.microsoft.com/office/powerpoint/2010/main" xmlns:p15="http://schemas.microsoft.com/office/powerpoint/2012/main" xmlns:mc="http://schemas.openxmlformats.org/markup-compatibility/2006" type="tx" preserve="1">
-  <p:cSld name="TITLE_AND_BODY">
+<p:sldLayout xmlns:a="http://schemas.openxmlformats.org/drawingml/2006/main" xmlns:p="http://schemas.openxmlformats.org/presentationml/2006/main" xmlns:r="http://schemas.openxmlformats.org/officeDocument/2006/relationships" xmlns:p14="http://schemas.microsoft.com/office/powerpoint/2010/main" xmlns:p15="http://schemas.microsoft.com/office/powerpoint/2012/main" xmlns:mc="http://schemas.openxmlformats.org/markup-compatibility/2006" type="titleOnly" preserve="1">
+  <p:cSld name="Default 24">
     <p:spTree>
       <p:nvGrpSpPr>
         <p:cNvPr id="1" name=""/>
@@ -5160,7 +5378,7 @@
       </p:grpSpPr>
       <p:sp>
         <p:nvSpPr>
-          <p:cNvPr id="119" name="PlaceHolder 1"/>
+          <p:cNvPr id="131" name="PlaceHolder 1"/>
           <p:cNvSpPr>
             <a:spLocks noGrp="1"/>
           </p:cNvSpPr>
@@ -5201,63 +5419,19 @@
       </p:sp>
       <p:sp>
         <p:nvSpPr>
-          <p:cNvPr id="120" name="PlaceHolder 2"/>
+          <p:cNvPr id="3" name="PlaceHolder 2"/>
           <p:cNvSpPr>
             <a:spLocks noGrp="1"/>
           </p:cNvSpPr>
           <p:nvPr>
-            <p:ph/>
-          </p:nvPr>
-        </p:nvSpPr>
-        <p:spPr>
-          <a:xfrm>
-            <a:off x="457200" y="1203480"/>
-            <a:ext cx="8229240" cy="2982960"/>
-          </a:xfrm>
-          <a:prstGeom prst="rect">
-            <a:avLst/>
-          </a:prstGeom>
-          <a:noFill/>
-          <a:ln w="0">
-            <a:noFill/>
-          </a:ln>
-        </p:spPr>
-        <p:txBody>
-          <a:bodyPr lIns="0" rIns="0" tIns="0" bIns="0" anchor="t">
-            <a:normAutofit/>
-          </a:bodyPr>
-          <a:p>
-            <a:pPr indent="0">
-              <a:spcBef>
-                <a:spcPts val="1417"/>
-              </a:spcBef>
-              <a:buNone/>
-            </a:pPr>
-            <a:endParaRPr b="0" lang="en-US" sz="3200" strike="noStrike" u="none">
-              <a:solidFill>
-                <a:srgbClr val="000000"/>
-              </a:solidFill>
-              <a:uFillTx/>
-              <a:latin typeface="Arial"/>
-            </a:endParaRPr>
-          </a:p>
-        </p:txBody>
-      </p:sp>
-      <p:sp>
-        <p:nvSpPr>
-          <p:cNvPr id="4" name="PlaceHolder 3"/>
-          <p:cNvSpPr>
-            <a:spLocks noGrp="1"/>
-          </p:cNvSpPr>
-          <p:nvPr>
-            <p:ph type="sldNum" idx="26"/>
+            <p:ph type="sldNum" idx="28"/>
           </p:nvPr>
         </p:nvSpPr>
         <p:spPr/>
         <p:txBody>
           <a:bodyPr/>
           <a:p>
-            <a:fld id="{044B9206-DABF-4DA1-AB84-1800AC79BBDA}" type="slidenum">
+            <a:fld id="{E419A525-F8DE-45D0-8F68-37485C41D2AD}" type="slidenum">
               <a:t>&lt;#&gt;</a:t>
             </a:fld>
           </a:p>
@@ -5269,8 +5443,8 @@
 </file>
 
 <file path=ppt/slideLayouts/slideLayout31.xml><?xml version="1.0" encoding="utf-8"?>
-<p:sldLayout xmlns:a="http://schemas.openxmlformats.org/drawingml/2006/main" xmlns:p="http://schemas.openxmlformats.org/presentationml/2006/main" xmlns:r="http://schemas.openxmlformats.org/officeDocument/2006/relationships" xmlns:p14="http://schemas.microsoft.com/office/powerpoint/2010/main" xmlns:p15="http://schemas.microsoft.com/office/powerpoint/2012/main" xmlns:mc="http://schemas.openxmlformats.org/markup-compatibility/2006" type="twoObj" preserve="1">
-  <p:cSld name="TITLE_AND_TWO_COLUMNS">
+<p:sldLayout xmlns:a="http://schemas.openxmlformats.org/drawingml/2006/main" xmlns:p="http://schemas.openxmlformats.org/presentationml/2006/main" xmlns:r="http://schemas.openxmlformats.org/officeDocument/2006/relationships" xmlns:p14="http://schemas.microsoft.com/office/powerpoint/2010/main" xmlns:p15="http://schemas.microsoft.com/office/powerpoint/2012/main" xmlns:mc="http://schemas.openxmlformats.org/markup-compatibility/2006" type="title" preserve="1">
+  <p:cSld name="Default 24">
     <p:spTree>
       <p:nvGrpSpPr>
         <p:cNvPr id="1" name=""/>
@@ -5287,7 +5461,7 @@
       </p:grpSpPr>
       <p:sp>
         <p:nvSpPr>
-          <p:cNvPr id="125" name="PlaceHolder 1"/>
+          <p:cNvPr id="132" name="PlaceHolder 1"/>
           <p:cNvSpPr>
             <a:spLocks noGrp="1"/>
           </p:cNvSpPr>
@@ -5328,18 +5502,18 @@
       </p:sp>
       <p:sp>
         <p:nvSpPr>
-          <p:cNvPr id="126" name="PlaceHolder 2"/>
+          <p:cNvPr id="133" name="PlaceHolder 2"/>
           <p:cNvSpPr>
             <a:spLocks noGrp="1"/>
           </p:cNvSpPr>
           <p:nvPr>
-            <p:ph/>
+            <p:ph type="subTitle"/>
           </p:nvPr>
         </p:nvSpPr>
         <p:spPr>
           <a:xfrm>
             <a:off x="457200" y="1203480"/>
-            <a:ext cx="4015800" cy="2982960"/>
+            <a:ext cx="8229240" cy="2982960"/>
           </a:xfrm>
           <a:prstGeom prst="rect">
             <a:avLst/>
@@ -5350,14 +5524,11 @@
           </a:ln>
         </p:spPr>
         <p:txBody>
-          <a:bodyPr lIns="0" rIns="0" tIns="0" bIns="0" anchor="t">
-            <a:normAutofit/>
+          <a:bodyPr lIns="0" rIns="0" tIns="0" bIns="0" anchor="ctr">
+            <a:noAutofit/>
           </a:bodyPr>
           <a:p>
-            <a:pPr indent="0">
-              <a:spcBef>
-                <a:spcPts val="1417"/>
-              </a:spcBef>
+            <a:pPr indent="0" algn="ctr">
               <a:buNone/>
             </a:pPr>
             <a:endParaRPr b="0" lang="en-US" sz="3200" strike="noStrike" u="none">
@@ -5372,63 +5543,19 @@
       </p:sp>
       <p:sp>
         <p:nvSpPr>
-          <p:cNvPr id="127" name="PlaceHolder 3"/>
+          <p:cNvPr id="4" name="PlaceHolder 3"/>
           <p:cNvSpPr>
             <a:spLocks noGrp="1"/>
           </p:cNvSpPr>
           <p:nvPr>
-            <p:ph/>
-          </p:nvPr>
-        </p:nvSpPr>
-        <p:spPr>
-          <a:xfrm>
-            <a:off x="4674240" y="1203480"/>
-            <a:ext cx="4015800" cy="2982960"/>
-          </a:xfrm>
-          <a:prstGeom prst="rect">
-            <a:avLst/>
-          </a:prstGeom>
-          <a:noFill/>
-          <a:ln w="0">
-            <a:noFill/>
-          </a:ln>
-        </p:spPr>
-        <p:txBody>
-          <a:bodyPr lIns="0" rIns="0" tIns="0" bIns="0" anchor="t">
-            <a:normAutofit/>
-          </a:bodyPr>
-          <a:p>
-            <a:pPr indent="0">
-              <a:spcBef>
-                <a:spcPts val="1417"/>
-              </a:spcBef>
-              <a:buNone/>
-            </a:pPr>
-            <a:endParaRPr b="0" lang="en-US" sz="3200" strike="noStrike" u="none">
-              <a:solidFill>
-                <a:srgbClr val="000000"/>
-              </a:solidFill>
-              <a:uFillTx/>
-              <a:latin typeface="Arial"/>
-            </a:endParaRPr>
-          </a:p>
-        </p:txBody>
-      </p:sp>
-      <p:sp>
-        <p:nvSpPr>
-          <p:cNvPr id="5" name="PlaceHolder 4"/>
-          <p:cNvSpPr>
-            <a:spLocks noGrp="1"/>
-          </p:cNvSpPr>
-          <p:nvPr>
-            <p:ph type="sldNum" idx="27"/>
+            <p:ph type="sldNum" idx="28"/>
           </p:nvPr>
         </p:nvSpPr>
         <p:spPr/>
         <p:txBody>
           <a:bodyPr/>
           <a:p>
-            <a:fld id="{55011F55-5AF4-4467-95C7-3D8717B2672E}" type="slidenum">
+            <a:fld id="{CA633BB0-5625-4CA3-BAA6-AE90D92D10DB}" type="slidenum">
               <a:t>&lt;#&gt;</a:t>
             </a:fld>
           </a:p>
@@ -5440,8 +5567,8 @@
 </file>
 
 <file path=ppt/slideLayouts/slideLayout32.xml><?xml version="1.0" encoding="utf-8"?>
-<p:sldLayout xmlns:a="http://schemas.openxmlformats.org/drawingml/2006/main" xmlns:p="http://schemas.openxmlformats.org/presentationml/2006/main" xmlns:r="http://schemas.openxmlformats.org/officeDocument/2006/relationships" xmlns:p14="http://schemas.microsoft.com/office/powerpoint/2010/main" xmlns:p15="http://schemas.microsoft.com/office/powerpoint/2012/main" xmlns:mc="http://schemas.openxmlformats.org/markup-compatibility/2006" type="titleOnly" preserve="1">
-  <p:cSld name="TITLE_ONLY">
+<p:sldLayout xmlns:a="http://schemas.openxmlformats.org/drawingml/2006/main" xmlns:p="http://schemas.openxmlformats.org/presentationml/2006/main" xmlns:r="http://schemas.openxmlformats.org/officeDocument/2006/relationships" xmlns:p14="http://schemas.microsoft.com/office/powerpoint/2010/main" xmlns:p15="http://schemas.microsoft.com/office/powerpoint/2012/main" xmlns:mc="http://schemas.openxmlformats.org/markup-compatibility/2006" type="blank" preserve="1">
+  <p:cSld name="Default 24">
     <p:spTree>
       <p:nvGrpSpPr>
         <p:cNvPr id="1" name=""/>
@@ -5458,48 +5585,7 @@
       </p:grpSpPr>
       <p:sp>
         <p:nvSpPr>
-          <p:cNvPr id="130" name="PlaceHolder 1"/>
-          <p:cNvSpPr>
-            <a:spLocks noGrp="1"/>
-          </p:cNvSpPr>
-          <p:nvPr>
-            <p:ph type="title"/>
-          </p:nvPr>
-        </p:nvSpPr>
-        <p:spPr>
-          <a:xfrm>
-            <a:off x="457200" y="205200"/>
-            <a:ext cx="8229240" cy="858600"/>
-          </a:xfrm>
-          <a:prstGeom prst="rect">
-            <a:avLst/>
-          </a:prstGeom>
-          <a:noFill/>
-          <a:ln w="0">
-            <a:noFill/>
-          </a:ln>
-        </p:spPr>
-        <p:txBody>
-          <a:bodyPr lIns="0" rIns="0" tIns="0" bIns="0" anchor="ctr">
-            <a:noAutofit/>
-          </a:bodyPr>
-          <a:p>
-            <a:pPr indent="0" algn="ctr">
-              <a:buNone/>
-            </a:pPr>
-            <a:endParaRPr b="0" lang="en-US" sz="4400" strike="noStrike" u="none">
-              <a:solidFill>
-                <a:srgbClr val="000000"/>
-              </a:solidFill>
-              <a:uFillTx/>
-              <a:latin typeface="Arial"/>
-            </a:endParaRPr>
-          </a:p>
-        </p:txBody>
-      </p:sp>
-      <p:sp>
-        <p:nvSpPr>
-          <p:cNvPr id="3" name="PlaceHolder 2"/>
+          <p:cNvPr id="2" name="PlaceHolder 1"/>
           <p:cNvSpPr>
             <a:spLocks noGrp="1"/>
           </p:cNvSpPr>
@@ -5511,7 +5597,7 @@
         <p:txBody>
           <a:bodyPr/>
           <a:p>
-            <a:fld id="{C83E4A75-71A5-43D3-AA9B-74FAE743C691}" type="slidenum">
+            <a:fld id="{ABAF71CC-2102-4E1D-9759-07D8BDD7975C}" type="slidenum">
               <a:t>&lt;#&gt;</a:t>
             </a:fld>
           </a:p>
@@ -5524,7 +5610,7 @@
 
 <file path=ppt/slideLayouts/slideLayout33.xml><?xml version="1.0" encoding="utf-8"?>
 <p:sldLayout xmlns:a="http://schemas.openxmlformats.org/drawingml/2006/main" xmlns:p="http://schemas.openxmlformats.org/presentationml/2006/main" xmlns:r="http://schemas.openxmlformats.org/officeDocument/2006/relationships" xmlns:p14="http://schemas.microsoft.com/office/powerpoint/2010/main" xmlns:p15="http://schemas.microsoft.com/office/powerpoint/2012/main" xmlns:mc="http://schemas.openxmlformats.org/markup-compatibility/2006" type="blank" preserve="1">
-  <p:cSld name="ONE_COLUMN_TEXT">
+  <p:cSld name="SECTION_HEADER">
     <p:spTree>
       <p:nvGrpSpPr>
         <p:cNvPr id="1" name=""/>
@@ -5553,7 +5639,7 @@
         <p:txBody>
           <a:bodyPr/>
           <a:p>
-            <a:fld id="{38D00076-4A20-4C6F-A3CA-C0E607A4F405}" type="slidenum">
+            <a:fld id="{E777860B-21AD-4EC1-89C2-D32C020F6958}" type="slidenum">
               <a:t>&lt;#&gt;</a:t>
             </a:fld>
           </a:p>
@@ -5565,6 +5651,429 @@
 </file>
 
 <file path=ppt/slideLayouts/slideLayout34.xml><?xml version="1.0" encoding="utf-8"?>
+<p:sldLayout xmlns:a="http://schemas.openxmlformats.org/drawingml/2006/main" xmlns:p="http://schemas.openxmlformats.org/presentationml/2006/main" xmlns:r="http://schemas.openxmlformats.org/officeDocument/2006/relationships" xmlns:p14="http://schemas.microsoft.com/office/powerpoint/2010/main" xmlns:p15="http://schemas.microsoft.com/office/powerpoint/2012/main" xmlns:mc="http://schemas.openxmlformats.org/markup-compatibility/2006" type="tx" preserve="1">
+  <p:cSld name="TITLE_AND_BODY">
+    <p:spTree>
+      <p:nvGrpSpPr>
+        <p:cNvPr id="1" name=""/>
+        <p:cNvGrpSpPr/>
+        <p:nvPr/>
+      </p:nvGrpSpPr>
+      <p:grpSpPr>
+        <a:xfrm>
+          <a:off x="0" y="0"/>
+          <a:ext cx="0" cy="0"/>
+          <a:chOff x="0" y="0"/>
+          <a:chExt cx="0" cy="0"/>
+        </a:xfrm>
+      </p:grpSpPr>
+      <p:sp>
+        <p:nvSpPr>
+          <p:cNvPr id="138" name="PlaceHolder 1"/>
+          <p:cNvSpPr>
+            <a:spLocks noGrp="1"/>
+          </p:cNvSpPr>
+          <p:nvPr>
+            <p:ph type="title"/>
+          </p:nvPr>
+        </p:nvSpPr>
+        <p:spPr>
+          <a:xfrm>
+            <a:off x="457200" y="205200"/>
+            <a:ext cx="8229240" cy="858600"/>
+          </a:xfrm>
+          <a:prstGeom prst="rect">
+            <a:avLst/>
+          </a:prstGeom>
+          <a:noFill/>
+          <a:ln w="0">
+            <a:noFill/>
+          </a:ln>
+        </p:spPr>
+        <p:txBody>
+          <a:bodyPr lIns="0" rIns="0" tIns="0" bIns="0" anchor="ctr">
+            <a:noAutofit/>
+          </a:bodyPr>
+          <a:p>
+            <a:pPr indent="0" algn="ctr">
+              <a:buNone/>
+            </a:pPr>
+            <a:endParaRPr b="0" lang="en-US" sz="4400" strike="noStrike" u="none">
+              <a:solidFill>
+                <a:srgbClr val="000000"/>
+              </a:solidFill>
+              <a:uFillTx/>
+              <a:latin typeface="Arial"/>
+            </a:endParaRPr>
+          </a:p>
+        </p:txBody>
+      </p:sp>
+      <p:sp>
+        <p:nvSpPr>
+          <p:cNvPr id="139" name="PlaceHolder 2"/>
+          <p:cNvSpPr>
+            <a:spLocks noGrp="1"/>
+          </p:cNvSpPr>
+          <p:nvPr>
+            <p:ph/>
+          </p:nvPr>
+        </p:nvSpPr>
+        <p:spPr>
+          <a:xfrm>
+            <a:off x="457200" y="1203480"/>
+            <a:ext cx="8229240" cy="2982960"/>
+          </a:xfrm>
+          <a:prstGeom prst="rect">
+            <a:avLst/>
+          </a:prstGeom>
+          <a:noFill/>
+          <a:ln w="0">
+            <a:noFill/>
+          </a:ln>
+        </p:spPr>
+        <p:txBody>
+          <a:bodyPr lIns="0" rIns="0" tIns="0" bIns="0" anchor="t">
+            <a:normAutofit/>
+          </a:bodyPr>
+          <a:p>
+            <a:pPr indent="0">
+              <a:spcBef>
+                <a:spcPts val="1417"/>
+              </a:spcBef>
+              <a:buNone/>
+            </a:pPr>
+            <a:endParaRPr b="0" lang="en-US" sz="3200" strike="noStrike" u="none">
+              <a:solidFill>
+                <a:srgbClr val="000000"/>
+              </a:solidFill>
+              <a:uFillTx/>
+              <a:latin typeface="Arial"/>
+            </a:endParaRPr>
+          </a:p>
+        </p:txBody>
+      </p:sp>
+      <p:sp>
+        <p:nvSpPr>
+          <p:cNvPr id="4" name="PlaceHolder 3"/>
+          <p:cNvSpPr>
+            <a:spLocks noGrp="1"/>
+          </p:cNvSpPr>
+          <p:nvPr>
+            <p:ph type="sldNum" idx="30"/>
+          </p:nvPr>
+        </p:nvSpPr>
+        <p:spPr/>
+        <p:txBody>
+          <a:bodyPr/>
+          <a:p>
+            <a:fld id="{D00B1035-D991-4933-B186-04198CA32AA1}" type="slidenum">
+              <a:t>&lt;#&gt;</a:t>
+            </a:fld>
+          </a:p>
+        </p:txBody>
+      </p:sp>
+    </p:spTree>
+  </p:cSld>
+</p:sldLayout>
+</file>
+
+<file path=ppt/slideLayouts/slideLayout35.xml><?xml version="1.0" encoding="utf-8"?>
+<p:sldLayout xmlns:a="http://schemas.openxmlformats.org/drawingml/2006/main" xmlns:p="http://schemas.openxmlformats.org/presentationml/2006/main" xmlns:r="http://schemas.openxmlformats.org/officeDocument/2006/relationships" xmlns:p14="http://schemas.microsoft.com/office/powerpoint/2010/main" xmlns:p15="http://schemas.microsoft.com/office/powerpoint/2012/main" xmlns:mc="http://schemas.openxmlformats.org/markup-compatibility/2006" type="twoObj" preserve="1">
+  <p:cSld name="TITLE_AND_TWO_COLUMNS">
+    <p:spTree>
+      <p:nvGrpSpPr>
+        <p:cNvPr id="1" name=""/>
+        <p:cNvGrpSpPr/>
+        <p:nvPr/>
+      </p:nvGrpSpPr>
+      <p:grpSpPr>
+        <a:xfrm>
+          <a:off x="0" y="0"/>
+          <a:ext cx="0" cy="0"/>
+          <a:chOff x="0" y="0"/>
+          <a:chExt cx="0" cy="0"/>
+        </a:xfrm>
+      </p:grpSpPr>
+      <p:sp>
+        <p:nvSpPr>
+          <p:cNvPr id="144" name="PlaceHolder 1"/>
+          <p:cNvSpPr>
+            <a:spLocks noGrp="1"/>
+          </p:cNvSpPr>
+          <p:nvPr>
+            <p:ph type="title"/>
+          </p:nvPr>
+        </p:nvSpPr>
+        <p:spPr>
+          <a:xfrm>
+            <a:off x="457200" y="205200"/>
+            <a:ext cx="8229240" cy="858600"/>
+          </a:xfrm>
+          <a:prstGeom prst="rect">
+            <a:avLst/>
+          </a:prstGeom>
+          <a:noFill/>
+          <a:ln w="0">
+            <a:noFill/>
+          </a:ln>
+        </p:spPr>
+        <p:txBody>
+          <a:bodyPr lIns="0" rIns="0" tIns="0" bIns="0" anchor="ctr">
+            <a:noAutofit/>
+          </a:bodyPr>
+          <a:p>
+            <a:pPr indent="0" algn="ctr">
+              <a:buNone/>
+            </a:pPr>
+            <a:endParaRPr b="0" lang="en-US" sz="4400" strike="noStrike" u="none">
+              <a:solidFill>
+                <a:srgbClr val="000000"/>
+              </a:solidFill>
+              <a:uFillTx/>
+              <a:latin typeface="Arial"/>
+            </a:endParaRPr>
+          </a:p>
+        </p:txBody>
+      </p:sp>
+      <p:sp>
+        <p:nvSpPr>
+          <p:cNvPr id="145" name="PlaceHolder 2"/>
+          <p:cNvSpPr>
+            <a:spLocks noGrp="1"/>
+          </p:cNvSpPr>
+          <p:nvPr>
+            <p:ph/>
+          </p:nvPr>
+        </p:nvSpPr>
+        <p:spPr>
+          <a:xfrm>
+            <a:off x="457200" y="1203480"/>
+            <a:ext cx="4015800" cy="2982960"/>
+          </a:xfrm>
+          <a:prstGeom prst="rect">
+            <a:avLst/>
+          </a:prstGeom>
+          <a:noFill/>
+          <a:ln w="0">
+            <a:noFill/>
+          </a:ln>
+        </p:spPr>
+        <p:txBody>
+          <a:bodyPr lIns="0" rIns="0" tIns="0" bIns="0" anchor="t">
+            <a:normAutofit/>
+          </a:bodyPr>
+          <a:p>
+            <a:pPr indent="0">
+              <a:spcBef>
+                <a:spcPts val="1417"/>
+              </a:spcBef>
+              <a:buNone/>
+            </a:pPr>
+            <a:endParaRPr b="0" lang="en-US" sz="3200" strike="noStrike" u="none">
+              <a:solidFill>
+                <a:srgbClr val="000000"/>
+              </a:solidFill>
+              <a:uFillTx/>
+              <a:latin typeface="Arial"/>
+            </a:endParaRPr>
+          </a:p>
+        </p:txBody>
+      </p:sp>
+      <p:sp>
+        <p:nvSpPr>
+          <p:cNvPr id="146" name="PlaceHolder 3"/>
+          <p:cNvSpPr>
+            <a:spLocks noGrp="1"/>
+          </p:cNvSpPr>
+          <p:nvPr>
+            <p:ph/>
+          </p:nvPr>
+        </p:nvSpPr>
+        <p:spPr>
+          <a:xfrm>
+            <a:off x="4674240" y="1203480"/>
+            <a:ext cx="4015800" cy="2982960"/>
+          </a:xfrm>
+          <a:prstGeom prst="rect">
+            <a:avLst/>
+          </a:prstGeom>
+          <a:noFill/>
+          <a:ln w="0">
+            <a:noFill/>
+          </a:ln>
+        </p:spPr>
+        <p:txBody>
+          <a:bodyPr lIns="0" rIns="0" tIns="0" bIns="0" anchor="t">
+            <a:normAutofit/>
+          </a:bodyPr>
+          <a:p>
+            <a:pPr indent="0">
+              <a:spcBef>
+                <a:spcPts val="1417"/>
+              </a:spcBef>
+              <a:buNone/>
+            </a:pPr>
+            <a:endParaRPr b="0" lang="en-US" sz="3200" strike="noStrike" u="none">
+              <a:solidFill>
+                <a:srgbClr val="000000"/>
+              </a:solidFill>
+              <a:uFillTx/>
+              <a:latin typeface="Arial"/>
+            </a:endParaRPr>
+          </a:p>
+        </p:txBody>
+      </p:sp>
+      <p:sp>
+        <p:nvSpPr>
+          <p:cNvPr id="5" name="PlaceHolder 4"/>
+          <p:cNvSpPr>
+            <a:spLocks noGrp="1"/>
+          </p:cNvSpPr>
+          <p:nvPr>
+            <p:ph type="sldNum" idx="31"/>
+          </p:nvPr>
+        </p:nvSpPr>
+        <p:spPr/>
+        <p:txBody>
+          <a:bodyPr/>
+          <a:p>
+            <a:fld id="{00D99EFF-422D-4325-B35B-939F69D89BD1}" type="slidenum">
+              <a:t>&lt;#&gt;</a:t>
+            </a:fld>
+          </a:p>
+        </p:txBody>
+      </p:sp>
+    </p:spTree>
+  </p:cSld>
+</p:sldLayout>
+</file>
+
+<file path=ppt/slideLayouts/slideLayout36.xml><?xml version="1.0" encoding="utf-8"?>
+<p:sldLayout xmlns:a="http://schemas.openxmlformats.org/drawingml/2006/main" xmlns:p="http://schemas.openxmlformats.org/presentationml/2006/main" xmlns:r="http://schemas.openxmlformats.org/officeDocument/2006/relationships" xmlns:p14="http://schemas.microsoft.com/office/powerpoint/2010/main" xmlns:p15="http://schemas.microsoft.com/office/powerpoint/2012/main" xmlns:mc="http://schemas.openxmlformats.org/markup-compatibility/2006" type="titleOnly" preserve="1">
+  <p:cSld name="TITLE_ONLY">
+    <p:spTree>
+      <p:nvGrpSpPr>
+        <p:cNvPr id="1" name=""/>
+        <p:cNvGrpSpPr/>
+        <p:nvPr/>
+      </p:nvGrpSpPr>
+      <p:grpSpPr>
+        <a:xfrm>
+          <a:off x="0" y="0"/>
+          <a:ext cx="0" cy="0"/>
+          <a:chOff x="0" y="0"/>
+          <a:chExt cx="0" cy="0"/>
+        </a:xfrm>
+      </p:grpSpPr>
+      <p:sp>
+        <p:nvSpPr>
+          <p:cNvPr id="149" name="PlaceHolder 1"/>
+          <p:cNvSpPr>
+            <a:spLocks noGrp="1"/>
+          </p:cNvSpPr>
+          <p:nvPr>
+            <p:ph type="title"/>
+          </p:nvPr>
+        </p:nvSpPr>
+        <p:spPr>
+          <a:xfrm>
+            <a:off x="457200" y="205200"/>
+            <a:ext cx="8229240" cy="858600"/>
+          </a:xfrm>
+          <a:prstGeom prst="rect">
+            <a:avLst/>
+          </a:prstGeom>
+          <a:noFill/>
+          <a:ln w="0">
+            <a:noFill/>
+          </a:ln>
+        </p:spPr>
+        <p:txBody>
+          <a:bodyPr lIns="0" rIns="0" tIns="0" bIns="0" anchor="ctr">
+            <a:noAutofit/>
+          </a:bodyPr>
+          <a:p>
+            <a:pPr indent="0" algn="ctr">
+              <a:buNone/>
+            </a:pPr>
+            <a:endParaRPr b="0" lang="en-US" sz="4400" strike="noStrike" u="none">
+              <a:solidFill>
+                <a:srgbClr val="000000"/>
+              </a:solidFill>
+              <a:uFillTx/>
+              <a:latin typeface="Arial"/>
+            </a:endParaRPr>
+          </a:p>
+        </p:txBody>
+      </p:sp>
+      <p:sp>
+        <p:nvSpPr>
+          <p:cNvPr id="3" name="PlaceHolder 2"/>
+          <p:cNvSpPr>
+            <a:spLocks noGrp="1"/>
+          </p:cNvSpPr>
+          <p:nvPr>
+            <p:ph type="sldNum" idx="32"/>
+          </p:nvPr>
+        </p:nvSpPr>
+        <p:spPr/>
+        <p:txBody>
+          <a:bodyPr/>
+          <a:p>
+            <a:fld id="{8A3DB8DA-83A7-4C0C-BD68-E6C9B1D1A17E}" type="slidenum">
+              <a:t>&lt;#&gt;</a:t>
+            </a:fld>
+          </a:p>
+        </p:txBody>
+      </p:sp>
+    </p:spTree>
+  </p:cSld>
+</p:sldLayout>
+</file>
+
+<file path=ppt/slideLayouts/slideLayout37.xml><?xml version="1.0" encoding="utf-8"?>
+<p:sldLayout xmlns:a="http://schemas.openxmlformats.org/drawingml/2006/main" xmlns:p="http://schemas.openxmlformats.org/presentationml/2006/main" xmlns:r="http://schemas.openxmlformats.org/officeDocument/2006/relationships" xmlns:p14="http://schemas.microsoft.com/office/powerpoint/2010/main" xmlns:p15="http://schemas.microsoft.com/office/powerpoint/2012/main" xmlns:mc="http://schemas.openxmlformats.org/markup-compatibility/2006" type="blank" preserve="1">
+  <p:cSld name="ONE_COLUMN_TEXT">
+    <p:spTree>
+      <p:nvGrpSpPr>
+        <p:cNvPr id="1" name=""/>
+        <p:cNvGrpSpPr/>
+        <p:nvPr/>
+      </p:nvGrpSpPr>
+      <p:grpSpPr>
+        <a:xfrm>
+          <a:off x="0" y="0"/>
+          <a:ext cx="0" cy="0"/>
+          <a:chOff x="0" y="0"/>
+          <a:chExt cx="0" cy="0"/>
+        </a:xfrm>
+      </p:grpSpPr>
+      <p:sp>
+        <p:nvSpPr>
+          <p:cNvPr id="2" name="PlaceHolder 1"/>
+          <p:cNvSpPr>
+            <a:spLocks noGrp="1"/>
+          </p:cNvSpPr>
+          <p:nvPr>
+            <p:ph type="sldNum" idx="33"/>
+          </p:nvPr>
+        </p:nvSpPr>
+        <p:spPr/>
+        <p:txBody>
+          <a:bodyPr/>
+          <a:p>
+            <a:fld id="{D76E63EB-13A9-4C25-93C1-1A846211A5B9}" type="slidenum">
+              <a:t>&lt;#&gt;</a:t>
+            </a:fld>
+          </a:p>
+        </p:txBody>
+      </p:sp>
+    </p:spTree>
+  </p:cSld>
+</p:sldLayout>
+</file>
+
+<file path=ppt/slideLayouts/slideLayout38.xml><?xml version="1.0" encoding="utf-8"?>
 <p:sldLayout xmlns:a="http://schemas.openxmlformats.org/drawingml/2006/main" xmlns:p="http://schemas.openxmlformats.org/presentationml/2006/main" xmlns:r="http://schemas.openxmlformats.org/officeDocument/2006/relationships" xmlns:p14="http://schemas.microsoft.com/office/powerpoint/2010/main" xmlns:p15="http://schemas.microsoft.com/office/powerpoint/2012/main" xmlns:mc="http://schemas.openxmlformats.org/markup-compatibility/2006" type="blank" preserve="1">
   <p:cSld name="MAIN_POINT">
     <p:spTree>
@@ -5588,14 +6097,14 @@
             <a:spLocks noGrp="1"/>
           </p:cNvSpPr>
           <p:nvPr>
-            <p:ph type="sldNum" idx="30"/>
+            <p:ph type="sldNum" idx="34"/>
           </p:nvPr>
         </p:nvSpPr>
         <p:spPr/>
         <p:txBody>
           <a:bodyPr/>
           <a:p>
-            <a:fld id="{301788BA-3DF6-451D-9551-6D20C4EFEB65}" type="slidenum">
+            <a:fld id="{1FD71843-D034-4EEE-9267-87E0E9C8F0C1}" type="slidenum">
               <a:t>&lt;#&gt;</a:t>
             </a:fld>
           </a:p>
@@ -5606,7 +6115,7 @@
 </p:sldLayout>
 </file>
 
-<file path=ppt/slideLayouts/slideLayout35.xml><?xml version="1.0" encoding="utf-8"?>
+<file path=ppt/slideLayouts/slideLayout39.xml><?xml version="1.0" encoding="utf-8"?>
 <p:sldLayout xmlns:a="http://schemas.openxmlformats.org/drawingml/2006/main" xmlns:p="http://schemas.openxmlformats.org/presentationml/2006/main" xmlns:r="http://schemas.openxmlformats.org/officeDocument/2006/relationships" xmlns:p14="http://schemas.microsoft.com/office/powerpoint/2010/main" xmlns:p15="http://schemas.microsoft.com/office/powerpoint/2012/main" xmlns:mc="http://schemas.openxmlformats.org/markup-compatibility/2006" type="blank" preserve="1">
   <p:cSld name="SECTION_TITLE_AND_DESCRIPTION">
     <p:spTree>
@@ -5630,56 +6139,14 @@
             <a:spLocks noGrp="1"/>
           </p:cNvSpPr>
           <p:nvPr>
-            <p:ph type="sldNum" idx="31"/>
+            <p:ph type="sldNum" idx="35"/>
           </p:nvPr>
         </p:nvSpPr>
         <p:spPr/>
         <p:txBody>
           <a:bodyPr/>
           <a:p>
-            <a:fld id="{FC09E4D4-F63A-480A-9B21-D6E7E75FC78D}" type="slidenum">
-              <a:t>&lt;#&gt;</a:t>
-            </a:fld>
-          </a:p>
-        </p:txBody>
-      </p:sp>
-    </p:spTree>
-  </p:cSld>
-</p:sldLayout>
-</file>
-
-<file path=ppt/slideLayouts/slideLayout36.xml><?xml version="1.0" encoding="utf-8"?>
-<p:sldLayout xmlns:a="http://schemas.openxmlformats.org/drawingml/2006/main" xmlns:p="http://schemas.openxmlformats.org/presentationml/2006/main" xmlns:r="http://schemas.openxmlformats.org/officeDocument/2006/relationships" xmlns:p14="http://schemas.microsoft.com/office/powerpoint/2010/main" xmlns:p15="http://schemas.microsoft.com/office/powerpoint/2012/main" xmlns:mc="http://schemas.openxmlformats.org/markup-compatibility/2006" type="blank" preserve="1">
-  <p:cSld name="CAPTION_ONLY">
-    <p:spTree>
-      <p:nvGrpSpPr>
-        <p:cNvPr id="1" name=""/>
-        <p:cNvGrpSpPr/>
-        <p:nvPr/>
-      </p:nvGrpSpPr>
-      <p:grpSpPr>
-        <a:xfrm>
-          <a:off x="0" y="0"/>
-          <a:ext cx="0" cy="0"/>
-          <a:chOff x="0" y="0"/>
-          <a:chExt cx="0" cy="0"/>
-        </a:xfrm>
-      </p:grpSpPr>
-      <p:sp>
-        <p:nvSpPr>
-          <p:cNvPr id="2" name="PlaceHolder 1"/>
-          <p:cNvSpPr>
-            <a:spLocks noGrp="1"/>
-          </p:cNvSpPr>
-          <p:nvPr>
-            <p:ph type="sldNum" idx="32"/>
-          </p:nvPr>
-        </p:nvSpPr>
-        <p:spPr/>
-        <p:txBody>
-          <a:bodyPr/>
-          <a:p>
-            <a:fld id="{BD3F6DBB-8E9D-42AA-ABB2-F0FC6A2DC55D}" type="slidenum">
+            <a:fld id="{90A261F4-A1A1-42BE-AFB0-25A71DE8DAFC}" type="slidenum">
               <a:t>&lt;#&gt;</a:t>
             </a:fld>
           </a:p>
@@ -5762,7 +6229,49 @@
         <p:txBody>
           <a:bodyPr/>
           <a:p>
-            <a:fld id="{3D60A8B0-EB18-4823-9EC2-30011A234B7D}" type="slidenum">
+            <a:fld id="{EAFE3C74-4B39-48A7-AA1C-F581DDCCAEED}" type="slidenum">
+              <a:t>&lt;#&gt;</a:t>
+            </a:fld>
+          </a:p>
+        </p:txBody>
+      </p:sp>
+    </p:spTree>
+  </p:cSld>
+</p:sldLayout>
+</file>
+
+<file path=ppt/slideLayouts/slideLayout40.xml><?xml version="1.0" encoding="utf-8"?>
+<p:sldLayout xmlns:a="http://schemas.openxmlformats.org/drawingml/2006/main" xmlns:p="http://schemas.openxmlformats.org/presentationml/2006/main" xmlns:r="http://schemas.openxmlformats.org/officeDocument/2006/relationships" xmlns:p14="http://schemas.microsoft.com/office/powerpoint/2010/main" xmlns:p15="http://schemas.microsoft.com/office/powerpoint/2012/main" xmlns:mc="http://schemas.openxmlformats.org/markup-compatibility/2006" type="blank" preserve="1">
+  <p:cSld name="CAPTION_ONLY">
+    <p:spTree>
+      <p:nvGrpSpPr>
+        <p:cNvPr id="1" name=""/>
+        <p:cNvGrpSpPr/>
+        <p:nvPr/>
+      </p:nvGrpSpPr>
+      <p:grpSpPr>
+        <a:xfrm>
+          <a:off x="0" y="0"/>
+          <a:ext cx="0" cy="0"/>
+          <a:chOff x="0" y="0"/>
+          <a:chExt cx="0" cy="0"/>
+        </a:xfrm>
+      </p:grpSpPr>
+      <p:sp>
+        <p:nvSpPr>
+          <p:cNvPr id="2" name="PlaceHolder 1"/>
+          <p:cNvSpPr>
+            <a:spLocks noGrp="1"/>
+          </p:cNvSpPr>
+          <p:nvPr>
+            <p:ph type="sldNum" idx="36"/>
+          </p:nvPr>
+        </p:nvSpPr>
+        <p:spPr/>
+        <p:txBody>
+          <a:bodyPr/>
+          <a:p>
+            <a:fld id="{8911D1EA-6E9E-4F18-940C-2DBE855F23E1}" type="slidenum">
               <a:t>&lt;#&gt;</a:t>
             </a:fld>
           </a:p>
@@ -5933,7 +6442,7 @@
         <p:txBody>
           <a:bodyPr/>
           <a:p>
-            <a:fld id="{2B49F5A8-E827-447C-9DD8-AEC969B7FB50}" type="slidenum">
+            <a:fld id="{B1A9EEA4-6C49-4D78-8C39-74328930FCE5}" type="slidenum">
               <a:t>&lt;#&gt;</a:t>
             </a:fld>
           </a:p>
@@ -6060,7 +6569,7 @@
         <p:txBody>
           <a:bodyPr/>
           <a:p>
-            <a:fld id="{A77D4160-174C-4700-8E56-924DC42A37AE}" type="slidenum">
+            <a:fld id="{70C04F17-8A19-47DD-B2F3-C8306DD3A770}" type="slidenum">
               <a:t>&lt;#&gt;</a:t>
             </a:fld>
           </a:p>
@@ -6184,7 +6693,7 @@
         <p:txBody>
           <a:bodyPr/>
           <a:p>
-            <a:fld id="{75FD8C9A-7AE7-4CA0-9EFC-042BDA3E10A8}" type="slidenum">
+            <a:fld id="{860156F7-8602-49DB-8BB7-0DF8A3C3A37D}" type="slidenum">
               <a:t>&lt;#&gt;</a:t>
             </a:fld>
           </a:p>
@@ -6311,7 +6820,7 @@
         <p:txBody>
           <a:bodyPr/>
           <a:p>
-            <a:fld id="{693EBE35-BB64-4EFB-8F71-0233E60C1E71}" type="slidenum">
+            <a:fld id="{D45DCFCD-ADDD-49BD-A2DD-9A4B5AE401D2}" type="slidenum">
               <a:t>&lt;#&gt;</a:t>
             </a:fld>
           </a:p>
@@ -6482,7 +6991,7 @@
         <p:txBody>
           <a:bodyPr/>
           <a:p>
-            <a:fld id="{4147F988-D89F-410E-AC21-C425295824BC}" type="slidenum">
+            <a:fld id="{F414BDF1-8168-405F-B9D1-08C9387B8F9A}" type="slidenum">
               <a:t>&lt;#&gt;</a:t>
             </a:fld>
           </a:p>
@@ -6581,7 +7090,7 @@
         <p:spPr>
           <a:xfrm>
             <a:off x="8472600" y="4663080"/>
-            <a:ext cx="543960" cy="388800"/>
+            <a:ext cx="543600" cy="388440"/>
           </a:xfrm>
           <a:prstGeom prst="rect">
             <a:avLst/>
@@ -6624,7 +7133,7 @@
                 <a:tab algn="l" pos="0"/>
               </a:tabLst>
             </a:pPr>
-            <a:fld id="{0B97F498-8CD2-4157-8D23-6B67692D39DA}" type="slidenum">
+            <a:fld id="{C66C8098-502B-414B-8F49-3FE33B54D2B6}" type="slidenum">
               <a:rPr b="0" lang="en" sz="1000" strike="noStrike" u="none">
                 <a:solidFill>
                   <a:schemeClr val="dk2"/>
@@ -6742,7 +7251,7 @@
         <p:spPr>
           <a:xfrm>
             <a:off x="8472600" y="4663080"/>
-            <a:ext cx="543960" cy="388800"/>
+            <a:ext cx="543600" cy="388440"/>
           </a:xfrm>
           <a:prstGeom prst="rect">
             <a:avLst/>
@@ -6785,7 +7294,7 @@
                 <a:tab algn="l" pos="0"/>
               </a:tabLst>
             </a:pPr>
-            <a:fld id="{4951D1BA-E333-42E5-A3E4-A623DFCE8407}" type="slidenum">
+            <a:fld id="{9CD1E1F7-BE43-4857-A61B-53A1BFA5BAE8}" type="slidenum">
               <a:rPr b="0" lang="en" sz="1000" strike="noStrike" u="none">
                 <a:solidFill>
                   <a:schemeClr val="dk2"/>
@@ -6903,7 +7412,7 @@
         <p:spPr>
           <a:xfrm>
             <a:off x="8472600" y="4663080"/>
-            <a:ext cx="543960" cy="388800"/>
+            <a:ext cx="543600" cy="388440"/>
           </a:xfrm>
           <a:prstGeom prst="rect">
             <a:avLst/>
@@ -6946,7 +7455,7 @@
                 <a:tab algn="l" pos="0"/>
               </a:tabLst>
             </a:pPr>
-            <a:fld id="{81B2B609-678D-4781-8EFD-29D33F2BE9E1}" type="slidenum">
+            <a:fld id="{7F4C86A8-1FED-4D4F-B01E-57F371B2EE66}" type="slidenum">
               <a:rPr b="0" lang="en" sz="1000" strike="noStrike" u="none">
                 <a:solidFill>
                   <a:schemeClr val="dk2"/>
@@ -7303,7 +7812,7 @@
         <p:spPr>
           <a:xfrm>
             <a:off x="8472600" y="4663080"/>
-            <a:ext cx="543960" cy="388800"/>
+            <a:ext cx="543600" cy="388440"/>
           </a:xfrm>
           <a:prstGeom prst="rect">
             <a:avLst/>
@@ -7346,7 +7855,7 @@
                 <a:tab algn="l" pos="0"/>
               </a:tabLst>
             </a:pPr>
-            <a:fld id="{C4E37F1F-8C2D-4764-8A4D-A6F2CA454B0A}" type="slidenum">
+            <a:fld id="{3BFA9BC8-9970-4447-8EB0-483A67BCE7EE}" type="slidenum">
               <a:rPr b="0" lang="en" sz="1000" strike="noStrike" u="none">
                 <a:solidFill>
                   <a:schemeClr val="dk2"/>
@@ -7942,7 +8451,7 @@
         <p:spPr>
           <a:xfrm>
             <a:off x="8472600" y="4663080"/>
-            <a:ext cx="543960" cy="388800"/>
+            <a:ext cx="543600" cy="388440"/>
           </a:xfrm>
           <a:prstGeom prst="rect">
             <a:avLst/>
@@ -7985,7 +8494,7 @@
                 <a:tab algn="l" pos="0"/>
               </a:tabLst>
             </a:pPr>
-            <a:fld id="{321584D1-6CD2-4B5E-9C8C-7466120DC0FA}" type="slidenum">
+            <a:fld id="{818E4122-3D62-453C-ADB1-6A75BB79AB48}" type="slidenum">
               <a:rPr b="0" lang="en" sz="1000" strike="noStrike" u="none">
                 <a:solidFill>
                   <a:schemeClr val="dk2"/>
@@ -8103,7 +8612,7 @@
         <p:spPr>
           <a:xfrm>
             <a:off x="8472600" y="4663080"/>
-            <a:ext cx="543960" cy="388800"/>
+            <a:ext cx="543600" cy="388440"/>
           </a:xfrm>
           <a:prstGeom prst="rect">
             <a:avLst/>
@@ -8146,7 +8655,7 @@
                 <a:tab algn="l" pos="0"/>
               </a:tabLst>
             </a:pPr>
-            <a:fld id="{39DBFB97-A134-4B08-A831-631643BBDE23}" type="slidenum">
+            <a:fld id="{24DE6F39-BDDD-4611-BA40-17F23EEDFF7B}" type="slidenum">
               <a:rPr b="0" lang="en" sz="1000" strike="noStrike" u="none">
                 <a:solidFill>
                   <a:schemeClr val="dk2"/>
@@ -8264,7 +8773,7 @@
         <p:spPr>
           <a:xfrm>
             <a:off x="8472600" y="4663080"/>
-            <a:ext cx="543960" cy="388800"/>
+            <a:ext cx="543600" cy="388440"/>
           </a:xfrm>
           <a:prstGeom prst="rect">
             <a:avLst/>
@@ -8307,7 +8816,7 @@
                 <a:tab algn="l" pos="0"/>
               </a:tabLst>
             </a:pPr>
-            <a:fld id="{7EF06354-293F-48ED-8584-D667AD22063B}" type="slidenum">
+            <a:fld id="{2ADEAAF7-0561-479A-9A77-2C5F440B9208}" type="slidenum">
               <a:rPr b="0" lang="en" sz="1000" strike="noStrike" u="none">
                 <a:solidFill>
                   <a:schemeClr val="dk2"/>
@@ -8664,7 +9173,7 @@
         <p:spPr>
           <a:xfrm>
             <a:off x="8472600" y="4663080"/>
-            <a:ext cx="543960" cy="388800"/>
+            <a:ext cx="543600" cy="388440"/>
           </a:xfrm>
           <a:prstGeom prst="rect">
             <a:avLst/>
@@ -8707,7 +9216,7 @@
                 <a:tab algn="l" pos="0"/>
               </a:tabLst>
             </a:pPr>
-            <a:fld id="{C848E2F8-FF14-4292-974E-8BE8962B5693}" type="slidenum">
+            <a:fld id="{2778E31C-C788-4D98-8CDA-2410D15C26C8}" type="slidenum">
               <a:rPr b="0" lang="en" sz="1000" strike="noStrike" u="none">
                 <a:solidFill>
                   <a:schemeClr val="dk2"/>
@@ -9303,7 +9812,7 @@
         <p:spPr>
           <a:xfrm>
             <a:off x="8472600" y="4663080"/>
-            <a:ext cx="543960" cy="388800"/>
+            <a:ext cx="543600" cy="388440"/>
           </a:xfrm>
           <a:prstGeom prst="rect">
             <a:avLst/>
@@ -9346,7 +9855,7 @@
                 <a:tab algn="l" pos="0"/>
               </a:tabLst>
             </a:pPr>
-            <a:fld id="{DFF68B4F-CAB1-4679-B207-B0F8B02FC06D}" type="slidenum">
+            <a:fld id="{A17DDFEC-EA25-4708-803B-7828F1927730}" type="slidenum">
               <a:rPr b="0" lang="en" sz="1000" strike="noStrike" u="none">
                 <a:solidFill>
                   <a:schemeClr val="dk2"/>
@@ -9464,7 +9973,7 @@
         <p:spPr>
           <a:xfrm>
             <a:off x="8472600" y="4663080"/>
-            <a:ext cx="543960" cy="388800"/>
+            <a:ext cx="543600" cy="388440"/>
           </a:xfrm>
           <a:prstGeom prst="rect">
             <a:avLst/>
@@ -9507,7 +10016,7 @@
                 <a:tab algn="l" pos="0"/>
               </a:tabLst>
             </a:pPr>
-            <a:fld id="{E438836E-66A4-4968-BA51-41DAB43CE02F}" type="slidenum">
+            <a:fld id="{7D595FCE-D8EE-4710-A61F-0208F3B9ADB6}" type="slidenum">
               <a:rPr b="0" lang="en" sz="1000" strike="noStrike" u="none">
                 <a:solidFill>
                   <a:schemeClr val="dk2"/>
@@ -9625,7 +10134,7 @@
         <p:spPr>
           <a:xfrm>
             <a:off x="8472600" y="4663080"/>
-            <a:ext cx="543960" cy="388800"/>
+            <a:ext cx="543600" cy="388440"/>
           </a:xfrm>
           <a:prstGeom prst="rect">
             <a:avLst/>
@@ -9668,7 +10177,7 @@
                 <a:tab algn="l" pos="0"/>
               </a:tabLst>
             </a:pPr>
-            <a:fld id="{EC06F4E6-FDBC-4B7A-BA43-D42CBC7FBB34}" type="slidenum">
+            <a:fld id="{8A4F102C-FCE1-48E5-A7E8-9E94791BE581}" type="slidenum">
               <a:rPr b="0" lang="en" sz="1000" strike="noStrike" u="none">
                 <a:solidFill>
                   <a:schemeClr val="dk2"/>
@@ -9735,7 +10244,7 @@
         <p:spPr>
           <a:xfrm>
             <a:off x="8472600" y="4663080"/>
-            <a:ext cx="543960" cy="388800"/>
+            <a:ext cx="543600" cy="388440"/>
           </a:xfrm>
           <a:prstGeom prst="rect">
             <a:avLst/>
@@ -9778,7 +10287,7 @@
                 <a:tab algn="l" pos="0"/>
               </a:tabLst>
             </a:pPr>
-            <a:fld id="{BDAEB408-60E8-44B6-9457-5442AB982700}" type="slidenum">
+            <a:fld id="{5FED428C-E575-48A6-A80C-67511BBFEEC2}" type="slidenum">
               <a:rPr b="0" lang="en" sz="1000" strike="noStrike" u="none">
                 <a:solidFill>
                   <a:schemeClr val="dk2"/>
@@ -10135,7 +10644,7 @@
         <p:spPr>
           <a:xfrm>
             <a:off x="8472600" y="4663080"/>
-            <a:ext cx="543960" cy="388800"/>
+            <a:ext cx="543600" cy="388440"/>
           </a:xfrm>
           <a:prstGeom prst="rect">
             <a:avLst/>
@@ -10178,7 +10687,7 @@
                 <a:tab algn="l" pos="0"/>
               </a:tabLst>
             </a:pPr>
-            <a:fld id="{B72B40D7-54E8-45EC-B90F-C290F2697884}" type="slidenum">
+            <a:fld id="{B0E736CF-C0B6-4C1A-B7F0-B62C94B4B7D9}" type="slidenum">
               <a:rPr b="0" lang="en" sz="1000" strike="noStrike" u="none">
                 <a:solidFill>
                   <a:schemeClr val="dk2"/>
@@ -10774,7 +11283,7 @@
         <p:spPr>
           <a:xfrm>
             <a:off x="8472600" y="4663080"/>
-            <a:ext cx="543960" cy="388800"/>
+            <a:ext cx="543600" cy="388440"/>
           </a:xfrm>
           <a:prstGeom prst="rect">
             <a:avLst/>
@@ -10817,7 +11326,7 @@
                 <a:tab algn="l" pos="0"/>
               </a:tabLst>
             </a:pPr>
-            <a:fld id="{E342D97D-EBC7-4345-BA92-04E3F2051AD7}" type="slidenum">
+            <a:fld id="{9EABE4CF-2FF5-412F-A6A8-83FD0168FBE5}" type="slidenum">
               <a:rPr b="0" lang="en" sz="1000" strike="noStrike" u="none">
                 <a:solidFill>
                   <a:schemeClr val="dk2"/>
@@ -10935,7 +11444,7 @@
         <p:spPr>
           <a:xfrm>
             <a:off x="8472600" y="4663080"/>
-            <a:ext cx="543960" cy="388800"/>
+            <a:ext cx="543600" cy="388440"/>
           </a:xfrm>
           <a:prstGeom prst="rect">
             <a:avLst/>
@@ -10978,7 +11487,7 @@
                 <a:tab algn="l" pos="0"/>
               </a:tabLst>
             </a:pPr>
-            <a:fld id="{FCC1F7FF-78AE-4401-ACD4-AC634A4D8308}" type="slidenum">
+            <a:fld id="{A48F1F5E-85FB-4297-8F20-77D03EB6703C}" type="slidenum">
               <a:rPr b="0" lang="en" sz="1000" strike="noStrike" u="none">
                 <a:solidFill>
                   <a:schemeClr val="dk2"/>
@@ -11096,7 +11605,7 @@
         <p:spPr>
           <a:xfrm>
             <a:off x="8472600" y="4663080"/>
-            <a:ext cx="543960" cy="388800"/>
+            <a:ext cx="543600" cy="388440"/>
           </a:xfrm>
           <a:prstGeom prst="rect">
             <a:avLst/>
@@ -11139,7 +11648,7 @@
                 <a:tab algn="l" pos="0"/>
               </a:tabLst>
             </a:pPr>
-            <a:fld id="{6F7C9D49-5E2D-4EAF-9223-B72D3047E2EA}" type="slidenum">
+            <a:fld id="{EC12AE62-1DA7-4EF6-8509-6E78C945C145}" type="slidenum">
               <a:rPr b="0" lang="en" sz="1000" strike="noStrike" u="none">
                 <a:solidFill>
                   <a:schemeClr val="dk2"/>
@@ -11148,7 +11657,7 @@
                 <a:latin typeface="Arial"/>
                 <a:ea typeface="Arial"/>
               </a:rPr>
-              <a:t>&lt;number&gt;</a:t>
+              <a:t>1</a:t>
             </a:fld>
             <a:endParaRPr b="0" lang="en-US" sz="1000" strike="noStrike" u="none">
               <a:solidFill>
@@ -11200,13 +11709,303 @@
             <a:spLocks noGrp="1"/>
           </p:cNvSpPr>
           <p:nvPr>
+            <p:ph type="title"/>
+          </p:nvPr>
+        </p:nvSpPr>
+        <p:spPr>
+          <a:xfrm>
+            <a:off x="457200" y="205200"/>
+            <a:ext cx="8228880" cy="858240"/>
+          </a:xfrm>
+          <a:prstGeom prst="rect">
+            <a:avLst/>
+          </a:prstGeom>
+          <a:noFill/>
+          <a:ln w="0">
+            <a:noFill/>
+          </a:ln>
+        </p:spPr>
+        <p:txBody>
+          <a:bodyPr lIns="0" rIns="0" tIns="0" bIns="0" anchor="ctr">
+            <a:noAutofit/>
+          </a:bodyPr>
+          <a:p>
+            <a:pPr indent="0">
+              <a:buNone/>
+            </a:pPr>
+            <a:r>
+              <a:rPr b="0" lang="en-US" sz="1800" strike="noStrike" u="none">
+                <a:solidFill>
+                  <a:srgbClr val="000000"/>
+                </a:solidFill>
+                <a:uFillTx/>
+                <a:latin typeface="Arial"/>
+              </a:rPr>
+              <a:t>Click to edit the title text format</a:t>
+            </a:r>
+            <a:endParaRPr b="0" lang="en-US" sz="1800" strike="noStrike" u="none">
+              <a:solidFill>
+                <a:srgbClr val="000000"/>
+              </a:solidFill>
+              <a:uFillTx/>
+              <a:latin typeface="Arial"/>
+            </a:endParaRPr>
+          </a:p>
+        </p:txBody>
+      </p:sp>
+      <p:sp>
+        <p:nvSpPr>
+          <p:cNvPr id="105" name="PlaceHolder 2"/>
+          <p:cNvSpPr>
+            <a:spLocks noGrp="1"/>
+          </p:cNvSpPr>
+          <p:nvPr>
+            <p:ph type="body"/>
+          </p:nvPr>
+        </p:nvSpPr>
+        <p:spPr>
+          <a:xfrm>
+            <a:off x="457200" y="1203480"/>
+            <a:ext cx="8228880" cy="2982600"/>
+          </a:xfrm>
+          <a:prstGeom prst="rect">
+            <a:avLst/>
+          </a:prstGeom>
+          <a:noFill/>
+          <a:ln w="0">
+            <a:noFill/>
+          </a:ln>
+        </p:spPr>
+        <p:txBody>
+          <a:bodyPr lIns="0" rIns="0" tIns="0" bIns="0" anchor="t">
+            <a:normAutofit/>
+          </a:bodyPr>
+          <a:p>
+            <a:pPr marL="432000" indent="-324000">
+              <a:spcBef>
+                <a:spcPts val="1417"/>
+              </a:spcBef>
+              <a:buClr>
+                <a:srgbClr val="000000"/>
+              </a:buClr>
+              <a:buSzPct val="45000"/>
+              <a:buFont typeface="Wingdings" charset="2"/>
+              <a:buChar char=""/>
+            </a:pPr>
+            <a:r>
+              <a:rPr b="0" lang="en-US" sz="1800" strike="noStrike" u="none">
+                <a:solidFill>
+                  <a:srgbClr val="000000"/>
+                </a:solidFill>
+                <a:uFillTx/>
+                <a:latin typeface="Arial"/>
+              </a:rPr>
+              <a:t>Click to edit the outline text format</a:t>
+            </a:r>
+            <a:endParaRPr b="0" lang="en-US" sz="1800" strike="noStrike" u="none">
+              <a:solidFill>
+                <a:srgbClr val="000000"/>
+              </a:solidFill>
+              <a:uFillTx/>
+              <a:latin typeface="Arial"/>
+            </a:endParaRPr>
+          </a:p>
+          <a:p>
+            <a:pPr lvl="1" marL="864000" indent="-324000">
+              <a:spcBef>
+                <a:spcPts val="1134"/>
+              </a:spcBef>
+              <a:buClr>
+                <a:srgbClr val="000000"/>
+              </a:buClr>
+              <a:buSzPct val="75000"/>
+              <a:buFont typeface="Symbol" charset="2"/>
+              <a:buChar char=""/>
+            </a:pPr>
+            <a:r>
+              <a:rPr b="0" lang="en-US" sz="1800" strike="noStrike" u="none">
+                <a:solidFill>
+                  <a:srgbClr val="000000"/>
+                </a:solidFill>
+                <a:uFillTx/>
+                <a:latin typeface="Arial"/>
+              </a:rPr>
+              <a:t>Second Outline Level</a:t>
+            </a:r>
+            <a:endParaRPr b="0" lang="en-US" sz="1800" strike="noStrike" u="none">
+              <a:solidFill>
+                <a:srgbClr val="000000"/>
+              </a:solidFill>
+              <a:uFillTx/>
+              <a:latin typeface="Arial"/>
+            </a:endParaRPr>
+          </a:p>
+          <a:p>
+            <a:pPr lvl="2" marL="1296000" indent="-288000">
+              <a:spcBef>
+                <a:spcPts val="850"/>
+              </a:spcBef>
+              <a:buClr>
+                <a:srgbClr val="000000"/>
+              </a:buClr>
+              <a:buSzPct val="45000"/>
+              <a:buFont typeface="Wingdings" charset="2"/>
+              <a:buChar char=""/>
+            </a:pPr>
+            <a:r>
+              <a:rPr b="0" lang="en-US" sz="1800" strike="noStrike" u="none">
+                <a:solidFill>
+                  <a:srgbClr val="000000"/>
+                </a:solidFill>
+                <a:uFillTx/>
+                <a:latin typeface="Arial"/>
+              </a:rPr>
+              <a:t>Third Outline Level</a:t>
+            </a:r>
+            <a:endParaRPr b="0" lang="en-US" sz="1800" strike="noStrike" u="none">
+              <a:solidFill>
+                <a:srgbClr val="000000"/>
+              </a:solidFill>
+              <a:uFillTx/>
+              <a:latin typeface="Arial"/>
+            </a:endParaRPr>
+          </a:p>
+          <a:p>
+            <a:pPr lvl="3" marL="1728000" indent="-216000">
+              <a:spcBef>
+                <a:spcPts val="567"/>
+              </a:spcBef>
+              <a:buClr>
+                <a:srgbClr val="000000"/>
+              </a:buClr>
+              <a:buSzPct val="75000"/>
+              <a:buFont typeface="Symbol" charset="2"/>
+              <a:buChar char=""/>
+            </a:pPr>
+            <a:r>
+              <a:rPr b="0" lang="en-US" sz="1800" strike="noStrike" u="none">
+                <a:solidFill>
+                  <a:srgbClr val="000000"/>
+                </a:solidFill>
+                <a:uFillTx/>
+                <a:latin typeface="Arial"/>
+              </a:rPr>
+              <a:t>Fourth Outline Level</a:t>
+            </a:r>
+            <a:endParaRPr b="0" lang="en-US" sz="1800" strike="noStrike" u="none">
+              <a:solidFill>
+                <a:srgbClr val="000000"/>
+              </a:solidFill>
+              <a:uFillTx/>
+              <a:latin typeface="Arial"/>
+            </a:endParaRPr>
+          </a:p>
+          <a:p>
+            <a:pPr lvl="4" marL="2160000" indent="-216000">
+              <a:spcBef>
+                <a:spcPts val="283"/>
+              </a:spcBef>
+              <a:buClr>
+                <a:srgbClr val="000000"/>
+              </a:buClr>
+              <a:buSzPct val="45000"/>
+              <a:buFont typeface="Wingdings" charset="2"/>
+              <a:buChar char=""/>
+            </a:pPr>
+            <a:r>
+              <a:rPr b="0" lang="en-US" sz="1800" strike="noStrike" u="none">
+                <a:solidFill>
+                  <a:srgbClr val="000000"/>
+                </a:solidFill>
+                <a:uFillTx/>
+                <a:latin typeface="Arial"/>
+              </a:rPr>
+              <a:t>Fifth Outline Level</a:t>
+            </a:r>
+            <a:endParaRPr b="0" lang="en-US" sz="1800" strike="noStrike" u="none">
+              <a:solidFill>
+                <a:srgbClr val="000000"/>
+              </a:solidFill>
+              <a:uFillTx/>
+              <a:latin typeface="Arial"/>
+            </a:endParaRPr>
+          </a:p>
+          <a:p>
+            <a:pPr lvl="5" marL="2592000" indent="-216000">
+              <a:spcBef>
+                <a:spcPts val="283"/>
+              </a:spcBef>
+              <a:buClr>
+                <a:srgbClr val="000000"/>
+              </a:buClr>
+              <a:buSzPct val="45000"/>
+              <a:buFont typeface="Wingdings" charset="2"/>
+              <a:buChar char=""/>
+            </a:pPr>
+            <a:r>
+              <a:rPr b="0" lang="en-US" sz="1800" strike="noStrike" u="none">
+                <a:solidFill>
+                  <a:srgbClr val="000000"/>
+                </a:solidFill>
+                <a:uFillTx/>
+                <a:latin typeface="Arial"/>
+              </a:rPr>
+              <a:t>Sixth Outline Level</a:t>
+            </a:r>
+            <a:endParaRPr b="0" lang="en-US" sz="1800" strike="noStrike" u="none">
+              <a:solidFill>
+                <a:srgbClr val="000000"/>
+              </a:solidFill>
+              <a:uFillTx/>
+              <a:latin typeface="Arial"/>
+            </a:endParaRPr>
+          </a:p>
+          <a:p>
+            <a:pPr lvl="6" marL="3024000" indent="-216000">
+              <a:spcBef>
+                <a:spcPts val="283"/>
+              </a:spcBef>
+              <a:buClr>
+                <a:srgbClr val="000000"/>
+              </a:buClr>
+              <a:buSzPct val="45000"/>
+              <a:buFont typeface="Wingdings" charset="2"/>
+              <a:buChar char=""/>
+            </a:pPr>
+            <a:r>
+              <a:rPr b="0" lang="en-US" sz="1800" strike="noStrike" u="none">
+                <a:solidFill>
+                  <a:srgbClr val="000000"/>
+                </a:solidFill>
+                <a:uFillTx/>
+                <a:latin typeface="Arial"/>
+              </a:rPr>
+              <a:t>Seventh Outline Level</a:t>
+            </a:r>
+            <a:endParaRPr b="0" lang="en-US" sz="1800" strike="noStrike" u="none">
+              <a:solidFill>
+                <a:srgbClr val="000000"/>
+              </a:solidFill>
+              <a:uFillTx/>
+              <a:latin typeface="Arial"/>
+            </a:endParaRPr>
+          </a:p>
+        </p:txBody>
+      </p:sp>
+      <p:sp>
+        <p:nvSpPr>
+          <p:cNvPr id="106" name="PlaceHolder 3"/>
+          <p:cNvSpPr>
+            <a:spLocks noGrp="1"/>
+          </p:cNvSpPr>
+          <p:nvPr>
             <p:ph type="sldNum" idx="24"/>
           </p:nvPr>
         </p:nvSpPr>
         <p:spPr>
           <a:xfrm>
             <a:off x="8472600" y="4663080"/>
-            <a:ext cx="543960" cy="388800"/>
+            <a:ext cx="543600" cy="388440"/>
           </a:xfrm>
           <a:prstGeom prst="rect">
             <a:avLst/>
@@ -11249,7 +12048,7 @@
                 <a:tab algn="l" pos="0"/>
               </a:tabLst>
             </a:pPr>
-            <a:fld id="{D9CB7F34-D27A-4049-A0C4-8572AC27D57B}" type="slidenum">
+            <a:fld id="{251FFDAB-3144-44C1-9322-FF7BB8BB9F35}" type="slidenum">
               <a:rPr b="0" lang="en" sz="1000" strike="noStrike" u="none">
                 <a:solidFill>
                   <a:schemeClr val="dk2"/>
@@ -11266,296 +12065,6 @@
               </a:solidFill>
               <a:uFillTx/>
               <a:latin typeface="Times New Roman"/>
-            </a:endParaRPr>
-          </a:p>
-        </p:txBody>
-      </p:sp>
-      <p:sp>
-        <p:nvSpPr>
-          <p:cNvPr id="105" name="PlaceHolder 2"/>
-          <p:cNvSpPr>
-            <a:spLocks noGrp="1"/>
-          </p:cNvSpPr>
-          <p:nvPr>
-            <p:ph type="title"/>
-          </p:nvPr>
-        </p:nvSpPr>
-        <p:spPr>
-          <a:xfrm>
-            <a:off x="457200" y="205200"/>
-            <a:ext cx="8229240" cy="858600"/>
-          </a:xfrm>
-          <a:prstGeom prst="rect">
-            <a:avLst/>
-          </a:prstGeom>
-          <a:noFill/>
-          <a:ln w="0">
-            <a:noFill/>
-          </a:ln>
-        </p:spPr>
-        <p:txBody>
-          <a:bodyPr lIns="0" rIns="0" tIns="0" bIns="0" anchor="ctr">
-            <a:noAutofit/>
-          </a:bodyPr>
-          <a:p>
-            <a:pPr indent="0" algn="ctr">
-              <a:buNone/>
-            </a:pPr>
-            <a:r>
-              <a:rPr b="0" lang="en-US" sz="4400" strike="noStrike" u="none">
-                <a:solidFill>
-                  <a:srgbClr val="000000"/>
-                </a:solidFill>
-                <a:uFillTx/>
-                <a:latin typeface="Arial"/>
-              </a:rPr>
-              <a:t>Click to edit the title text format</a:t>
-            </a:r>
-            <a:endParaRPr b="0" lang="en-US" sz="4400" strike="noStrike" u="none">
-              <a:solidFill>
-                <a:srgbClr val="000000"/>
-              </a:solidFill>
-              <a:uFillTx/>
-              <a:latin typeface="Arial"/>
-            </a:endParaRPr>
-          </a:p>
-        </p:txBody>
-      </p:sp>
-      <p:sp>
-        <p:nvSpPr>
-          <p:cNvPr id="106" name="PlaceHolder 3"/>
-          <p:cNvSpPr>
-            <a:spLocks noGrp="1"/>
-          </p:cNvSpPr>
-          <p:nvPr>
-            <p:ph type="body"/>
-          </p:nvPr>
-        </p:nvSpPr>
-        <p:spPr>
-          <a:xfrm>
-            <a:off x="457200" y="1203480"/>
-            <a:ext cx="8229240" cy="2982960"/>
-          </a:xfrm>
-          <a:prstGeom prst="rect">
-            <a:avLst/>
-          </a:prstGeom>
-          <a:noFill/>
-          <a:ln w="0">
-            <a:noFill/>
-          </a:ln>
-        </p:spPr>
-        <p:txBody>
-          <a:bodyPr lIns="0" rIns="0" tIns="0" bIns="0" anchor="t">
-            <a:normAutofit/>
-          </a:bodyPr>
-          <a:p>
-            <a:pPr marL="432000" indent="-324000">
-              <a:spcBef>
-                <a:spcPts val="1417"/>
-              </a:spcBef>
-              <a:buClr>
-                <a:srgbClr val="000000"/>
-              </a:buClr>
-              <a:buSzPct val="45000"/>
-              <a:buFont typeface="Wingdings" charset="2"/>
-              <a:buChar char=""/>
-            </a:pPr>
-            <a:r>
-              <a:rPr b="0" lang="en-US" sz="3200" strike="noStrike" u="none">
-                <a:solidFill>
-                  <a:srgbClr val="000000"/>
-                </a:solidFill>
-                <a:uFillTx/>
-                <a:latin typeface="Arial"/>
-              </a:rPr>
-              <a:t>Click to edit the outline text format</a:t>
-            </a:r>
-            <a:endParaRPr b="0" lang="en-US" sz="3200" strike="noStrike" u="none">
-              <a:solidFill>
-                <a:srgbClr val="000000"/>
-              </a:solidFill>
-              <a:uFillTx/>
-              <a:latin typeface="Arial"/>
-            </a:endParaRPr>
-          </a:p>
-          <a:p>
-            <a:pPr lvl="1" marL="864000" indent="-324000">
-              <a:spcBef>
-                <a:spcPts val="1134"/>
-              </a:spcBef>
-              <a:buClr>
-                <a:srgbClr val="000000"/>
-              </a:buClr>
-              <a:buSzPct val="75000"/>
-              <a:buFont typeface="Symbol" charset="2"/>
-              <a:buChar char=""/>
-            </a:pPr>
-            <a:r>
-              <a:rPr b="0" lang="en-US" sz="2800" strike="noStrike" u="none">
-                <a:solidFill>
-                  <a:srgbClr val="000000"/>
-                </a:solidFill>
-                <a:uFillTx/>
-                <a:latin typeface="Arial"/>
-              </a:rPr>
-              <a:t>Second Outline Level</a:t>
-            </a:r>
-            <a:endParaRPr b="0" lang="en-US" sz="2800" strike="noStrike" u="none">
-              <a:solidFill>
-                <a:srgbClr val="000000"/>
-              </a:solidFill>
-              <a:uFillTx/>
-              <a:latin typeface="Arial"/>
-            </a:endParaRPr>
-          </a:p>
-          <a:p>
-            <a:pPr lvl="2" marL="1296000" indent="-288000">
-              <a:spcBef>
-                <a:spcPts val="850"/>
-              </a:spcBef>
-              <a:buClr>
-                <a:srgbClr val="000000"/>
-              </a:buClr>
-              <a:buSzPct val="45000"/>
-              <a:buFont typeface="Wingdings" charset="2"/>
-              <a:buChar char=""/>
-            </a:pPr>
-            <a:r>
-              <a:rPr b="0" lang="en-US" sz="2400" strike="noStrike" u="none">
-                <a:solidFill>
-                  <a:srgbClr val="000000"/>
-                </a:solidFill>
-                <a:uFillTx/>
-                <a:latin typeface="Arial"/>
-              </a:rPr>
-              <a:t>Third Outline Level</a:t>
-            </a:r>
-            <a:endParaRPr b="0" lang="en-US" sz="2400" strike="noStrike" u="none">
-              <a:solidFill>
-                <a:srgbClr val="000000"/>
-              </a:solidFill>
-              <a:uFillTx/>
-              <a:latin typeface="Arial"/>
-            </a:endParaRPr>
-          </a:p>
-          <a:p>
-            <a:pPr lvl="3" marL="1728000" indent="-216000">
-              <a:spcBef>
-                <a:spcPts val="567"/>
-              </a:spcBef>
-              <a:buClr>
-                <a:srgbClr val="000000"/>
-              </a:buClr>
-              <a:buSzPct val="75000"/>
-              <a:buFont typeface="Symbol" charset="2"/>
-              <a:buChar char=""/>
-            </a:pPr>
-            <a:r>
-              <a:rPr b="0" lang="en-US" sz="2000" strike="noStrike" u="none">
-                <a:solidFill>
-                  <a:srgbClr val="000000"/>
-                </a:solidFill>
-                <a:uFillTx/>
-                <a:latin typeface="Arial"/>
-              </a:rPr>
-              <a:t>Fourth Outline Level</a:t>
-            </a:r>
-            <a:endParaRPr b="0" lang="en-US" sz="2000" strike="noStrike" u="none">
-              <a:solidFill>
-                <a:srgbClr val="000000"/>
-              </a:solidFill>
-              <a:uFillTx/>
-              <a:latin typeface="Arial"/>
-            </a:endParaRPr>
-          </a:p>
-          <a:p>
-            <a:pPr lvl="4" marL="2160000" indent="-216000">
-              <a:spcBef>
-                <a:spcPts val="283"/>
-              </a:spcBef>
-              <a:buClr>
-                <a:srgbClr val="000000"/>
-              </a:buClr>
-              <a:buSzPct val="45000"/>
-              <a:buFont typeface="Wingdings" charset="2"/>
-              <a:buChar char=""/>
-            </a:pPr>
-            <a:r>
-              <a:rPr b="0" lang="en-US" sz="2000" strike="noStrike" u="none">
-                <a:solidFill>
-                  <a:srgbClr val="000000"/>
-                </a:solidFill>
-                <a:uFillTx/>
-                <a:latin typeface="Arial"/>
-              </a:rPr>
-              <a:t>Fifth Outline Level</a:t>
-            </a:r>
-            <a:endParaRPr b="0" lang="en-US" sz="2000" strike="noStrike" u="none">
-              <a:solidFill>
-                <a:srgbClr val="000000"/>
-              </a:solidFill>
-              <a:uFillTx/>
-              <a:latin typeface="Arial"/>
-            </a:endParaRPr>
-          </a:p>
-          <a:p>
-            <a:pPr lvl="5" marL="2592000" indent="-216000">
-              <a:spcBef>
-                <a:spcPts val="283"/>
-              </a:spcBef>
-              <a:buClr>
-                <a:srgbClr val="000000"/>
-              </a:buClr>
-              <a:buSzPct val="45000"/>
-              <a:buFont typeface="Wingdings" charset="2"/>
-              <a:buChar char=""/>
-            </a:pPr>
-            <a:r>
-              <a:rPr b="0" lang="en-US" sz="2000" strike="noStrike" u="none">
-                <a:solidFill>
-                  <a:srgbClr val="000000"/>
-                </a:solidFill>
-                <a:uFillTx/>
-                <a:latin typeface="Arial"/>
-              </a:rPr>
-              <a:t>Sixth Outline Level</a:t>
-            </a:r>
-            <a:endParaRPr b="0" lang="en-US" sz="2000" strike="noStrike" u="none">
-              <a:solidFill>
-                <a:srgbClr val="000000"/>
-              </a:solidFill>
-              <a:uFillTx/>
-              <a:latin typeface="Arial"/>
-            </a:endParaRPr>
-          </a:p>
-          <a:p>
-            <a:pPr lvl="6" marL="3024000" indent="-216000">
-              <a:spcBef>
-                <a:spcPts val="283"/>
-              </a:spcBef>
-              <a:buClr>
-                <a:srgbClr val="000000"/>
-              </a:buClr>
-              <a:buSzPct val="45000"/>
-              <a:buFont typeface="Wingdings" charset="2"/>
-              <a:buChar char=""/>
-            </a:pPr>
-            <a:r>
-              <a:rPr b="0" lang="en-US" sz="2000" strike="noStrike" u="none">
-                <a:solidFill>
-                  <a:srgbClr val="000000"/>
-                </a:solidFill>
-                <a:uFillTx/>
-                <a:latin typeface="Arial"/>
-              </a:rPr>
-              <a:t>Seventh Outline Level</a:t>
-            </a:r>
-            <a:endParaRPr b="0" lang="en-US" sz="2000" strike="noStrike" u="none">
-              <a:solidFill>
-                <a:srgbClr val="000000"/>
-              </a:solidFill>
-              <a:uFillTx/>
-              <a:latin typeface="Arial"/>
             </a:endParaRPr>
           </a:p>
         </p:txBody>
@@ -11565,10 +12074,6 @@
   <p:clrMap bg1="lt1" tx1="dk1" bg2="lt2" tx2="dk2" accent1="accent1" accent2="accent2" accent3="accent3" accent4="accent4" accent5="accent5" accent6="accent6" hlink="hlink" folHlink="folHlink"/>
   <p:sldLayoutIdLst>
     <p:sldLayoutId id="2147483695" r:id="rId2"/>
-    <p:sldLayoutId id="2147483696" r:id="rId3"/>
-    <p:sldLayoutId id="2147483697" r:id="rId4"/>
-    <p:sldLayoutId id="2147483698" r:id="rId5"/>
-    <p:sldLayoutId id="2147483699" r:id="rId6"/>
   </p:sldLayoutIdLst>
 </p:sldMaster>
 </file>
@@ -11599,7 +12104,536 @@
       </p:grpSpPr>
       <p:sp>
         <p:nvSpPr>
-          <p:cNvPr id="115" name="PlaceHolder 1"/>
+          <p:cNvPr id="109" name="PlaceHolder 1"/>
+          <p:cNvSpPr>
+            <a:spLocks noGrp="1"/>
+          </p:cNvSpPr>
+          <p:nvPr>
+            <p:ph type="title"/>
+          </p:nvPr>
+        </p:nvSpPr>
+        <p:spPr>
+          <a:xfrm>
+            <a:off x="457200" y="205200"/>
+            <a:ext cx="8228880" cy="858240"/>
+          </a:xfrm>
+          <a:prstGeom prst="rect">
+            <a:avLst/>
+          </a:prstGeom>
+          <a:noFill/>
+          <a:ln w="0">
+            <a:noFill/>
+          </a:ln>
+        </p:spPr>
+        <p:txBody>
+          <a:bodyPr lIns="0" rIns="0" tIns="0" bIns="0" anchor="ctr">
+            <a:noAutofit/>
+          </a:bodyPr>
+          <a:p>
+            <a:pPr indent="0">
+              <a:buNone/>
+            </a:pPr>
+            <a:r>
+              <a:rPr b="0" lang="en-US" sz="1800" strike="noStrike" u="none">
+                <a:solidFill>
+                  <a:srgbClr val="000000"/>
+                </a:solidFill>
+                <a:uFillTx/>
+                <a:latin typeface="Arial"/>
+              </a:rPr>
+              <a:t>Click to edit the title text format</a:t>
+            </a:r>
+            <a:endParaRPr b="0" lang="en-US" sz="1800" strike="noStrike" u="none">
+              <a:solidFill>
+                <a:srgbClr val="000000"/>
+              </a:solidFill>
+              <a:uFillTx/>
+              <a:latin typeface="Arial"/>
+            </a:endParaRPr>
+          </a:p>
+        </p:txBody>
+      </p:sp>
+      <p:sp>
+        <p:nvSpPr>
+          <p:cNvPr id="110" name="PlaceHolder 2"/>
+          <p:cNvSpPr>
+            <a:spLocks noGrp="1"/>
+          </p:cNvSpPr>
+          <p:nvPr>
+            <p:ph type="body"/>
+          </p:nvPr>
+        </p:nvSpPr>
+        <p:spPr>
+          <a:xfrm>
+            <a:off x="457200" y="1203480"/>
+            <a:ext cx="4015440" cy="2982600"/>
+          </a:xfrm>
+          <a:prstGeom prst="rect">
+            <a:avLst/>
+          </a:prstGeom>
+          <a:noFill/>
+          <a:ln w="0">
+            <a:noFill/>
+          </a:ln>
+        </p:spPr>
+        <p:txBody>
+          <a:bodyPr lIns="0" rIns="0" tIns="0" bIns="0" anchor="t">
+            <a:normAutofit lnSpcReduction="9999"/>
+          </a:bodyPr>
+          <a:p>
+            <a:pPr marL="432000" indent="-324000">
+              <a:spcBef>
+                <a:spcPts val="1417"/>
+              </a:spcBef>
+              <a:buClr>
+                <a:srgbClr val="000000"/>
+              </a:buClr>
+              <a:buSzPct val="45000"/>
+              <a:buFont typeface="Wingdings" charset="2"/>
+              <a:buChar char=""/>
+            </a:pPr>
+            <a:r>
+              <a:rPr b="0" lang="en-US" sz="1800" strike="noStrike" u="none">
+                <a:solidFill>
+                  <a:srgbClr val="000000"/>
+                </a:solidFill>
+                <a:uFillTx/>
+                <a:latin typeface="Arial"/>
+              </a:rPr>
+              <a:t>Click to edit the outline text format</a:t>
+            </a:r>
+            <a:endParaRPr b="0" lang="en-US" sz="1800" strike="noStrike" u="none">
+              <a:solidFill>
+                <a:srgbClr val="000000"/>
+              </a:solidFill>
+              <a:uFillTx/>
+              <a:latin typeface="Arial"/>
+            </a:endParaRPr>
+          </a:p>
+          <a:p>
+            <a:pPr lvl="1" marL="864000" indent="-324000">
+              <a:spcBef>
+                <a:spcPts val="1134"/>
+              </a:spcBef>
+              <a:buClr>
+                <a:srgbClr val="000000"/>
+              </a:buClr>
+              <a:buSzPct val="75000"/>
+              <a:buFont typeface="Symbol" charset="2"/>
+              <a:buChar char=""/>
+            </a:pPr>
+            <a:r>
+              <a:rPr b="0" lang="en-US" sz="1800" strike="noStrike" u="none">
+                <a:solidFill>
+                  <a:srgbClr val="000000"/>
+                </a:solidFill>
+                <a:uFillTx/>
+                <a:latin typeface="Arial"/>
+              </a:rPr>
+              <a:t>Second Outline Level</a:t>
+            </a:r>
+            <a:endParaRPr b="0" lang="en-US" sz="1800" strike="noStrike" u="none">
+              <a:solidFill>
+                <a:srgbClr val="000000"/>
+              </a:solidFill>
+              <a:uFillTx/>
+              <a:latin typeface="Arial"/>
+            </a:endParaRPr>
+          </a:p>
+          <a:p>
+            <a:pPr lvl="2" marL="1296000" indent="-288000">
+              <a:spcBef>
+                <a:spcPts val="850"/>
+              </a:spcBef>
+              <a:buClr>
+                <a:srgbClr val="000000"/>
+              </a:buClr>
+              <a:buSzPct val="45000"/>
+              <a:buFont typeface="Wingdings" charset="2"/>
+              <a:buChar char=""/>
+            </a:pPr>
+            <a:r>
+              <a:rPr b="0" lang="en-US" sz="1800" strike="noStrike" u="none">
+                <a:solidFill>
+                  <a:srgbClr val="000000"/>
+                </a:solidFill>
+                <a:uFillTx/>
+                <a:latin typeface="Arial"/>
+              </a:rPr>
+              <a:t>Third Outline Level</a:t>
+            </a:r>
+            <a:endParaRPr b="0" lang="en-US" sz="1800" strike="noStrike" u="none">
+              <a:solidFill>
+                <a:srgbClr val="000000"/>
+              </a:solidFill>
+              <a:uFillTx/>
+              <a:latin typeface="Arial"/>
+            </a:endParaRPr>
+          </a:p>
+          <a:p>
+            <a:pPr lvl="3" marL="1728000" indent="-216000">
+              <a:spcBef>
+                <a:spcPts val="567"/>
+              </a:spcBef>
+              <a:buClr>
+                <a:srgbClr val="000000"/>
+              </a:buClr>
+              <a:buSzPct val="75000"/>
+              <a:buFont typeface="Symbol" charset="2"/>
+              <a:buChar char=""/>
+            </a:pPr>
+            <a:r>
+              <a:rPr b="0" lang="en-US" sz="1800" strike="noStrike" u="none">
+                <a:solidFill>
+                  <a:srgbClr val="000000"/>
+                </a:solidFill>
+                <a:uFillTx/>
+                <a:latin typeface="Arial"/>
+              </a:rPr>
+              <a:t>Fourth Outline Level</a:t>
+            </a:r>
+            <a:endParaRPr b="0" lang="en-US" sz="1800" strike="noStrike" u="none">
+              <a:solidFill>
+                <a:srgbClr val="000000"/>
+              </a:solidFill>
+              <a:uFillTx/>
+              <a:latin typeface="Arial"/>
+            </a:endParaRPr>
+          </a:p>
+          <a:p>
+            <a:pPr lvl="4" marL="2160000" indent="-216000">
+              <a:spcBef>
+                <a:spcPts val="283"/>
+              </a:spcBef>
+              <a:buClr>
+                <a:srgbClr val="000000"/>
+              </a:buClr>
+              <a:buSzPct val="45000"/>
+              <a:buFont typeface="Wingdings" charset="2"/>
+              <a:buChar char=""/>
+            </a:pPr>
+            <a:r>
+              <a:rPr b="0" lang="en-US" sz="1800" strike="noStrike" u="none">
+                <a:solidFill>
+                  <a:srgbClr val="000000"/>
+                </a:solidFill>
+                <a:uFillTx/>
+                <a:latin typeface="Arial"/>
+              </a:rPr>
+              <a:t>Fifth Outline Level</a:t>
+            </a:r>
+            <a:endParaRPr b="0" lang="en-US" sz="1800" strike="noStrike" u="none">
+              <a:solidFill>
+                <a:srgbClr val="000000"/>
+              </a:solidFill>
+              <a:uFillTx/>
+              <a:latin typeface="Arial"/>
+            </a:endParaRPr>
+          </a:p>
+          <a:p>
+            <a:pPr lvl="5" marL="2592000" indent="-216000">
+              <a:spcBef>
+                <a:spcPts val="283"/>
+              </a:spcBef>
+              <a:buClr>
+                <a:srgbClr val="000000"/>
+              </a:buClr>
+              <a:buSzPct val="45000"/>
+              <a:buFont typeface="Wingdings" charset="2"/>
+              <a:buChar char=""/>
+            </a:pPr>
+            <a:r>
+              <a:rPr b="0" lang="en-US" sz="1800" strike="noStrike" u="none">
+                <a:solidFill>
+                  <a:srgbClr val="000000"/>
+                </a:solidFill>
+                <a:uFillTx/>
+                <a:latin typeface="Arial"/>
+              </a:rPr>
+              <a:t>Sixth Outline Level</a:t>
+            </a:r>
+            <a:endParaRPr b="0" lang="en-US" sz="1800" strike="noStrike" u="none">
+              <a:solidFill>
+                <a:srgbClr val="000000"/>
+              </a:solidFill>
+              <a:uFillTx/>
+              <a:latin typeface="Arial"/>
+            </a:endParaRPr>
+          </a:p>
+          <a:p>
+            <a:pPr lvl="6" marL="3024000" indent="-216000">
+              <a:spcBef>
+                <a:spcPts val="283"/>
+              </a:spcBef>
+              <a:buClr>
+                <a:srgbClr val="000000"/>
+              </a:buClr>
+              <a:buSzPct val="45000"/>
+              <a:buFont typeface="Wingdings" charset="2"/>
+              <a:buChar char=""/>
+            </a:pPr>
+            <a:r>
+              <a:rPr b="0" lang="en-US" sz="1800" strike="noStrike" u="none">
+                <a:solidFill>
+                  <a:srgbClr val="000000"/>
+                </a:solidFill>
+                <a:uFillTx/>
+                <a:latin typeface="Arial"/>
+              </a:rPr>
+              <a:t>Seventh Outline Level</a:t>
+            </a:r>
+            <a:endParaRPr b="0" lang="en-US" sz="1800" strike="noStrike" u="none">
+              <a:solidFill>
+                <a:srgbClr val="000000"/>
+              </a:solidFill>
+              <a:uFillTx/>
+              <a:latin typeface="Arial"/>
+            </a:endParaRPr>
+          </a:p>
+        </p:txBody>
+      </p:sp>
+      <p:sp>
+        <p:nvSpPr>
+          <p:cNvPr id="111" name="PlaceHolder 3"/>
+          <p:cNvSpPr>
+            <a:spLocks noGrp="1"/>
+          </p:cNvSpPr>
+          <p:nvPr>
+            <p:ph type="body"/>
+          </p:nvPr>
+        </p:nvSpPr>
+        <p:spPr>
+          <a:xfrm>
+            <a:off x="4674240" y="1203480"/>
+            <a:ext cx="4015440" cy="2982600"/>
+          </a:xfrm>
+          <a:prstGeom prst="rect">
+            <a:avLst/>
+          </a:prstGeom>
+          <a:noFill/>
+          <a:ln w="0">
+            <a:noFill/>
+          </a:ln>
+        </p:spPr>
+        <p:txBody>
+          <a:bodyPr lIns="0" rIns="0" tIns="0" bIns="0" anchor="t">
+            <a:normAutofit lnSpcReduction="9999"/>
+          </a:bodyPr>
+          <a:p>
+            <a:pPr marL="432000" indent="-324000">
+              <a:spcBef>
+                <a:spcPts val="1417"/>
+              </a:spcBef>
+              <a:buClr>
+                <a:srgbClr val="000000"/>
+              </a:buClr>
+              <a:buSzPct val="45000"/>
+              <a:buFont typeface="Wingdings" charset="2"/>
+              <a:buChar char=""/>
+            </a:pPr>
+            <a:r>
+              <a:rPr b="0" lang="en-US" sz="1800" strike="noStrike" u="none">
+                <a:solidFill>
+                  <a:srgbClr val="000000"/>
+                </a:solidFill>
+                <a:uFillTx/>
+                <a:latin typeface="Arial"/>
+              </a:rPr>
+              <a:t>Click to edit the outline text format</a:t>
+            </a:r>
+            <a:endParaRPr b="0" lang="en-US" sz="1800" strike="noStrike" u="none">
+              <a:solidFill>
+                <a:srgbClr val="000000"/>
+              </a:solidFill>
+              <a:uFillTx/>
+              <a:latin typeface="Arial"/>
+            </a:endParaRPr>
+          </a:p>
+          <a:p>
+            <a:pPr lvl="1" marL="864000" indent="-324000">
+              <a:spcBef>
+                <a:spcPts val="1134"/>
+              </a:spcBef>
+              <a:buClr>
+                <a:srgbClr val="000000"/>
+              </a:buClr>
+              <a:buSzPct val="75000"/>
+              <a:buFont typeface="Symbol" charset="2"/>
+              <a:buChar char=""/>
+            </a:pPr>
+            <a:r>
+              <a:rPr b="0" lang="en-US" sz="1800" strike="noStrike" u="none">
+                <a:solidFill>
+                  <a:srgbClr val="000000"/>
+                </a:solidFill>
+                <a:uFillTx/>
+                <a:latin typeface="Arial"/>
+              </a:rPr>
+              <a:t>Second Outline Level</a:t>
+            </a:r>
+            <a:endParaRPr b="0" lang="en-US" sz="1800" strike="noStrike" u="none">
+              <a:solidFill>
+                <a:srgbClr val="000000"/>
+              </a:solidFill>
+              <a:uFillTx/>
+              <a:latin typeface="Arial"/>
+            </a:endParaRPr>
+          </a:p>
+          <a:p>
+            <a:pPr lvl="2" marL="1296000" indent="-288000">
+              <a:spcBef>
+                <a:spcPts val="850"/>
+              </a:spcBef>
+              <a:buClr>
+                <a:srgbClr val="000000"/>
+              </a:buClr>
+              <a:buSzPct val="45000"/>
+              <a:buFont typeface="Wingdings" charset="2"/>
+              <a:buChar char=""/>
+            </a:pPr>
+            <a:r>
+              <a:rPr b="0" lang="en-US" sz="1800" strike="noStrike" u="none">
+                <a:solidFill>
+                  <a:srgbClr val="000000"/>
+                </a:solidFill>
+                <a:uFillTx/>
+                <a:latin typeface="Arial"/>
+              </a:rPr>
+              <a:t>Third Outline Level</a:t>
+            </a:r>
+            <a:endParaRPr b="0" lang="en-US" sz="1800" strike="noStrike" u="none">
+              <a:solidFill>
+                <a:srgbClr val="000000"/>
+              </a:solidFill>
+              <a:uFillTx/>
+              <a:latin typeface="Arial"/>
+            </a:endParaRPr>
+          </a:p>
+          <a:p>
+            <a:pPr lvl="3" marL="1728000" indent="-216000">
+              <a:spcBef>
+                <a:spcPts val="567"/>
+              </a:spcBef>
+              <a:buClr>
+                <a:srgbClr val="000000"/>
+              </a:buClr>
+              <a:buSzPct val="75000"/>
+              <a:buFont typeface="Symbol" charset="2"/>
+              <a:buChar char=""/>
+            </a:pPr>
+            <a:r>
+              <a:rPr b="0" lang="en-US" sz="1800" strike="noStrike" u="none">
+                <a:solidFill>
+                  <a:srgbClr val="000000"/>
+                </a:solidFill>
+                <a:uFillTx/>
+                <a:latin typeface="Arial"/>
+              </a:rPr>
+              <a:t>Fourth Outline Level</a:t>
+            </a:r>
+            <a:endParaRPr b="0" lang="en-US" sz="1800" strike="noStrike" u="none">
+              <a:solidFill>
+                <a:srgbClr val="000000"/>
+              </a:solidFill>
+              <a:uFillTx/>
+              <a:latin typeface="Arial"/>
+            </a:endParaRPr>
+          </a:p>
+          <a:p>
+            <a:pPr lvl="4" marL="2160000" indent="-216000">
+              <a:spcBef>
+                <a:spcPts val="283"/>
+              </a:spcBef>
+              <a:buClr>
+                <a:srgbClr val="000000"/>
+              </a:buClr>
+              <a:buSzPct val="45000"/>
+              <a:buFont typeface="Wingdings" charset="2"/>
+              <a:buChar char=""/>
+            </a:pPr>
+            <a:r>
+              <a:rPr b="0" lang="en-US" sz="1800" strike="noStrike" u="none">
+                <a:solidFill>
+                  <a:srgbClr val="000000"/>
+                </a:solidFill>
+                <a:uFillTx/>
+                <a:latin typeface="Arial"/>
+              </a:rPr>
+              <a:t>Fifth Outline Level</a:t>
+            </a:r>
+            <a:endParaRPr b="0" lang="en-US" sz="1800" strike="noStrike" u="none">
+              <a:solidFill>
+                <a:srgbClr val="000000"/>
+              </a:solidFill>
+              <a:uFillTx/>
+              <a:latin typeface="Arial"/>
+            </a:endParaRPr>
+          </a:p>
+          <a:p>
+            <a:pPr lvl="5" marL="2592000" indent="-216000">
+              <a:spcBef>
+                <a:spcPts val="283"/>
+              </a:spcBef>
+              <a:buClr>
+                <a:srgbClr val="000000"/>
+              </a:buClr>
+              <a:buSzPct val="45000"/>
+              <a:buFont typeface="Wingdings" charset="2"/>
+              <a:buChar char=""/>
+            </a:pPr>
+            <a:r>
+              <a:rPr b="0" lang="en-US" sz="1800" strike="noStrike" u="none">
+                <a:solidFill>
+                  <a:srgbClr val="000000"/>
+                </a:solidFill>
+                <a:uFillTx/>
+                <a:latin typeface="Arial"/>
+              </a:rPr>
+              <a:t>Sixth Outline Level</a:t>
+            </a:r>
+            <a:endParaRPr b="0" lang="en-US" sz="1800" strike="noStrike" u="none">
+              <a:solidFill>
+                <a:srgbClr val="000000"/>
+              </a:solidFill>
+              <a:uFillTx/>
+              <a:latin typeface="Arial"/>
+            </a:endParaRPr>
+          </a:p>
+          <a:p>
+            <a:pPr lvl="6" marL="3024000" indent="-216000">
+              <a:spcBef>
+                <a:spcPts val="283"/>
+              </a:spcBef>
+              <a:buClr>
+                <a:srgbClr val="000000"/>
+              </a:buClr>
+              <a:buSzPct val="45000"/>
+              <a:buFont typeface="Wingdings" charset="2"/>
+              <a:buChar char=""/>
+            </a:pPr>
+            <a:r>
+              <a:rPr b="0" lang="en-US" sz="1800" strike="noStrike" u="none">
+                <a:solidFill>
+                  <a:srgbClr val="000000"/>
+                </a:solidFill>
+                <a:uFillTx/>
+                <a:latin typeface="Arial"/>
+              </a:rPr>
+              <a:t>Seventh Outline Level</a:t>
+            </a:r>
+            <a:endParaRPr b="0" lang="en-US" sz="1800" strike="noStrike" u="none">
+              <a:solidFill>
+                <a:srgbClr val="000000"/>
+              </a:solidFill>
+              <a:uFillTx/>
+              <a:latin typeface="Arial"/>
+            </a:endParaRPr>
+          </a:p>
+        </p:txBody>
+      </p:sp>
+      <p:sp>
+        <p:nvSpPr>
+          <p:cNvPr id="112" name="PlaceHolder 4"/>
           <p:cNvSpPr>
             <a:spLocks noGrp="1"/>
           </p:cNvSpPr>
@@ -11610,7 +12644,7 @@
         <p:spPr>
           <a:xfrm>
             <a:off x="8472600" y="4663080"/>
-            <a:ext cx="543960" cy="388800"/>
+            <a:ext cx="543600" cy="388440"/>
           </a:xfrm>
           <a:prstGeom prst="rect">
             <a:avLst/>
@@ -11653,7 +12687,7 @@
                 <a:tab algn="l" pos="0"/>
               </a:tabLst>
             </a:pPr>
-            <a:fld id="{3E0C1466-B1E3-4BAA-BEEE-D8F94FF35C03}" type="slidenum">
+            <a:fld id="{CF5CE969-6F78-4E7D-B51B-6500588B50D9}" type="slidenum">
               <a:rPr b="0" lang="en" sz="1000" strike="noStrike" u="none">
                 <a:solidFill>
                   <a:schemeClr val="dk2"/>
@@ -11678,7 +12712,7 @@
   </p:cSld>
   <p:clrMap bg1="lt1" tx1="dk1" bg2="lt2" tx2="dk2" accent1="accent1" accent2="accent2" accent3="accent3" accent4="accent4" accent5="accent5" accent6="accent6" hlink="hlink" folHlink="folHlink"/>
   <p:sldLayoutIdLst>
-    <p:sldLayoutId id="2147483701" r:id="rId2"/>
+    <p:sldLayoutId id="2147483697" r:id="rId2"/>
   </p:sldLayoutIdLst>
 </p:sldMaster>
 </file>
@@ -11765,252 +12799,13 @@
             <a:spLocks noGrp="1"/>
           </p:cNvSpPr>
           <p:nvPr>
-            <p:ph type="body"/>
-          </p:nvPr>
-        </p:nvSpPr>
-        <p:spPr>
-          <a:xfrm>
-            <a:off x="457200" y="1203480"/>
-            <a:ext cx="8228880" cy="2982600"/>
-          </a:xfrm>
-          <a:prstGeom prst="rect">
-            <a:avLst/>
-          </a:prstGeom>
-          <a:noFill/>
-          <a:ln w="0">
-            <a:noFill/>
-          </a:ln>
-        </p:spPr>
-        <p:txBody>
-          <a:bodyPr lIns="0" rIns="0" tIns="0" bIns="0" anchor="t">
-            <a:normAutofit/>
-          </a:bodyPr>
-          <a:p>
-            <a:pPr marL="432000" indent="-324000">
-              <a:spcBef>
-                <a:spcPts val="1417"/>
-              </a:spcBef>
-              <a:buClr>
-                <a:srgbClr val="000000"/>
-              </a:buClr>
-              <a:buSzPct val="45000"/>
-              <a:buFont typeface="Wingdings" charset="2"/>
-              <a:buChar char=""/>
-            </a:pPr>
-            <a:r>
-              <a:rPr b="0" lang="en-US" sz="1800" strike="noStrike" u="none">
-                <a:solidFill>
-                  <a:srgbClr val="000000"/>
-                </a:solidFill>
-                <a:uFillTx/>
-                <a:latin typeface="Arial"/>
-              </a:rPr>
-              <a:t>Click to edit the outline text format</a:t>
-            </a:r>
-            <a:endParaRPr b="0" lang="en-US" sz="1800" strike="noStrike" u="none">
-              <a:solidFill>
-                <a:srgbClr val="000000"/>
-              </a:solidFill>
-              <a:uFillTx/>
-              <a:latin typeface="Arial"/>
-            </a:endParaRPr>
-          </a:p>
-          <a:p>
-            <a:pPr lvl="1" marL="864000" indent="-324000">
-              <a:spcBef>
-                <a:spcPts val="1134"/>
-              </a:spcBef>
-              <a:buClr>
-                <a:srgbClr val="000000"/>
-              </a:buClr>
-              <a:buSzPct val="75000"/>
-              <a:buFont typeface="Symbol" charset="2"/>
-              <a:buChar char=""/>
-            </a:pPr>
-            <a:r>
-              <a:rPr b="0" lang="en-US" sz="1800" strike="noStrike" u="none">
-                <a:solidFill>
-                  <a:srgbClr val="000000"/>
-                </a:solidFill>
-                <a:uFillTx/>
-                <a:latin typeface="Arial"/>
-              </a:rPr>
-              <a:t>Second Outline Level</a:t>
-            </a:r>
-            <a:endParaRPr b="0" lang="en-US" sz="1800" strike="noStrike" u="none">
-              <a:solidFill>
-                <a:srgbClr val="000000"/>
-              </a:solidFill>
-              <a:uFillTx/>
-              <a:latin typeface="Arial"/>
-            </a:endParaRPr>
-          </a:p>
-          <a:p>
-            <a:pPr lvl="2" marL="1296000" indent="-288000">
-              <a:spcBef>
-                <a:spcPts val="850"/>
-              </a:spcBef>
-              <a:buClr>
-                <a:srgbClr val="000000"/>
-              </a:buClr>
-              <a:buSzPct val="45000"/>
-              <a:buFont typeface="Wingdings" charset="2"/>
-              <a:buChar char=""/>
-            </a:pPr>
-            <a:r>
-              <a:rPr b="0" lang="en-US" sz="1800" strike="noStrike" u="none">
-                <a:solidFill>
-                  <a:srgbClr val="000000"/>
-                </a:solidFill>
-                <a:uFillTx/>
-                <a:latin typeface="Arial"/>
-              </a:rPr>
-              <a:t>Third Outline Level</a:t>
-            </a:r>
-            <a:endParaRPr b="0" lang="en-US" sz="1800" strike="noStrike" u="none">
-              <a:solidFill>
-                <a:srgbClr val="000000"/>
-              </a:solidFill>
-              <a:uFillTx/>
-              <a:latin typeface="Arial"/>
-            </a:endParaRPr>
-          </a:p>
-          <a:p>
-            <a:pPr lvl="3" marL="1728000" indent="-216000">
-              <a:spcBef>
-                <a:spcPts val="567"/>
-              </a:spcBef>
-              <a:buClr>
-                <a:srgbClr val="000000"/>
-              </a:buClr>
-              <a:buSzPct val="75000"/>
-              <a:buFont typeface="Symbol" charset="2"/>
-              <a:buChar char=""/>
-            </a:pPr>
-            <a:r>
-              <a:rPr b="0" lang="en-US" sz="1800" strike="noStrike" u="none">
-                <a:solidFill>
-                  <a:srgbClr val="000000"/>
-                </a:solidFill>
-                <a:uFillTx/>
-                <a:latin typeface="Arial"/>
-              </a:rPr>
-              <a:t>Fourth Outline Level</a:t>
-            </a:r>
-            <a:endParaRPr b="0" lang="en-US" sz="1800" strike="noStrike" u="none">
-              <a:solidFill>
-                <a:srgbClr val="000000"/>
-              </a:solidFill>
-              <a:uFillTx/>
-              <a:latin typeface="Arial"/>
-            </a:endParaRPr>
-          </a:p>
-          <a:p>
-            <a:pPr lvl="4" marL="2160000" indent="-216000">
-              <a:spcBef>
-                <a:spcPts val="283"/>
-              </a:spcBef>
-              <a:buClr>
-                <a:srgbClr val="000000"/>
-              </a:buClr>
-              <a:buSzPct val="45000"/>
-              <a:buFont typeface="Wingdings" charset="2"/>
-              <a:buChar char=""/>
-            </a:pPr>
-            <a:r>
-              <a:rPr b="0" lang="en-US" sz="1800" strike="noStrike" u="none">
-                <a:solidFill>
-                  <a:srgbClr val="000000"/>
-                </a:solidFill>
-                <a:uFillTx/>
-                <a:latin typeface="Arial"/>
-              </a:rPr>
-              <a:t>Fifth Outline Level</a:t>
-            </a:r>
-            <a:endParaRPr b="0" lang="en-US" sz="1800" strike="noStrike" u="none">
-              <a:solidFill>
-                <a:srgbClr val="000000"/>
-              </a:solidFill>
-              <a:uFillTx/>
-              <a:latin typeface="Arial"/>
-            </a:endParaRPr>
-          </a:p>
-          <a:p>
-            <a:pPr lvl="5" marL="2592000" indent="-216000">
-              <a:spcBef>
-                <a:spcPts val="283"/>
-              </a:spcBef>
-              <a:buClr>
-                <a:srgbClr val="000000"/>
-              </a:buClr>
-              <a:buSzPct val="45000"/>
-              <a:buFont typeface="Wingdings" charset="2"/>
-              <a:buChar char=""/>
-            </a:pPr>
-            <a:r>
-              <a:rPr b="0" lang="en-US" sz="1800" strike="noStrike" u="none">
-                <a:solidFill>
-                  <a:srgbClr val="000000"/>
-                </a:solidFill>
-                <a:uFillTx/>
-                <a:latin typeface="Arial"/>
-              </a:rPr>
-              <a:t>Sixth Outline Level</a:t>
-            </a:r>
-            <a:endParaRPr b="0" lang="en-US" sz="1800" strike="noStrike" u="none">
-              <a:solidFill>
-                <a:srgbClr val="000000"/>
-              </a:solidFill>
-              <a:uFillTx/>
-              <a:latin typeface="Arial"/>
-            </a:endParaRPr>
-          </a:p>
-          <a:p>
-            <a:pPr lvl="6" marL="3024000" indent="-216000">
-              <a:spcBef>
-                <a:spcPts val="283"/>
-              </a:spcBef>
-              <a:buClr>
-                <a:srgbClr val="000000"/>
-              </a:buClr>
-              <a:buSzPct val="45000"/>
-              <a:buFont typeface="Wingdings" charset="2"/>
-              <a:buChar char=""/>
-            </a:pPr>
-            <a:r>
-              <a:rPr b="0" lang="en-US" sz="1800" strike="noStrike" u="none">
-                <a:solidFill>
-                  <a:srgbClr val="000000"/>
-                </a:solidFill>
-                <a:uFillTx/>
-                <a:latin typeface="Arial"/>
-              </a:rPr>
-              <a:t>Seventh Outline Level</a:t>
-            </a:r>
-            <a:endParaRPr b="0" lang="en-US" sz="1800" strike="noStrike" u="none">
-              <a:solidFill>
-                <a:srgbClr val="000000"/>
-              </a:solidFill>
-              <a:uFillTx/>
-              <a:latin typeface="Arial"/>
-            </a:endParaRPr>
-          </a:p>
-        </p:txBody>
-      </p:sp>
-      <p:sp>
-        <p:nvSpPr>
-          <p:cNvPr id="118" name="PlaceHolder 3"/>
-          <p:cNvSpPr>
-            <a:spLocks noGrp="1"/>
-          </p:cNvSpPr>
-          <p:nvPr>
             <p:ph type="sldNum" idx="26"/>
           </p:nvPr>
         </p:nvSpPr>
         <p:spPr>
           <a:xfrm>
             <a:off x="8472600" y="4663080"/>
-            <a:ext cx="543960" cy="388800"/>
+            <a:ext cx="543600" cy="388440"/>
           </a:xfrm>
           <a:prstGeom prst="rect">
             <a:avLst/>
@@ -12053,7 +12848,7 @@
                 <a:tab algn="l" pos="0"/>
               </a:tabLst>
             </a:pPr>
-            <a:fld id="{15EE1EAB-189C-4AF2-A4B7-88CDD1290DF7}" type="slidenum">
+            <a:fld id="{787CFA5A-8111-46B4-9DEE-2BAB9B30F1FF}" type="slidenum">
               <a:rPr b="0" lang="en" sz="1000" strike="noStrike" u="none">
                 <a:solidFill>
                   <a:schemeClr val="dk2"/>
@@ -12078,7 +12873,7 @@
   </p:cSld>
   <p:clrMap bg1="lt1" tx1="dk1" bg2="lt2" tx2="dk2" accent1="accent1" accent2="accent2" accent3="accent3" accent4="accent4" accent5="accent5" accent6="accent6" hlink="hlink" folHlink="folHlink"/>
   <p:sldLayoutIdLst>
-    <p:sldLayoutId id="2147483703" r:id="rId2"/>
+    <p:sldLayoutId id="2147483699" r:id="rId2"/>
   </p:sldLayoutIdLst>
 </p:sldMaster>
 </file>
@@ -12109,7 +12904,7 @@
       </p:grpSpPr>
       <p:sp>
         <p:nvSpPr>
-          <p:cNvPr id="121" name="PlaceHolder 1"/>
+          <p:cNvPr id="119" name="PlaceHolder 1"/>
           <p:cNvSpPr>
             <a:spLocks noGrp="1"/>
           </p:cNvSpPr>
@@ -12160,485 +12955,7 @@
       </p:sp>
       <p:sp>
         <p:nvSpPr>
-          <p:cNvPr id="122" name="PlaceHolder 2"/>
-          <p:cNvSpPr>
-            <a:spLocks noGrp="1"/>
-          </p:cNvSpPr>
-          <p:nvPr>
-            <p:ph type="body"/>
-          </p:nvPr>
-        </p:nvSpPr>
-        <p:spPr>
-          <a:xfrm>
-            <a:off x="457200" y="1203480"/>
-            <a:ext cx="4015440" cy="2982600"/>
-          </a:xfrm>
-          <a:prstGeom prst="rect">
-            <a:avLst/>
-          </a:prstGeom>
-          <a:noFill/>
-          <a:ln w="0">
-            <a:noFill/>
-          </a:ln>
-        </p:spPr>
-        <p:txBody>
-          <a:bodyPr lIns="0" rIns="0" tIns="0" bIns="0" anchor="t">
-            <a:normAutofit lnSpcReduction="9999"/>
-          </a:bodyPr>
-          <a:p>
-            <a:pPr marL="432000" indent="-324000">
-              <a:spcBef>
-                <a:spcPts val="1417"/>
-              </a:spcBef>
-              <a:buClr>
-                <a:srgbClr val="000000"/>
-              </a:buClr>
-              <a:buSzPct val="45000"/>
-              <a:buFont typeface="Wingdings" charset="2"/>
-              <a:buChar char=""/>
-            </a:pPr>
-            <a:r>
-              <a:rPr b="0" lang="en-US" sz="1800" strike="noStrike" u="none">
-                <a:solidFill>
-                  <a:srgbClr val="000000"/>
-                </a:solidFill>
-                <a:uFillTx/>
-                <a:latin typeface="Arial"/>
-              </a:rPr>
-              <a:t>Click to edit the outline text format</a:t>
-            </a:r>
-            <a:endParaRPr b="0" lang="en-US" sz="1800" strike="noStrike" u="none">
-              <a:solidFill>
-                <a:srgbClr val="000000"/>
-              </a:solidFill>
-              <a:uFillTx/>
-              <a:latin typeface="Arial"/>
-            </a:endParaRPr>
-          </a:p>
-          <a:p>
-            <a:pPr lvl="1" marL="864000" indent="-324000">
-              <a:spcBef>
-                <a:spcPts val="1134"/>
-              </a:spcBef>
-              <a:buClr>
-                <a:srgbClr val="000000"/>
-              </a:buClr>
-              <a:buSzPct val="75000"/>
-              <a:buFont typeface="Symbol" charset="2"/>
-              <a:buChar char=""/>
-            </a:pPr>
-            <a:r>
-              <a:rPr b="0" lang="en-US" sz="1800" strike="noStrike" u="none">
-                <a:solidFill>
-                  <a:srgbClr val="000000"/>
-                </a:solidFill>
-                <a:uFillTx/>
-                <a:latin typeface="Arial"/>
-              </a:rPr>
-              <a:t>Second Outline Level</a:t>
-            </a:r>
-            <a:endParaRPr b="0" lang="en-US" sz="1800" strike="noStrike" u="none">
-              <a:solidFill>
-                <a:srgbClr val="000000"/>
-              </a:solidFill>
-              <a:uFillTx/>
-              <a:latin typeface="Arial"/>
-            </a:endParaRPr>
-          </a:p>
-          <a:p>
-            <a:pPr lvl="2" marL="1296000" indent="-288000">
-              <a:spcBef>
-                <a:spcPts val="850"/>
-              </a:spcBef>
-              <a:buClr>
-                <a:srgbClr val="000000"/>
-              </a:buClr>
-              <a:buSzPct val="45000"/>
-              <a:buFont typeface="Wingdings" charset="2"/>
-              <a:buChar char=""/>
-            </a:pPr>
-            <a:r>
-              <a:rPr b="0" lang="en-US" sz="1800" strike="noStrike" u="none">
-                <a:solidFill>
-                  <a:srgbClr val="000000"/>
-                </a:solidFill>
-                <a:uFillTx/>
-                <a:latin typeface="Arial"/>
-              </a:rPr>
-              <a:t>Third Outline Level</a:t>
-            </a:r>
-            <a:endParaRPr b="0" lang="en-US" sz="1800" strike="noStrike" u="none">
-              <a:solidFill>
-                <a:srgbClr val="000000"/>
-              </a:solidFill>
-              <a:uFillTx/>
-              <a:latin typeface="Arial"/>
-            </a:endParaRPr>
-          </a:p>
-          <a:p>
-            <a:pPr lvl="3" marL="1728000" indent="-216000">
-              <a:spcBef>
-                <a:spcPts val="567"/>
-              </a:spcBef>
-              <a:buClr>
-                <a:srgbClr val="000000"/>
-              </a:buClr>
-              <a:buSzPct val="75000"/>
-              <a:buFont typeface="Symbol" charset="2"/>
-              <a:buChar char=""/>
-            </a:pPr>
-            <a:r>
-              <a:rPr b="0" lang="en-US" sz="1800" strike="noStrike" u="none">
-                <a:solidFill>
-                  <a:srgbClr val="000000"/>
-                </a:solidFill>
-                <a:uFillTx/>
-                <a:latin typeface="Arial"/>
-              </a:rPr>
-              <a:t>Fourth Outline Level</a:t>
-            </a:r>
-            <a:endParaRPr b="0" lang="en-US" sz="1800" strike="noStrike" u="none">
-              <a:solidFill>
-                <a:srgbClr val="000000"/>
-              </a:solidFill>
-              <a:uFillTx/>
-              <a:latin typeface="Arial"/>
-            </a:endParaRPr>
-          </a:p>
-          <a:p>
-            <a:pPr lvl="4" marL="2160000" indent="-216000">
-              <a:spcBef>
-                <a:spcPts val="283"/>
-              </a:spcBef>
-              <a:buClr>
-                <a:srgbClr val="000000"/>
-              </a:buClr>
-              <a:buSzPct val="45000"/>
-              <a:buFont typeface="Wingdings" charset="2"/>
-              <a:buChar char=""/>
-            </a:pPr>
-            <a:r>
-              <a:rPr b="0" lang="en-US" sz="1800" strike="noStrike" u="none">
-                <a:solidFill>
-                  <a:srgbClr val="000000"/>
-                </a:solidFill>
-                <a:uFillTx/>
-                <a:latin typeface="Arial"/>
-              </a:rPr>
-              <a:t>Fifth Outline Level</a:t>
-            </a:r>
-            <a:endParaRPr b="0" lang="en-US" sz="1800" strike="noStrike" u="none">
-              <a:solidFill>
-                <a:srgbClr val="000000"/>
-              </a:solidFill>
-              <a:uFillTx/>
-              <a:latin typeface="Arial"/>
-            </a:endParaRPr>
-          </a:p>
-          <a:p>
-            <a:pPr lvl="5" marL="2592000" indent="-216000">
-              <a:spcBef>
-                <a:spcPts val="283"/>
-              </a:spcBef>
-              <a:buClr>
-                <a:srgbClr val="000000"/>
-              </a:buClr>
-              <a:buSzPct val="45000"/>
-              <a:buFont typeface="Wingdings" charset="2"/>
-              <a:buChar char=""/>
-            </a:pPr>
-            <a:r>
-              <a:rPr b="0" lang="en-US" sz="1800" strike="noStrike" u="none">
-                <a:solidFill>
-                  <a:srgbClr val="000000"/>
-                </a:solidFill>
-                <a:uFillTx/>
-                <a:latin typeface="Arial"/>
-              </a:rPr>
-              <a:t>Sixth Outline Level</a:t>
-            </a:r>
-            <a:endParaRPr b="0" lang="en-US" sz="1800" strike="noStrike" u="none">
-              <a:solidFill>
-                <a:srgbClr val="000000"/>
-              </a:solidFill>
-              <a:uFillTx/>
-              <a:latin typeface="Arial"/>
-            </a:endParaRPr>
-          </a:p>
-          <a:p>
-            <a:pPr lvl="6" marL="3024000" indent="-216000">
-              <a:spcBef>
-                <a:spcPts val="283"/>
-              </a:spcBef>
-              <a:buClr>
-                <a:srgbClr val="000000"/>
-              </a:buClr>
-              <a:buSzPct val="45000"/>
-              <a:buFont typeface="Wingdings" charset="2"/>
-              <a:buChar char=""/>
-            </a:pPr>
-            <a:r>
-              <a:rPr b="0" lang="en-US" sz="1800" strike="noStrike" u="none">
-                <a:solidFill>
-                  <a:srgbClr val="000000"/>
-                </a:solidFill>
-                <a:uFillTx/>
-                <a:latin typeface="Arial"/>
-              </a:rPr>
-              <a:t>Seventh Outline Level</a:t>
-            </a:r>
-            <a:endParaRPr b="0" lang="en-US" sz="1800" strike="noStrike" u="none">
-              <a:solidFill>
-                <a:srgbClr val="000000"/>
-              </a:solidFill>
-              <a:uFillTx/>
-              <a:latin typeface="Arial"/>
-            </a:endParaRPr>
-          </a:p>
-        </p:txBody>
-      </p:sp>
-      <p:sp>
-        <p:nvSpPr>
-          <p:cNvPr id="123" name="PlaceHolder 3"/>
-          <p:cNvSpPr>
-            <a:spLocks noGrp="1"/>
-          </p:cNvSpPr>
-          <p:nvPr>
-            <p:ph type="body"/>
-          </p:nvPr>
-        </p:nvSpPr>
-        <p:spPr>
-          <a:xfrm>
-            <a:off x="4674240" y="1203480"/>
-            <a:ext cx="4015440" cy="2982600"/>
-          </a:xfrm>
-          <a:prstGeom prst="rect">
-            <a:avLst/>
-          </a:prstGeom>
-          <a:noFill/>
-          <a:ln w="0">
-            <a:noFill/>
-          </a:ln>
-        </p:spPr>
-        <p:txBody>
-          <a:bodyPr lIns="0" rIns="0" tIns="0" bIns="0" anchor="t">
-            <a:normAutofit lnSpcReduction="9999"/>
-          </a:bodyPr>
-          <a:p>
-            <a:pPr marL="432000" indent="-324000">
-              <a:spcBef>
-                <a:spcPts val="1417"/>
-              </a:spcBef>
-              <a:buClr>
-                <a:srgbClr val="000000"/>
-              </a:buClr>
-              <a:buSzPct val="45000"/>
-              <a:buFont typeface="Wingdings" charset="2"/>
-              <a:buChar char=""/>
-            </a:pPr>
-            <a:r>
-              <a:rPr b="0" lang="en-US" sz="1800" strike="noStrike" u="none">
-                <a:solidFill>
-                  <a:srgbClr val="000000"/>
-                </a:solidFill>
-                <a:uFillTx/>
-                <a:latin typeface="Arial"/>
-              </a:rPr>
-              <a:t>Click to edit the outline text format</a:t>
-            </a:r>
-            <a:endParaRPr b="0" lang="en-US" sz="1800" strike="noStrike" u="none">
-              <a:solidFill>
-                <a:srgbClr val="000000"/>
-              </a:solidFill>
-              <a:uFillTx/>
-              <a:latin typeface="Arial"/>
-            </a:endParaRPr>
-          </a:p>
-          <a:p>
-            <a:pPr lvl="1" marL="864000" indent="-324000">
-              <a:spcBef>
-                <a:spcPts val="1134"/>
-              </a:spcBef>
-              <a:buClr>
-                <a:srgbClr val="000000"/>
-              </a:buClr>
-              <a:buSzPct val="75000"/>
-              <a:buFont typeface="Symbol" charset="2"/>
-              <a:buChar char=""/>
-            </a:pPr>
-            <a:r>
-              <a:rPr b="0" lang="en-US" sz="1800" strike="noStrike" u="none">
-                <a:solidFill>
-                  <a:srgbClr val="000000"/>
-                </a:solidFill>
-                <a:uFillTx/>
-                <a:latin typeface="Arial"/>
-              </a:rPr>
-              <a:t>Second Outline Level</a:t>
-            </a:r>
-            <a:endParaRPr b="0" lang="en-US" sz="1800" strike="noStrike" u="none">
-              <a:solidFill>
-                <a:srgbClr val="000000"/>
-              </a:solidFill>
-              <a:uFillTx/>
-              <a:latin typeface="Arial"/>
-            </a:endParaRPr>
-          </a:p>
-          <a:p>
-            <a:pPr lvl="2" marL="1296000" indent="-288000">
-              <a:spcBef>
-                <a:spcPts val="850"/>
-              </a:spcBef>
-              <a:buClr>
-                <a:srgbClr val="000000"/>
-              </a:buClr>
-              <a:buSzPct val="45000"/>
-              <a:buFont typeface="Wingdings" charset="2"/>
-              <a:buChar char=""/>
-            </a:pPr>
-            <a:r>
-              <a:rPr b="0" lang="en-US" sz="1800" strike="noStrike" u="none">
-                <a:solidFill>
-                  <a:srgbClr val="000000"/>
-                </a:solidFill>
-                <a:uFillTx/>
-                <a:latin typeface="Arial"/>
-              </a:rPr>
-              <a:t>Third Outline Level</a:t>
-            </a:r>
-            <a:endParaRPr b="0" lang="en-US" sz="1800" strike="noStrike" u="none">
-              <a:solidFill>
-                <a:srgbClr val="000000"/>
-              </a:solidFill>
-              <a:uFillTx/>
-              <a:latin typeface="Arial"/>
-            </a:endParaRPr>
-          </a:p>
-          <a:p>
-            <a:pPr lvl="3" marL="1728000" indent="-216000">
-              <a:spcBef>
-                <a:spcPts val="567"/>
-              </a:spcBef>
-              <a:buClr>
-                <a:srgbClr val="000000"/>
-              </a:buClr>
-              <a:buSzPct val="75000"/>
-              <a:buFont typeface="Symbol" charset="2"/>
-              <a:buChar char=""/>
-            </a:pPr>
-            <a:r>
-              <a:rPr b="0" lang="en-US" sz="1800" strike="noStrike" u="none">
-                <a:solidFill>
-                  <a:srgbClr val="000000"/>
-                </a:solidFill>
-                <a:uFillTx/>
-                <a:latin typeface="Arial"/>
-              </a:rPr>
-              <a:t>Fourth Outline Level</a:t>
-            </a:r>
-            <a:endParaRPr b="0" lang="en-US" sz="1800" strike="noStrike" u="none">
-              <a:solidFill>
-                <a:srgbClr val="000000"/>
-              </a:solidFill>
-              <a:uFillTx/>
-              <a:latin typeface="Arial"/>
-            </a:endParaRPr>
-          </a:p>
-          <a:p>
-            <a:pPr lvl="4" marL="2160000" indent="-216000">
-              <a:spcBef>
-                <a:spcPts val="283"/>
-              </a:spcBef>
-              <a:buClr>
-                <a:srgbClr val="000000"/>
-              </a:buClr>
-              <a:buSzPct val="45000"/>
-              <a:buFont typeface="Wingdings" charset="2"/>
-              <a:buChar char=""/>
-            </a:pPr>
-            <a:r>
-              <a:rPr b="0" lang="en-US" sz="1800" strike="noStrike" u="none">
-                <a:solidFill>
-                  <a:srgbClr val="000000"/>
-                </a:solidFill>
-                <a:uFillTx/>
-                <a:latin typeface="Arial"/>
-              </a:rPr>
-              <a:t>Fifth Outline Level</a:t>
-            </a:r>
-            <a:endParaRPr b="0" lang="en-US" sz="1800" strike="noStrike" u="none">
-              <a:solidFill>
-                <a:srgbClr val="000000"/>
-              </a:solidFill>
-              <a:uFillTx/>
-              <a:latin typeface="Arial"/>
-            </a:endParaRPr>
-          </a:p>
-          <a:p>
-            <a:pPr lvl="5" marL="2592000" indent="-216000">
-              <a:spcBef>
-                <a:spcPts val="283"/>
-              </a:spcBef>
-              <a:buClr>
-                <a:srgbClr val="000000"/>
-              </a:buClr>
-              <a:buSzPct val="45000"/>
-              <a:buFont typeface="Wingdings" charset="2"/>
-              <a:buChar char=""/>
-            </a:pPr>
-            <a:r>
-              <a:rPr b="0" lang="en-US" sz="1800" strike="noStrike" u="none">
-                <a:solidFill>
-                  <a:srgbClr val="000000"/>
-                </a:solidFill>
-                <a:uFillTx/>
-                <a:latin typeface="Arial"/>
-              </a:rPr>
-              <a:t>Sixth Outline Level</a:t>
-            </a:r>
-            <a:endParaRPr b="0" lang="en-US" sz="1800" strike="noStrike" u="none">
-              <a:solidFill>
-                <a:srgbClr val="000000"/>
-              </a:solidFill>
-              <a:uFillTx/>
-              <a:latin typeface="Arial"/>
-            </a:endParaRPr>
-          </a:p>
-          <a:p>
-            <a:pPr lvl="6" marL="3024000" indent="-216000">
-              <a:spcBef>
-                <a:spcPts val="283"/>
-              </a:spcBef>
-              <a:buClr>
-                <a:srgbClr val="000000"/>
-              </a:buClr>
-              <a:buSzPct val="45000"/>
-              <a:buFont typeface="Wingdings" charset="2"/>
-              <a:buChar char=""/>
-            </a:pPr>
-            <a:r>
-              <a:rPr b="0" lang="en-US" sz="1800" strike="noStrike" u="none">
-                <a:solidFill>
-                  <a:srgbClr val="000000"/>
-                </a:solidFill>
-                <a:uFillTx/>
-                <a:latin typeface="Arial"/>
-              </a:rPr>
-              <a:t>Seventh Outline Level</a:t>
-            </a:r>
-            <a:endParaRPr b="0" lang="en-US" sz="1800" strike="noStrike" u="none">
-              <a:solidFill>
-                <a:srgbClr val="000000"/>
-              </a:solidFill>
-              <a:uFillTx/>
-              <a:latin typeface="Arial"/>
-            </a:endParaRPr>
-          </a:p>
-        </p:txBody>
-      </p:sp>
-      <p:sp>
-        <p:nvSpPr>
-          <p:cNvPr id="124" name="PlaceHolder 4"/>
+          <p:cNvPr id="120" name="PlaceHolder 2"/>
           <p:cNvSpPr>
             <a:spLocks noGrp="1"/>
           </p:cNvSpPr>
@@ -12649,7 +12966,7 @@
         <p:spPr>
           <a:xfrm>
             <a:off x="8472600" y="4663080"/>
-            <a:ext cx="543960" cy="388800"/>
+            <a:ext cx="543600" cy="388440"/>
           </a:xfrm>
           <a:prstGeom prst="rect">
             <a:avLst/>
@@ -12692,7 +13009,7 @@
                 <a:tab algn="l" pos="0"/>
               </a:tabLst>
             </a:pPr>
-            <a:fld id="{69E78588-93BD-4C68-A67E-86EBF4A4067C}" type="slidenum">
+            <a:fld id="{60152B48-48F0-4AC0-A3A0-876ABF49AE47}" type="slidenum">
               <a:rPr b="0" lang="en" sz="1000" strike="noStrike" u="none">
                 <a:solidFill>
                   <a:schemeClr val="dk2"/>
@@ -12717,7 +13034,7 @@
   </p:cSld>
   <p:clrMap bg1="lt1" tx1="dk1" bg2="lt2" tx2="dk2" accent1="accent1" accent2="accent2" accent3="accent3" accent4="accent4" accent5="accent5" accent6="accent6" hlink="hlink" folHlink="folHlink"/>
   <p:sldLayoutIdLst>
-    <p:sldLayoutId id="2147483705" r:id="rId2"/>
+    <p:sldLayoutId id="2147483701" r:id="rId2"/>
   </p:sldLayoutIdLst>
 </p:sldMaster>
 </file>
@@ -12748,58 +13065,7 @@
       </p:grpSpPr>
       <p:sp>
         <p:nvSpPr>
-          <p:cNvPr id="128" name="PlaceHolder 1"/>
-          <p:cNvSpPr>
-            <a:spLocks noGrp="1"/>
-          </p:cNvSpPr>
-          <p:nvPr>
-            <p:ph type="title"/>
-          </p:nvPr>
-        </p:nvSpPr>
-        <p:spPr>
-          <a:xfrm>
-            <a:off x="457200" y="205200"/>
-            <a:ext cx="8228880" cy="858240"/>
-          </a:xfrm>
-          <a:prstGeom prst="rect">
-            <a:avLst/>
-          </a:prstGeom>
-          <a:noFill/>
-          <a:ln w="0">
-            <a:noFill/>
-          </a:ln>
-        </p:spPr>
-        <p:txBody>
-          <a:bodyPr lIns="0" rIns="0" tIns="0" bIns="0" anchor="ctr">
-            <a:noAutofit/>
-          </a:bodyPr>
-          <a:p>
-            <a:pPr indent="0">
-              <a:buNone/>
-            </a:pPr>
-            <a:r>
-              <a:rPr b="0" lang="en-US" sz="1800" strike="noStrike" u="none">
-                <a:solidFill>
-                  <a:srgbClr val="000000"/>
-                </a:solidFill>
-                <a:uFillTx/>
-                <a:latin typeface="Arial"/>
-              </a:rPr>
-              <a:t>Click to edit the title text format</a:t>
-            </a:r>
-            <a:endParaRPr b="0" lang="en-US" sz="1800" strike="noStrike" u="none">
-              <a:solidFill>
-                <a:srgbClr val="000000"/>
-              </a:solidFill>
-              <a:uFillTx/>
-              <a:latin typeface="Arial"/>
-            </a:endParaRPr>
-          </a:p>
-        </p:txBody>
-      </p:sp>
-      <p:sp>
-        <p:nvSpPr>
-          <p:cNvPr id="129" name="PlaceHolder 2"/>
+          <p:cNvPr id="123" name="PlaceHolder 1"/>
           <p:cNvSpPr>
             <a:spLocks noGrp="1"/>
           </p:cNvSpPr>
@@ -12810,7 +13076,7 @@
         <p:spPr>
           <a:xfrm>
             <a:off x="8472600" y="4663080"/>
-            <a:ext cx="543960" cy="388800"/>
+            <a:ext cx="543600" cy="388440"/>
           </a:xfrm>
           <a:prstGeom prst="rect">
             <a:avLst/>
@@ -12853,7 +13119,7 @@
                 <a:tab algn="l" pos="0"/>
               </a:tabLst>
             </a:pPr>
-            <a:fld id="{3DE4142C-80F2-4CA0-86BD-8091C6C625AD}" type="slidenum">
+            <a:fld id="{C82EE735-8F3D-491E-8ABF-1EFAFCB1F9EF}" type="slidenum">
               <a:rPr b="0" lang="en" sz="1000" strike="noStrike" u="none">
                 <a:solidFill>
                   <a:schemeClr val="dk2"/>
@@ -12870,6 +13136,296 @@
               </a:solidFill>
               <a:uFillTx/>
               <a:latin typeface="Times New Roman"/>
+            </a:endParaRPr>
+          </a:p>
+        </p:txBody>
+      </p:sp>
+      <p:sp>
+        <p:nvSpPr>
+          <p:cNvPr id="124" name="PlaceHolder 2"/>
+          <p:cNvSpPr>
+            <a:spLocks noGrp="1"/>
+          </p:cNvSpPr>
+          <p:nvPr>
+            <p:ph type="title"/>
+          </p:nvPr>
+        </p:nvSpPr>
+        <p:spPr>
+          <a:xfrm>
+            <a:off x="457200" y="205200"/>
+            <a:ext cx="8229240" cy="858600"/>
+          </a:xfrm>
+          <a:prstGeom prst="rect">
+            <a:avLst/>
+          </a:prstGeom>
+          <a:noFill/>
+          <a:ln w="0">
+            <a:noFill/>
+          </a:ln>
+        </p:spPr>
+        <p:txBody>
+          <a:bodyPr lIns="0" rIns="0" tIns="0" bIns="0" anchor="ctr">
+            <a:noAutofit/>
+          </a:bodyPr>
+          <a:p>
+            <a:pPr indent="0" algn="ctr">
+              <a:buNone/>
+            </a:pPr>
+            <a:r>
+              <a:rPr b="0" lang="en-US" sz="4400" strike="noStrike" u="none">
+                <a:solidFill>
+                  <a:srgbClr val="000000"/>
+                </a:solidFill>
+                <a:uFillTx/>
+                <a:latin typeface="Arial"/>
+              </a:rPr>
+              <a:t>Click to edit the title text format</a:t>
+            </a:r>
+            <a:endParaRPr b="0" lang="en-US" sz="4400" strike="noStrike" u="none">
+              <a:solidFill>
+                <a:srgbClr val="000000"/>
+              </a:solidFill>
+              <a:uFillTx/>
+              <a:latin typeface="Arial"/>
+            </a:endParaRPr>
+          </a:p>
+        </p:txBody>
+      </p:sp>
+      <p:sp>
+        <p:nvSpPr>
+          <p:cNvPr id="125" name="PlaceHolder 3"/>
+          <p:cNvSpPr>
+            <a:spLocks noGrp="1"/>
+          </p:cNvSpPr>
+          <p:nvPr>
+            <p:ph type="body"/>
+          </p:nvPr>
+        </p:nvSpPr>
+        <p:spPr>
+          <a:xfrm>
+            <a:off x="457200" y="1203480"/>
+            <a:ext cx="8229240" cy="2982960"/>
+          </a:xfrm>
+          <a:prstGeom prst="rect">
+            <a:avLst/>
+          </a:prstGeom>
+          <a:noFill/>
+          <a:ln w="0">
+            <a:noFill/>
+          </a:ln>
+        </p:spPr>
+        <p:txBody>
+          <a:bodyPr lIns="0" rIns="0" tIns="0" bIns="0" anchor="t">
+            <a:normAutofit/>
+          </a:bodyPr>
+          <a:p>
+            <a:pPr marL="432000" indent="-324000">
+              <a:spcBef>
+                <a:spcPts val="1417"/>
+              </a:spcBef>
+              <a:buClr>
+                <a:srgbClr val="000000"/>
+              </a:buClr>
+              <a:buSzPct val="45000"/>
+              <a:buFont typeface="Wingdings" charset="2"/>
+              <a:buChar char=""/>
+            </a:pPr>
+            <a:r>
+              <a:rPr b="0" lang="en-US" sz="3200" strike="noStrike" u="none">
+                <a:solidFill>
+                  <a:srgbClr val="000000"/>
+                </a:solidFill>
+                <a:uFillTx/>
+                <a:latin typeface="Arial"/>
+              </a:rPr>
+              <a:t>Click to edit the outline text format</a:t>
+            </a:r>
+            <a:endParaRPr b="0" lang="en-US" sz="3200" strike="noStrike" u="none">
+              <a:solidFill>
+                <a:srgbClr val="000000"/>
+              </a:solidFill>
+              <a:uFillTx/>
+              <a:latin typeface="Arial"/>
+            </a:endParaRPr>
+          </a:p>
+          <a:p>
+            <a:pPr lvl="1" marL="864000" indent="-324000">
+              <a:spcBef>
+                <a:spcPts val="1134"/>
+              </a:spcBef>
+              <a:buClr>
+                <a:srgbClr val="000000"/>
+              </a:buClr>
+              <a:buSzPct val="75000"/>
+              <a:buFont typeface="Symbol" charset="2"/>
+              <a:buChar char=""/>
+            </a:pPr>
+            <a:r>
+              <a:rPr b="0" lang="en-US" sz="2800" strike="noStrike" u="none">
+                <a:solidFill>
+                  <a:srgbClr val="000000"/>
+                </a:solidFill>
+                <a:uFillTx/>
+                <a:latin typeface="Arial"/>
+              </a:rPr>
+              <a:t>Second Outline Level</a:t>
+            </a:r>
+            <a:endParaRPr b="0" lang="en-US" sz="2800" strike="noStrike" u="none">
+              <a:solidFill>
+                <a:srgbClr val="000000"/>
+              </a:solidFill>
+              <a:uFillTx/>
+              <a:latin typeface="Arial"/>
+            </a:endParaRPr>
+          </a:p>
+          <a:p>
+            <a:pPr lvl="2" marL="1296000" indent="-288000">
+              <a:spcBef>
+                <a:spcPts val="850"/>
+              </a:spcBef>
+              <a:buClr>
+                <a:srgbClr val="000000"/>
+              </a:buClr>
+              <a:buSzPct val="45000"/>
+              <a:buFont typeface="Wingdings" charset="2"/>
+              <a:buChar char=""/>
+            </a:pPr>
+            <a:r>
+              <a:rPr b="0" lang="en-US" sz="2400" strike="noStrike" u="none">
+                <a:solidFill>
+                  <a:srgbClr val="000000"/>
+                </a:solidFill>
+                <a:uFillTx/>
+                <a:latin typeface="Arial"/>
+              </a:rPr>
+              <a:t>Third Outline Level</a:t>
+            </a:r>
+            <a:endParaRPr b="0" lang="en-US" sz="2400" strike="noStrike" u="none">
+              <a:solidFill>
+                <a:srgbClr val="000000"/>
+              </a:solidFill>
+              <a:uFillTx/>
+              <a:latin typeface="Arial"/>
+            </a:endParaRPr>
+          </a:p>
+          <a:p>
+            <a:pPr lvl="3" marL="1728000" indent="-216000">
+              <a:spcBef>
+                <a:spcPts val="567"/>
+              </a:spcBef>
+              <a:buClr>
+                <a:srgbClr val="000000"/>
+              </a:buClr>
+              <a:buSzPct val="75000"/>
+              <a:buFont typeface="Symbol" charset="2"/>
+              <a:buChar char=""/>
+            </a:pPr>
+            <a:r>
+              <a:rPr b="0" lang="en-US" sz="2000" strike="noStrike" u="none">
+                <a:solidFill>
+                  <a:srgbClr val="000000"/>
+                </a:solidFill>
+                <a:uFillTx/>
+                <a:latin typeface="Arial"/>
+              </a:rPr>
+              <a:t>Fourth Outline Level</a:t>
+            </a:r>
+            <a:endParaRPr b="0" lang="en-US" sz="2000" strike="noStrike" u="none">
+              <a:solidFill>
+                <a:srgbClr val="000000"/>
+              </a:solidFill>
+              <a:uFillTx/>
+              <a:latin typeface="Arial"/>
+            </a:endParaRPr>
+          </a:p>
+          <a:p>
+            <a:pPr lvl="4" marL="2160000" indent="-216000">
+              <a:spcBef>
+                <a:spcPts val="283"/>
+              </a:spcBef>
+              <a:buClr>
+                <a:srgbClr val="000000"/>
+              </a:buClr>
+              <a:buSzPct val="45000"/>
+              <a:buFont typeface="Wingdings" charset="2"/>
+              <a:buChar char=""/>
+            </a:pPr>
+            <a:r>
+              <a:rPr b="0" lang="en-US" sz="2000" strike="noStrike" u="none">
+                <a:solidFill>
+                  <a:srgbClr val="000000"/>
+                </a:solidFill>
+                <a:uFillTx/>
+                <a:latin typeface="Arial"/>
+              </a:rPr>
+              <a:t>Fifth Outline Level</a:t>
+            </a:r>
+            <a:endParaRPr b="0" lang="en-US" sz="2000" strike="noStrike" u="none">
+              <a:solidFill>
+                <a:srgbClr val="000000"/>
+              </a:solidFill>
+              <a:uFillTx/>
+              <a:latin typeface="Arial"/>
+            </a:endParaRPr>
+          </a:p>
+          <a:p>
+            <a:pPr lvl="5" marL="2592000" indent="-216000">
+              <a:spcBef>
+                <a:spcPts val="283"/>
+              </a:spcBef>
+              <a:buClr>
+                <a:srgbClr val="000000"/>
+              </a:buClr>
+              <a:buSzPct val="45000"/>
+              <a:buFont typeface="Wingdings" charset="2"/>
+              <a:buChar char=""/>
+            </a:pPr>
+            <a:r>
+              <a:rPr b="0" lang="en-US" sz="2000" strike="noStrike" u="none">
+                <a:solidFill>
+                  <a:srgbClr val="000000"/>
+                </a:solidFill>
+                <a:uFillTx/>
+                <a:latin typeface="Arial"/>
+              </a:rPr>
+              <a:t>Sixth Outline Level</a:t>
+            </a:r>
+            <a:endParaRPr b="0" lang="en-US" sz="2000" strike="noStrike" u="none">
+              <a:solidFill>
+                <a:srgbClr val="000000"/>
+              </a:solidFill>
+              <a:uFillTx/>
+              <a:latin typeface="Arial"/>
+            </a:endParaRPr>
+          </a:p>
+          <a:p>
+            <a:pPr lvl="6" marL="3024000" indent="-216000">
+              <a:spcBef>
+                <a:spcPts val="283"/>
+              </a:spcBef>
+              <a:buClr>
+                <a:srgbClr val="000000"/>
+              </a:buClr>
+              <a:buSzPct val="45000"/>
+              <a:buFont typeface="Wingdings" charset="2"/>
+              <a:buChar char=""/>
+            </a:pPr>
+            <a:r>
+              <a:rPr b="0" lang="en-US" sz="2000" strike="noStrike" u="none">
+                <a:solidFill>
+                  <a:srgbClr val="000000"/>
+                </a:solidFill>
+                <a:uFillTx/>
+                <a:latin typeface="Arial"/>
+              </a:rPr>
+              <a:t>Seventh Outline Level</a:t>
+            </a:r>
+            <a:endParaRPr b="0" lang="en-US" sz="2000" strike="noStrike" u="none">
+              <a:solidFill>
+                <a:srgbClr val="000000"/>
+              </a:solidFill>
+              <a:uFillTx/>
+              <a:latin typeface="Arial"/>
             </a:endParaRPr>
           </a:p>
         </p:txBody>
@@ -12878,7 +13434,11 @@
   </p:cSld>
   <p:clrMap bg1="lt1" tx1="dk1" bg2="lt2" tx2="dk2" accent1="accent1" accent2="accent2" accent3="accent3" accent4="accent4" accent5="accent5" accent6="accent6" hlink="hlink" folHlink="folHlink"/>
   <p:sldLayoutIdLst>
-    <p:sldLayoutId id="2147483707" r:id="rId2"/>
+    <p:sldLayoutId id="2147483703" r:id="rId2"/>
+    <p:sldLayoutId id="2147483704" r:id="rId3"/>
+    <p:sldLayoutId id="2147483705" r:id="rId4"/>
+    <p:sldLayoutId id="2147483706" r:id="rId5"/>
+    <p:sldLayoutId id="2147483707" r:id="rId6"/>
   </p:sldLayoutIdLst>
 </p:sldMaster>
 </file>
@@ -12909,7 +13469,7 @@
       </p:grpSpPr>
       <p:sp>
         <p:nvSpPr>
-          <p:cNvPr id="131" name="PlaceHolder 1"/>
+          <p:cNvPr id="134" name="PlaceHolder 1"/>
           <p:cNvSpPr>
             <a:spLocks noGrp="1"/>
           </p:cNvSpPr>
@@ -12920,7 +13480,7 @@
         <p:spPr>
           <a:xfrm>
             <a:off x="8472600" y="4663080"/>
-            <a:ext cx="543960" cy="388800"/>
+            <a:ext cx="543600" cy="388440"/>
           </a:xfrm>
           <a:prstGeom prst="rect">
             <a:avLst/>
@@ -12963,7 +13523,7 @@
                 <a:tab algn="l" pos="0"/>
               </a:tabLst>
             </a:pPr>
-            <a:fld id="{0F9613C5-49BB-4DC4-A498-AA5456ABC8E2}" type="slidenum">
+            <a:fld id="{770D9732-C8B3-4DC5-840C-B8C9871723E3}" type="slidenum">
               <a:rPr b="0" lang="en" sz="1000" strike="noStrike" u="none">
                 <a:solidFill>
                   <a:schemeClr val="dk2"/>
@@ -13081,7 +13641,7 @@
         <p:spPr>
           <a:xfrm>
             <a:off x="8472600" y="4663080"/>
-            <a:ext cx="543960" cy="388800"/>
+            <a:ext cx="543600" cy="388440"/>
           </a:xfrm>
           <a:prstGeom prst="rect">
             <a:avLst/>
@@ -13124,7 +13684,7 @@
                 <a:tab algn="l" pos="0"/>
               </a:tabLst>
             </a:pPr>
-            <a:fld id="{D47B3FA9-9625-4407-B0CF-9A2BE27B9D80}" type="slidenum">
+            <a:fld id="{3AB7CAA6-C023-42CC-922E-15A3AA4FB247}" type="slidenum">
               <a:rPr b="0" lang="en" sz="1000" strike="noStrike" u="none">
                 <a:solidFill>
                   <a:schemeClr val="dk2"/>
@@ -13180,7 +13740,297 @@
       </p:grpSpPr>
       <p:sp>
         <p:nvSpPr>
-          <p:cNvPr id="132" name="PlaceHolder 1"/>
+          <p:cNvPr id="135" name="PlaceHolder 1"/>
+          <p:cNvSpPr>
+            <a:spLocks noGrp="1"/>
+          </p:cNvSpPr>
+          <p:nvPr>
+            <p:ph type="title"/>
+          </p:nvPr>
+        </p:nvSpPr>
+        <p:spPr>
+          <a:xfrm>
+            <a:off x="457200" y="205200"/>
+            <a:ext cx="8228880" cy="858240"/>
+          </a:xfrm>
+          <a:prstGeom prst="rect">
+            <a:avLst/>
+          </a:prstGeom>
+          <a:noFill/>
+          <a:ln w="0">
+            <a:noFill/>
+          </a:ln>
+        </p:spPr>
+        <p:txBody>
+          <a:bodyPr lIns="0" rIns="0" tIns="0" bIns="0" anchor="ctr">
+            <a:noAutofit/>
+          </a:bodyPr>
+          <a:p>
+            <a:pPr indent="0">
+              <a:buNone/>
+            </a:pPr>
+            <a:r>
+              <a:rPr b="0" lang="en-US" sz="1800" strike="noStrike" u="none">
+                <a:solidFill>
+                  <a:srgbClr val="000000"/>
+                </a:solidFill>
+                <a:uFillTx/>
+                <a:latin typeface="Arial"/>
+              </a:rPr>
+              <a:t>Click to edit the title text format</a:t>
+            </a:r>
+            <a:endParaRPr b="0" lang="en-US" sz="1800" strike="noStrike" u="none">
+              <a:solidFill>
+                <a:srgbClr val="000000"/>
+              </a:solidFill>
+              <a:uFillTx/>
+              <a:latin typeface="Arial"/>
+            </a:endParaRPr>
+          </a:p>
+        </p:txBody>
+      </p:sp>
+      <p:sp>
+        <p:nvSpPr>
+          <p:cNvPr id="136" name="PlaceHolder 2"/>
+          <p:cNvSpPr>
+            <a:spLocks noGrp="1"/>
+          </p:cNvSpPr>
+          <p:nvPr>
+            <p:ph type="body"/>
+          </p:nvPr>
+        </p:nvSpPr>
+        <p:spPr>
+          <a:xfrm>
+            <a:off x="457200" y="1203480"/>
+            <a:ext cx="8228880" cy="2982600"/>
+          </a:xfrm>
+          <a:prstGeom prst="rect">
+            <a:avLst/>
+          </a:prstGeom>
+          <a:noFill/>
+          <a:ln w="0">
+            <a:noFill/>
+          </a:ln>
+        </p:spPr>
+        <p:txBody>
+          <a:bodyPr lIns="0" rIns="0" tIns="0" bIns="0" anchor="t">
+            <a:normAutofit/>
+          </a:bodyPr>
+          <a:p>
+            <a:pPr marL="432000" indent="-324000">
+              <a:spcBef>
+                <a:spcPts val="1417"/>
+              </a:spcBef>
+              <a:buClr>
+                <a:srgbClr val="000000"/>
+              </a:buClr>
+              <a:buSzPct val="45000"/>
+              <a:buFont typeface="Wingdings" charset="2"/>
+              <a:buChar char=""/>
+            </a:pPr>
+            <a:r>
+              <a:rPr b="0" lang="en-US" sz="1800" strike="noStrike" u="none">
+                <a:solidFill>
+                  <a:srgbClr val="000000"/>
+                </a:solidFill>
+                <a:uFillTx/>
+                <a:latin typeface="Arial"/>
+              </a:rPr>
+              <a:t>Click to edit the outline text format</a:t>
+            </a:r>
+            <a:endParaRPr b="0" lang="en-US" sz="1800" strike="noStrike" u="none">
+              <a:solidFill>
+                <a:srgbClr val="000000"/>
+              </a:solidFill>
+              <a:uFillTx/>
+              <a:latin typeface="Arial"/>
+            </a:endParaRPr>
+          </a:p>
+          <a:p>
+            <a:pPr lvl="1" marL="864000" indent="-324000">
+              <a:spcBef>
+                <a:spcPts val="1134"/>
+              </a:spcBef>
+              <a:buClr>
+                <a:srgbClr val="000000"/>
+              </a:buClr>
+              <a:buSzPct val="75000"/>
+              <a:buFont typeface="Symbol" charset="2"/>
+              <a:buChar char=""/>
+            </a:pPr>
+            <a:r>
+              <a:rPr b="0" lang="en-US" sz="1800" strike="noStrike" u="none">
+                <a:solidFill>
+                  <a:srgbClr val="000000"/>
+                </a:solidFill>
+                <a:uFillTx/>
+                <a:latin typeface="Arial"/>
+              </a:rPr>
+              <a:t>Second Outline Level</a:t>
+            </a:r>
+            <a:endParaRPr b="0" lang="en-US" sz="1800" strike="noStrike" u="none">
+              <a:solidFill>
+                <a:srgbClr val="000000"/>
+              </a:solidFill>
+              <a:uFillTx/>
+              <a:latin typeface="Arial"/>
+            </a:endParaRPr>
+          </a:p>
+          <a:p>
+            <a:pPr lvl="2" marL="1296000" indent="-288000">
+              <a:spcBef>
+                <a:spcPts val="850"/>
+              </a:spcBef>
+              <a:buClr>
+                <a:srgbClr val="000000"/>
+              </a:buClr>
+              <a:buSzPct val="45000"/>
+              <a:buFont typeface="Wingdings" charset="2"/>
+              <a:buChar char=""/>
+            </a:pPr>
+            <a:r>
+              <a:rPr b="0" lang="en-US" sz="1800" strike="noStrike" u="none">
+                <a:solidFill>
+                  <a:srgbClr val="000000"/>
+                </a:solidFill>
+                <a:uFillTx/>
+                <a:latin typeface="Arial"/>
+              </a:rPr>
+              <a:t>Third Outline Level</a:t>
+            </a:r>
+            <a:endParaRPr b="0" lang="en-US" sz="1800" strike="noStrike" u="none">
+              <a:solidFill>
+                <a:srgbClr val="000000"/>
+              </a:solidFill>
+              <a:uFillTx/>
+              <a:latin typeface="Arial"/>
+            </a:endParaRPr>
+          </a:p>
+          <a:p>
+            <a:pPr lvl="3" marL="1728000" indent="-216000">
+              <a:spcBef>
+                <a:spcPts val="567"/>
+              </a:spcBef>
+              <a:buClr>
+                <a:srgbClr val="000000"/>
+              </a:buClr>
+              <a:buSzPct val="75000"/>
+              <a:buFont typeface="Symbol" charset="2"/>
+              <a:buChar char=""/>
+            </a:pPr>
+            <a:r>
+              <a:rPr b="0" lang="en-US" sz="1800" strike="noStrike" u="none">
+                <a:solidFill>
+                  <a:srgbClr val="000000"/>
+                </a:solidFill>
+                <a:uFillTx/>
+                <a:latin typeface="Arial"/>
+              </a:rPr>
+              <a:t>Fourth Outline Level</a:t>
+            </a:r>
+            <a:endParaRPr b="0" lang="en-US" sz="1800" strike="noStrike" u="none">
+              <a:solidFill>
+                <a:srgbClr val="000000"/>
+              </a:solidFill>
+              <a:uFillTx/>
+              <a:latin typeface="Arial"/>
+            </a:endParaRPr>
+          </a:p>
+          <a:p>
+            <a:pPr lvl="4" marL="2160000" indent="-216000">
+              <a:spcBef>
+                <a:spcPts val="283"/>
+              </a:spcBef>
+              <a:buClr>
+                <a:srgbClr val="000000"/>
+              </a:buClr>
+              <a:buSzPct val="45000"/>
+              <a:buFont typeface="Wingdings" charset="2"/>
+              <a:buChar char=""/>
+            </a:pPr>
+            <a:r>
+              <a:rPr b="0" lang="en-US" sz="1800" strike="noStrike" u="none">
+                <a:solidFill>
+                  <a:srgbClr val="000000"/>
+                </a:solidFill>
+                <a:uFillTx/>
+                <a:latin typeface="Arial"/>
+              </a:rPr>
+              <a:t>Fifth Outline Level</a:t>
+            </a:r>
+            <a:endParaRPr b="0" lang="en-US" sz="1800" strike="noStrike" u="none">
+              <a:solidFill>
+                <a:srgbClr val="000000"/>
+              </a:solidFill>
+              <a:uFillTx/>
+              <a:latin typeface="Arial"/>
+            </a:endParaRPr>
+          </a:p>
+          <a:p>
+            <a:pPr lvl="5" marL="2592000" indent="-216000">
+              <a:spcBef>
+                <a:spcPts val="283"/>
+              </a:spcBef>
+              <a:buClr>
+                <a:srgbClr val="000000"/>
+              </a:buClr>
+              <a:buSzPct val="45000"/>
+              <a:buFont typeface="Wingdings" charset="2"/>
+              <a:buChar char=""/>
+            </a:pPr>
+            <a:r>
+              <a:rPr b="0" lang="en-US" sz="1800" strike="noStrike" u="none">
+                <a:solidFill>
+                  <a:srgbClr val="000000"/>
+                </a:solidFill>
+                <a:uFillTx/>
+                <a:latin typeface="Arial"/>
+              </a:rPr>
+              <a:t>Sixth Outline Level</a:t>
+            </a:r>
+            <a:endParaRPr b="0" lang="en-US" sz="1800" strike="noStrike" u="none">
+              <a:solidFill>
+                <a:srgbClr val="000000"/>
+              </a:solidFill>
+              <a:uFillTx/>
+              <a:latin typeface="Arial"/>
+            </a:endParaRPr>
+          </a:p>
+          <a:p>
+            <a:pPr lvl="6" marL="3024000" indent="-216000">
+              <a:spcBef>
+                <a:spcPts val="283"/>
+              </a:spcBef>
+              <a:buClr>
+                <a:srgbClr val="000000"/>
+              </a:buClr>
+              <a:buSzPct val="45000"/>
+              <a:buFont typeface="Wingdings" charset="2"/>
+              <a:buChar char=""/>
+            </a:pPr>
+            <a:r>
+              <a:rPr b="0" lang="en-US" sz="1800" strike="noStrike" u="none">
+                <a:solidFill>
+                  <a:srgbClr val="000000"/>
+                </a:solidFill>
+                <a:uFillTx/>
+                <a:latin typeface="Arial"/>
+              </a:rPr>
+              <a:t>Seventh Outline Level</a:t>
+            </a:r>
+            <a:endParaRPr b="0" lang="en-US" sz="1800" strike="noStrike" u="none">
+              <a:solidFill>
+                <a:srgbClr val="000000"/>
+              </a:solidFill>
+              <a:uFillTx/>
+              <a:latin typeface="Arial"/>
+            </a:endParaRPr>
+          </a:p>
+        </p:txBody>
+      </p:sp>
+      <p:sp>
+        <p:nvSpPr>
+          <p:cNvPr id="137" name="PlaceHolder 3"/>
           <p:cNvSpPr>
             <a:spLocks noGrp="1"/>
           </p:cNvSpPr>
@@ -13191,7 +14041,7 @@
         <p:spPr>
           <a:xfrm>
             <a:off x="8472600" y="4663080"/>
-            <a:ext cx="543960" cy="388800"/>
+            <a:ext cx="543600" cy="388440"/>
           </a:xfrm>
           <a:prstGeom prst="rect">
             <a:avLst/>
@@ -13234,7 +14084,7 @@
                 <a:tab algn="l" pos="0"/>
               </a:tabLst>
             </a:pPr>
-            <a:fld id="{494C4990-2E17-42C1-97B8-C84581789907}" type="slidenum">
+            <a:fld id="{127D4FC9-D78C-46B5-9DEF-9D33D86FD93D}" type="slidenum">
               <a:rPr b="0" lang="en" sz="1000" strike="noStrike" u="none">
                 <a:solidFill>
                   <a:schemeClr val="dk2"/>
@@ -13290,45 +14140,46 @@
       </p:grpSpPr>
       <p:sp>
         <p:nvSpPr>
-          <p:cNvPr id="133" name="Google Shape;36;p9"/>
-          <p:cNvSpPr/>
-          <p:nvPr/>
+          <p:cNvPr id="140" name="PlaceHolder 1"/>
+          <p:cNvSpPr>
+            <a:spLocks noGrp="1"/>
+          </p:cNvSpPr>
+          <p:nvPr>
+            <p:ph type="title"/>
+          </p:nvPr>
         </p:nvSpPr>
         <p:spPr>
           <a:xfrm>
-            <a:off x="4572000" y="0"/>
-            <a:ext cx="4567320" cy="5139000"/>
+            <a:off x="457200" y="205200"/>
+            <a:ext cx="8228880" cy="858240"/>
           </a:xfrm>
           <a:prstGeom prst="rect">
             <a:avLst/>
           </a:prstGeom>
-          <a:solidFill>
-            <a:schemeClr val="lt2"/>
-          </a:solidFill>
+          <a:noFill/>
           <a:ln w="0">
             <a:noFill/>
           </a:ln>
         </p:spPr>
-        <p:style>
-          <a:lnRef idx="0"/>
-          <a:fillRef idx="0"/>
-          <a:effectRef idx="0"/>
-          <a:fontRef idx="minor"/>
-        </p:style>
         <p:txBody>
-          <a:bodyPr lIns="90000" rIns="90000" tIns="91440" bIns="91440" anchor="ctr">
+          <a:bodyPr lIns="0" rIns="0" tIns="0" bIns="0" anchor="ctr">
             <a:noAutofit/>
           </a:bodyPr>
           <a:p>
-            <a:pPr>
-              <a:lnSpc>
-                <a:spcPct val="100000"/>
-              </a:lnSpc>
-              <a:tabLst>
-                <a:tab algn="l" pos="0"/>
-              </a:tabLst>
-            </a:pPr>
-            <a:endParaRPr b="0" lang="en-US" sz="1400" strike="noStrike" u="none">
+            <a:pPr indent="0">
+              <a:buNone/>
+            </a:pPr>
+            <a:r>
+              <a:rPr b="0" lang="en-US" sz="1800" strike="noStrike" u="none">
+                <a:solidFill>
+                  <a:srgbClr val="000000"/>
+                </a:solidFill>
+                <a:uFillTx/>
+                <a:latin typeface="Arial"/>
+              </a:rPr>
+              <a:t>Click to edit the title text format</a:t>
+            </a:r>
+            <a:endParaRPr b="0" lang="en-US" sz="1800" strike="noStrike" u="none">
               <a:solidFill>
                 <a:srgbClr val="000000"/>
               </a:solidFill>
@@ -13340,7 +14191,485 @@
       </p:sp>
       <p:sp>
         <p:nvSpPr>
-          <p:cNvPr id="134" name="PlaceHolder 1"/>
+          <p:cNvPr id="141" name="PlaceHolder 2"/>
+          <p:cNvSpPr>
+            <a:spLocks noGrp="1"/>
+          </p:cNvSpPr>
+          <p:nvPr>
+            <p:ph type="body"/>
+          </p:nvPr>
+        </p:nvSpPr>
+        <p:spPr>
+          <a:xfrm>
+            <a:off x="457200" y="1203480"/>
+            <a:ext cx="4015440" cy="2982600"/>
+          </a:xfrm>
+          <a:prstGeom prst="rect">
+            <a:avLst/>
+          </a:prstGeom>
+          <a:noFill/>
+          <a:ln w="0">
+            <a:noFill/>
+          </a:ln>
+        </p:spPr>
+        <p:txBody>
+          <a:bodyPr lIns="0" rIns="0" tIns="0" bIns="0" anchor="t">
+            <a:normAutofit lnSpcReduction="9999"/>
+          </a:bodyPr>
+          <a:p>
+            <a:pPr marL="432000" indent="-324000">
+              <a:spcBef>
+                <a:spcPts val="1417"/>
+              </a:spcBef>
+              <a:buClr>
+                <a:srgbClr val="000000"/>
+              </a:buClr>
+              <a:buSzPct val="45000"/>
+              <a:buFont typeface="Wingdings" charset="2"/>
+              <a:buChar char=""/>
+            </a:pPr>
+            <a:r>
+              <a:rPr b="0" lang="en-US" sz="1800" strike="noStrike" u="none">
+                <a:solidFill>
+                  <a:srgbClr val="000000"/>
+                </a:solidFill>
+                <a:uFillTx/>
+                <a:latin typeface="Arial"/>
+              </a:rPr>
+              <a:t>Click to edit the outline text format</a:t>
+            </a:r>
+            <a:endParaRPr b="0" lang="en-US" sz="1800" strike="noStrike" u="none">
+              <a:solidFill>
+                <a:srgbClr val="000000"/>
+              </a:solidFill>
+              <a:uFillTx/>
+              <a:latin typeface="Arial"/>
+            </a:endParaRPr>
+          </a:p>
+          <a:p>
+            <a:pPr lvl="1" marL="864000" indent="-324000">
+              <a:spcBef>
+                <a:spcPts val="1134"/>
+              </a:spcBef>
+              <a:buClr>
+                <a:srgbClr val="000000"/>
+              </a:buClr>
+              <a:buSzPct val="75000"/>
+              <a:buFont typeface="Symbol" charset="2"/>
+              <a:buChar char=""/>
+            </a:pPr>
+            <a:r>
+              <a:rPr b="0" lang="en-US" sz="1800" strike="noStrike" u="none">
+                <a:solidFill>
+                  <a:srgbClr val="000000"/>
+                </a:solidFill>
+                <a:uFillTx/>
+                <a:latin typeface="Arial"/>
+              </a:rPr>
+              <a:t>Second Outline Level</a:t>
+            </a:r>
+            <a:endParaRPr b="0" lang="en-US" sz="1800" strike="noStrike" u="none">
+              <a:solidFill>
+                <a:srgbClr val="000000"/>
+              </a:solidFill>
+              <a:uFillTx/>
+              <a:latin typeface="Arial"/>
+            </a:endParaRPr>
+          </a:p>
+          <a:p>
+            <a:pPr lvl="2" marL="1296000" indent="-288000">
+              <a:spcBef>
+                <a:spcPts val="850"/>
+              </a:spcBef>
+              <a:buClr>
+                <a:srgbClr val="000000"/>
+              </a:buClr>
+              <a:buSzPct val="45000"/>
+              <a:buFont typeface="Wingdings" charset="2"/>
+              <a:buChar char=""/>
+            </a:pPr>
+            <a:r>
+              <a:rPr b="0" lang="en-US" sz="1800" strike="noStrike" u="none">
+                <a:solidFill>
+                  <a:srgbClr val="000000"/>
+                </a:solidFill>
+                <a:uFillTx/>
+                <a:latin typeface="Arial"/>
+              </a:rPr>
+              <a:t>Third Outline Level</a:t>
+            </a:r>
+            <a:endParaRPr b="0" lang="en-US" sz="1800" strike="noStrike" u="none">
+              <a:solidFill>
+                <a:srgbClr val="000000"/>
+              </a:solidFill>
+              <a:uFillTx/>
+              <a:latin typeface="Arial"/>
+            </a:endParaRPr>
+          </a:p>
+          <a:p>
+            <a:pPr lvl="3" marL="1728000" indent="-216000">
+              <a:spcBef>
+                <a:spcPts val="567"/>
+              </a:spcBef>
+              <a:buClr>
+                <a:srgbClr val="000000"/>
+              </a:buClr>
+              <a:buSzPct val="75000"/>
+              <a:buFont typeface="Symbol" charset="2"/>
+              <a:buChar char=""/>
+            </a:pPr>
+            <a:r>
+              <a:rPr b="0" lang="en-US" sz="1800" strike="noStrike" u="none">
+                <a:solidFill>
+                  <a:srgbClr val="000000"/>
+                </a:solidFill>
+                <a:uFillTx/>
+                <a:latin typeface="Arial"/>
+              </a:rPr>
+              <a:t>Fourth Outline Level</a:t>
+            </a:r>
+            <a:endParaRPr b="0" lang="en-US" sz="1800" strike="noStrike" u="none">
+              <a:solidFill>
+                <a:srgbClr val="000000"/>
+              </a:solidFill>
+              <a:uFillTx/>
+              <a:latin typeface="Arial"/>
+            </a:endParaRPr>
+          </a:p>
+          <a:p>
+            <a:pPr lvl="4" marL="2160000" indent="-216000">
+              <a:spcBef>
+                <a:spcPts val="283"/>
+              </a:spcBef>
+              <a:buClr>
+                <a:srgbClr val="000000"/>
+              </a:buClr>
+              <a:buSzPct val="45000"/>
+              <a:buFont typeface="Wingdings" charset="2"/>
+              <a:buChar char=""/>
+            </a:pPr>
+            <a:r>
+              <a:rPr b="0" lang="en-US" sz="1800" strike="noStrike" u="none">
+                <a:solidFill>
+                  <a:srgbClr val="000000"/>
+                </a:solidFill>
+                <a:uFillTx/>
+                <a:latin typeface="Arial"/>
+              </a:rPr>
+              <a:t>Fifth Outline Level</a:t>
+            </a:r>
+            <a:endParaRPr b="0" lang="en-US" sz="1800" strike="noStrike" u="none">
+              <a:solidFill>
+                <a:srgbClr val="000000"/>
+              </a:solidFill>
+              <a:uFillTx/>
+              <a:latin typeface="Arial"/>
+            </a:endParaRPr>
+          </a:p>
+          <a:p>
+            <a:pPr lvl="5" marL="2592000" indent="-216000">
+              <a:spcBef>
+                <a:spcPts val="283"/>
+              </a:spcBef>
+              <a:buClr>
+                <a:srgbClr val="000000"/>
+              </a:buClr>
+              <a:buSzPct val="45000"/>
+              <a:buFont typeface="Wingdings" charset="2"/>
+              <a:buChar char=""/>
+            </a:pPr>
+            <a:r>
+              <a:rPr b="0" lang="en-US" sz="1800" strike="noStrike" u="none">
+                <a:solidFill>
+                  <a:srgbClr val="000000"/>
+                </a:solidFill>
+                <a:uFillTx/>
+                <a:latin typeface="Arial"/>
+              </a:rPr>
+              <a:t>Sixth Outline Level</a:t>
+            </a:r>
+            <a:endParaRPr b="0" lang="en-US" sz="1800" strike="noStrike" u="none">
+              <a:solidFill>
+                <a:srgbClr val="000000"/>
+              </a:solidFill>
+              <a:uFillTx/>
+              <a:latin typeface="Arial"/>
+            </a:endParaRPr>
+          </a:p>
+          <a:p>
+            <a:pPr lvl="6" marL="3024000" indent="-216000">
+              <a:spcBef>
+                <a:spcPts val="283"/>
+              </a:spcBef>
+              <a:buClr>
+                <a:srgbClr val="000000"/>
+              </a:buClr>
+              <a:buSzPct val="45000"/>
+              <a:buFont typeface="Wingdings" charset="2"/>
+              <a:buChar char=""/>
+            </a:pPr>
+            <a:r>
+              <a:rPr b="0" lang="en-US" sz="1800" strike="noStrike" u="none">
+                <a:solidFill>
+                  <a:srgbClr val="000000"/>
+                </a:solidFill>
+                <a:uFillTx/>
+                <a:latin typeface="Arial"/>
+              </a:rPr>
+              <a:t>Seventh Outline Level</a:t>
+            </a:r>
+            <a:endParaRPr b="0" lang="en-US" sz="1800" strike="noStrike" u="none">
+              <a:solidFill>
+                <a:srgbClr val="000000"/>
+              </a:solidFill>
+              <a:uFillTx/>
+              <a:latin typeface="Arial"/>
+            </a:endParaRPr>
+          </a:p>
+        </p:txBody>
+      </p:sp>
+      <p:sp>
+        <p:nvSpPr>
+          <p:cNvPr id="142" name="PlaceHolder 3"/>
+          <p:cNvSpPr>
+            <a:spLocks noGrp="1"/>
+          </p:cNvSpPr>
+          <p:nvPr>
+            <p:ph type="body"/>
+          </p:nvPr>
+        </p:nvSpPr>
+        <p:spPr>
+          <a:xfrm>
+            <a:off x="4674240" y="1203480"/>
+            <a:ext cx="4015440" cy="2982600"/>
+          </a:xfrm>
+          <a:prstGeom prst="rect">
+            <a:avLst/>
+          </a:prstGeom>
+          <a:noFill/>
+          <a:ln w="0">
+            <a:noFill/>
+          </a:ln>
+        </p:spPr>
+        <p:txBody>
+          <a:bodyPr lIns="0" rIns="0" tIns="0" bIns="0" anchor="t">
+            <a:normAutofit lnSpcReduction="9999"/>
+          </a:bodyPr>
+          <a:p>
+            <a:pPr marL="432000" indent="-324000">
+              <a:spcBef>
+                <a:spcPts val="1417"/>
+              </a:spcBef>
+              <a:buClr>
+                <a:srgbClr val="000000"/>
+              </a:buClr>
+              <a:buSzPct val="45000"/>
+              <a:buFont typeface="Wingdings" charset="2"/>
+              <a:buChar char=""/>
+            </a:pPr>
+            <a:r>
+              <a:rPr b="0" lang="en-US" sz="1800" strike="noStrike" u="none">
+                <a:solidFill>
+                  <a:srgbClr val="000000"/>
+                </a:solidFill>
+                <a:uFillTx/>
+                <a:latin typeface="Arial"/>
+              </a:rPr>
+              <a:t>Click to edit the outline text format</a:t>
+            </a:r>
+            <a:endParaRPr b="0" lang="en-US" sz="1800" strike="noStrike" u="none">
+              <a:solidFill>
+                <a:srgbClr val="000000"/>
+              </a:solidFill>
+              <a:uFillTx/>
+              <a:latin typeface="Arial"/>
+            </a:endParaRPr>
+          </a:p>
+          <a:p>
+            <a:pPr lvl="1" marL="864000" indent="-324000">
+              <a:spcBef>
+                <a:spcPts val="1134"/>
+              </a:spcBef>
+              <a:buClr>
+                <a:srgbClr val="000000"/>
+              </a:buClr>
+              <a:buSzPct val="75000"/>
+              <a:buFont typeface="Symbol" charset="2"/>
+              <a:buChar char=""/>
+            </a:pPr>
+            <a:r>
+              <a:rPr b="0" lang="en-US" sz="1800" strike="noStrike" u="none">
+                <a:solidFill>
+                  <a:srgbClr val="000000"/>
+                </a:solidFill>
+                <a:uFillTx/>
+                <a:latin typeface="Arial"/>
+              </a:rPr>
+              <a:t>Second Outline Level</a:t>
+            </a:r>
+            <a:endParaRPr b="0" lang="en-US" sz="1800" strike="noStrike" u="none">
+              <a:solidFill>
+                <a:srgbClr val="000000"/>
+              </a:solidFill>
+              <a:uFillTx/>
+              <a:latin typeface="Arial"/>
+            </a:endParaRPr>
+          </a:p>
+          <a:p>
+            <a:pPr lvl="2" marL="1296000" indent="-288000">
+              <a:spcBef>
+                <a:spcPts val="850"/>
+              </a:spcBef>
+              <a:buClr>
+                <a:srgbClr val="000000"/>
+              </a:buClr>
+              <a:buSzPct val="45000"/>
+              <a:buFont typeface="Wingdings" charset="2"/>
+              <a:buChar char=""/>
+            </a:pPr>
+            <a:r>
+              <a:rPr b="0" lang="en-US" sz="1800" strike="noStrike" u="none">
+                <a:solidFill>
+                  <a:srgbClr val="000000"/>
+                </a:solidFill>
+                <a:uFillTx/>
+                <a:latin typeface="Arial"/>
+              </a:rPr>
+              <a:t>Third Outline Level</a:t>
+            </a:r>
+            <a:endParaRPr b="0" lang="en-US" sz="1800" strike="noStrike" u="none">
+              <a:solidFill>
+                <a:srgbClr val="000000"/>
+              </a:solidFill>
+              <a:uFillTx/>
+              <a:latin typeface="Arial"/>
+            </a:endParaRPr>
+          </a:p>
+          <a:p>
+            <a:pPr lvl="3" marL="1728000" indent="-216000">
+              <a:spcBef>
+                <a:spcPts val="567"/>
+              </a:spcBef>
+              <a:buClr>
+                <a:srgbClr val="000000"/>
+              </a:buClr>
+              <a:buSzPct val="75000"/>
+              <a:buFont typeface="Symbol" charset="2"/>
+              <a:buChar char=""/>
+            </a:pPr>
+            <a:r>
+              <a:rPr b="0" lang="en-US" sz="1800" strike="noStrike" u="none">
+                <a:solidFill>
+                  <a:srgbClr val="000000"/>
+                </a:solidFill>
+                <a:uFillTx/>
+                <a:latin typeface="Arial"/>
+              </a:rPr>
+              <a:t>Fourth Outline Level</a:t>
+            </a:r>
+            <a:endParaRPr b="0" lang="en-US" sz="1800" strike="noStrike" u="none">
+              <a:solidFill>
+                <a:srgbClr val="000000"/>
+              </a:solidFill>
+              <a:uFillTx/>
+              <a:latin typeface="Arial"/>
+            </a:endParaRPr>
+          </a:p>
+          <a:p>
+            <a:pPr lvl="4" marL="2160000" indent="-216000">
+              <a:spcBef>
+                <a:spcPts val="283"/>
+              </a:spcBef>
+              <a:buClr>
+                <a:srgbClr val="000000"/>
+              </a:buClr>
+              <a:buSzPct val="45000"/>
+              <a:buFont typeface="Wingdings" charset="2"/>
+              <a:buChar char=""/>
+            </a:pPr>
+            <a:r>
+              <a:rPr b="0" lang="en-US" sz="1800" strike="noStrike" u="none">
+                <a:solidFill>
+                  <a:srgbClr val="000000"/>
+                </a:solidFill>
+                <a:uFillTx/>
+                <a:latin typeface="Arial"/>
+              </a:rPr>
+              <a:t>Fifth Outline Level</a:t>
+            </a:r>
+            <a:endParaRPr b="0" lang="en-US" sz="1800" strike="noStrike" u="none">
+              <a:solidFill>
+                <a:srgbClr val="000000"/>
+              </a:solidFill>
+              <a:uFillTx/>
+              <a:latin typeface="Arial"/>
+            </a:endParaRPr>
+          </a:p>
+          <a:p>
+            <a:pPr lvl="5" marL="2592000" indent="-216000">
+              <a:spcBef>
+                <a:spcPts val="283"/>
+              </a:spcBef>
+              <a:buClr>
+                <a:srgbClr val="000000"/>
+              </a:buClr>
+              <a:buSzPct val="45000"/>
+              <a:buFont typeface="Wingdings" charset="2"/>
+              <a:buChar char=""/>
+            </a:pPr>
+            <a:r>
+              <a:rPr b="0" lang="en-US" sz="1800" strike="noStrike" u="none">
+                <a:solidFill>
+                  <a:srgbClr val="000000"/>
+                </a:solidFill>
+                <a:uFillTx/>
+                <a:latin typeface="Arial"/>
+              </a:rPr>
+              <a:t>Sixth Outline Level</a:t>
+            </a:r>
+            <a:endParaRPr b="0" lang="en-US" sz="1800" strike="noStrike" u="none">
+              <a:solidFill>
+                <a:srgbClr val="000000"/>
+              </a:solidFill>
+              <a:uFillTx/>
+              <a:latin typeface="Arial"/>
+            </a:endParaRPr>
+          </a:p>
+          <a:p>
+            <a:pPr lvl="6" marL="3024000" indent="-216000">
+              <a:spcBef>
+                <a:spcPts val="283"/>
+              </a:spcBef>
+              <a:buClr>
+                <a:srgbClr val="000000"/>
+              </a:buClr>
+              <a:buSzPct val="45000"/>
+              <a:buFont typeface="Wingdings" charset="2"/>
+              <a:buChar char=""/>
+            </a:pPr>
+            <a:r>
+              <a:rPr b="0" lang="en-US" sz="1800" strike="noStrike" u="none">
+                <a:solidFill>
+                  <a:srgbClr val="000000"/>
+                </a:solidFill>
+                <a:uFillTx/>
+                <a:latin typeface="Arial"/>
+              </a:rPr>
+              <a:t>Seventh Outline Level</a:t>
+            </a:r>
+            <a:endParaRPr b="0" lang="en-US" sz="1800" strike="noStrike" u="none">
+              <a:solidFill>
+                <a:srgbClr val="000000"/>
+              </a:solidFill>
+              <a:uFillTx/>
+              <a:latin typeface="Arial"/>
+            </a:endParaRPr>
+          </a:p>
+        </p:txBody>
+      </p:sp>
+      <p:sp>
+        <p:nvSpPr>
+          <p:cNvPr id="143" name="PlaceHolder 4"/>
           <p:cNvSpPr>
             <a:spLocks noGrp="1"/>
           </p:cNvSpPr>
@@ -13351,7 +14680,7 @@
         <p:spPr>
           <a:xfrm>
             <a:off x="8472600" y="4663080"/>
-            <a:ext cx="543960" cy="388800"/>
+            <a:ext cx="543600" cy="388440"/>
           </a:xfrm>
           <a:prstGeom prst="rect">
             <a:avLst/>
@@ -13394,7 +14723,7 @@
                 <a:tab algn="l" pos="0"/>
               </a:tabLst>
             </a:pPr>
-            <a:fld id="{E46D861B-7071-4A87-A455-7EE1031F67B5}" type="slidenum">
+            <a:fld id="{DDC88F74-8398-4705-BD02-212094EB69B0}" type="slidenum">
               <a:rPr b="0" lang="en" sz="1000" strike="noStrike" u="none">
                 <a:solidFill>
                   <a:schemeClr val="dk2"/>
@@ -13450,7 +14779,58 @@
       </p:grpSpPr>
       <p:sp>
         <p:nvSpPr>
-          <p:cNvPr id="135" name="PlaceHolder 1"/>
+          <p:cNvPr id="147" name="PlaceHolder 1"/>
+          <p:cNvSpPr>
+            <a:spLocks noGrp="1"/>
+          </p:cNvSpPr>
+          <p:nvPr>
+            <p:ph type="title"/>
+          </p:nvPr>
+        </p:nvSpPr>
+        <p:spPr>
+          <a:xfrm>
+            <a:off x="457200" y="205200"/>
+            <a:ext cx="8228880" cy="858240"/>
+          </a:xfrm>
+          <a:prstGeom prst="rect">
+            <a:avLst/>
+          </a:prstGeom>
+          <a:noFill/>
+          <a:ln w="0">
+            <a:noFill/>
+          </a:ln>
+        </p:spPr>
+        <p:txBody>
+          <a:bodyPr lIns="0" rIns="0" tIns="0" bIns="0" anchor="ctr">
+            <a:noAutofit/>
+          </a:bodyPr>
+          <a:p>
+            <a:pPr indent="0">
+              <a:buNone/>
+            </a:pPr>
+            <a:r>
+              <a:rPr b="0" lang="en-US" sz="1800" strike="noStrike" u="none">
+                <a:solidFill>
+                  <a:srgbClr val="000000"/>
+                </a:solidFill>
+                <a:uFillTx/>
+                <a:latin typeface="Arial"/>
+              </a:rPr>
+              <a:t>Click to edit the title text format</a:t>
+            </a:r>
+            <a:endParaRPr b="0" lang="en-US" sz="1800" strike="noStrike" u="none">
+              <a:solidFill>
+                <a:srgbClr val="000000"/>
+              </a:solidFill>
+              <a:uFillTx/>
+              <a:latin typeface="Arial"/>
+            </a:endParaRPr>
+          </a:p>
+        </p:txBody>
+      </p:sp>
+      <p:sp>
+        <p:nvSpPr>
+          <p:cNvPr id="148" name="PlaceHolder 2"/>
           <p:cNvSpPr>
             <a:spLocks noGrp="1"/>
           </p:cNvSpPr>
@@ -13461,7 +14841,7 @@
         <p:spPr>
           <a:xfrm>
             <a:off x="8472600" y="4663080"/>
-            <a:ext cx="543960" cy="388800"/>
+            <a:ext cx="543600" cy="388440"/>
           </a:xfrm>
           <a:prstGeom prst="rect">
             <a:avLst/>
@@ -13504,7 +14884,7 @@
                 <a:tab algn="l" pos="0"/>
               </a:tabLst>
             </a:pPr>
-            <a:fld id="{096168E6-59ED-4CBF-BAC5-AB20DE8F4A98}" type="slidenum">
+            <a:fld id="{00FA3F27-9512-41B4-814B-71F6AA7F9F5D}" type="slidenum">
               <a:rPr b="0" lang="en" sz="1000" strike="noStrike" u="none">
                 <a:solidFill>
                   <a:schemeClr val="dk2"/>
@@ -13530,6 +14910,496 @@
   <p:clrMap bg1="lt1" tx1="dk1" bg2="lt2" tx2="dk2" accent1="accent1" accent2="accent2" accent3="accent3" accent4="accent4" accent5="accent5" accent6="accent6" hlink="hlink" folHlink="folHlink"/>
   <p:sldLayoutIdLst>
     <p:sldLayoutId id="2147483715" r:id="rId2"/>
+  </p:sldLayoutIdLst>
+</p:sldMaster>
+</file>
+
+<file path=ppt/slideMasters/slideMaster33.xml><?xml version="1.0" encoding="utf-8"?>
+<p:sldMaster xmlns:a="http://schemas.openxmlformats.org/drawingml/2006/main" xmlns:p="http://schemas.openxmlformats.org/presentationml/2006/main" xmlns:r="http://schemas.openxmlformats.org/officeDocument/2006/relationships" xmlns:p14="http://schemas.microsoft.com/office/powerpoint/2010/main" xmlns:p15="http://schemas.microsoft.com/office/powerpoint/2012/main" xmlns:mc="http://schemas.openxmlformats.org/markup-compatibility/2006">
+  <p:cSld>
+    <p:bg>
+      <p:bgPr>
+        <a:solidFill>
+          <a:schemeClr val="lt1"/>
+        </a:solidFill>
+      </p:bgPr>
+    </p:bg>
+    <p:spTree>
+      <p:nvGrpSpPr>
+        <p:cNvPr id="1" name=""/>
+        <p:cNvGrpSpPr/>
+        <p:nvPr/>
+      </p:nvGrpSpPr>
+      <p:grpSpPr>
+        <a:xfrm>
+          <a:off x="0" y="0"/>
+          <a:ext cx="0" cy="0"/>
+          <a:chOff x="0" y="0"/>
+          <a:chExt cx="0" cy="0"/>
+        </a:xfrm>
+      </p:grpSpPr>
+      <p:sp>
+        <p:nvSpPr>
+          <p:cNvPr id="150" name="PlaceHolder 1"/>
+          <p:cNvSpPr>
+            <a:spLocks noGrp="1"/>
+          </p:cNvSpPr>
+          <p:nvPr>
+            <p:ph type="sldNum" idx="33"/>
+          </p:nvPr>
+        </p:nvSpPr>
+        <p:spPr>
+          <a:xfrm>
+            <a:off x="8472600" y="4663080"/>
+            <a:ext cx="543600" cy="388440"/>
+          </a:xfrm>
+          <a:prstGeom prst="rect">
+            <a:avLst/>
+          </a:prstGeom>
+          <a:noFill/>
+          <a:ln w="0">
+            <a:noFill/>
+          </a:ln>
+        </p:spPr>
+        <p:txBody>
+          <a:bodyPr lIns="91440" rIns="91440" tIns="91440" bIns="91440" anchor="ctr">
+            <a:noAutofit/>
+          </a:bodyPr>
+          <a:lstStyle>
+            <a:lvl1pPr indent="0" algn="r">
+              <a:lnSpc>
+                <a:spcPct val="100000"/>
+              </a:lnSpc>
+              <a:buNone/>
+              <a:tabLst>
+                <a:tab algn="l" pos="0"/>
+              </a:tabLst>
+              <a:defRPr b="0" lang="en" sz="1000" strike="noStrike" u="none">
+                <a:solidFill>
+                  <a:schemeClr val="dk2"/>
+                </a:solidFill>
+                <a:uFillTx/>
+                <a:latin typeface="Arial"/>
+                <a:ea typeface="Arial"/>
+              </a:defRPr>
+            </a:lvl1pPr>
+          </a:lstStyle>
+          <a:p>
+            <a:pPr indent="0" algn="r">
+              <a:lnSpc>
+                <a:spcPct val="100000"/>
+              </a:lnSpc>
+              <a:buNone/>
+              <a:tabLst>
+                <a:tab algn="l" pos="0"/>
+              </a:tabLst>
+            </a:pPr>
+            <a:fld id="{711A5EB7-3735-4F90-A184-CBEF9A863B61}" type="slidenum">
+              <a:rPr b="0" lang="en" sz="1000" strike="noStrike" u="none">
+                <a:solidFill>
+                  <a:schemeClr val="dk2"/>
+                </a:solidFill>
+                <a:uFillTx/>
+                <a:latin typeface="Arial"/>
+                <a:ea typeface="Arial"/>
+              </a:rPr>
+              <a:t>&lt;number&gt;</a:t>
+            </a:fld>
+            <a:endParaRPr b="0" lang="en-US" sz="1000" strike="noStrike" u="none">
+              <a:solidFill>
+                <a:srgbClr val="000000"/>
+              </a:solidFill>
+              <a:uFillTx/>
+              <a:latin typeface="Times New Roman"/>
+            </a:endParaRPr>
+          </a:p>
+        </p:txBody>
+      </p:sp>
+    </p:spTree>
+  </p:cSld>
+  <p:clrMap bg1="lt1" tx1="dk1" bg2="lt2" tx2="dk2" accent1="accent1" accent2="accent2" accent3="accent3" accent4="accent4" accent5="accent5" accent6="accent6" hlink="hlink" folHlink="folHlink"/>
+  <p:sldLayoutIdLst>
+    <p:sldLayoutId id="2147483717" r:id="rId2"/>
+  </p:sldLayoutIdLst>
+</p:sldMaster>
+</file>
+
+<file path=ppt/slideMasters/slideMaster34.xml><?xml version="1.0" encoding="utf-8"?>
+<p:sldMaster xmlns:a="http://schemas.openxmlformats.org/drawingml/2006/main" xmlns:p="http://schemas.openxmlformats.org/presentationml/2006/main" xmlns:r="http://schemas.openxmlformats.org/officeDocument/2006/relationships" xmlns:p14="http://schemas.microsoft.com/office/powerpoint/2010/main" xmlns:p15="http://schemas.microsoft.com/office/powerpoint/2012/main" xmlns:mc="http://schemas.openxmlformats.org/markup-compatibility/2006">
+  <p:cSld>
+    <p:bg>
+      <p:bgPr>
+        <a:solidFill>
+          <a:schemeClr val="lt1"/>
+        </a:solidFill>
+      </p:bgPr>
+    </p:bg>
+    <p:spTree>
+      <p:nvGrpSpPr>
+        <p:cNvPr id="1" name=""/>
+        <p:cNvGrpSpPr/>
+        <p:nvPr/>
+      </p:nvGrpSpPr>
+      <p:grpSpPr>
+        <a:xfrm>
+          <a:off x="0" y="0"/>
+          <a:ext cx="0" cy="0"/>
+          <a:chOff x="0" y="0"/>
+          <a:chExt cx="0" cy="0"/>
+        </a:xfrm>
+      </p:grpSpPr>
+      <p:sp>
+        <p:nvSpPr>
+          <p:cNvPr id="151" name="PlaceHolder 1"/>
+          <p:cNvSpPr>
+            <a:spLocks noGrp="1"/>
+          </p:cNvSpPr>
+          <p:nvPr>
+            <p:ph type="sldNum" idx="34"/>
+          </p:nvPr>
+        </p:nvSpPr>
+        <p:spPr>
+          <a:xfrm>
+            <a:off x="8472600" y="4663080"/>
+            <a:ext cx="543600" cy="388440"/>
+          </a:xfrm>
+          <a:prstGeom prst="rect">
+            <a:avLst/>
+          </a:prstGeom>
+          <a:noFill/>
+          <a:ln w="0">
+            <a:noFill/>
+          </a:ln>
+        </p:spPr>
+        <p:txBody>
+          <a:bodyPr lIns="91440" rIns="91440" tIns="91440" bIns="91440" anchor="ctr">
+            <a:noAutofit/>
+          </a:bodyPr>
+          <a:lstStyle>
+            <a:lvl1pPr indent="0" algn="r">
+              <a:lnSpc>
+                <a:spcPct val="100000"/>
+              </a:lnSpc>
+              <a:buNone/>
+              <a:tabLst>
+                <a:tab algn="l" pos="0"/>
+              </a:tabLst>
+              <a:defRPr b="0" lang="en" sz="1000" strike="noStrike" u="none">
+                <a:solidFill>
+                  <a:schemeClr val="dk2"/>
+                </a:solidFill>
+                <a:uFillTx/>
+                <a:latin typeface="Arial"/>
+                <a:ea typeface="Arial"/>
+              </a:defRPr>
+            </a:lvl1pPr>
+          </a:lstStyle>
+          <a:p>
+            <a:pPr indent="0" algn="r">
+              <a:lnSpc>
+                <a:spcPct val="100000"/>
+              </a:lnSpc>
+              <a:buNone/>
+              <a:tabLst>
+                <a:tab algn="l" pos="0"/>
+              </a:tabLst>
+            </a:pPr>
+            <a:fld id="{5E6A332E-3B02-4673-9A41-F81D251C6123}" type="slidenum">
+              <a:rPr b="0" lang="en" sz="1000" strike="noStrike" u="none">
+                <a:solidFill>
+                  <a:schemeClr val="dk2"/>
+                </a:solidFill>
+                <a:uFillTx/>
+                <a:latin typeface="Arial"/>
+                <a:ea typeface="Arial"/>
+              </a:rPr>
+              <a:t>&lt;number&gt;</a:t>
+            </a:fld>
+            <a:endParaRPr b="0" lang="en-US" sz="1000" strike="noStrike" u="none">
+              <a:solidFill>
+                <a:srgbClr val="000000"/>
+              </a:solidFill>
+              <a:uFillTx/>
+              <a:latin typeface="Times New Roman"/>
+            </a:endParaRPr>
+          </a:p>
+        </p:txBody>
+      </p:sp>
+    </p:spTree>
+  </p:cSld>
+  <p:clrMap bg1="lt1" tx1="dk1" bg2="lt2" tx2="dk2" accent1="accent1" accent2="accent2" accent3="accent3" accent4="accent4" accent5="accent5" accent6="accent6" hlink="hlink" folHlink="folHlink"/>
+  <p:sldLayoutIdLst>
+    <p:sldLayoutId id="2147483719" r:id="rId2"/>
+  </p:sldLayoutIdLst>
+</p:sldMaster>
+</file>
+
+<file path=ppt/slideMasters/slideMaster35.xml><?xml version="1.0" encoding="utf-8"?>
+<p:sldMaster xmlns:a="http://schemas.openxmlformats.org/drawingml/2006/main" xmlns:p="http://schemas.openxmlformats.org/presentationml/2006/main" xmlns:r="http://schemas.openxmlformats.org/officeDocument/2006/relationships" xmlns:p14="http://schemas.microsoft.com/office/powerpoint/2010/main" xmlns:p15="http://schemas.microsoft.com/office/powerpoint/2012/main" xmlns:mc="http://schemas.openxmlformats.org/markup-compatibility/2006">
+  <p:cSld>
+    <p:bg>
+      <p:bgPr>
+        <a:solidFill>
+          <a:schemeClr val="lt1"/>
+        </a:solidFill>
+      </p:bgPr>
+    </p:bg>
+    <p:spTree>
+      <p:nvGrpSpPr>
+        <p:cNvPr id="1" name=""/>
+        <p:cNvGrpSpPr/>
+        <p:nvPr/>
+      </p:nvGrpSpPr>
+      <p:grpSpPr>
+        <a:xfrm>
+          <a:off x="0" y="0"/>
+          <a:ext cx="0" cy="0"/>
+          <a:chOff x="0" y="0"/>
+          <a:chExt cx="0" cy="0"/>
+        </a:xfrm>
+      </p:grpSpPr>
+      <p:sp>
+        <p:nvSpPr>
+          <p:cNvPr id="152" name="Google Shape;36;p9"/>
+          <p:cNvSpPr/>
+          <p:nvPr/>
+        </p:nvSpPr>
+        <p:spPr>
+          <a:xfrm>
+            <a:off x="4572000" y="0"/>
+            <a:ext cx="4566960" cy="5138640"/>
+          </a:xfrm>
+          <a:prstGeom prst="rect">
+            <a:avLst/>
+          </a:prstGeom>
+          <a:solidFill>
+            <a:schemeClr val="lt2"/>
+          </a:solidFill>
+          <a:ln w="0">
+            <a:noFill/>
+          </a:ln>
+        </p:spPr>
+        <p:style>
+          <a:lnRef idx="0"/>
+          <a:fillRef idx="0"/>
+          <a:effectRef idx="0"/>
+          <a:fontRef idx="minor"/>
+        </p:style>
+        <p:txBody>
+          <a:bodyPr lIns="90000" rIns="90000" tIns="91440" bIns="91440" anchor="ctr">
+            <a:noAutofit/>
+          </a:bodyPr>
+          <a:p>
+            <a:pPr>
+              <a:lnSpc>
+                <a:spcPct val="100000"/>
+              </a:lnSpc>
+              <a:tabLst>
+                <a:tab algn="l" pos="0"/>
+              </a:tabLst>
+            </a:pPr>
+            <a:endParaRPr b="0" lang="en-US" sz="1400" strike="noStrike" u="none">
+              <a:solidFill>
+                <a:srgbClr val="000000"/>
+              </a:solidFill>
+              <a:uFillTx/>
+              <a:latin typeface="Arial"/>
+            </a:endParaRPr>
+          </a:p>
+        </p:txBody>
+      </p:sp>
+      <p:sp>
+        <p:nvSpPr>
+          <p:cNvPr id="153" name="PlaceHolder 1"/>
+          <p:cNvSpPr>
+            <a:spLocks noGrp="1"/>
+          </p:cNvSpPr>
+          <p:nvPr>
+            <p:ph type="sldNum" idx="35"/>
+          </p:nvPr>
+        </p:nvSpPr>
+        <p:spPr>
+          <a:xfrm>
+            <a:off x="8472600" y="4663080"/>
+            <a:ext cx="543600" cy="388440"/>
+          </a:xfrm>
+          <a:prstGeom prst="rect">
+            <a:avLst/>
+          </a:prstGeom>
+          <a:noFill/>
+          <a:ln w="0">
+            <a:noFill/>
+          </a:ln>
+        </p:spPr>
+        <p:txBody>
+          <a:bodyPr lIns="91440" rIns="91440" tIns="91440" bIns="91440" anchor="ctr">
+            <a:noAutofit/>
+          </a:bodyPr>
+          <a:lstStyle>
+            <a:lvl1pPr indent="0" algn="r">
+              <a:lnSpc>
+                <a:spcPct val="100000"/>
+              </a:lnSpc>
+              <a:buNone/>
+              <a:tabLst>
+                <a:tab algn="l" pos="0"/>
+              </a:tabLst>
+              <a:defRPr b="0" lang="en" sz="1000" strike="noStrike" u="none">
+                <a:solidFill>
+                  <a:schemeClr val="dk2"/>
+                </a:solidFill>
+                <a:uFillTx/>
+                <a:latin typeface="Arial"/>
+                <a:ea typeface="Arial"/>
+              </a:defRPr>
+            </a:lvl1pPr>
+          </a:lstStyle>
+          <a:p>
+            <a:pPr indent="0" algn="r">
+              <a:lnSpc>
+                <a:spcPct val="100000"/>
+              </a:lnSpc>
+              <a:buNone/>
+              <a:tabLst>
+                <a:tab algn="l" pos="0"/>
+              </a:tabLst>
+            </a:pPr>
+            <a:fld id="{97E7C5C2-101D-4463-BFCE-7E28B9647988}" type="slidenum">
+              <a:rPr b="0" lang="en" sz="1000" strike="noStrike" u="none">
+                <a:solidFill>
+                  <a:schemeClr val="dk2"/>
+                </a:solidFill>
+                <a:uFillTx/>
+                <a:latin typeface="Arial"/>
+                <a:ea typeface="Arial"/>
+              </a:rPr>
+              <a:t>&lt;number&gt;</a:t>
+            </a:fld>
+            <a:endParaRPr b="0" lang="en-US" sz="1000" strike="noStrike" u="none">
+              <a:solidFill>
+                <a:srgbClr val="000000"/>
+              </a:solidFill>
+              <a:uFillTx/>
+              <a:latin typeface="Times New Roman"/>
+            </a:endParaRPr>
+          </a:p>
+        </p:txBody>
+      </p:sp>
+    </p:spTree>
+  </p:cSld>
+  <p:clrMap bg1="lt1" tx1="dk1" bg2="lt2" tx2="dk2" accent1="accent1" accent2="accent2" accent3="accent3" accent4="accent4" accent5="accent5" accent6="accent6" hlink="hlink" folHlink="folHlink"/>
+  <p:sldLayoutIdLst>
+    <p:sldLayoutId id="2147483721" r:id="rId2"/>
+  </p:sldLayoutIdLst>
+</p:sldMaster>
+</file>
+
+<file path=ppt/slideMasters/slideMaster36.xml><?xml version="1.0" encoding="utf-8"?>
+<p:sldMaster xmlns:a="http://schemas.openxmlformats.org/drawingml/2006/main" xmlns:p="http://schemas.openxmlformats.org/presentationml/2006/main" xmlns:r="http://schemas.openxmlformats.org/officeDocument/2006/relationships" xmlns:p14="http://schemas.microsoft.com/office/powerpoint/2010/main" xmlns:p15="http://schemas.microsoft.com/office/powerpoint/2012/main" xmlns:mc="http://schemas.openxmlformats.org/markup-compatibility/2006">
+  <p:cSld>
+    <p:bg>
+      <p:bgPr>
+        <a:solidFill>
+          <a:schemeClr val="lt1"/>
+        </a:solidFill>
+      </p:bgPr>
+    </p:bg>
+    <p:spTree>
+      <p:nvGrpSpPr>
+        <p:cNvPr id="1" name=""/>
+        <p:cNvGrpSpPr/>
+        <p:nvPr/>
+      </p:nvGrpSpPr>
+      <p:grpSpPr>
+        <a:xfrm>
+          <a:off x="0" y="0"/>
+          <a:ext cx="0" cy="0"/>
+          <a:chOff x="0" y="0"/>
+          <a:chExt cx="0" cy="0"/>
+        </a:xfrm>
+      </p:grpSpPr>
+      <p:sp>
+        <p:nvSpPr>
+          <p:cNvPr id="154" name="PlaceHolder 1"/>
+          <p:cNvSpPr>
+            <a:spLocks noGrp="1"/>
+          </p:cNvSpPr>
+          <p:nvPr>
+            <p:ph type="sldNum" idx="36"/>
+          </p:nvPr>
+        </p:nvSpPr>
+        <p:spPr>
+          <a:xfrm>
+            <a:off x="8472600" y="4663080"/>
+            <a:ext cx="543600" cy="388440"/>
+          </a:xfrm>
+          <a:prstGeom prst="rect">
+            <a:avLst/>
+          </a:prstGeom>
+          <a:noFill/>
+          <a:ln w="0">
+            <a:noFill/>
+          </a:ln>
+        </p:spPr>
+        <p:txBody>
+          <a:bodyPr lIns="91440" rIns="91440" tIns="91440" bIns="91440" anchor="ctr">
+            <a:noAutofit/>
+          </a:bodyPr>
+          <a:lstStyle>
+            <a:lvl1pPr indent="0" algn="r">
+              <a:lnSpc>
+                <a:spcPct val="100000"/>
+              </a:lnSpc>
+              <a:buNone/>
+              <a:tabLst>
+                <a:tab algn="l" pos="0"/>
+              </a:tabLst>
+              <a:defRPr b="0" lang="en" sz="1000" strike="noStrike" u="none">
+                <a:solidFill>
+                  <a:schemeClr val="dk2"/>
+                </a:solidFill>
+                <a:uFillTx/>
+                <a:latin typeface="Arial"/>
+                <a:ea typeface="Arial"/>
+              </a:defRPr>
+            </a:lvl1pPr>
+          </a:lstStyle>
+          <a:p>
+            <a:pPr indent="0" algn="r">
+              <a:lnSpc>
+                <a:spcPct val="100000"/>
+              </a:lnSpc>
+              <a:buNone/>
+              <a:tabLst>
+                <a:tab algn="l" pos="0"/>
+              </a:tabLst>
+            </a:pPr>
+            <a:fld id="{B9371B83-ADD1-488D-81D8-915652ED6A77}" type="slidenum">
+              <a:rPr b="0" lang="en" sz="1000" strike="noStrike" u="none">
+                <a:solidFill>
+                  <a:schemeClr val="dk2"/>
+                </a:solidFill>
+                <a:uFillTx/>
+                <a:latin typeface="Arial"/>
+                <a:ea typeface="Arial"/>
+              </a:rPr>
+              <a:t>&lt;number&gt;</a:t>
+            </a:fld>
+            <a:endParaRPr b="0" lang="en-US" sz="1000" strike="noStrike" u="none">
+              <a:solidFill>
+                <a:srgbClr val="000000"/>
+              </a:solidFill>
+              <a:uFillTx/>
+              <a:latin typeface="Times New Roman"/>
+            </a:endParaRPr>
+          </a:p>
+        </p:txBody>
+      </p:sp>
+    </p:spTree>
+  </p:cSld>
+  <p:clrMap bg1="lt1" tx1="dk1" bg2="lt2" tx2="dk2" accent1="accent1" accent2="accent2" accent3="accent3" accent4="accent4" accent5="accent5" accent6="accent6" hlink="hlink" folHlink="folHlink"/>
+  <p:sldLayoutIdLst>
+    <p:sldLayoutId id="2147483723" r:id="rId2"/>
   </p:sldLayoutIdLst>
 </p:sldMaster>
 </file>
@@ -13622,7 +15492,7 @@
         <p:spPr>
           <a:xfrm>
             <a:off x="8472600" y="4663080"/>
-            <a:ext cx="543960" cy="388800"/>
+            <a:ext cx="543600" cy="388440"/>
           </a:xfrm>
           <a:prstGeom prst="rect">
             <a:avLst/>
@@ -13665,7 +15535,7 @@
                 <a:tab algn="l" pos="0"/>
               </a:tabLst>
             </a:pPr>
-            <a:fld id="{300B430A-078D-427D-93C3-5466145BA40A}" type="slidenum">
+            <a:fld id="{209A7173-68D7-4F1A-A953-DBADE736C21B}" type="slidenum">
               <a:rPr b="0" lang="en" sz="1000" strike="noStrike" u="none">
                 <a:solidFill>
                   <a:schemeClr val="dk2"/>
@@ -14261,7 +16131,7 @@
         <p:spPr>
           <a:xfrm>
             <a:off x="8472600" y="4663080"/>
-            <a:ext cx="543960" cy="388800"/>
+            <a:ext cx="543600" cy="388440"/>
           </a:xfrm>
           <a:prstGeom prst="rect">
             <a:avLst/>
@@ -14304,7 +16174,7 @@
                 <a:tab algn="l" pos="0"/>
               </a:tabLst>
             </a:pPr>
-            <a:fld id="{8F5195FC-9217-4935-A8D9-895583948DD9}" type="slidenum">
+            <a:fld id="{486CEF91-C858-4EF5-91A5-4C1068CD9DBD}" type="slidenum">
               <a:rPr b="0" lang="en" sz="1000" strike="noStrike" u="none">
                 <a:solidFill>
                   <a:schemeClr val="dk2"/>
@@ -14661,7 +16531,7 @@
         <p:spPr>
           <a:xfrm>
             <a:off x="8472600" y="4663080"/>
-            <a:ext cx="543960" cy="388800"/>
+            <a:ext cx="543600" cy="388440"/>
           </a:xfrm>
           <a:prstGeom prst="rect">
             <a:avLst/>
@@ -14704,7 +16574,7 @@
                 <a:tab algn="l" pos="0"/>
               </a:tabLst>
             </a:pPr>
-            <a:fld id="{EE8027DB-B199-484E-9A19-E0FC8B6EF560}" type="slidenum">
+            <a:fld id="{407C7F5D-128F-451C-97E2-190F7E8FE6B9}" type="slidenum">
               <a:rPr b="0" lang="en" sz="1000" strike="noStrike" u="none">
                 <a:solidFill>
                   <a:schemeClr val="dk2"/>
@@ -14822,7 +16692,7 @@
         <p:spPr>
           <a:xfrm>
             <a:off x="8472600" y="4663080"/>
-            <a:ext cx="543960" cy="388800"/>
+            <a:ext cx="543600" cy="388440"/>
           </a:xfrm>
           <a:prstGeom prst="rect">
             <a:avLst/>
@@ -14865,7 +16735,7 @@
                 <a:tab algn="l" pos="0"/>
               </a:tabLst>
             </a:pPr>
-            <a:fld id="{FA8F3F11-1DCD-4951-A7AF-CF7789AE97F8}" type="slidenum">
+            <a:fld id="{A79FF746-EDFA-40E8-AFB6-B6829ABF6F65}" type="slidenum">
               <a:rPr b="0" lang="en" sz="1000" strike="noStrike" u="none">
                 <a:solidFill>
                   <a:schemeClr val="dk2"/>
@@ -15222,7 +17092,7 @@
         <p:spPr>
           <a:xfrm>
             <a:off x="8472600" y="4663080"/>
-            <a:ext cx="543960" cy="388800"/>
+            <a:ext cx="543600" cy="388440"/>
           </a:xfrm>
           <a:prstGeom prst="rect">
             <a:avLst/>
@@ -15265,7 +17135,7 @@
                 <a:tab algn="l" pos="0"/>
               </a:tabLst>
             </a:pPr>
-            <a:fld id="{F0F573E0-F40C-48A5-9BED-BFF07690EB71}" type="slidenum">
+            <a:fld id="{716689F2-9FDA-4BCA-9EFC-38D41E918AAA}" type="slidenum">
               <a:rPr b="0" lang="en" sz="1000" strike="noStrike" u="none">
                 <a:solidFill>
                   <a:schemeClr val="dk2"/>
@@ -15861,7 +17731,7 @@
         <p:spPr>
           <a:xfrm>
             <a:off x="8472600" y="4663080"/>
-            <a:ext cx="543960" cy="388800"/>
+            <a:ext cx="543600" cy="388440"/>
           </a:xfrm>
           <a:prstGeom prst="rect">
             <a:avLst/>
@@ -15904,7 +17774,7 @@
                 <a:tab algn="l" pos="0"/>
               </a:tabLst>
             </a:pPr>
-            <a:fld id="{7F1A6C7C-BD74-4FEB-A9BE-3645E8994735}" type="slidenum">
+            <a:fld id="{C9DF70BE-146A-43A9-958E-EB0351DD9EF5}" type="slidenum">
               <a:rPr b="0" lang="en" sz="1000" strike="noStrike" u="none">
                 <a:solidFill>
                   <a:schemeClr val="dk2"/>
@@ -15960,7 +17830,7 @@
       </p:grpSpPr>
       <p:sp>
         <p:nvSpPr>
-          <p:cNvPr id="142" name="PlaceHolder 1"/>
+          <p:cNvPr id="161" name="PlaceHolder 1"/>
           <p:cNvSpPr>
             <a:spLocks noGrp="1"/>
           </p:cNvSpPr>
@@ -15971,7 +17841,7 @@
         <p:spPr>
           <a:xfrm>
             <a:off x="834480" y="347400"/>
-            <a:ext cx="7470000" cy="1760400"/>
+            <a:ext cx="7469640" cy="1760040"/>
           </a:xfrm>
           <a:prstGeom prst="rect">
             <a:avLst/>
@@ -16018,14 +17888,14 @@
       </p:sp>
       <p:cxnSp>
         <p:nvCxnSpPr>
-          <p:cNvPr id="143" name="Google Shape;56;p13"/>
+          <p:cNvPr id="162" name="Google Shape;56;p13"/>
           <p:cNvCxnSpPr/>
           <p:nvPr/>
         </p:nvCxnSpPr>
         <p:spPr>
           <a:xfrm>
             <a:off x="204480" y="2304720"/>
-            <a:ext cx="8739720" cy="5040"/>
+            <a:ext cx="8740080" cy="5400"/>
           </a:xfrm>
           <a:prstGeom prst="straightConnector1">
             <a:avLst/>
@@ -16040,14 +17910,14 @@
       </p:cxnSp>
       <p:cxnSp>
         <p:nvCxnSpPr>
-          <p:cNvPr id="144" name="Google Shape;57;p13"/>
+          <p:cNvPr id="163" name="Google Shape;57;p13"/>
           <p:cNvCxnSpPr/>
           <p:nvPr/>
         </p:nvCxnSpPr>
         <p:spPr>
           <a:xfrm>
             <a:off x="204480" y="3948840"/>
-            <a:ext cx="8739720" cy="5040"/>
+            <a:ext cx="8740080" cy="5400"/>
           </a:xfrm>
           <a:prstGeom prst="straightConnector1">
             <a:avLst/>
@@ -16062,18 +17932,18 @@
       </p:cxnSp>
       <p:sp>
         <p:nvSpPr>
-          <p:cNvPr id="145" name="PlaceHolder 2"/>
+          <p:cNvPr id="164" name="PlaceHolder 2"/>
           <p:cNvSpPr>
             <a:spLocks noGrp="1"/>
           </p:cNvSpPr>
           <p:nvPr>
-            <p:ph type="sldNum" idx="36"/>
+            <p:ph type="sldNum" idx="40"/>
           </p:nvPr>
         </p:nvSpPr>
         <p:spPr>
           <a:xfrm>
             <a:off x="8472600" y="4663080"/>
-            <a:ext cx="543960" cy="388800"/>
+            <a:ext cx="543600" cy="388440"/>
           </a:xfrm>
           <a:prstGeom prst="rect">
             <a:avLst/>
@@ -16116,7 +17986,7 @@
                 <a:tab algn="l" pos="0"/>
               </a:tabLst>
             </a:pPr>
-            <a:fld id="{73ACCA5C-A041-4542-8F74-A3B20BA1F109}" type="slidenum">
+            <a:fld id="{A4039DF7-B2CE-4408-A63E-142106A06551}" type="slidenum">
               <a:rPr b="0" lang="en" sz="1000" strike="noStrike" u="none">
                 <a:solidFill>
                   <a:schemeClr val="dk2"/>
@@ -16139,14 +18009,14 @@
       </p:sp>
       <p:sp>
         <p:nvSpPr>
-          <p:cNvPr id="146" name="Google Shape;59;p13"/>
+          <p:cNvPr id="165" name="Google Shape;59;p13"/>
           <p:cNvSpPr/>
           <p:nvPr/>
         </p:nvSpPr>
         <p:spPr>
           <a:xfrm>
             <a:off x="1946880" y="2244240"/>
-            <a:ext cx="5245920" cy="1668600"/>
+            <a:ext cx="5245560" cy="1668600"/>
           </a:xfrm>
           <a:prstGeom prst="rect">
             <a:avLst/>
@@ -16254,14 +18124,14 @@
       </p:sp>
       <p:sp>
         <p:nvSpPr>
-          <p:cNvPr id="147" name="Google Shape;60;p13"/>
+          <p:cNvPr id="166" name="Google Shape;60;p13"/>
           <p:cNvSpPr/>
           <p:nvPr/>
         </p:nvSpPr>
         <p:spPr>
           <a:xfrm>
             <a:off x="3071880" y="3948480"/>
-            <a:ext cx="2995200" cy="1005480"/>
+            <a:ext cx="2994840" cy="1005480"/>
           </a:xfrm>
           <a:prstGeom prst="rect">
             <a:avLst/>
@@ -16346,18 +18216,18 @@
       </p:grpSpPr>
       <p:sp>
         <p:nvSpPr>
-          <p:cNvPr id="205" name="PlaceHolder 1"/>
+          <p:cNvPr id="224" name="PlaceHolder 1"/>
           <p:cNvSpPr>
             <a:spLocks noGrp="1"/>
           </p:cNvSpPr>
           <p:nvPr>
-            <p:ph type="sldNum" idx="45"/>
+            <p:ph type="sldNum" idx="49"/>
           </p:nvPr>
         </p:nvSpPr>
         <p:spPr>
           <a:xfrm>
             <a:off x="8472600" y="4633560"/>
-            <a:ext cx="543960" cy="388800"/>
+            <a:ext cx="543600" cy="388440"/>
           </a:xfrm>
           <a:prstGeom prst="rect">
             <a:avLst/>
@@ -16400,7 +18270,7 @@
                 <a:tab algn="l" pos="0"/>
               </a:tabLst>
             </a:pPr>
-            <a:fld id="{0DC368E6-4A33-4CE1-BDE3-0BEE397DEA62}" type="slidenum">
+            <a:fld id="{2D8016B5-98A3-43E0-AAB5-47E39BA050C2}" type="slidenum">
               <a:rPr b="0" lang="en" sz="1000" strike="noStrike" u="none">
                 <a:solidFill>
                   <a:schemeClr val="dk2"/>
@@ -16423,7 +18293,7 @@
       </p:sp>
       <p:sp>
         <p:nvSpPr>
-          <p:cNvPr id="206" name="PlaceHolder 2"/>
+          <p:cNvPr id="225" name="PlaceHolder 2"/>
           <p:cNvSpPr>
             <a:spLocks noGrp="1"/>
           </p:cNvSpPr>
@@ -16434,7 +18304,7 @@
         <p:spPr>
           <a:xfrm>
             <a:off x="1487160" y="171360"/>
-            <a:ext cx="6162840" cy="918360"/>
+            <a:ext cx="6162480" cy="918000"/>
           </a:xfrm>
           <a:prstGeom prst="rect">
             <a:avLst/>
@@ -16481,14 +18351,14 @@
       </p:sp>
       <p:cxnSp>
         <p:nvCxnSpPr>
-          <p:cNvPr id="207" name="Google Shape;106;p 2"/>
+          <p:cNvPr id="226" name="Google Shape;106;p 2"/>
           <p:cNvCxnSpPr/>
           <p:nvPr/>
         </p:nvCxnSpPr>
         <p:spPr>
           <a:xfrm>
             <a:off x="204480" y="721440"/>
-            <a:ext cx="8739720" cy="5040"/>
+            <a:ext cx="8740080" cy="5400"/>
           </a:xfrm>
           <a:prstGeom prst="straightConnector1">
             <a:avLst/>
@@ -16503,7 +18373,7 @@
       </p:cxnSp>
       <p:sp>
         <p:nvSpPr>
-          <p:cNvPr id="208" name="PlaceHolder 3"/>
+          <p:cNvPr id="227" name="PlaceHolder 3"/>
           <p:cNvSpPr>
             <a:spLocks noGrp="1"/>
           </p:cNvSpPr>
@@ -16514,7 +18384,7 @@
         <p:spPr>
           <a:xfrm>
             <a:off x="343080" y="829800"/>
-            <a:ext cx="5367960" cy="4195800"/>
+            <a:ext cx="5367600" cy="4195440"/>
           </a:xfrm>
           <a:prstGeom prst="rect">
             <a:avLst/>
@@ -16687,7 +18557,7 @@
                 <a:latin typeface="Times New Roman"/>
                 <a:ea typeface="Noto Sans CJK SC"/>
               </a:rPr>
-              <a:t>PMP is included in any RISCV-cpu in gem5</a:t>
+              <a:t>PMP is included in any RISCV cpu in gem5</a:t>
             </a:r>
             <a:endParaRPr b="0" lang="en-US" sz="1600" strike="noStrike" u="none">
               <a:solidFill>
@@ -16812,7 +18682,7 @@
       </p:sp>
       <p:pic>
         <p:nvPicPr>
-          <p:cNvPr id="209" name="" descr=""/>
+          <p:cNvPr id="228" name="" descr=""/>
           <p:cNvPicPr/>
           <p:nvPr/>
         </p:nvPicPr>
@@ -16823,7 +18693,7 @@
         <p:spPr>
           <a:xfrm>
             <a:off x="5734440" y="1238400"/>
-            <a:ext cx="3177000" cy="3082680"/>
+            <a:ext cx="3176640" cy="3082320"/>
           </a:xfrm>
           <a:prstGeom prst="rect">
             <a:avLst/>
@@ -16835,14 +18705,14 @@
       </p:pic>
       <p:sp>
         <p:nvSpPr>
-          <p:cNvPr id="210" name=""/>
+          <p:cNvPr id="229" name=""/>
           <p:cNvSpPr/>
           <p:nvPr/>
         </p:nvSpPr>
         <p:spPr>
           <a:xfrm>
             <a:off x="5943600" y="4572000"/>
-            <a:ext cx="2282760" cy="453960"/>
+            <a:ext cx="2282400" cy="453600"/>
           </a:xfrm>
           <a:prstGeom prst="rect">
             <a:avLst/>
@@ -16920,18 +18790,18 @@
       </p:grpSpPr>
       <p:sp>
         <p:nvSpPr>
-          <p:cNvPr id="211" name="PlaceHolder 1"/>
+          <p:cNvPr id="230" name="PlaceHolder 1"/>
           <p:cNvSpPr>
             <a:spLocks noGrp="1"/>
           </p:cNvSpPr>
           <p:nvPr>
-            <p:ph type="sldNum" idx="46"/>
+            <p:ph type="sldNum" idx="50"/>
           </p:nvPr>
         </p:nvSpPr>
         <p:spPr>
           <a:xfrm>
             <a:off x="8472600" y="4633560"/>
-            <a:ext cx="543960" cy="388800"/>
+            <a:ext cx="543600" cy="388440"/>
           </a:xfrm>
           <a:prstGeom prst="rect">
             <a:avLst/>
@@ -16974,7 +18844,7 @@
                 <a:tab algn="l" pos="0"/>
               </a:tabLst>
             </a:pPr>
-            <a:fld id="{56D18DE6-E0D1-4706-ADAA-E3DEC4F8C4C7}" type="slidenum">
+            <a:fld id="{1E73DBEE-1568-4A92-8ED8-F1778A264531}" type="slidenum">
               <a:rPr b="0" lang="en" sz="1000" strike="noStrike" u="none">
                 <a:solidFill>
                   <a:schemeClr val="dk2"/>
@@ -16997,7 +18867,7 @@
       </p:sp>
       <p:sp>
         <p:nvSpPr>
-          <p:cNvPr id="212" name="PlaceHolder 2"/>
+          <p:cNvPr id="231" name="PlaceHolder 2"/>
           <p:cNvSpPr>
             <a:spLocks noGrp="1"/>
           </p:cNvSpPr>
@@ -17008,7 +18878,7 @@
         <p:spPr>
           <a:xfrm>
             <a:off x="1487160" y="171360"/>
-            <a:ext cx="6162840" cy="918360"/>
+            <a:ext cx="6162480" cy="918000"/>
           </a:xfrm>
           <a:prstGeom prst="rect">
             <a:avLst/>
@@ -17055,14 +18925,14 @@
       </p:sp>
       <p:cxnSp>
         <p:nvCxnSpPr>
-          <p:cNvPr id="213" name="Google Shape;106;p 1"/>
+          <p:cNvPr id="232" name="Google Shape;106;p 1"/>
           <p:cNvCxnSpPr/>
           <p:nvPr/>
         </p:nvCxnSpPr>
         <p:spPr>
           <a:xfrm>
             <a:off x="204480" y="721440"/>
-            <a:ext cx="8739720" cy="5040"/>
+            <a:ext cx="8740080" cy="5400"/>
           </a:xfrm>
           <a:prstGeom prst="straightConnector1">
             <a:avLst/>
@@ -17077,7 +18947,7 @@
       </p:cxnSp>
       <p:sp>
         <p:nvSpPr>
-          <p:cNvPr id="214" name="PlaceHolder 3"/>
+          <p:cNvPr id="233" name="PlaceHolder 3"/>
           <p:cNvSpPr>
             <a:spLocks noGrp="1"/>
           </p:cNvSpPr>
@@ -17088,7 +18958,7 @@
         <p:spPr>
           <a:xfrm>
             <a:off x="343080" y="829800"/>
-            <a:ext cx="8340120" cy="4195800"/>
+            <a:ext cx="8339760" cy="4195440"/>
           </a:xfrm>
           <a:prstGeom prst="rect">
             <a:avLst/>
@@ -17236,7 +19106,7 @@
       </p:grpSpPr>
       <p:sp>
         <p:nvSpPr>
-          <p:cNvPr id="215" name="PlaceHolder 1"/>
+          <p:cNvPr id="234" name="PlaceHolder 1"/>
           <p:cNvSpPr>
             <a:spLocks noGrp="1"/>
           </p:cNvSpPr>
@@ -17247,7 +19117,7 @@
         <p:spPr>
           <a:xfrm>
             <a:off x="1487160" y="171360"/>
-            <a:ext cx="6162840" cy="918360"/>
+            <a:ext cx="6162480" cy="918000"/>
           </a:xfrm>
           <a:prstGeom prst="rect">
             <a:avLst/>
@@ -17294,7 +19164,7 @@
       </p:sp>
       <p:sp>
         <p:nvSpPr>
-          <p:cNvPr id="216" name="PlaceHolder 2"/>
+          <p:cNvPr id="235" name="PlaceHolder 2"/>
           <p:cNvSpPr>
             <a:spLocks noGrp="1"/>
           </p:cNvSpPr>
@@ -17305,7 +19175,7 @@
         <p:spPr>
           <a:xfrm>
             <a:off x="343080" y="606600"/>
-            <a:ext cx="8388000" cy="3490200"/>
+            <a:ext cx="8387640" cy="3489840"/>
           </a:xfrm>
           <a:prstGeom prst="rect">
             <a:avLst/>
@@ -17377,14 +19247,14 @@
       </p:sp>
       <p:cxnSp>
         <p:nvCxnSpPr>
-          <p:cNvPr id="217" name="Google Shape;180;p25"/>
+          <p:cNvPr id="236" name="Google Shape;180;p25"/>
           <p:cNvCxnSpPr/>
           <p:nvPr/>
         </p:nvCxnSpPr>
         <p:spPr>
           <a:xfrm>
             <a:off x="204480" y="721440"/>
-            <a:ext cx="8739720" cy="5040"/>
+            <a:ext cx="8740080" cy="5400"/>
           </a:xfrm>
           <a:prstGeom prst="straightConnector1">
             <a:avLst/>
@@ -17399,18 +19269,18 @@
       </p:cxnSp>
       <p:sp>
         <p:nvSpPr>
-          <p:cNvPr id="218" name="PlaceHolder 3"/>
+          <p:cNvPr id="237" name="PlaceHolder 3"/>
           <p:cNvSpPr>
             <a:spLocks noGrp="1"/>
           </p:cNvSpPr>
           <p:nvPr>
-            <p:ph type="sldNum" idx="47"/>
+            <p:ph type="sldNum" idx="51"/>
           </p:nvPr>
         </p:nvSpPr>
         <p:spPr>
           <a:xfrm>
             <a:off x="8472600" y="4633560"/>
-            <a:ext cx="543960" cy="388800"/>
+            <a:ext cx="543600" cy="388440"/>
           </a:xfrm>
           <a:prstGeom prst="rect">
             <a:avLst/>
@@ -17453,7 +19323,7 @@
                 <a:tab algn="l" pos="0"/>
               </a:tabLst>
             </a:pPr>
-            <a:fld id="{80396105-DDBA-4ADE-8AB9-9C4181684B7B}" type="slidenum">
+            <a:fld id="{0F870E9D-383C-4149-9002-05D7C684F993}" type="slidenum">
               <a:rPr b="0" lang="en" sz="1000" strike="noStrike" u="none">
                 <a:solidFill>
                   <a:schemeClr val="dk2"/>
@@ -17506,7 +19376,7 @@
       </p:grpSpPr>
       <p:sp>
         <p:nvSpPr>
-          <p:cNvPr id="219" name="PlaceHolder 1"/>
+          <p:cNvPr id="238" name="PlaceHolder 1"/>
           <p:cNvSpPr>
             <a:spLocks noGrp="1"/>
           </p:cNvSpPr>
@@ -17517,7 +19387,7 @@
         <p:spPr>
           <a:xfrm>
             <a:off x="1487160" y="171360"/>
-            <a:ext cx="6162840" cy="918360"/>
+            <a:ext cx="6162480" cy="918000"/>
           </a:xfrm>
           <a:prstGeom prst="rect">
             <a:avLst/>
@@ -17564,7 +19434,7 @@
       </p:sp>
       <p:sp>
         <p:nvSpPr>
-          <p:cNvPr id="220" name="PlaceHolder 2"/>
+          <p:cNvPr id="239" name="PlaceHolder 2"/>
           <p:cNvSpPr>
             <a:spLocks noGrp="1"/>
           </p:cNvSpPr>
@@ -17575,7 +19445,7 @@
         <p:spPr>
           <a:xfrm>
             <a:off x="343080" y="606600"/>
-            <a:ext cx="8310600" cy="4416120"/>
+            <a:ext cx="8310240" cy="4415760"/>
           </a:xfrm>
           <a:prstGeom prst="rect">
             <a:avLst/>
@@ -17857,14 +19727,14 @@
       </p:sp>
       <p:cxnSp>
         <p:nvCxnSpPr>
-          <p:cNvPr id="221" name="Google Shape;207;p28"/>
+          <p:cNvPr id="240" name="Google Shape;207;p28"/>
           <p:cNvCxnSpPr/>
           <p:nvPr/>
         </p:nvCxnSpPr>
         <p:spPr>
           <a:xfrm>
             <a:off x="204480" y="721440"/>
-            <a:ext cx="8739720" cy="5040"/>
+            <a:ext cx="8740080" cy="5400"/>
           </a:xfrm>
           <a:prstGeom prst="straightConnector1">
             <a:avLst/>
@@ -17879,18 +19749,18 @@
       </p:cxnSp>
       <p:sp>
         <p:nvSpPr>
-          <p:cNvPr id="222" name="PlaceHolder 3"/>
+          <p:cNvPr id="241" name="PlaceHolder 3"/>
           <p:cNvSpPr>
             <a:spLocks noGrp="1"/>
           </p:cNvSpPr>
           <p:nvPr>
-            <p:ph type="sldNum" idx="48"/>
+            <p:ph type="sldNum" idx="52"/>
           </p:nvPr>
         </p:nvSpPr>
         <p:spPr>
           <a:xfrm>
             <a:off x="8472600" y="4633560"/>
-            <a:ext cx="543960" cy="388800"/>
+            <a:ext cx="543600" cy="388440"/>
           </a:xfrm>
           <a:prstGeom prst="rect">
             <a:avLst/>
@@ -17933,7 +19803,7 @@
                 <a:tab algn="l" pos="0"/>
               </a:tabLst>
             </a:pPr>
-            <a:fld id="{A73C8782-96C4-4BBA-8000-111D889CE42D}" type="slidenum">
+            <a:fld id="{84F67879-4E7D-4EB3-BEBA-60A2FC7D0C58}" type="slidenum">
               <a:rPr b="0" lang="en" sz="1000" strike="noStrike" u="none">
                 <a:solidFill>
                   <a:schemeClr val="dk2"/>
@@ -17986,7 +19856,7 @@
       </p:grpSpPr>
       <p:sp>
         <p:nvSpPr>
-          <p:cNvPr id="148" name="PlaceHolder 1"/>
+          <p:cNvPr id="167" name="PlaceHolder 1"/>
           <p:cNvSpPr>
             <a:spLocks noGrp="1"/>
           </p:cNvSpPr>
@@ -17997,7 +19867,7 @@
         <p:spPr>
           <a:xfrm>
             <a:off x="1487160" y="171360"/>
-            <a:ext cx="6162840" cy="918360"/>
+            <a:ext cx="6162480" cy="918000"/>
           </a:xfrm>
           <a:prstGeom prst="rect">
             <a:avLst/>
@@ -18044,7 +19914,7 @@
       </p:sp>
       <p:sp>
         <p:nvSpPr>
-          <p:cNvPr id="149" name="PlaceHolder 2"/>
+          <p:cNvPr id="168" name="PlaceHolder 2"/>
           <p:cNvSpPr>
             <a:spLocks noGrp="1"/>
           </p:cNvSpPr>
@@ -18055,7 +19925,7 @@
         <p:spPr>
           <a:xfrm>
             <a:off x="343080" y="606600"/>
-            <a:ext cx="8388000" cy="4191120"/>
+            <a:ext cx="8387640" cy="4190760"/>
           </a:xfrm>
           <a:prstGeom prst="rect">
             <a:avLst/>
@@ -18273,14 +20143,14 @@
       </p:sp>
       <p:cxnSp>
         <p:nvCxnSpPr>
-          <p:cNvPr id="150" name="Google Shape;68;p14"/>
+          <p:cNvPr id="169" name="Google Shape;68;p14"/>
           <p:cNvCxnSpPr/>
           <p:nvPr/>
         </p:nvCxnSpPr>
         <p:spPr>
           <a:xfrm>
             <a:off x="204480" y="721440"/>
-            <a:ext cx="8739720" cy="5040"/>
+            <a:ext cx="8740080" cy="5400"/>
           </a:xfrm>
           <a:prstGeom prst="straightConnector1">
             <a:avLst/>
@@ -18295,18 +20165,18 @@
       </p:cxnSp>
       <p:sp>
         <p:nvSpPr>
-          <p:cNvPr id="151" name="PlaceHolder 3"/>
+          <p:cNvPr id="170" name="PlaceHolder 3"/>
           <p:cNvSpPr>
             <a:spLocks noGrp="1"/>
           </p:cNvSpPr>
           <p:nvPr>
-            <p:ph type="sldNum" idx="37"/>
+            <p:ph type="sldNum" idx="41"/>
           </p:nvPr>
         </p:nvSpPr>
         <p:spPr>
           <a:xfrm>
             <a:off x="8472600" y="4633560"/>
-            <a:ext cx="543960" cy="388800"/>
+            <a:ext cx="543600" cy="388440"/>
           </a:xfrm>
           <a:prstGeom prst="rect">
             <a:avLst/>
@@ -18349,7 +20219,7 @@
                 <a:tab algn="l" pos="0"/>
               </a:tabLst>
             </a:pPr>
-            <a:fld id="{661CBEDF-E6DD-4894-874B-93F8F446944E}" type="slidenum">
+            <a:fld id="{9D49582C-FF02-48ED-86CB-958180BE2031}" type="slidenum">
               <a:rPr b="0" lang="en" sz="1000" strike="noStrike" u="none">
                 <a:solidFill>
                   <a:schemeClr val="dk2"/>
@@ -18402,14 +20272,14 @@
       </p:grpSpPr>
       <p:sp>
         <p:nvSpPr>
-          <p:cNvPr id="152" name="Google Shape;93;p17"/>
+          <p:cNvPr id="171" name="Google Shape;93;p17"/>
           <p:cNvSpPr/>
           <p:nvPr/>
         </p:nvSpPr>
         <p:spPr>
           <a:xfrm>
             <a:off x="327960" y="4114800"/>
-            <a:ext cx="8483760" cy="806760"/>
+            <a:ext cx="8483400" cy="806400"/>
           </a:xfrm>
           <a:prstGeom prst="roundRect">
             <a:avLst>
@@ -18459,18 +20329,18 @@
       </p:sp>
       <p:sp>
         <p:nvSpPr>
-          <p:cNvPr id="153" name="PlaceHolder 1"/>
+          <p:cNvPr id="172" name="PlaceHolder 1"/>
           <p:cNvSpPr>
             <a:spLocks noGrp="1"/>
           </p:cNvSpPr>
           <p:nvPr>
-            <p:ph type="sldNum" idx="38"/>
+            <p:ph type="sldNum" idx="42"/>
           </p:nvPr>
         </p:nvSpPr>
         <p:spPr>
           <a:xfrm>
             <a:off x="8472600" y="4633560"/>
-            <a:ext cx="543960" cy="388800"/>
+            <a:ext cx="543600" cy="388440"/>
           </a:xfrm>
           <a:prstGeom prst="rect">
             <a:avLst/>
@@ -18513,7 +20383,7 @@
                 <a:tab algn="l" pos="0"/>
               </a:tabLst>
             </a:pPr>
-            <a:fld id="{40E6B33F-2C1A-46D8-B062-C87C8979258F}" type="slidenum">
+            <a:fld id="{F292AA46-76B1-48AC-8227-D2B0769A4FB7}" type="slidenum">
               <a:rPr b="0" lang="en" sz="1000" strike="noStrike" u="none">
                 <a:solidFill>
                   <a:schemeClr val="dk2"/>
@@ -18536,7 +20406,7 @@
       </p:sp>
       <p:sp>
         <p:nvSpPr>
-          <p:cNvPr id="154" name="PlaceHolder 2"/>
+          <p:cNvPr id="173" name="PlaceHolder 2"/>
           <p:cNvSpPr>
             <a:spLocks noGrp="1"/>
           </p:cNvSpPr>
@@ -18547,7 +20417,7 @@
         <p:spPr>
           <a:xfrm>
             <a:off x="941400" y="3567600"/>
-            <a:ext cx="7256880" cy="1901520"/>
+            <a:ext cx="7256520" cy="1901160"/>
           </a:xfrm>
           <a:prstGeom prst="rect">
             <a:avLst/>
@@ -18608,7 +20478,7 @@
       </p:sp>
       <p:sp>
         <p:nvSpPr>
-          <p:cNvPr id="155" name="PlaceHolder 3"/>
+          <p:cNvPr id="174" name="PlaceHolder 3"/>
           <p:cNvSpPr>
             <a:spLocks noGrp="1"/>
           </p:cNvSpPr>
@@ -18619,7 +20489,7 @@
         <p:spPr>
           <a:xfrm>
             <a:off x="1487160" y="171360"/>
-            <a:ext cx="6162840" cy="918360"/>
+            <a:ext cx="6162480" cy="918000"/>
           </a:xfrm>
           <a:prstGeom prst="rect">
             <a:avLst/>
@@ -18666,14 +20536,14 @@
       </p:sp>
       <p:cxnSp>
         <p:nvCxnSpPr>
-          <p:cNvPr id="156" name="Google Shape;97;p17"/>
+          <p:cNvPr id="175" name="Google Shape;97;p17"/>
           <p:cNvCxnSpPr/>
           <p:nvPr/>
         </p:nvCxnSpPr>
         <p:spPr>
           <a:xfrm>
             <a:off x="204480" y="721440"/>
-            <a:ext cx="8739720" cy="5040"/>
+            <a:ext cx="8740080" cy="5400"/>
           </a:xfrm>
           <a:prstGeom prst="straightConnector1">
             <a:avLst/>
@@ -18688,7 +20558,7 @@
       </p:cxnSp>
       <p:sp>
         <p:nvSpPr>
-          <p:cNvPr id="157" name="PlaceHolder 4"/>
+          <p:cNvPr id="176" name="PlaceHolder 4"/>
           <p:cNvSpPr>
             <a:spLocks noGrp="1"/>
           </p:cNvSpPr>
@@ -18699,7 +20569,7 @@
         <p:spPr>
           <a:xfrm>
             <a:off x="343080" y="829800"/>
-            <a:ext cx="8388000" cy="2776680"/>
+            <a:ext cx="8387640" cy="2776320"/>
           </a:xfrm>
           <a:prstGeom prst="rect">
             <a:avLst/>
@@ -18902,7 +20772,7 @@
       </p:grpSpPr>
       <p:sp>
         <p:nvSpPr>
-          <p:cNvPr id="158" name="PlaceHolder 1"/>
+          <p:cNvPr id="177" name="PlaceHolder 1"/>
           <p:cNvSpPr>
             <a:spLocks noGrp="1"/>
           </p:cNvSpPr>
@@ -18913,7 +20783,7 @@
         <p:spPr>
           <a:xfrm>
             <a:off x="1487160" y="171360"/>
-            <a:ext cx="6162840" cy="918360"/>
+            <a:ext cx="6162480" cy="918000"/>
           </a:xfrm>
           <a:prstGeom prst="rect">
             <a:avLst/>
@@ -18960,14 +20830,14 @@
       </p:sp>
       <p:cxnSp>
         <p:nvCxnSpPr>
-          <p:cNvPr id="159" name="Google Shape;114;p 1"/>
+          <p:cNvPr id="178" name="Google Shape;114;p 1"/>
           <p:cNvCxnSpPr/>
           <p:nvPr/>
         </p:nvCxnSpPr>
         <p:spPr>
           <a:xfrm>
             <a:off x="204480" y="721440"/>
-            <a:ext cx="8739720" cy="5040"/>
+            <a:ext cx="8740080" cy="5400"/>
           </a:xfrm>
           <a:prstGeom prst="straightConnector1">
             <a:avLst/>
@@ -18982,18 +20852,18 @@
       </p:cxnSp>
       <p:sp>
         <p:nvSpPr>
-          <p:cNvPr id="160" name="PlaceHolder 2"/>
+          <p:cNvPr id="179" name="PlaceHolder 2"/>
           <p:cNvSpPr>
             <a:spLocks noGrp="1"/>
           </p:cNvSpPr>
           <p:nvPr>
-            <p:ph type="sldNum" idx="39"/>
+            <p:ph type="sldNum" idx="43"/>
           </p:nvPr>
         </p:nvSpPr>
         <p:spPr>
           <a:xfrm>
             <a:off x="8472600" y="4633560"/>
-            <a:ext cx="543960" cy="388800"/>
+            <a:ext cx="543600" cy="388440"/>
           </a:xfrm>
           <a:prstGeom prst="rect">
             <a:avLst/>
@@ -19036,7 +20906,7 @@
                 <a:tab algn="l" pos="0"/>
               </a:tabLst>
             </a:pPr>
-            <a:fld id="{9AE1231C-F1B5-419C-A88F-106C9F25E882}" type="slidenum">
+            <a:fld id="{5CE4D0AE-1C38-4E67-8477-B84694787775}" type="slidenum">
               <a:rPr b="0" lang="en" sz="1000" strike="noStrike" u="none">
                 <a:solidFill>
                   <a:schemeClr val="dk2"/>
@@ -19059,7 +20929,7 @@
       </p:sp>
       <p:sp>
         <p:nvSpPr>
-          <p:cNvPr id="161" name="PlaceHolder 3"/>
+          <p:cNvPr id="180" name="PlaceHolder 3"/>
           <p:cNvSpPr>
             <a:spLocks noGrp="1"/>
           </p:cNvSpPr>
@@ -19070,7 +20940,7 @@
         <p:spPr>
           <a:xfrm>
             <a:off x="343080" y="462600"/>
-            <a:ext cx="8388000" cy="4563720"/>
+            <a:ext cx="8387640" cy="4563360"/>
           </a:xfrm>
           <a:prstGeom prst="rect">
             <a:avLst/>
@@ -19484,7 +21354,7 @@
       </p:grpSpPr>
       <p:sp>
         <p:nvSpPr>
-          <p:cNvPr id="162" name="PlaceHolder 1"/>
+          <p:cNvPr id="181" name="PlaceHolder 1"/>
           <p:cNvSpPr>
             <a:spLocks noGrp="1"/>
           </p:cNvSpPr>
@@ -19495,7 +21365,7 @@
         <p:spPr>
           <a:xfrm>
             <a:off x="1487160" y="171360"/>
-            <a:ext cx="6162840" cy="918360"/>
+            <a:ext cx="6162480" cy="918000"/>
           </a:xfrm>
           <a:prstGeom prst="rect">
             <a:avLst/>
@@ -19542,14 +21412,14 @@
       </p:sp>
       <p:cxnSp>
         <p:nvCxnSpPr>
-          <p:cNvPr id="163" name="Google Shape;114;p19"/>
+          <p:cNvPr id="182" name="Google Shape;114;p19"/>
           <p:cNvCxnSpPr/>
           <p:nvPr/>
         </p:nvCxnSpPr>
         <p:spPr>
           <a:xfrm>
             <a:off x="204480" y="721440"/>
-            <a:ext cx="8739720" cy="5040"/>
+            <a:ext cx="8740080" cy="5400"/>
           </a:xfrm>
           <a:prstGeom prst="straightConnector1">
             <a:avLst/>
@@ -19564,18 +21434,18 @@
       </p:cxnSp>
       <p:sp>
         <p:nvSpPr>
-          <p:cNvPr id="164" name="PlaceHolder 2"/>
+          <p:cNvPr id="183" name="PlaceHolder 2"/>
           <p:cNvSpPr>
             <a:spLocks noGrp="1"/>
           </p:cNvSpPr>
           <p:nvPr>
-            <p:ph type="sldNum" idx="40"/>
+            <p:ph type="sldNum" idx="44"/>
           </p:nvPr>
         </p:nvSpPr>
         <p:spPr>
           <a:xfrm>
             <a:off x="8472600" y="4633560"/>
-            <a:ext cx="543960" cy="388800"/>
+            <a:ext cx="543600" cy="388440"/>
           </a:xfrm>
           <a:prstGeom prst="rect">
             <a:avLst/>
@@ -19618,7 +21488,7 @@
                 <a:tab algn="l" pos="0"/>
               </a:tabLst>
             </a:pPr>
-            <a:fld id="{4F7CED67-9796-41EF-BAA1-3C9558916298}" type="slidenum">
+            <a:fld id="{A07E655D-EFE4-4EBF-9DBF-02EAE132A357}" type="slidenum">
               <a:rPr b="0" lang="en" sz="1000" strike="noStrike" u="none">
                 <a:solidFill>
                   <a:schemeClr val="dk2"/>
@@ -19641,7 +21511,7 @@
       </p:sp>
       <p:sp>
         <p:nvSpPr>
-          <p:cNvPr id="165" name="PlaceHolder 3"/>
+          <p:cNvPr id="184" name="PlaceHolder 3"/>
           <p:cNvSpPr>
             <a:spLocks noGrp="1"/>
           </p:cNvSpPr>
@@ -19652,7 +21522,7 @@
         <p:spPr>
           <a:xfrm>
             <a:off x="343080" y="606600"/>
-            <a:ext cx="8388000" cy="4329000"/>
+            <a:ext cx="8387640" cy="4328640"/>
           </a:xfrm>
           <a:prstGeom prst="rect">
             <a:avLst/>
@@ -19944,7 +21814,7 @@
       </p:grpSpPr>
       <p:sp>
         <p:nvSpPr>
-          <p:cNvPr id="166" name="PlaceHolder 1"/>
+          <p:cNvPr id="185" name="PlaceHolder 1"/>
           <p:cNvSpPr>
             <a:spLocks noGrp="1"/>
           </p:cNvSpPr>
@@ -19955,7 +21825,7 @@
         <p:spPr>
           <a:xfrm>
             <a:off x="1487160" y="171360"/>
-            <a:ext cx="6162840" cy="918360"/>
+            <a:ext cx="6162480" cy="918000"/>
           </a:xfrm>
           <a:prstGeom prst="rect">
             <a:avLst/>
@@ -20002,7 +21872,7 @@
       </p:sp>
       <p:sp>
         <p:nvSpPr>
-          <p:cNvPr id="167" name="PlaceHolder 2"/>
+          <p:cNvPr id="186" name="PlaceHolder 2"/>
           <p:cNvSpPr>
             <a:spLocks noGrp="1"/>
           </p:cNvSpPr>
@@ -20013,7 +21883,7 @@
         <p:spPr>
           <a:xfrm>
             <a:off x="343080" y="606600"/>
-            <a:ext cx="8388000" cy="3490200"/>
+            <a:ext cx="8387640" cy="3489840"/>
           </a:xfrm>
           <a:prstGeom prst="rect">
             <a:avLst/>
@@ -20196,14 +22066,14 @@
       </p:sp>
       <p:cxnSp>
         <p:nvCxnSpPr>
-          <p:cNvPr id="168" name="Google Shape;140;p21"/>
+          <p:cNvPr id="187" name="Google Shape;140;p21"/>
           <p:cNvCxnSpPr/>
           <p:nvPr/>
         </p:nvCxnSpPr>
         <p:spPr>
           <a:xfrm>
             <a:off x="204480" y="721440"/>
-            <a:ext cx="8739720" cy="5040"/>
+            <a:ext cx="8740080" cy="5400"/>
           </a:xfrm>
           <a:prstGeom prst="straightConnector1">
             <a:avLst/>
@@ -20218,18 +22088,18 @@
       </p:cxnSp>
       <p:sp>
         <p:nvSpPr>
-          <p:cNvPr id="169" name="PlaceHolder 3"/>
+          <p:cNvPr id="188" name="PlaceHolder 3"/>
           <p:cNvSpPr>
             <a:spLocks noGrp="1"/>
           </p:cNvSpPr>
           <p:nvPr>
-            <p:ph type="sldNum" idx="41"/>
+            <p:ph type="sldNum" idx="45"/>
           </p:nvPr>
         </p:nvSpPr>
         <p:spPr>
           <a:xfrm>
             <a:off x="8472600" y="4633560"/>
-            <a:ext cx="543960" cy="388800"/>
+            <a:ext cx="543600" cy="388440"/>
           </a:xfrm>
           <a:prstGeom prst="rect">
             <a:avLst/>
@@ -20272,7 +22142,7 @@
                 <a:tab algn="l" pos="0"/>
               </a:tabLst>
             </a:pPr>
-            <a:fld id="{667334B3-2D9B-4E01-B7AD-5A6FD0AA6CC5}" type="slidenum">
+            <a:fld id="{8AB8D614-253A-447C-AD65-BF195C2B8F93}" type="slidenum">
               <a:rPr b="0" lang="en" sz="1000" strike="noStrike" u="none">
                 <a:solidFill>
                   <a:schemeClr val="dk2"/>
@@ -20325,7 +22195,7 @@
       </p:grpSpPr>
       <p:sp>
         <p:nvSpPr>
-          <p:cNvPr id="170" name="PlaceHolder 1"/>
+          <p:cNvPr id="189" name="PlaceHolder 1"/>
           <p:cNvSpPr>
             <a:spLocks noGrp="1"/>
           </p:cNvSpPr>
@@ -20336,7 +22206,7 @@
         <p:spPr>
           <a:xfrm>
             <a:off x="1487160" y="171360"/>
-            <a:ext cx="6162840" cy="918360"/>
+            <a:ext cx="6162480" cy="918000"/>
           </a:xfrm>
           <a:prstGeom prst="rect">
             <a:avLst/>
@@ -20383,7 +22253,7 @@
       </p:sp>
       <p:sp>
         <p:nvSpPr>
-          <p:cNvPr id="171" name="PlaceHolder 2"/>
+          <p:cNvPr id="190" name="PlaceHolder 2"/>
           <p:cNvSpPr>
             <a:spLocks noGrp="1"/>
           </p:cNvSpPr>
@@ -20394,7 +22264,7 @@
         <p:spPr>
           <a:xfrm>
             <a:off x="343080" y="606600"/>
-            <a:ext cx="8388000" cy="4190400"/>
+            <a:ext cx="8387640" cy="4190040"/>
           </a:xfrm>
           <a:prstGeom prst="rect">
             <a:avLst/>
@@ -20677,14 +22547,14 @@
       </p:sp>
       <p:cxnSp>
         <p:nvCxnSpPr>
-          <p:cNvPr id="172" name="Google Shape;140;p 1"/>
+          <p:cNvPr id="191" name="Google Shape;140;p 1"/>
           <p:cNvCxnSpPr/>
           <p:nvPr/>
         </p:nvCxnSpPr>
         <p:spPr>
           <a:xfrm>
             <a:off x="204480" y="721440"/>
-            <a:ext cx="8739720" cy="5040"/>
+            <a:ext cx="8740080" cy="5400"/>
           </a:xfrm>
           <a:prstGeom prst="straightConnector1">
             <a:avLst/>
@@ -20699,18 +22569,18 @@
       </p:cxnSp>
       <p:sp>
         <p:nvSpPr>
-          <p:cNvPr id="173" name="PlaceHolder 3"/>
+          <p:cNvPr id="192" name="PlaceHolder 3"/>
           <p:cNvSpPr>
             <a:spLocks noGrp="1"/>
           </p:cNvSpPr>
           <p:nvPr>
-            <p:ph type="sldNum" idx="42"/>
+            <p:ph type="sldNum" idx="46"/>
           </p:nvPr>
         </p:nvSpPr>
         <p:spPr>
           <a:xfrm>
             <a:off x="8472600" y="4633560"/>
-            <a:ext cx="543960" cy="388800"/>
+            <a:ext cx="543600" cy="388440"/>
           </a:xfrm>
           <a:prstGeom prst="rect">
             <a:avLst/>
@@ -20753,7 +22623,7 @@
                 <a:tab algn="l" pos="0"/>
               </a:tabLst>
             </a:pPr>
-            <a:fld id="{C0F98722-7EC7-4A6F-87D3-B594900D2D45}" type="slidenum">
+            <a:fld id="{D57EC2D4-3B04-4C32-9903-5F8F63AD9A34}" type="slidenum">
               <a:rPr b="0" lang="en" sz="1000" strike="noStrike" u="none">
                 <a:solidFill>
                   <a:schemeClr val="dk2"/>
@@ -20776,7 +22646,7 @@
       </p:sp>
       <p:graphicFrame>
         <p:nvGraphicFramePr>
-          <p:cNvPr id="174" name=""/>
+          <p:cNvPr id="193" name=""/>
           <p:cNvGraphicFramePr/>
           <p:nvPr/>
         </p:nvGraphicFramePr>
@@ -21517,14 +23387,14 @@
       </p:graphicFrame>
       <p:sp>
         <p:nvSpPr>
-          <p:cNvPr id="175" name=""/>
+          <p:cNvPr id="194" name=""/>
           <p:cNvSpPr/>
           <p:nvPr/>
         </p:nvSpPr>
         <p:spPr>
           <a:xfrm>
             <a:off x="1480680" y="2561400"/>
-            <a:ext cx="1824840" cy="757440"/>
+            <a:ext cx="1824480" cy="757080"/>
           </a:xfrm>
           <a:prstGeom prst="rect">
             <a:avLst/>
@@ -21596,7 +23466,7 @@
       </p:grpSpPr>
       <p:sp>
         <p:nvSpPr>
-          <p:cNvPr id="176" name="PlaceHolder 1"/>
+          <p:cNvPr id="195" name="PlaceHolder 1"/>
           <p:cNvSpPr>
             <a:spLocks noGrp="1"/>
           </p:cNvSpPr>
@@ -21607,7 +23477,7 @@
         <p:spPr>
           <a:xfrm>
             <a:off x="1487160" y="171360"/>
-            <a:ext cx="6162840" cy="918360"/>
+            <a:ext cx="6162480" cy="918000"/>
           </a:xfrm>
           <a:prstGeom prst="rect">
             <a:avLst/>
@@ -21654,14 +23524,14 @@
       </p:sp>
       <p:cxnSp>
         <p:nvCxnSpPr>
-          <p:cNvPr id="177" name="Google Shape;140;p 3"/>
+          <p:cNvPr id="196" name="Google Shape;140;p 3"/>
           <p:cNvCxnSpPr/>
           <p:nvPr/>
         </p:nvCxnSpPr>
         <p:spPr>
           <a:xfrm>
             <a:off x="204480" y="721440"/>
-            <a:ext cx="8739720" cy="5040"/>
+            <a:ext cx="8740080" cy="5400"/>
           </a:xfrm>
           <a:prstGeom prst="straightConnector1">
             <a:avLst/>
@@ -21676,18 +23546,18 @@
       </p:cxnSp>
       <p:sp>
         <p:nvSpPr>
-          <p:cNvPr id="178" name="PlaceHolder 2"/>
+          <p:cNvPr id="197" name="PlaceHolder 2"/>
           <p:cNvSpPr>
             <a:spLocks noGrp="1"/>
           </p:cNvSpPr>
           <p:nvPr>
-            <p:ph type="sldNum" idx="43"/>
+            <p:ph type="sldNum" idx="47"/>
           </p:nvPr>
         </p:nvSpPr>
         <p:spPr>
           <a:xfrm>
             <a:off x="8472600" y="4633560"/>
-            <a:ext cx="543960" cy="388800"/>
+            <a:ext cx="543600" cy="388440"/>
           </a:xfrm>
           <a:prstGeom prst="rect">
             <a:avLst/>
@@ -21730,7 +23600,7 @@
                 <a:tab algn="l" pos="0"/>
               </a:tabLst>
             </a:pPr>
-            <a:fld id="{EC2BB331-EEF2-4349-8F0B-DB3ED05E8F38}" type="slidenum">
+            <a:fld id="{A2B762A8-27B0-4756-9705-9D187701BB8F}" type="slidenum">
               <a:rPr b="0" lang="en" sz="1000" strike="noStrike" u="none">
                 <a:solidFill>
                   <a:schemeClr val="dk2"/>
@@ -21753,14 +23623,14 @@
       </p:sp>
       <p:sp>
         <p:nvSpPr>
-          <p:cNvPr id="179" name=""/>
+          <p:cNvPr id="198" name=""/>
           <p:cNvSpPr/>
           <p:nvPr/>
         </p:nvSpPr>
         <p:spPr>
           <a:xfrm>
             <a:off x="613800" y="1636200"/>
-            <a:ext cx="2008800" cy="1521360"/>
+            <a:ext cx="2008440" cy="1521000"/>
           </a:xfrm>
           <a:prstGeom prst="roundRect">
             <a:avLst>
@@ -21815,14 +23685,14 @@
       </p:sp>
       <p:sp>
         <p:nvSpPr>
-          <p:cNvPr id="180" name=""/>
+          <p:cNvPr id="199" name=""/>
           <p:cNvSpPr/>
           <p:nvPr/>
         </p:nvSpPr>
         <p:spPr>
           <a:xfrm>
             <a:off x="613800" y="3231720"/>
-            <a:ext cx="2008800" cy="1521360"/>
+            <a:ext cx="2008440" cy="1521000"/>
           </a:xfrm>
           <a:prstGeom prst="roundRect">
             <a:avLst>
@@ -21877,14 +23747,14 @@
       </p:sp>
       <p:sp>
         <p:nvSpPr>
-          <p:cNvPr id="181" name=""/>
+          <p:cNvPr id="200" name=""/>
           <p:cNvSpPr/>
           <p:nvPr/>
         </p:nvSpPr>
         <p:spPr>
           <a:xfrm>
             <a:off x="2625480" y="1645200"/>
-            <a:ext cx="1643040" cy="759240"/>
+            <a:ext cx="1642680" cy="758880"/>
           </a:xfrm>
           <a:prstGeom prst="roundRect">
             <a:avLst>
@@ -21939,14 +23809,14 @@
       </p:sp>
       <p:sp>
         <p:nvSpPr>
-          <p:cNvPr id="182" name=""/>
+          <p:cNvPr id="201" name=""/>
           <p:cNvSpPr/>
           <p:nvPr/>
         </p:nvSpPr>
         <p:spPr>
           <a:xfrm>
             <a:off x="2625480" y="2395440"/>
-            <a:ext cx="1643040" cy="759240"/>
+            <a:ext cx="1642680" cy="758880"/>
           </a:xfrm>
           <a:prstGeom prst="roundRect">
             <a:avLst>
@@ -22001,14 +23871,14 @@
       </p:sp>
       <p:sp>
         <p:nvSpPr>
-          <p:cNvPr id="183" name=""/>
+          <p:cNvPr id="202" name=""/>
           <p:cNvSpPr/>
           <p:nvPr/>
         </p:nvSpPr>
         <p:spPr>
           <a:xfrm>
             <a:off x="2625840" y="3229200"/>
-            <a:ext cx="1643040" cy="759240"/>
+            <a:ext cx="1642680" cy="758880"/>
           </a:xfrm>
           <a:prstGeom prst="roundRect">
             <a:avLst>
@@ -22063,14 +23933,14 @@
       </p:sp>
       <p:sp>
         <p:nvSpPr>
-          <p:cNvPr id="184" name=""/>
+          <p:cNvPr id="203" name=""/>
           <p:cNvSpPr/>
           <p:nvPr/>
         </p:nvSpPr>
         <p:spPr>
           <a:xfrm>
             <a:off x="2625840" y="3979440"/>
-            <a:ext cx="1643040" cy="759240"/>
+            <a:ext cx="1642680" cy="758880"/>
           </a:xfrm>
           <a:prstGeom prst="roundRect">
             <a:avLst>
@@ -22125,14 +23995,14 @@
       </p:sp>
       <p:sp>
         <p:nvSpPr>
-          <p:cNvPr id="185" name=""/>
+          <p:cNvPr id="204" name=""/>
           <p:cNvSpPr/>
           <p:nvPr/>
         </p:nvSpPr>
         <p:spPr>
           <a:xfrm>
             <a:off x="4262400" y="1182960"/>
-            <a:ext cx="1368720" cy="454320"/>
+            <a:ext cx="1368360" cy="453960"/>
           </a:xfrm>
           <a:prstGeom prst="roundRect">
             <a:avLst>
@@ -22196,14 +24066,14 @@
       </p:sp>
       <p:sp>
         <p:nvSpPr>
-          <p:cNvPr id="186" name=""/>
+          <p:cNvPr id="205" name=""/>
           <p:cNvSpPr/>
           <p:nvPr/>
         </p:nvSpPr>
         <p:spPr>
           <a:xfrm>
             <a:off x="5630760" y="1183320"/>
-            <a:ext cx="1368720" cy="454320"/>
+            <a:ext cx="1368360" cy="453960"/>
           </a:xfrm>
           <a:prstGeom prst="roundRect">
             <a:avLst>
@@ -22267,14 +24137,14 @@
       </p:sp>
       <p:sp>
         <p:nvSpPr>
-          <p:cNvPr id="187" name=""/>
+          <p:cNvPr id="206" name=""/>
           <p:cNvSpPr/>
           <p:nvPr/>
         </p:nvSpPr>
         <p:spPr>
           <a:xfrm>
             <a:off x="6999120" y="1183680"/>
-            <a:ext cx="1368720" cy="454320"/>
+            <a:ext cx="1368360" cy="453960"/>
           </a:xfrm>
           <a:prstGeom prst="roundRect">
             <a:avLst>
@@ -22328,14 +24198,14 @@
       </p:sp>
       <p:sp>
         <p:nvSpPr>
-          <p:cNvPr id="188" name=""/>
+          <p:cNvPr id="207" name=""/>
           <p:cNvSpPr/>
           <p:nvPr/>
         </p:nvSpPr>
         <p:spPr>
           <a:xfrm>
             <a:off x="4262760" y="1641960"/>
-            <a:ext cx="1377360" cy="756000"/>
+            <a:ext cx="1377000" cy="755640"/>
           </a:xfrm>
           <a:prstGeom prst="roundRect">
             <a:avLst>
@@ -22390,14 +24260,14 @@
       </p:sp>
       <p:sp>
         <p:nvSpPr>
-          <p:cNvPr id="189" name=""/>
+          <p:cNvPr id="208" name=""/>
           <p:cNvSpPr/>
           <p:nvPr/>
         </p:nvSpPr>
         <p:spPr>
           <a:xfrm>
             <a:off x="5631120" y="1642320"/>
-            <a:ext cx="1377360" cy="756000"/>
+            <a:ext cx="1377000" cy="755640"/>
           </a:xfrm>
           <a:prstGeom prst="roundRect">
             <a:avLst>
@@ -22452,14 +24322,14 @@
       </p:sp>
       <p:sp>
         <p:nvSpPr>
-          <p:cNvPr id="190" name=""/>
+          <p:cNvPr id="209" name=""/>
           <p:cNvSpPr/>
           <p:nvPr/>
         </p:nvSpPr>
         <p:spPr>
           <a:xfrm>
             <a:off x="6999480" y="1642680"/>
-            <a:ext cx="1377360" cy="756000"/>
+            <a:ext cx="1377000" cy="755640"/>
           </a:xfrm>
           <a:prstGeom prst="roundRect">
             <a:avLst>
@@ -22514,14 +24384,14 @@
       </p:sp>
       <p:sp>
         <p:nvSpPr>
-          <p:cNvPr id="191" name=""/>
+          <p:cNvPr id="210" name=""/>
           <p:cNvSpPr/>
           <p:nvPr/>
         </p:nvSpPr>
         <p:spPr>
           <a:xfrm>
             <a:off x="4263120" y="2398320"/>
-            <a:ext cx="1377360" cy="756000"/>
+            <a:ext cx="1377000" cy="755640"/>
           </a:xfrm>
           <a:prstGeom prst="roundRect">
             <a:avLst>
@@ -22576,14 +24446,14 @@
       </p:sp>
       <p:sp>
         <p:nvSpPr>
-          <p:cNvPr id="192" name=""/>
+          <p:cNvPr id="211" name=""/>
           <p:cNvSpPr/>
           <p:nvPr/>
         </p:nvSpPr>
         <p:spPr>
           <a:xfrm>
             <a:off x="5631480" y="2398680"/>
-            <a:ext cx="1377360" cy="756000"/>
+            <a:ext cx="1377000" cy="755640"/>
           </a:xfrm>
           <a:prstGeom prst="roundRect">
             <a:avLst>
@@ -22638,14 +24508,14 @@
       </p:sp>
       <p:sp>
         <p:nvSpPr>
-          <p:cNvPr id="193" name=""/>
+          <p:cNvPr id="212" name=""/>
           <p:cNvSpPr/>
           <p:nvPr/>
         </p:nvSpPr>
         <p:spPr>
           <a:xfrm>
             <a:off x="6999840" y="2399040"/>
-            <a:ext cx="1377360" cy="756000"/>
+            <a:ext cx="1377000" cy="755640"/>
           </a:xfrm>
           <a:prstGeom prst="roundRect">
             <a:avLst>
@@ -22700,14 +24570,14 @@
       </p:sp>
       <p:sp>
         <p:nvSpPr>
-          <p:cNvPr id="194" name=""/>
+          <p:cNvPr id="213" name=""/>
           <p:cNvSpPr/>
           <p:nvPr/>
         </p:nvSpPr>
         <p:spPr>
           <a:xfrm>
             <a:off x="4263120" y="3226320"/>
-            <a:ext cx="1377360" cy="756000"/>
+            <a:ext cx="1377000" cy="755640"/>
           </a:xfrm>
           <a:prstGeom prst="roundRect">
             <a:avLst>
@@ -22762,14 +24632,14 @@
       </p:sp>
       <p:sp>
         <p:nvSpPr>
-          <p:cNvPr id="195" name=""/>
+          <p:cNvPr id="214" name=""/>
           <p:cNvSpPr/>
           <p:nvPr/>
         </p:nvSpPr>
         <p:spPr>
           <a:xfrm>
             <a:off x="5631480" y="3226680"/>
-            <a:ext cx="1377360" cy="756000"/>
+            <a:ext cx="1377000" cy="755640"/>
           </a:xfrm>
           <a:prstGeom prst="roundRect">
             <a:avLst>
@@ -22824,14 +24694,14 @@
       </p:sp>
       <p:sp>
         <p:nvSpPr>
-          <p:cNvPr id="196" name=""/>
+          <p:cNvPr id="215" name=""/>
           <p:cNvSpPr/>
           <p:nvPr/>
         </p:nvSpPr>
         <p:spPr>
           <a:xfrm>
             <a:off x="6999840" y="3227040"/>
-            <a:ext cx="1377360" cy="756000"/>
+            <a:ext cx="1377000" cy="755640"/>
           </a:xfrm>
           <a:prstGeom prst="roundRect">
             <a:avLst>
@@ -22886,14 +24756,14 @@
       </p:sp>
       <p:sp>
         <p:nvSpPr>
-          <p:cNvPr id="197" name=""/>
+          <p:cNvPr id="216" name=""/>
           <p:cNvSpPr/>
           <p:nvPr/>
         </p:nvSpPr>
         <p:spPr>
           <a:xfrm>
             <a:off x="4263480" y="3982680"/>
-            <a:ext cx="1377360" cy="756000"/>
+            <a:ext cx="1377000" cy="755640"/>
           </a:xfrm>
           <a:prstGeom prst="roundRect">
             <a:avLst>
@@ -22948,14 +24818,14 @@
       </p:sp>
       <p:sp>
         <p:nvSpPr>
-          <p:cNvPr id="198" name=""/>
+          <p:cNvPr id="217" name=""/>
           <p:cNvSpPr/>
           <p:nvPr/>
         </p:nvSpPr>
         <p:spPr>
           <a:xfrm>
             <a:off x="5631840" y="3983040"/>
-            <a:ext cx="1377360" cy="756000"/>
+            <a:ext cx="1377000" cy="755640"/>
           </a:xfrm>
           <a:prstGeom prst="roundRect">
             <a:avLst>
@@ -23010,14 +24880,14 @@
       </p:sp>
       <p:sp>
         <p:nvSpPr>
-          <p:cNvPr id="199" name=""/>
+          <p:cNvPr id="218" name=""/>
           <p:cNvSpPr/>
           <p:nvPr/>
         </p:nvSpPr>
         <p:spPr>
           <a:xfrm>
             <a:off x="7000200" y="3983400"/>
-            <a:ext cx="1377360" cy="756000"/>
+            <a:ext cx="1377000" cy="755640"/>
           </a:xfrm>
           <a:prstGeom prst="roundRect">
             <a:avLst>
@@ -23072,14 +24942,14 @@
       </p:sp>
       <p:sp>
         <p:nvSpPr>
-          <p:cNvPr id="200" name=""/>
+          <p:cNvPr id="219" name=""/>
           <p:cNvSpPr/>
           <p:nvPr/>
         </p:nvSpPr>
         <p:spPr>
           <a:xfrm>
             <a:off x="2642760" y="1183320"/>
-            <a:ext cx="1624680" cy="454320"/>
+            <a:ext cx="1624320" cy="453960"/>
           </a:xfrm>
           <a:prstGeom prst="roundRect">
             <a:avLst>
@@ -23163,18 +25033,18 @@
       </p:grpSpPr>
       <p:sp>
         <p:nvSpPr>
-          <p:cNvPr id="201" name="PlaceHolder 1"/>
+          <p:cNvPr id="220" name="PlaceHolder 1"/>
           <p:cNvSpPr>
             <a:spLocks noGrp="1"/>
           </p:cNvSpPr>
           <p:nvPr>
-            <p:ph type="sldNum" idx="44"/>
+            <p:ph type="sldNum" idx="48"/>
           </p:nvPr>
         </p:nvSpPr>
         <p:spPr>
           <a:xfrm>
             <a:off x="8472600" y="4633560"/>
-            <a:ext cx="543960" cy="388800"/>
+            <a:ext cx="543600" cy="388440"/>
           </a:xfrm>
           <a:prstGeom prst="rect">
             <a:avLst/>
@@ -23217,7 +25087,7 @@
                 <a:tab algn="l" pos="0"/>
               </a:tabLst>
             </a:pPr>
-            <a:fld id="{8185BCD4-03C5-4CB0-B32B-57C00DE0DB0E}" type="slidenum">
+            <a:fld id="{D78DAB5A-4327-47B2-BEDA-CB8AC55AD385}" type="slidenum">
               <a:rPr b="0" lang="en" sz="1000" strike="noStrike" u="none">
                 <a:solidFill>
                   <a:schemeClr val="dk2"/>
@@ -23240,7 +25110,7 @@
       </p:sp>
       <p:sp>
         <p:nvSpPr>
-          <p:cNvPr id="202" name="PlaceHolder 2"/>
+          <p:cNvPr id="221" name="PlaceHolder 2"/>
           <p:cNvSpPr>
             <a:spLocks noGrp="1"/>
           </p:cNvSpPr>
@@ -23251,7 +25121,7 @@
         <p:spPr>
           <a:xfrm>
             <a:off x="1487160" y="171360"/>
-            <a:ext cx="6162840" cy="918360"/>
+            <a:ext cx="6162480" cy="918000"/>
           </a:xfrm>
           <a:prstGeom prst="rect">
             <a:avLst/>
@@ -23298,14 +25168,14 @@
       </p:sp>
       <p:cxnSp>
         <p:nvCxnSpPr>
-          <p:cNvPr id="203" name="Google Shape;106;p18"/>
+          <p:cNvPr id="222" name="Google Shape;106;p18"/>
           <p:cNvCxnSpPr/>
           <p:nvPr/>
         </p:nvCxnSpPr>
         <p:spPr>
           <a:xfrm>
             <a:off x="204480" y="721440"/>
-            <a:ext cx="8739720" cy="5040"/>
+            <a:ext cx="8740080" cy="5400"/>
           </a:xfrm>
           <a:prstGeom prst="straightConnector1">
             <a:avLst/>
@@ -23320,7 +25190,7 @@
       </p:cxnSp>
       <p:sp>
         <p:nvSpPr>
-          <p:cNvPr id="204" name="PlaceHolder 3"/>
+          <p:cNvPr id="223" name="PlaceHolder 3"/>
           <p:cNvSpPr>
             <a:spLocks noGrp="1"/>
           </p:cNvSpPr>
@@ -23331,7 +25201,7 @@
         <p:spPr>
           <a:xfrm>
             <a:off x="343080" y="829800"/>
-            <a:ext cx="8341920" cy="4195800"/>
+            <a:ext cx="8341560" cy="4195440"/>
           </a:xfrm>
           <a:prstGeom prst="rect">
             <a:avLst/>
@@ -27932,6 +29802,694 @@
 </file>
 
 <file path=ppt/theme/theme33.xml><?xml version="1.0" encoding="utf-8"?>
+<a:theme xmlns:a="http://schemas.openxmlformats.org/drawingml/2006/main" xmlns:r="http://schemas.openxmlformats.org/officeDocument/2006/relationships" name="Simple Light">
+  <a:themeElements>
+    <a:clrScheme name="Simple Light">
+      <a:dk1>
+        <a:srgbClr val="000000"/>
+      </a:dk1>
+      <a:lt1>
+        <a:srgbClr val="ffffff"/>
+      </a:lt1>
+      <a:dk2>
+        <a:srgbClr val="595959"/>
+      </a:dk2>
+      <a:lt2>
+        <a:srgbClr val="eeeeee"/>
+      </a:lt2>
+      <a:accent1>
+        <a:srgbClr val="4285f4"/>
+      </a:accent1>
+      <a:accent2>
+        <a:srgbClr val="212121"/>
+      </a:accent2>
+      <a:accent3>
+        <a:srgbClr val="78909c"/>
+      </a:accent3>
+      <a:accent4>
+        <a:srgbClr val="ffab40"/>
+      </a:accent4>
+      <a:accent5>
+        <a:srgbClr val="0097a7"/>
+      </a:accent5>
+      <a:accent6>
+        <a:srgbClr val="eeff41"/>
+      </a:accent6>
+      <a:hlink>
+        <a:srgbClr val="0097a7"/>
+      </a:hlink>
+      <a:folHlink>
+        <a:srgbClr val="0097a7"/>
+      </a:folHlink>
+    </a:clrScheme>
+    <a:fontScheme name="Office">
+      <a:majorFont>
+        <a:latin typeface="Arial" pitchFamily="0" charset="1"/>
+        <a:ea typeface=""/>
+        <a:cs typeface=""/>
+      </a:majorFont>
+      <a:minorFont>
+        <a:latin typeface="Arial" pitchFamily="0" charset="1"/>
+        <a:ea typeface=""/>
+        <a:cs typeface=""/>
+      </a:minorFont>
+    </a:fontScheme>
+    <a:fmtScheme>
+      <a:fillStyleLst>
+        <a:solidFill>
+          <a:schemeClr val="phClr"/>
+        </a:solidFill>
+        <a:gradFill>
+          <a:gsLst>
+            <a:gs pos="0">
+              <a:schemeClr val="phClr">
+                <a:tint val="50000"/>
+              </a:schemeClr>
+            </a:gs>
+            <a:gs pos="35000">
+              <a:schemeClr val="phClr">
+                <a:tint val="37000"/>
+              </a:schemeClr>
+            </a:gs>
+            <a:gs pos="100000">
+              <a:schemeClr val="phClr">
+                <a:tint val="15000"/>
+              </a:schemeClr>
+            </a:gs>
+          </a:gsLst>
+          <a:lin ang="16200000" scaled="1"/>
+          <a:tileRect l="0" t="0" r="0" b="0"/>
+        </a:gradFill>
+        <a:gradFill>
+          <a:gsLst>
+            <a:gs pos="0">
+              <a:schemeClr val="phClr">
+                <a:tint val="100000"/>
+                <a:shade val="100000"/>
+              </a:schemeClr>
+            </a:gs>
+            <a:gs pos="100000">
+              <a:schemeClr val="phClr">
+                <a:tint val="50000"/>
+                <a:shade val="100000"/>
+              </a:schemeClr>
+            </a:gs>
+          </a:gsLst>
+          <a:lin ang="16200000" scaled="0"/>
+          <a:tileRect l="0" t="0" r="0" b="0"/>
+        </a:gradFill>
+      </a:fillStyleLst>
+      <a:lnStyleLst>
+        <a:ln w="9525" cap="flat" cmpd="sng" algn="ctr">
+          <a:prstDash val="solid"/>
+        </a:ln>
+        <a:ln w="25400" cap="flat" cmpd="sng" algn="ctr">
+          <a:prstDash val="solid"/>
+        </a:ln>
+        <a:ln w="38100" cap="flat" cmpd="sng" algn="ctr">
+          <a:prstDash val="solid"/>
+        </a:ln>
+      </a:lnStyleLst>
+      <a:effectStyleLst>
+        <a:effectStyle>
+          <a:effectLst/>
+        </a:effectStyle>
+        <a:effectStyle>
+          <a:effectLst/>
+        </a:effectStyle>
+        <a:effectStyle>
+          <a:effectLst/>
+        </a:effectStyle>
+      </a:effectStyleLst>
+      <a:bgFillStyleLst>
+        <a:solidFill>
+          <a:schemeClr val="phClr"/>
+        </a:solidFill>
+        <a:gradFill>
+          <a:gsLst>
+            <a:gs pos="0">
+              <a:schemeClr val="phClr">
+                <a:tint val="40000"/>
+              </a:schemeClr>
+            </a:gs>
+            <a:gs pos="40000">
+              <a:schemeClr val="phClr">
+                <a:tint val="45000"/>
+                <a:shade val="99000"/>
+              </a:schemeClr>
+            </a:gs>
+            <a:gs pos="100000">
+              <a:schemeClr val="phClr">
+                <a:shade val="20000"/>
+              </a:schemeClr>
+            </a:gs>
+          </a:gsLst>
+          <a:path path="circle">
+            <a:fillToRect l="50000" t="-80000" r="50000" b="180000"/>
+          </a:path>
+          <a:tileRect l="0" t="0" r="0" b="0"/>
+        </a:gradFill>
+        <a:gradFill>
+          <a:gsLst>
+            <a:gs pos="0">
+              <a:schemeClr val="phClr">
+                <a:tint val="80000"/>
+              </a:schemeClr>
+            </a:gs>
+            <a:gs pos="100000">
+              <a:schemeClr val="phClr">
+                <a:shade val="30000"/>
+              </a:schemeClr>
+            </a:gs>
+          </a:gsLst>
+          <a:path path="circle">
+            <a:fillToRect l="50000" t="50000" r="50000" b="50000"/>
+          </a:path>
+          <a:tileRect l="0" t="0" r="0" b="0"/>
+        </a:gradFill>
+      </a:bgFillStyleLst>
+    </a:fmtScheme>
+  </a:themeElements>
+</a:theme>
+</file>
+
+<file path=ppt/theme/theme34.xml><?xml version="1.0" encoding="utf-8"?>
+<a:theme xmlns:a="http://schemas.openxmlformats.org/drawingml/2006/main" xmlns:r="http://schemas.openxmlformats.org/officeDocument/2006/relationships" name="Simple Light">
+  <a:themeElements>
+    <a:clrScheme name="Simple Light">
+      <a:dk1>
+        <a:srgbClr val="000000"/>
+      </a:dk1>
+      <a:lt1>
+        <a:srgbClr val="ffffff"/>
+      </a:lt1>
+      <a:dk2>
+        <a:srgbClr val="595959"/>
+      </a:dk2>
+      <a:lt2>
+        <a:srgbClr val="eeeeee"/>
+      </a:lt2>
+      <a:accent1>
+        <a:srgbClr val="4285f4"/>
+      </a:accent1>
+      <a:accent2>
+        <a:srgbClr val="212121"/>
+      </a:accent2>
+      <a:accent3>
+        <a:srgbClr val="78909c"/>
+      </a:accent3>
+      <a:accent4>
+        <a:srgbClr val="ffab40"/>
+      </a:accent4>
+      <a:accent5>
+        <a:srgbClr val="0097a7"/>
+      </a:accent5>
+      <a:accent6>
+        <a:srgbClr val="eeff41"/>
+      </a:accent6>
+      <a:hlink>
+        <a:srgbClr val="0097a7"/>
+      </a:hlink>
+      <a:folHlink>
+        <a:srgbClr val="0097a7"/>
+      </a:folHlink>
+    </a:clrScheme>
+    <a:fontScheme name="Office">
+      <a:majorFont>
+        <a:latin typeface="Arial" pitchFamily="0" charset="1"/>
+        <a:ea typeface=""/>
+        <a:cs typeface=""/>
+      </a:majorFont>
+      <a:minorFont>
+        <a:latin typeface="Arial" pitchFamily="0" charset="1"/>
+        <a:ea typeface=""/>
+        <a:cs typeface=""/>
+      </a:minorFont>
+    </a:fontScheme>
+    <a:fmtScheme>
+      <a:fillStyleLst>
+        <a:solidFill>
+          <a:schemeClr val="phClr"/>
+        </a:solidFill>
+        <a:gradFill>
+          <a:gsLst>
+            <a:gs pos="0">
+              <a:schemeClr val="phClr">
+                <a:tint val="50000"/>
+              </a:schemeClr>
+            </a:gs>
+            <a:gs pos="35000">
+              <a:schemeClr val="phClr">
+                <a:tint val="37000"/>
+              </a:schemeClr>
+            </a:gs>
+            <a:gs pos="100000">
+              <a:schemeClr val="phClr">
+                <a:tint val="15000"/>
+              </a:schemeClr>
+            </a:gs>
+          </a:gsLst>
+          <a:lin ang="16200000" scaled="1"/>
+          <a:tileRect l="0" t="0" r="0" b="0"/>
+        </a:gradFill>
+        <a:gradFill>
+          <a:gsLst>
+            <a:gs pos="0">
+              <a:schemeClr val="phClr">
+                <a:tint val="100000"/>
+                <a:shade val="100000"/>
+              </a:schemeClr>
+            </a:gs>
+            <a:gs pos="100000">
+              <a:schemeClr val="phClr">
+                <a:tint val="50000"/>
+                <a:shade val="100000"/>
+              </a:schemeClr>
+            </a:gs>
+          </a:gsLst>
+          <a:lin ang="16200000" scaled="0"/>
+          <a:tileRect l="0" t="0" r="0" b="0"/>
+        </a:gradFill>
+      </a:fillStyleLst>
+      <a:lnStyleLst>
+        <a:ln w="9525" cap="flat" cmpd="sng" algn="ctr">
+          <a:prstDash val="solid"/>
+        </a:ln>
+        <a:ln w="25400" cap="flat" cmpd="sng" algn="ctr">
+          <a:prstDash val="solid"/>
+        </a:ln>
+        <a:ln w="38100" cap="flat" cmpd="sng" algn="ctr">
+          <a:prstDash val="solid"/>
+        </a:ln>
+      </a:lnStyleLst>
+      <a:effectStyleLst>
+        <a:effectStyle>
+          <a:effectLst/>
+        </a:effectStyle>
+        <a:effectStyle>
+          <a:effectLst/>
+        </a:effectStyle>
+        <a:effectStyle>
+          <a:effectLst/>
+        </a:effectStyle>
+      </a:effectStyleLst>
+      <a:bgFillStyleLst>
+        <a:solidFill>
+          <a:schemeClr val="phClr"/>
+        </a:solidFill>
+        <a:gradFill>
+          <a:gsLst>
+            <a:gs pos="0">
+              <a:schemeClr val="phClr">
+                <a:tint val="40000"/>
+              </a:schemeClr>
+            </a:gs>
+            <a:gs pos="40000">
+              <a:schemeClr val="phClr">
+                <a:tint val="45000"/>
+                <a:shade val="99000"/>
+              </a:schemeClr>
+            </a:gs>
+            <a:gs pos="100000">
+              <a:schemeClr val="phClr">
+                <a:shade val="20000"/>
+              </a:schemeClr>
+            </a:gs>
+          </a:gsLst>
+          <a:path path="circle">
+            <a:fillToRect l="50000" t="-80000" r="50000" b="180000"/>
+          </a:path>
+          <a:tileRect l="0" t="0" r="0" b="0"/>
+        </a:gradFill>
+        <a:gradFill>
+          <a:gsLst>
+            <a:gs pos="0">
+              <a:schemeClr val="phClr">
+                <a:tint val="80000"/>
+              </a:schemeClr>
+            </a:gs>
+            <a:gs pos="100000">
+              <a:schemeClr val="phClr">
+                <a:shade val="30000"/>
+              </a:schemeClr>
+            </a:gs>
+          </a:gsLst>
+          <a:path path="circle">
+            <a:fillToRect l="50000" t="50000" r="50000" b="50000"/>
+          </a:path>
+          <a:tileRect l="0" t="0" r="0" b="0"/>
+        </a:gradFill>
+      </a:bgFillStyleLst>
+    </a:fmtScheme>
+  </a:themeElements>
+</a:theme>
+</file>
+
+<file path=ppt/theme/theme35.xml><?xml version="1.0" encoding="utf-8"?>
+<a:theme xmlns:a="http://schemas.openxmlformats.org/drawingml/2006/main" xmlns:r="http://schemas.openxmlformats.org/officeDocument/2006/relationships" name="Simple Light">
+  <a:themeElements>
+    <a:clrScheme name="Simple Light">
+      <a:dk1>
+        <a:srgbClr val="000000"/>
+      </a:dk1>
+      <a:lt1>
+        <a:srgbClr val="ffffff"/>
+      </a:lt1>
+      <a:dk2>
+        <a:srgbClr val="595959"/>
+      </a:dk2>
+      <a:lt2>
+        <a:srgbClr val="eeeeee"/>
+      </a:lt2>
+      <a:accent1>
+        <a:srgbClr val="4285f4"/>
+      </a:accent1>
+      <a:accent2>
+        <a:srgbClr val="212121"/>
+      </a:accent2>
+      <a:accent3>
+        <a:srgbClr val="78909c"/>
+      </a:accent3>
+      <a:accent4>
+        <a:srgbClr val="ffab40"/>
+      </a:accent4>
+      <a:accent5>
+        <a:srgbClr val="0097a7"/>
+      </a:accent5>
+      <a:accent6>
+        <a:srgbClr val="eeff41"/>
+      </a:accent6>
+      <a:hlink>
+        <a:srgbClr val="0097a7"/>
+      </a:hlink>
+      <a:folHlink>
+        <a:srgbClr val="0097a7"/>
+      </a:folHlink>
+    </a:clrScheme>
+    <a:fontScheme name="Office">
+      <a:majorFont>
+        <a:latin typeface="Arial" pitchFamily="0" charset="1"/>
+        <a:ea typeface=""/>
+        <a:cs typeface=""/>
+      </a:majorFont>
+      <a:minorFont>
+        <a:latin typeface="Arial" pitchFamily="0" charset="1"/>
+        <a:ea typeface=""/>
+        <a:cs typeface=""/>
+      </a:minorFont>
+    </a:fontScheme>
+    <a:fmtScheme>
+      <a:fillStyleLst>
+        <a:solidFill>
+          <a:schemeClr val="phClr"/>
+        </a:solidFill>
+        <a:gradFill>
+          <a:gsLst>
+            <a:gs pos="0">
+              <a:schemeClr val="phClr">
+                <a:tint val="50000"/>
+              </a:schemeClr>
+            </a:gs>
+            <a:gs pos="35000">
+              <a:schemeClr val="phClr">
+                <a:tint val="37000"/>
+              </a:schemeClr>
+            </a:gs>
+            <a:gs pos="100000">
+              <a:schemeClr val="phClr">
+                <a:tint val="15000"/>
+              </a:schemeClr>
+            </a:gs>
+          </a:gsLst>
+          <a:lin ang="16200000" scaled="1"/>
+          <a:tileRect l="0" t="0" r="0" b="0"/>
+        </a:gradFill>
+        <a:gradFill>
+          <a:gsLst>
+            <a:gs pos="0">
+              <a:schemeClr val="phClr">
+                <a:tint val="100000"/>
+                <a:shade val="100000"/>
+              </a:schemeClr>
+            </a:gs>
+            <a:gs pos="100000">
+              <a:schemeClr val="phClr">
+                <a:tint val="50000"/>
+                <a:shade val="100000"/>
+              </a:schemeClr>
+            </a:gs>
+          </a:gsLst>
+          <a:lin ang="16200000" scaled="0"/>
+          <a:tileRect l="0" t="0" r="0" b="0"/>
+        </a:gradFill>
+      </a:fillStyleLst>
+      <a:lnStyleLst>
+        <a:ln w="9525" cap="flat" cmpd="sng" algn="ctr">
+          <a:prstDash val="solid"/>
+        </a:ln>
+        <a:ln w="25400" cap="flat" cmpd="sng" algn="ctr">
+          <a:prstDash val="solid"/>
+        </a:ln>
+        <a:ln w="38100" cap="flat" cmpd="sng" algn="ctr">
+          <a:prstDash val="solid"/>
+        </a:ln>
+      </a:lnStyleLst>
+      <a:effectStyleLst>
+        <a:effectStyle>
+          <a:effectLst/>
+        </a:effectStyle>
+        <a:effectStyle>
+          <a:effectLst/>
+        </a:effectStyle>
+        <a:effectStyle>
+          <a:effectLst/>
+        </a:effectStyle>
+      </a:effectStyleLst>
+      <a:bgFillStyleLst>
+        <a:solidFill>
+          <a:schemeClr val="phClr"/>
+        </a:solidFill>
+        <a:gradFill>
+          <a:gsLst>
+            <a:gs pos="0">
+              <a:schemeClr val="phClr">
+                <a:tint val="40000"/>
+              </a:schemeClr>
+            </a:gs>
+            <a:gs pos="40000">
+              <a:schemeClr val="phClr">
+                <a:tint val="45000"/>
+                <a:shade val="99000"/>
+              </a:schemeClr>
+            </a:gs>
+            <a:gs pos="100000">
+              <a:schemeClr val="phClr">
+                <a:shade val="20000"/>
+              </a:schemeClr>
+            </a:gs>
+          </a:gsLst>
+          <a:path path="circle">
+            <a:fillToRect l="50000" t="-80000" r="50000" b="180000"/>
+          </a:path>
+          <a:tileRect l="0" t="0" r="0" b="0"/>
+        </a:gradFill>
+        <a:gradFill>
+          <a:gsLst>
+            <a:gs pos="0">
+              <a:schemeClr val="phClr">
+                <a:tint val="80000"/>
+              </a:schemeClr>
+            </a:gs>
+            <a:gs pos="100000">
+              <a:schemeClr val="phClr">
+                <a:shade val="30000"/>
+              </a:schemeClr>
+            </a:gs>
+          </a:gsLst>
+          <a:path path="circle">
+            <a:fillToRect l="50000" t="50000" r="50000" b="50000"/>
+          </a:path>
+          <a:tileRect l="0" t="0" r="0" b="0"/>
+        </a:gradFill>
+      </a:bgFillStyleLst>
+    </a:fmtScheme>
+  </a:themeElements>
+</a:theme>
+</file>
+
+<file path=ppt/theme/theme36.xml><?xml version="1.0" encoding="utf-8"?>
+<a:theme xmlns:a="http://schemas.openxmlformats.org/drawingml/2006/main" xmlns:r="http://schemas.openxmlformats.org/officeDocument/2006/relationships" name="Simple Light">
+  <a:themeElements>
+    <a:clrScheme name="Simple Light">
+      <a:dk1>
+        <a:srgbClr val="000000"/>
+      </a:dk1>
+      <a:lt1>
+        <a:srgbClr val="ffffff"/>
+      </a:lt1>
+      <a:dk2>
+        <a:srgbClr val="595959"/>
+      </a:dk2>
+      <a:lt2>
+        <a:srgbClr val="eeeeee"/>
+      </a:lt2>
+      <a:accent1>
+        <a:srgbClr val="4285f4"/>
+      </a:accent1>
+      <a:accent2>
+        <a:srgbClr val="212121"/>
+      </a:accent2>
+      <a:accent3>
+        <a:srgbClr val="78909c"/>
+      </a:accent3>
+      <a:accent4>
+        <a:srgbClr val="ffab40"/>
+      </a:accent4>
+      <a:accent5>
+        <a:srgbClr val="0097a7"/>
+      </a:accent5>
+      <a:accent6>
+        <a:srgbClr val="eeff41"/>
+      </a:accent6>
+      <a:hlink>
+        <a:srgbClr val="0097a7"/>
+      </a:hlink>
+      <a:folHlink>
+        <a:srgbClr val="0097a7"/>
+      </a:folHlink>
+    </a:clrScheme>
+    <a:fontScheme name="Office">
+      <a:majorFont>
+        <a:latin typeface="Arial" pitchFamily="0" charset="1"/>
+        <a:ea typeface=""/>
+        <a:cs typeface=""/>
+      </a:majorFont>
+      <a:minorFont>
+        <a:latin typeface="Arial" pitchFamily="0" charset="1"/>
+        <a:ea typeface=""/>
+        <a:cs typeface=""/>
+      </a:minorFont>
+    </a:fontScheme>
+    <a:fmtScheme>
+      <a:fillStyleLst>
+        <a:solidFill>
+          <a:schemeClr val="phClr"/>
+        </a:solidFill>
+        <a:gradFill>
+          <a:gsLst>
+            <a:gs pos="0">
+              <a:schemeClr val="phClr">
+                <a:tint val="50000"/>
+              </a:schemeClr>
+            </a:gs>
+            <a:gs pos="35000">
+              <a:schemeClr val="phClr">
+                <a:tint val="37000"/>
+              </a:schemeClr>
+            </a:gs>
+            <a:gs pos="100000">
+              <a:schemeClr val="phClr">
+                <a:tint val="15000"/>
+              </a:schemeClr>
+            </a:gs>
+          </a:gsLst>
+          <a:lin ang="16200000" scaled="1"/>
+          <a:tileRect l="0" t="0" r="0" b="0"/>
+        </a:gradFill>
+        <a:gradFill>
+          <a:gsLst>
+            <a:gs pos="0">
+              <a:schemeClr val="phClr">
+                <a:tint val="100000"/>
+                <a:shade val="100000"/>
+              </a:schemeClr>
+            </a:gs>
+            <a:gs pos="100000">
+              <a:schemeClr val="phClr">
+                <a:tint val="50000"/>
+                <a:shade val="100000"/>
+              </a:schemeClr>
+            </a:gs>
+          </a:gsLst>
+          <a:lin ang="16200000" scaled="0"/>
+          <a:tileRect l="0" t="0" r="0" b="0"/>
+        </a:gradFill>
+      </a:fillStyleLst>
+      <a:lnStyleLst>
+        <a:ln w="9525" cap="flat" cmpd="sng" algn="ctr">
+          <a:prstDash val="solid"/>
+        </a:ln>
+        <a:ln w="25400" cap="flat" cmpd="sng" algn="ctr">
+          <a:prstDash val="solid"/>
+        </a:ln>
+        <a:ln w="38100" cap="flat" cmpd="sng" algn="ctr">
+          <a:prstDash val="solid"/>
+        </a:ln>
+      </a:lnStyleLst>
+      <a:effectStyleLst>
+        <a:effectStyle>
+          <a:effectLst/>
+        </a:effectStyle>
+        <a:effectStyle>
+          <a:effectLst/>
+        </a:effectStyle>
+        <a:effectStyle>
+          <a:effectLst/>
+        </a:effectStyle>
+      </a:effectStyleLst>
+      <a:bgFillStyleLst>
+        <a:solidFill>
+          <a:schemeClr val="phClr"/>
+        </a:solidFill>
+        <a:gradFill>
+          <a:gsLst>
+            <a:gs pos="0">
+              <a:schemeClr val="phClr">
+                <a:tint val="40000"/>
+              </a:schemeClr>
+            </a:gs>
+            <a:gs pos="40000">
+              <a:schemeClr val="phClr">
+                <a:tint val="45000"/>
+                <a:shade val="99000"/>
+              </a:schemeClr>
+            </a:gs>
+            <a:gs pos="100000">
+              <a:schemeClr val="phClr">
+                <a:shade val="20000"/>
+              </a:schemeClr>
+            </a:gs>
+          </a:gsLst>
+          <a:path path="circle">
+            <a:fillToRect l="50000" t="-80000" r="50000" b="180000"/>
+          </a:path>
+          <a:tileRect l="0" t="0" r="0" b="0"/>
+        </a:gradFill>
+        <a:gradFill>
+          <a:gsLst>
+            <a:gs pos="0">
+              <a:schemeClr val="phClr">
+                <a:tint val="80000"/>
+              </a:schemeClr>
+            </a:gs>
+            <a:gs pos="100000">
+              <a:schemeClr val="phClr">
+                <a:shade val="30000"/>
+              </a:schemeClr>
+            </a:gs>
+          </a:gsLst>
+          <a:path path="circle">
+            <a:fillToRect l="50000" t="50000" r="50000" b="50000"/>
+          </a:path>
+          <a:tileRect l="0" t="0" r="0" b="0"/>
+        </a:gradFill>
+      </a:bgFillStyleLst>
+    </a:fmtScheme>
+  </a:themeElements>
+</a:theme>
+</file>
+
+<file path=ppt/theme/theme37.xml><?xml version="1.0" encoding="utf-8"?>
 <a:theme xmlns:a="http://schemas.openxmlformats.org/drawingml/2006/main" xmlns:r="http://schemas.openxmlformats.org/officeDocument/2006/relationships" name="Office Theme">
   <a:themeElements>
     <a:clrScheme name="LibreOffice">

--- a/presentations/update.pptx
+++ b/presentations/update.pptx
@@ -389,7 +389,7 @@
             <a:pPr indent="0" algn="r">
               <a:buNone/>
             </a:pPr>
-            <a:fld id="{45753801-73EE-4DA1-8E3A-19E7328E0470}" type="slidenum">
+            <a:fld id="{8B1709E1-13E8-4892-A91B-6C90EC340142}" type="slidenum">
               <a:rPr b="0" lang="en-US" sz="1400" spc="-1" strike="noStrike">
                 <a:solidFill>
                   <a:srgbClr val="000000"/>
@@ -443,7 +443,7 @@
         <p:spPr>
           <a:xfrm>
             <a:off x="685080" y="1143000"/>
-            <a:ext cx="5475600" cy="3074040"/>
+            <a:ext cx="5475240" cy="3073680"/>
           </a:xfrm>
           <a:prstGeom prst="rect">
             <a:avLst/>
@@ -466,7 +466,7 @@
         <p:spPr>
           <a:xfrm>
             <a:off x="685800" y="4400640"/>
-            <a:ext cx="5474160" cy="3588120"/>
+            <a:ext cx="5473800" cy="3587760"/>
           </a:xfrm>
           <a:prstGeom prst="rect">
             <a:avLst/>
@@ -506,7 +506,7 @@
         <p:spPr>
           <a:xfrm>
             <a:off x="3884760" y="8685360"/>
-            <a:ext cx="2959560" cy="446400"/>
+            <a:ext cx="2959200" cy="446040"/>
           </a:xfrm>
           <a:prstGeom prst="rect">
             <a:avLst/>
@@ -548,7 +548,7 @@
                 <a:tab algn="l" pos="0"/>
               </a:tabLst>
             </a:pPr>
-            <a:fld id="{A17DB400-E9A5-4A4A-920F-841F59AB1F58}" type="slidenum">
+            <a:fld id="{3B4990F2-C3F7-4A80-B0F7-D09CD353380A}" type="slidenum">
               <a:rPr b="0" lang="en" sz="1200" spc="-1" strike="noStrike">
                 <a:solidFill>
                   <a:srgbClr val="000000"/>
@@ -602,7 +602,7 @@
         <p:spPr>
           <a:xfrm>
             <a:off x="685080" y="1143000"/>
-            <a:ext cx="5475600" cy="3074040"/>
+            <a:ext cx="5475240" cy="3073680"/>
           </a:xfrm>
           <a:prstGeom prst="rect">
             <a:avLst/>
@@ -625,7 +625,7 @@
         <p:spPr>
           <a:xfrm>
             <a:off x="685800" y="4400640"/>
-            <a:ext cx="5474160" cy="3588120"/>
+            <a:ext cx="5473800" cy="3587760"/>
           </a:xfrm>
           <a:prstGeom prst="rect">
             <a:avLst/>
@@ -665,7 +665,7 @@
         <p:spPr>
           <a:xfrm>
             <a:off x="3884760" y="8685360"/>
-            <a:ext cx="2959560" cy="446400"/>
+            <a:ext cx="2959200" cy="446040"/>
           </a:xfrm>
           <a:prstGeom prst="rect">
             <a:avLst/>
@@ -707,7 +707,7 @@
                 <a:tab algn="l" pos="0"/>
               </a:tabLst>
             </a:pPr>
-            <a:fld id="{3D28383D-C2C2-4B83-A279-75947042B16C}" type="slidenum">
+            <a:fld id="{CFCC69E7-93CB-43FA-A930-7F2A09CB7314}" type="slidenum">
               <a:rPr b="0" lang="en" sz="1200" spc="-1" strike="noStrike">
                 <a:solidFill>
                   <a:srgbClr val="000000"/>
@@ -761,7 +761,7 @@
         <p:spPr>
           <a:xfrm>
             <a:off x="685080" y="1143000"/>
-            <a:ext cx="5475600" cy="3074040"/>
+            <a:ext cx="5475240" cy="3073680"/>
           </a:xfrm>
           <a:prstGeom prst="rect">
             <a:avLst/>
@@ -784,7 +784,7 @@
         <p:spPr>
           <a:xfrm>
             <a:off x="685800" y="4400640"/>
-            <a:ext cx="5474160" cy="3588120"/>
+            <a:ext cx="5473800" cy="3587760"/>
           </a:xfrm>
           <a:prstGeom prst="rect">
             <a:avLst/>
@@ -824,7 +824,7 @@
         <p:spPr>
           <a:xfrm>
             <a:off x="3884760" y="8685360"/>
-            <a:ext cx="2959560" cy="446400"/>
+            <a:ext cx="2959200" cy="446040"/>
           </a:xfrm>
           <a:prstGeom prst="rect">
             <a:avLst/>
@@ -866,7 +866,7 @@
                 <a:tab algn="l" pos="0"/>
               </a:tabLst>
             </a:pPr>
-            <a:fld id="{BCB6D540-08B7-4C8A-AF73-98CB6298E097}" type="slidenum">
+            <a:fld id="{654403CE-029B-4A4D-9206-13F2919EA42F}" type="slidenum">
               <a:rPr b="0" lang="en" sz="1200" spc="-1" strike="noStrike">
                 <a:solidFill>
                   <a:srgbClr val="000000"/>
@@ -920,7 +920,7 @@
         <p:spPr>
           <a:xfrm>
             <a:off x="685080" y="1143000"/>
-            <a:ext cx="5475600" cy="3074040"/>
+            <a:ext cx="5475240" cy="3073680"/>
           </a:xfrm>
           <a:prstGeom prst="rect">
             <a:avLst/>
@@ -943,7 +943,7 @@
         <p:spPr>
           <a:xfrm>
             <a:off x="685800" y="4400640"/>
-            <a:ext cx="5474160" cy="3588120"/>
+            <a:ext cx="5473800" cy="3587760"/>
           </a:xfrm>
           <a:prstGeom prst="rect">
             <a:avLst/>
@@ -983,7 +983,7 @@
         <p:spPr>
           <a:xfrm>
             <a:off x="3884760" y="8685360"/>
-            <a:ext cx="2959560" cy="446400"/>
+            <a:ext cx="2959200" cy="446040"/>
           </a:xfrm>
           <a:prstGeom prst="rect">
             <a:avLst/>
@@ -1025,7 +1025,7 @@
                 <a:tab algn="l" pos="0"/>
               </a:tabLst>
             </a:pPr>
-            <a:fld id="{E338EB17-52D9-4786-9F18-2C3F16DB8C17}" type="slidenum">
+            <a:fld id="{05B90F09-998C-4EF2-94E5-7CC43FD61771}" type="slidenum">
               <a:rPr b="0" lang="en" sz="1200" spc="-1" strike="noStrike">
                 <a:solidFill>
                   <a:srgbClr val="000000"/>
@@ -1079,7 +1079,7 @@
         <p:spPr>
           <a:xfrm>
             <a:off x="685080" y="1143000"/>
-            <a:ext cx="5475600" cy="3074040"/>
+            <a:ext cx="5475240" cy="3073680"/>
           </a:xfrm>
           <a:prstGeom prst="rect">
             <a:avLst/>
@@ -1102,7 +1102,7 @@
         <p:spPr>
           <a:xfrm>
             <a:off x="685800" y="4400640"/>
-            <a:ext cx="5474160" cy="3588120"/>
+            <a:ext cx="5473800" cy="3587760"/>
           </a:xfrm>
           <a:prstGeom prst="rect">
             <a:avLst/>
@@ -1142,7 +1142,7 @@
         <p:spPr>
           <a:xfrm>
             <a:off x="3884760" y="8685360"/>
-            <a:ext cx="2959560" cy="446400"/>
+            <a:ext cx="2959200" cy="446040"/>
           </a:xfrm>
           <a:prstGeom prst="rect">
             <a:avLst/>
@@ -1184,7 +1184,7 @@
                 <a:tab algn="l" pos="0"/>
               </a:tabLst>
             </a:pPr>
-            <a:fld id="{5E5BC54F-0D56-4F12-BC30-264BF4613AF6}" type="slidenum">
+            <a:fld id="{24343822-7C71-4C42-B06E-EB40A7A57B8A}" type="slidenum">
               <a:rPr b="0" lang="en" sz="1200" spc="-1" strike="noStrike">
                 <a:solidFill>
                   <a:srgbClr val="000000"/>
@@ -1238,7 +1238,7 @@
         <p:spPr>
           <a:xfrm>
             <a:off x="685080" y="1143000"/>
-            <a:ext cx="5475600" cy="3074040"/>
+            <a:ext cx="5475240" cy="3073680"/>
           </a:xfrm>
           <a:prstGeom prst="rect">
             <a:avLst/>
@@ -1261,7 +1261,7 @@
         <p:spPr>
           <a:xfrm>
             <a:off x="685800" y="4400640"/>
-            <a:ext cx="5474160" cy="3588120"/>
+            <a:ext cx="5473800" cy="3587760"/>
           </a:xfrm>
           <a:prstGeom prst="rect">
             <a:avLst/>
@@ -1301,7 +1301,7 @@
         <p:spPr>
           <a:xfrm>
             <a:off x="3884760" y="8685360"/>
-            <a:ext cx="2959560" cy="446400"/>
+            <a:ext cx="2959200" cy="446040"/>
           </a:xfrm>
           <a:prstGeom prst="rect">
             <a:avLst/>
@@ -1343,7 +1343,7 @@
                 <a:tab algn="l" pos="0"/>
               </a:tabLst>
             </a:pPr>
-            <a:fld id="{3FE21730-47C3-48BA-BB47-F7C97C8163A7}" type="slidenum">
+            <a:fld id="{266B7C42-8F44-4263-A19B-480FAB1F384B}" type="slidenum">
               <a:rPr b="0" lang="en" sz="1200" spc="-1" strike="noStrike">
                 <a:solidFill>
                   <a:srgbClr val="000000"/>
@@ -1397,7 +1397,7 @@
         <p:spPr>
           <a:xfrm>
             <a:off x="685080" y="1143000"/>
-            <a:ext cx="5475600" cy="3074040"/>
+            <a:ext cx="5475240" cy="3073680"/>
           </a:xfrm>
           <a:prstGeom prst="rect">
             <a:avLst/>
@@ -1420,7 +1420,7 @@
         <p:spPr>
           <a:xfrm>
             <a:off x="685800" y="4400640"/>
-            <a:ext cx="5474160" cy="3588120"/>
+            <a:ext cx="5473800" cy="3587760"/>
           </a:xfrm>
           <a:prstGeom prst="rect">
             <a:avLst/>
@@ -1460,7 +1460,7 @@
         <p:spPr>
           <a:xfrm>
             <a:off x="3884760" y="8685360"/>
-            <a:ext cx="2959560" cy="446400"/>
+            <a:ext cx="2959200" cy="446040"/>
           </a:xfrm>
           <a:prstGeom prst="rect">
             <a:avLst/>
@@ -1502,7 +1502,7 @@
                 <a:tab algn="l" pos="0"/>
               </a:tabLst>
             </a:pPr>
-            <a:fld id="{75C81C83-E61E-4A67-B7B8-DB89B135FE20}" type="slidenum">
+            <a:fld id="{57B150FD-89F8-4553-AA1F-673E97AAF5D2}" type="slidenum">
               <a:rPr b="0" lang="en" sz="1200" spc="-1" strike="noStrike">
                 <a:solidFill>
                   <a:srgbClr val="000000"/>
@@ -1556,7 +1556,7 @@
         <p:spPr>
           <a:xfrm>
             <a:off x="685080" y="1143000"/>
-            <a:ext cx="5475600" cy="3074040"/>
+            <a:ext cx="5475240" cy="3073680"/>
           </a:xfrm>
           <a:prstGeom prst="rect">
             <a:avLst/>
@@ -1579,7 +1579,7 @@
         <p:spPr>
           <a:xfrm>
             <a:off x="685800" y="4400640"/>
-            <a:ext cx="5474160" cy="3588120"/>
+            <a:ext cx="5473800" cy="3587760"/>
           </a:xfrm>
           <a:prstGeom prst="rect">
             <a:avLst/>
@@ -1619,7 +1619,7 @@
         <p:spPr>
           <a:xfrm>
             <a:off x="3884760" y="8685360"/>
-            <a:ext cx="2959560" cy="446400"/>
+            <a:ext cx="2959200" cy="446040"/>
           </a:xfrm>
           <a:prstGeom prst="rect">
             <a:avLst/>
@@ -1661,7 +1661,7 @@
                 <a:tab algn="l" pos="0"/>
               </a:tabLst>
             </a:pPr>
-            <a:fld id="{ED27E6A0-E98F-400D-83BC-D03A97C626CA}" type="slidenum">
+            <a:fld id="{33C071F9-2999-4648-AE5A-32AE68537EA4}" type="slidenum">
               <a:rPr b="0" lang="en" sz="1200" spc="-1" strike="noStrike">
                 <a:solidFill>
                   <a:srgbClr val="000000"/>
@@ -1715,7 +1715,7 @@
         <p:spPr>
           <a:xfrm>
             <a:off x="685080" y="1143000"/>
-            <a:ext cx="5475600" cy="3074040"/>
+            <a:ext cx="5475240" cy="3073680"/>
           </a:xfrm>
           <a:prstGeom prst="rect">
             <a:avLst/>
@@ -1738,7 +1738,7 @@
         <p:spPr>
           <a:xfrm>
             <a:off x="685800" y="4400640"/>
-            <a:ext cx="5474160" cy="3588120"/>
+            <a:ext cx="5473800" cy="3587760"/>
           </a:xfrm>
           <a:prstGeom prst="rect">
             <a:avLst/>
@@ -1778,7 +1778,7 @@
         <p:spPr>
           <a:xfrm>
             <a:off x="3884760" y="8685360"/>
-            <a:ext cx="2959560" cy="446400"/>
+            <a:ext cx="2959200" cy="446040"/>
           </a:xfrm>
           <a:prstGeom prst="rect">
             <a:avLst/>
@@ -1820,7 +1820,7 @@
                 <a:tab algn="l" pos="0"/>
               </a:tabLst>
             </a:pPr>
-            <a:fld id="{4831A450-07D8-4BAF-9914-CA01BDE6EA2A}" type="slidenum">
+            <a:fld id="{E9842531-D5DD-4ECE-9DA5-669F4BBBF197}" type="slidenum">
               <a:rPr b="0" lang="en" sz="1200" spc="-1" strike="noStrike">
                 <a:solidFill>
                   <a:srgbClr val="000000"/>
@@ -1874,7 +1874,7 @@
         <p:spPr>
           <a:xfrm>
             <a:off x="685080" y="1143000"/>
-            <a:ext cx="5475600" cy="3074040"/>
+            <a:ext cx="5475240" cy="3073680"/>
           </a:xfrm>
           <a:prstGeom prst="rect">
             <a:avLst/>
@@ -1897,7 +1897,7 @@
         <p:spPr>
           <a:xfrm>
             <a:off x="685800" y="4400640"/>
-            <a:ext cx="5474160" cy="3588120"/>
+            <a:ext cx="5473800" cy="3587760"/>
           </a:xfrm>
           <a:prstGeom prst="rect">
             <a:avLst/>
@@ -1937,7 +1937,7 @@
         <p:spPr>
           <a:xfrm>
             <a:off x="3884760" y="8685360"/>
-            <a:ext cx="2959560" cy="446400"/>
+            <a:ext cx="2959200" cy="446040"/>
           </a:xfrm>
           <a:prstGeom prst="rect">
             <a:avLst/>
@@ -1979,7 +1979,7 @@
                 <a:tab algn="l" pos="0"/>
               </a:tabLst>
             </a:pPr>
-            <a:fld id="{D1F35A60-6A5F-4CB7-BAA7-B132BA75D0E5}" type="slidenum">
+            <a:fld id="{EB82C052-C5BB-47D6-AC70-E7100F74831E}" type="slidenum">
               <a:rPr b="0" lang="en" sz="1200" spc="-1" strike="noStrike">
                 <a:solidFill>
                   <a:srgbClr val="000000"/>
@@ -2033,7 +2033,7 @@
         <p:spPr>
           <a:xfrm>
             <a:off x="685080" y="1143000"/>
-            <a:ext cx="5475600" cy="3074040"/>
+            <a:ext cx="5475240" cy="3073680"/>
           </a:xfrm>
           <a:prstGeom prst="rect">
             <a:avLst/>
@@ -2056,7 +2056,7 @@
         <p:spPr>
           <a:xfrm>
             <a:off x="685800" y="4400640"/>
-            <a:ext cx="5474160" cy="3588120"/>
+            <a:ext cx="5473800" cy="3587760"/>
           </a:xfrm>
           <a:prstGeom prst="rect">
             <a:avLst/>
@@ -2096,7 +2096,7 @@
         <p:spPr>
           <a:xfrm>
             <a:off x="3884760" y="8685360"/>
-            <a:ext cx="2959560" cy="446400"/>
+            <a:ext cx="2959200" cy="446040"/>
           </a:xfrm>
           <a:prstGeom prst="rect">
             <a:avLst/>
@@ -2138,7 +2138,7 @@
                 <a:tab algn="l" pos="0"/>
               </a:tabLst>
             </a:pPr>
-            <a:fld id="{01C40D70-606B-484B-BC40-3CCC316B9D93}" type="slidenum">
+            <a:fld id="{E42CF881-3D44-4D68-9DBE-CAB02D67BEDA}" type="slidenum">
               <a:rPr b="0" lang="en" sz="1200" spc="-1" strike="noStrike">
                 <a:solidFill>
                   <a:srgbClr val="000000"/>
@@ -2192,7 +2192,7 @@
         <p:spPr>
           <a:xfrm>
             <a:off x="685080" y="1143000"/>
-            <a:ext cx="5475600" cy="3074040"/>
+            <a:ext cx="5475240" cy="3073680"/>
           </a:xfrm>
           <a:prstGeom prst="rect">
             <a:avLst/>
@@ -2215,7 +2215,7 @@
         <p:spPr>
           <a:xfrm>
             <a:off x="685800" y="4400640"/>
-            <a:ext cx="5474160" cy="3588120"/>
+            <a:ext cx="5473800" cy="3587760"/>
           </a:xfrm>
           <a:prstGeom prst="rect">
             <a:avLst/>
@@ -2255,7 +2255,7 @@
         <p:spPr>
           <a:xfrm>
             <a:off x="3884760" y="8685360"/>
-            <a:ext cx="2959560" cy="446400"/>
+            <a:ext cx="2959200" cy="446040"/>
           </a:xfrm>
           <a:prstGeom prst="rect">
             <a:avLst/>
@@ -2297,7 +2297,7 @@
                 <a:tab algn="l" pos="0"/>
               </a:tabLst>
             </a:pPr>
-            <a:fld id="{920E727C-5FAE-403A-8A20-4A62D15EB160}" type="slidenum">
+            <a:fld id="{446C0547-8DF3-4861-B6DB-AF386CC8AC52}" type="slidenum">
               <a:rPr b="0" lang="en" sz="1200" spc="-1" strike="noStrike">
                 <a:solidFill>
                   <a:srgbClr val="000000"/>
@@ -2432,7 +2432,7 @@
         <p:txBody>
           <a:bodyPr/>
           <a:p>
-            <a:fld id="{AC9C8948-17E1-419C-A26C-8433FE4F35A2}" type="slidenum">
+            <a:fld id="{CA11DBEA-767F-4AE2-8F58-5FE200D43B9E}" type="slidenum">
               <a:t>&lt;#&gt;</a:t>
             </a:fld>
           </a:p>
@@ -2514,7 +2514,7 @@
         <p:txBody>
           <a:bodyPr/>
           <a:p>
-            <a:fld id="{C7491725-60FC-4F94-8BE2-779C4C30A5AB}" type="slidenum">
+            <a:fld id="{3E2038C7-FECD-4904-9F66-1A76260FAAD9}" type="slidenum">
               <a:t>&lt;#&gt;</a:t>
             </a:fld>
           </a:p>
@@ -2636,7 +2636,7 @@
         <p:txBody>
           <a:bodyPr/>
           <a:p>
-            <a:fld id="{C651D50D-C3D8-4AA4-8917-28451D5C36EC}" type="slidenum">
+            <a:fld id="{A0CACBA2-E4AD-4E08-A4E2-2AAA54115853}" type="slidenum">
               <a:t>&lt;#&gt;</a:t>
             </a:fld>
           </a:p>
@@ -2761,7 +2761,7 @@
         <p:txBody>
           <a:bodyPr/>
           <a:p>
-            <a:fld id="{EE90E1EA-812A-48B1-B114-514169DC5086}" type="slidenum">
+            <a:fld id="{1E2E520D-00C6-47D4-872F-FCF798A89D42}" type="slidenum">
               <a:t>&lt;#&gt;</a:t>
             </a:fld>
           </a:p>
@@ -2929,7 +2929,7 @@
         <p:txBody>
           <a:bodyPr/>
           <a:p>
-            <a:fld id="{769D38EF-6DB7-4B3B-9734-CE1B74398142}" type="slidenum">
+            <a:fld id="{951AA69A-4971-4BF8-A608-1AAB6EB413C4}" type="slidenum">
               <a:t>&lt;#&gt;</a:t>
             </a:fld>
           </a:p>
@@ -3011,7 +3011,7 @@
         <p:txBody>
           <a:bodyPr/>
           <a:p>
-            <a:fld id="{838162B9-2F55-4060-BFAE-79295F25915B}" type="slidenum">
+            <a:fld id="{14F9805D-8CFB-49B8-8CE4-BC60A37C3C69}" type="slidenum">
               <a:t>&lt;#&gt;</a:t>
             </a:fld>
           </a:p>
@@ -3133,7 +3133,7 @@
         <p:txBody>
           <a:bodyPr/>
           <a:p>
-            <a:fld id="{847ED219-3AC0-4AB9-8555-7D23FBB842BF}" type="slidenum">
+            <a:fld id="{4CF4F5A6-0A4C-4DD0-BAEB-BE6CC15DACFA}" type="slidenum">
               <a:t>&lt;#&gt;</a:t>
             </a:fld>
           </a:p>
@@ -3258,7 +3258,7 @@
         <p:txBody>
           <a:bodyPr/>
           <a:p>
-            <a:fld id="{0603F7EE-DDF6-408E-83EA-778B884B19BB}" type="slidenum">
+            <a:fld id="{1FDC0B7B-0ABF-4EDB-98C3-AABD2ADF1762}" type="slidenum">
               <a:t>&lt;#&gt;</a:t>
             </a:fld>
           </a:p>
@@ -3426,7 +3426,7 @@
         <p:txBody>
           <a:bodyPr/>
           <a:p>
-            <a:fld id="{87C87694-8052-4752-B359-DC10B2599E6A}" type="slidenum">
+            <a:fld id="{25525A9F-BF3D-4E6E-A6A5-D8AAEE7A73AC}" type="slidenum">
               <a:t>&lt;#&gt;</a:t>
             </a:fld>
           </a:p>
@@ -3508,7 +3508,7 @@
         <p:txBody>
           <a:bodyPr/>
           <a:p>
-            <a:fld id="{B4346860-67E4-4F32-B186-5626771DC489}" type="slidenum">
+            <a:fld id="{D701EE65-7D83-44F2-8EC1-0EDE8D5EE73C}" type="slidenum">
               <a:t>&lt;#&gt;</a:t>
             </a:fld>
           </a:p>
@@ -3630,7 +3630,7 @@
         <p:txBody>
           <a:bodyPr/>
           <a:p>
-            <a:fld id="{67A59FFD-1463-45FD-A3E1-D494CC95DF7A}" type="slidenum">
+            <a:fld id="{FCCE47B4-6906-4520-A809-A5BDD6A0E25A}" type="slidenum">
               <a:t>&lt;#&gt;</a:t>
             </a:fld>
           </a:p>
@@ -3672,7 +3672,7 @@
         <p:txBody>
           <a:bodyPr/>
           <a:p>
-            <a:fld id="{5BB42B1F-1680-418C-A7AC-55603003BC53}" type="slidenum">
+            <a:fld id="{082A7DFF-2BD1-4C54-B69F-9A03FD797AFC}" type="slidenum">
               <a:t>&lt;#&gt;</a:t>
             </a:fld>
           </a:p>
@@ -3797,7 +3797,7 @@
         <p:txBody>
           <a:bodyPr/>
           <a:p>
-            <a:fld id="{628AB327-B00F-4A87-BDC6-F796C8116762}" type="slidenum">
+            <a:fld id="{E748E841-A225-4578-8342-E628C1707CAA}" type="slidenum">
               <a:t>&lt;#&gt;</a:t>
             </a:fld>
           </a:p>
@@ -3965,7 +3965,7 @@
         <p:txBody>
           <a:bodyPr/>
           <a:p>
-            <a:fld id="{11DD28A4-C2B9-4CE4-97B3-8D9997B4CF6D}" type="slidenum">
+            <a:fld id="{A4F55801-20FF-4A66-A4E9-2207455E567D}" type="slidenum">
               <a:t>&lt;#&gt;</a:t>
             </a:fld>
           </a:p>
@@ -4047,7 +4047,7 @@
         <p:txBody>
           <a:bodyPr/>
           <a:p>
-            <a:fld id="{07D2388E-44BE-442A-BC10-15EF2DEC9066}" type="slidenum">
+            <a:fld id="{A02B3D3D-DE1F-470F-9598-6AE8530E26C1}" type="slidenum">
               <a:t>&lt;#&gt;</a:t>
             </a:fld>
           </a:p>
@@ -4169,7 +4169,7 @@
         <p:txBody>
           <a:bodyPr/>
           <a:p>
-            <a:fld id="{F78E3CCF-BBFB-425C-AEEB-25D717BD00FE}" type="slidenum">
+            <a:fld id="{AF1DA0BE-14FE-4825-B403-282FCB74F5D6}" type="slidenum">
               <a:t>&lt;#&gt;</a:t>
             </a:fld>
           </a:p>
@@ -4294,7 +4294,7 @@
         <p:txBody>
           <a:bodyPr/>
           <a:p>
-            <a:fld id="{5BA5B2C4-8ADE-4F03-A092-D7EF29B33CD0}" type="slidenum">
+            <a:fld id="{03DBDD5E-4FD5-4AF2-854F-6D8E3338324C}" type="slidenum">
               <a:t>&lt;#&gt;</a:t>
             </a:fld>
           </a:p>
@@ -4462,7 +4462,7 @@
         <p:txBody>
           <a:bodyPr/>
           <a:p>
-            <a:fld id="{2DEB978C-6F90-49A0-A0AB-034025EACFF1}" type="slidenum">
+            <a:fld id="{9501D28E-1535-4081-9BDA-5B125F641FAC}" type="slidenum">
               <a:t>&lt;#&gt;</a:t>
             </a:fld>
           </a:p>
@@ -4544,7 +4544,7 @@
         <p:txBody>
           <a:bodyPr/>
           <a:p>
-            <a:fld id="{E75A4952-F080-42AC-BA0D-086E21476901}" type="slidenum">
+            <a:fld id="{A3BA0FF4-E88F-4BCB-A976-F761BAA1C51F}" type="slidenum">
               <a:t>&lt;#&gt;</a:t>
             </a:fld>
           </a:p>
@@ -4666,7 +4666,7 @@
         <p:txBody>
           <a:bodyPr/>
           <a:p>
-            <a:fld id="{9D46CA73-28F5-4002-B442-B8EC0E8C7B11}" type="slidenum">
+            <a:fld id="{F4ED1D66-BC5B-4948-B714-7D6B658D0F61}" type="slidenum">
               <a:t>&lt;#&gt;</a:t>
             </a:fld>
           </a:p>
@@ -4791,7 +4791,7 @@
         <p:txBody>
           <a:bodyPr/>
           <a:p>
-            <a:fld id="{29920BFB-1938-46C3-B54E-C399302D1E01}" type="slidenum">
+            <a:fld id="{0FE5C988-F68D-4001-8C89-B695E6076D33}" type="slidenum">
               <a:t>&lt;#&gt;</a:t>
             </a:fld>
           </a:p>
@@ -4959,7 +4959,7 @@
         <p:txBody>
           <a:bodyPr/>
           <a:p>
-            <a:fld id="{C5E2EC7C-9BDF-4F12-B1F5-3E7D21474DC3}" type="slidenum">
+            <a:fld id="{17705E98-0046-47C0-96C2-11A8C8126E5B}" type="slidenum">
               <a:t>&lt;#&gt;</a:t>
             </a:fld>
           </a:p>
@@ -5081,7 +5081,7 @@
         <p:txBody>
           <a:bodyPr/>
           <a:p>
-            <a:fld id="{D2315682-B115-4183-9E60-A9737BB2062E}" type="slidenum">
+            <a:fld id="{E745F50C-9F28-4FE9-A05E-FE59DF5C13BE}" type="slidenum">
               <a:t>&lt;#&gt;</a:t>
             </a:fld>
           </a:p>
@@ -5163,7 +5163,7 @@
         <p:txBody>
           <a:bodyPr/>
           <a:p>
-            <a:fld id="{49129D76-C8DF-4C53-8FF9-65F438187DF0}" type="slidenum">
+            <a:fld id="{D00E6050-B5FB-4CD0-8CD6-8189814F6CAB}" type="slidenum">
               <a:t>&lt;#&gt;</a:t>
             </a:fld>
           </a:p>
@@ -5285,7 +5285,7 @@
         <p:txBody>
           <a:bodyPr/>
           <a:p>
-            <a:fld id="{6AB77DBB-6B8F-44CE-82DB-0CC08B71B7DC}" type="slidenum">
+            <a:fld id="{00FAF65D-8623-454B-BA9A-8E208BEA9118}" type="slidenum">
               <a:t>&lt;#&gt;</a:t>
             </a:fld>
           </a:p>
@@ -5327,7 +5327,7 @@
         <p:txBody>
           <a:bodyPr/>
           <a:p>
-            <a:fld id="{3CA742F4-104B-4B9B-9BC6-95D14A2A63E2}" type="slidenum">
+            <a:fld id="{57E122E3-63E0-41CB-ADD9-4E18A29FA256}" type="slidenum">
               <a:t>&lt;#&gt;</a:t>
             </a:fld>
           </a:p>
@@ -5369,7 +5369,7 @@
         <p:txBody>
           <a:bodyPr/>
           <a:p>
-            <a:fld id="{36BD74C8-6A27-4E65-A6FF-01D0727EE279}" type="slidenum">
+            <a:fld id="{9D496CD7-59CF-4990-BED6-7EE27AEE65F5}" type="slidenum">
               <a:t>&lt;#&gt;</a:t>
             </a:fld>
           </a:p>
@@ -5494,7 +5494,7 @@
         <p:txBody>
           <a:bodyPr/>
           <a:p>
-            <a:fld id="{4F8B635B-6D00-4328-A810-BDC4D696E31F}" type="slidenum">
+            <a:fld id="{E9541D73-94A4-41E2-B15B-B2042AAE00D7}" type="slidenum">
               <a:t>&lt;#&gt;</a:t>
             </a:fld>
           </a:p>
@@ -5662,7 +5662,7 @@
         <p:txBody>
           <a:bodyPr/>
           <a:p>
-            <a:fld id="{F849B6A3-300E-4590-BF6B-6E873816D912}" type="slidenum">
+            <a:fld id="{B2126947-64F1-4182-A9A8-26C25F2C8FFD}" type="slidenum">
               <a:t>&lt;#&gt;</a:t>
             </a:fld>
           </a:p>
@@ -5744,7 +5744,7 @@
         <p:txBody>
           <a:bodyPr/>
           <a:p>
-            <a:fld id="{A28F282B-47C7-49C0-8934-57BC2A7556D9}" type="slidenum">
+            <a:fld id="{891AA2E9-A534-4889-887B-C50DF5952B8B}" type="slidenum">
               <a:t>&lt;#&gt;</a:t>
             </a:fld>
           </a:p>
@@ -5786,7 +5786,7 @@
         <p:txBody>
           <a:bodyPr/>
           <a:p>
-            <a:fld id="{334DC33D-035B-448A-80ED-169525CE02E1}" type="slidenum">
+            <a:fld id="{2DB63256-D733-47FB-A594-ED8BEADD1B3F}" type="slidenum">
               <a:t>&lt;#&gt;</a:t>
             </a:fld>
           </a:p>
@@ -5828,7 +5828,7 @@
         <p:txBody>
           <a:bodyPr/>
           <a:p>
-            <a:fld id="{4454E4DB-0D64-4B78-A960-987E5C9A459D}" type="slidenum">
+            <a:fld id="{92588475-A972-4BA3-862C-045BE4FE4A2F}" type="slidenum">
               <a:t>&lt;#&gt;</a:t>
             </a:fld>
           </a:p>
@@ -5870,7 +5870,7 @@
         <p:txBody>
           <a:bodyPr/>
           <a:p>
-            <a:fld id="{1807E202-7386-4DCD-AA68-5BDA2E4DF35C}" type="slidenum">
+            <a:fld id="{D00790EB-F4F4-4883-8B3C-F8A82CD99C90}" type="slidenum">
               <a:t>&lt;#&gt;</a:t>
             </a:fld>
           </a:p>
@@ -5952,7 +5952,7 @@
         <p:txBody>
           <a:bodyPr/>
           <a:p>
-            <a:fld id="{08D54882-86F7-4332-A4C0-9EED19BA3F2F}" type="slidenum">
+            <a:fld id="{10185C20-A88B-4D69-9221-260B5034AA14}" type="slidenum">
               <a:t>&lt;#&gt;</a:t>
             </a:fld>
           </a:p>
@@ -5994,7 +5994,7 @@
         <p:txBody>
           <a:bodyPr/>
           <a:p>
-            <a:fld id="{9E27C8F6-4426-404D-BF39-B75CF5F01B10}" type="slidenum">
+            <a:fld id="{89252558-9692-45F2-B376-D254FB262DA7}" type="slidenum">
               <a:t>&lt;#&gt;</a:t>
             </a:fld>
           </a:p>
@@ -6162,7 +6162,7 @@
         <p:txBody>
           <a:bodyPr/>
           <a:p>
-            <a:fld id="{7C3717BB-B93B-4255-9882-0B6C61FC3D7B}" type="slidenum">
+            <a:fld id="{DA682423-794B-42DD-9315-CDBFC0447E7A}" type="slidenum">
               <a:t>&lt;#&gt;</a:t>
             </a:fld>
           </a:p>
@@ -6287,7 +6287,7 @@
         <p:txBody>
           <a:bodyPr/>
           <a:p>
-            <a:fld id="{E50550A1-A0AF-4B84-93AD-A01FD492CA16}" type="slidenum">
+            <a:fld id="{215AC943-AAC5-445F-B41B-B35B3201C79D}" type="slidenum">
               <a:t>&lt;#&gt;</a:t>
             </a:fld>
           </a:p>
@@ -6409,7 +6409,7 @@
         <p:txBody>
           <a:bodyPr/>
           <a:p>
-            <a:fld id="{6A5C91ED-5AAA-453C-93EE-595B25F44E3F}" type="slidenum">
+            <a:fld id="{94BAE71F-979A-460E-9D1D-3DDE3138CF3F}" type="slidenum">
               <a:t>&lt;#&gt;</a:t>
             </a:fld>
           </a:p>
@@ -6534,7 +6534,7 @@
         <p:txBody>
           <a:bodyPr/>
           <a:p>
-            <a:fld id="{1D706548-143D-4184-9BCC-F13A99695A2E}" type="slidenum">
+            <a:fld id="{87CFB900-4F42-4A01-A03F-44A7DA5D2A0D}" type="slidenum">
               <a:t>&lt;#&gt;</a:t>
             </a:fld>
           </a:p>
@@ -6702,7 +6702,7 @@
         <p:txBody>
           <a:bodyPr/>
           <a:p>
-            <a:fld id="{69679E2A-C756-453D-B5BC-C97F7C5FA556}" type="slidenum">
+            <a:fld id="{3C431463-3D27-4193-AE66-ADE511CC716A}" type="slidenum">
               <a:t>&lt;#&gt;</a:t>
             </a:fld>
           </a:p>
@@ -6775,7 +6775,34 @@
                 </a:solidFill>
                 <a:latin typeface="Arial"/>
               </a:rPr>
-              <a:t>Click to edit the title text format</a:t>
+              <a:t>Click to </a:t>
+            </a:r>
+            <a:r>
+              <a:rPr b="0" lang="en-US" sz="1800" spc="-1" strike="noStrike">
+                <a:solidFill>
+                  <a:srgbClr val="000000"/>
+                </a:solidFill>
+                <a:latin typeface="Arial"/>
+              </a:rPr>
+              <a:t>edit the </a:t>
+            </a:r>
+            <a:r>
+              <a:rPr b="0" lang="en-US" sz="1800" spc="-1" strike="noStrike">
+                <a:solidFill>
+                  <a:srgbClr val="000000"/>
+                </a:solidFill>
+                <a:latin typeface="Arial"/>
+              </a:rPr>
+              <a:t>title text </a:t>
+            </a:r>
+            <a:r>
+              <a:rPr b="0" lang="en-US" sz="1800" spc="-1" strike="noStrike">
+                <a:solidFill>
+                  <a:srgbClr val="000000"/>
+                </a:solidFill>
+                <a:latin typeface="Arial"/>
+              </a:rPr>
+              <a:t>format</a:t>
             </a:r>
             <a:endParaRPr b="0" lang="en-US" sz="1800" spc="-1" strike="noStrike">
               <a:solidFill>
@@ -6799,7 +6826,7 @@
         <p:spPr>
           <a:xfrm>
             <a:off x="8472600" y="4663080"/>
-            <a:ext cx="542880" cy="387720"/>
+            <a:ext cx="542520" cy="387360"/>
           </a:xfrm>
           <a:prstGeom prst="rect">
             <a:avLst/>
@@ -6841,7 +6868,7 @@
                 <a:tab algn="l" pos="0"/>
               </a:tabLst>
             </a:pPr>
-            <a:fld id="{49645AA5-947F-4D6D-B3B2-BB81F3D3C3FA}" type="slidenum">
+            <a:fld id="{E671CE46-6BB2-40D7-8417-7F1E92ADE816}" type="slidenum">
               <a:rPr b="0" lang="en" sz="1000" spc="-1" strike="noStrike">
                 <a:solidFill>
                   <a:schemeClr val="dk2"/>
@@ -6955,7 +6982,7 @@
         <p:spPr>
           <a:xfrm>
             <a:off x="8472600" y="4663080"/>
-            <a:ext cx="542880" cy="387720"/>
+            <a:ext cx="542520" cy="387360"/>
           </a:xfrm>
           <a:prstGeom prst="rect">
             <a:avLst/>
@@ -6997,7 +7024,7 @@
                 <a:tab algn="l" pos="0"/>
               </a:tabLst>
             </a:pPr>
-            <a:fld id="{8FEE4E16-126A-4B06-95C7-3BFB189C120C}" type="slidenum">
+            <a:fld id="{0BBA740F-0F36-4235-93D7-49D13B88FEE9}" type="slidenum">
               <a:rPr b="0" lang="en" sz="1000" spc="-1" strike="noStrike">
                 <a:solidFill>
                   <a:schemeClr val="dk2"/>
@@ -7111,7 +7138,7 @@
         <p:spPr>
           <a:xfrm>
             <a:off x="8472600" y="4663080"/>
-            <a:ext cx="542880" cy="387720"/>
+            <a:ext cx="542520" cy="387360"/>
           </a:xfrm>
           <a:prstGeom prst="rect">
             <a:avLst/>
@@ -7153,7 +7180,7 @@
                 <a:tab algn="l" pos="0"/>
               </a:tabLst>
             </a:pPr>
-            <a:fld id="{C1013A29-C474-4D47-8CBC-8B3B380870F9}" type="slidenum">
+            <a:fld id="{106A0B94-5EE8-491B-9575-DA8A4253E674}" type="slidenum">
               <a:rPr b="0" lang="en" sz="1000" spc="-1" strike="noStrike">
                 <a:solidFill>
                   <a:schemeClr val="dk2"/>
@@ -7492,7 +7519,7 @@
         <p:spPr>
           <a:xfrm>
             <a:off x="8472600" y="4663080"/>
-            <a:ext cx="542880" cy="387720"/>
+            <a:ext cx="542520" cy="387360"/>
           </a:xfrm>
           <a:prstGeom prst="rect">
             <a:avLst/>
@@ -7534,7 +7561,7 @@
                 <a:tab algn="l" pos="0"/>
               </a:tabLst>
             </a:pPr>
-            <a:fld id="{43BF00FD-384A-4BFE-99E6-1CA2EAD92604}" type="slidenum">
+            <a:fld id="{DE55AB73-D3D9-4E8A-8785-B7711C605A8D}" type="slidenum">
               <a:rPr b="0" lang="en" sz="1000" spc="-1" strike="noStrike">
                 <a:solidFill>
                   <a:schemeClr val="dk2"/>
@@ -8098,7 +8125,7 @@
         <p:spPr>
           <a:xfrm>
             <a:off x="8472600" y="4663080"/>
-            <a:ext cx="542880" cy="387720"/>
+            <a:ext cx="542520" cy="387360"/>
           </a:xfrm>
           <a:prstGeom prst="rect">
             <a:avLst/>
@@ -8140,7 +8167,7 @@
                 <a:tab algn="l" pos="0"/>
               </a:tabLst>
             </a:pPr>
-            <a:fld id="{9B5EE5B2-3182-45E8-9853-C32C80BC0EDD}" type="slidenum">
+            <a:fld id="{3B667B90-CCD0-47C0-8D93-6C66778CE04C}" type="slidenum">
               <a:rPr b="0" lang="en" sz="1000" spc="-1" strike="noStrike">
                 <a:solidFill>
                   <a:schemeClr val="dk2"/>
@@ -8254,7 +8281,7 @@
         <p:spPr>
           <a:xfrm>
             <a:off x="8472600" y="4663080"/>
-            <a:ext cx="542880" cy="387720"/>
+            <a:ext cx="542520" cy="387360"/>
           </a:xfrm>
           <a:prstGeom prst="rect">
             <a:avLst/>
@@ -8296,7 +8323,7 @@
                 <a:tab algn="l" pos="0"/>
               </a:tabLst>
             </a:pPr>
-            <a:fld id="{FDC21549-3B71-495B-A5FC-D79FD7B72C09}" type="slidenum">
+            <a:fld id="{3341AAC2-F536-40DE-B8C4-E2B0318894F0}" type="slidenum">
               <a:rPr b="0" lang="en" sz="1000" spc="-1" strike="noStrike">
                 <a:solidFill>
                   <a:schemeClr val="dk2"/>
@@ -8410,7 +8437,7 @@
         <p:spPr>
           <a:xfrm>
             <a:off x="8472600" y="4663080"/>
-            <a:ext cx="542880" cy="387720"/>
+            <a:ext cx="542520" cy="387360"/>
           </a:xfrm>
           <a:prstGeom prst="rect">
             <a:avLst/>
@@ -8452,7 +8479,7 @@
                 <a:tab algn="l" pos="0"/>
               </a:tabLst>
             </a:pPr>
-            <a:fld id="{0CC47051-9784-424E-A958-938268232520}" type="slidenum">
+            <a:fld id="{7A1C255F-86AB-4427-B986-BDDB53362769}" type="slidenum">
               <a:rPr b="0" lang="en" sz="1000" spc="-1" strike="noStrike">
                 <a:solidFill>
                   <a:schemeClr val="dk2"/>
@@ -8791,7 +8818,7 @@
         <p:spPr>
           <a:xfrm>
             <a:off x="8472600" y="4663080"/>
-            <a:ext cx="542880" cy="387720"/>
+            <a:ext cx="542520" cy="387360"/>
           </a:xfrm>
           <a:prstGeom prst="rect">
             <a:avLst/>
@@ -8833,7 +8860,7 @@
                 <a:tab algn="l" pos="0"/>
               </a:tabLst>
             </a:pPr>
-            <a:fld id="{7FC1AA5F-FE14-4789-884C-EC6A1C005856}" type="slidenum">
+            <a:fld id="{73F9E8EE-968F-432B-A826-7D70B3DC1F84}" type="slidenum">
               <a:rPr b="0" lang="en" sz="1000" spc="-1" strike="noStrike">
                 <a:solidFill>
                   <a:schemeClr val="dk2"/>
@@ -9397,7 +9424,7 @@
         <p:spPr>
           <a:xfrm>
             <a:off x="8472600" y="4663080"/>
-            <a:ext cx="542880" cy="387720"/>
+            <a:ext cx="542520" cy="387360"/>
           </a:xfrm>
           <a:prstGeom prst="rect">
             <a:avLst/>
@@ -9439,7 +9466,7 @@
                 <a:tab algn="l" pos="0"/>
               </a:tabLst>
             </a:pPr>
-            <a:fld id="{3813F8B8-01C7-4B00-81B8-F0AD1A27B0E7}" type="slidenum">
+            <a:fld id="{82C83B91-1A91-49AB-A09F-C1BF41AD93F3}" type="slidenum">
               <a:rPr b="0" lang="en" sz="1000" spc="-1" strike="noStrike">
                 <a:solidFill>
                   <a:schemeClr val="dk2"/>
@@ -9553,7 +9580,7 @@
         <p:spPr>
           <a:xfrm>
             <a:off x="8472600" y="4663080"/>
-            <a:ext cx="542880" cy="387720"/>
+            <a:ext cx="542520" cy="387360"/>
           </a:xfrm>
           <a:prstGeom prst="rect">
             <a:avLst/>
@@ -9595,7 +9622,7 @@
                 <a:tab algn="l" pos="0"/>
               </a:tabLst>
             </a:pPr>
-            <a:fld id="{85206D37-19EC-47CD-BAC9-1C239E677503}" type="slidenum">
+            <a:fld id="{62F1F29C-851D-47AD-B4EF-50853515B5FC}" type="slidenum">
               <a:rPr b="0" lang="en" sz="1000" spc="-1" strike="noStrike">
                 <a:solidFill>
                   <a:schemeClr val="dk2"/>
@@ -9709,7 +9736,7 @@
         <p:spPr>
           <a:xfrm>
             <a:off x="8472600" y="4663080"/>
-            <a:ext cx="542880" cy="387720"/>
+            <a:ext cx="542520" cy="387360"/>
           </a:xfrm>
           <a:prstGeom prst="rect">
             <a:avLst/>
@@ -9751,7 +9778,7 @@
                 <a:tab algn="l" pos="0"/>
               </a:tabLst>
             </a:pPr>
-            <a:fld id="{56F9AF38-184A-4846-9282-A4F12C1FB128}" type="slidenum">
+            <a:fld id="{D485D5DE-5BFB-4E98-B7A5-7AA7CC47328B}" type="slidenum">
               <a:rPr b="0" lang="en" sz="1000" spc="-1" strike="noStrike">
                 <a:solidFill>
                   <a:schemeClr val="dk2"/>
@@ -9816,7 +9843,7 @@
         <p:spPr>
           <a:xfrm>
             <a:off x="8472600" y="4663080"/>
-            <a:ext cx="542880" cy="387720"/>
+            <a:ext cx="542520" cy="387360"/>
           </a:xfrm>
           <a:prstGeom prst="rect">
             <a:avLst/>
@@ -9858,7 +9885,7 @@
                 <a:tab algn="l" pos="0"/>
               </a:tabLst>
             </a:pPr>
-            <a:fld id="{FE7E96AD-E069-46E0-B092-BFF34526E1C5}" type="slidenum">
+            <a:fld id="{54BF38B1-91F2-4E4C-81FA-C2179A35EF21}" type="slidenum">
               <a:rPr b="0" lang="en" sz="1000" spc="-1" strike="noStrike">
                 <a:solidFill>
                   <a:schemeClr val="dk2"/>
@@ -10197,7 +10224,7 @@
         <p:spPr>
           <a:xfrm>
             <a:off x="8472600" y="4663080"/>
-            <a:ext cx="542880" cy="387720"/>
+            <a:ext cx="542520" cy="387360"/>
           </a:xfrm>
           <a:prstGeom prst="rect">
             <a:avLst/>
@@ -10239,7 +10266,7 @@
                 <a:tab algn="l" pos="0"/>
               </a:tabLst>
             </a:pPr>
-            <a:fld id="{456C95CB-34E0-4CBF-B6D3-48555268144E}" type="slidenum">
+            <a:fld id="{5C31F447-DB39-4FDB-AAFA-F6C4BE5B3F6C}" type="slidenum">
               <a:rPr b="0" lang="en" sz="1000" spc="-1" strike="noStrike">
                 <a:solidFill>
                   <a:schemeClr val="dk2"/>
@@ -10803,7 +10830,7 @@
         <p:spPr>
           <a:xfrm>
             <a:off x="8472600" y="4663080"/>
-            <a:ext cx="542880" cy="387720"/>
+            <a:ext cx="542520" cy="387360"/>
           </a:xfrm>
           <a:prstGeom prst="rect">
             <a:avLst/>
@@ -10845,7 +10872,7 @@
                 <a:tab algn="l" pos="0"/>
               </a:tabLst>
             </a:pPr>
-            <a:fld id="{D3D0A43D-7F36-49E3-814A-3E48F4092C07}" type="slidenum">
+            <a:fld id="{170CD871-A277-417D-A3A5-FBBE542D837A}" type="slidenum">
               <a:rPr b="0" lang="en" sz="1000" spc="-1" strike="noStrike">
                 <a:solidFill>
                   <a:schemeClr val="dk2"/>
@@ -10959,7 +10986,7 @@
         <p:spPr>
           <a:xfrm>
             <a:off x="8472600" y="4663080"/>
-            <a:ext cx="542880" cy="387720"/>
+            <a:ext cx="542520" cy="387360"/>
           </a:xfrm>
           <a:prstGeom prst="rect">
             <a:avLst/>
@@ -11001,7 +11028,7 @@
                 <a:tab algn="l" pos="0"/>
               </a:tabLst>
             </a:pPr>
-            <a:fld id="{AEB87C89-B9F9-4E50-9FD0-FDCB37EAF0E0}" type="slidenum">
+            <a:fld id="{B83EFA36-E3CC-44DA-80B0-C85A70F7C459}" type="slidenum">
               <a:rPr b="0" lang="en" sz="1000" spc="-1" strike="noStrike">
                 <a:solidFill>
                   <a:schemeClr val="dk2"/>
@@ -11115,7 +11142,7 @@
         <p:spPr>
           <a:xfrm>
             <a:off x="8472600" y="4663080"/>
-            <a:ext cx="542880" cy="387720"/>
+            <a:ext cx="542520" cy="387360"/>
           </a:xfrm>
           <a:prstGeom prst="rect">
             <a:avLst/>
@@ -11157,7 +11184,7 @@
                 <a:tab algn="l" pos="0"/>
               </a:tabLst>
             </a:pPr>
-            <a:fld id="{D7CBFB8F-38A5-4C76-ADCA-E5D7F5B494D9}" type="slidenum">
+            <a:fld id="{EF801F1A-1F1E-4BD1-AB65-61AF594584B8}" type="slidenum">
               <a:rPr b="0" lang="en" sz="1000" spc="-1" strike="noStrike">
                 <a:solidFill>
                   <a:schemeClr val="dk2"/>
@@ -11496,7 +11523,7 @@
         <p:spPr>
           <a:xfrm>
             <a:off x="8472600" y="4663080"/>
-            <a:ext cx="542880" cy="387720"/>
+            <a:ext cx="542520" cy="387360"/>
           </a:xfrm>
           <a:prstGeom prst="rect">
             <a:avLst/>
@@ -11538,7 +11565,7 @@
                 <a:tab algn="l" pos="0"/>
               </a:tabLst>
             </a:pPr>
-            <a:fld id="{F65EFFB5-20CC-46D7-86DF-A1BA7081C85A}" type="slidenum">
+            <a:fld id="{0CC84735-8D99-4B0C-A6D8-917C32E334D4}" type="slidenum">
               <a:rPr b="0" lang="en" sz="1000" spc="-1" strike="noStrike">
                 <a:solidFill>
                   <a:schemeClr val="dk2"/>
@@ -12102,7 +12129,7 @@
         <p:spPr>
           <a:xfrm>
             <a:off x="8472600" y="4663080"/>
-            <a:ext cx="542880" cy="387720"/>
+            <a:ext cx="542520" cy="387360"/>
           </a:xfrm>
           <a:prstGeom prst="rect">
             <a:avLst/>
@@ -12144,7 +12171,7 @@
                 <a:tab algn="l" pos="0"/>
               </a:tabLst>
             </a:pPr>
-            <a:fld id="{ABAC780B-6687-4699-B7BD-A3E9B75A774D}" type="slidenum">
+            <a:fld id="{3EADA0A9-0A83-4EB4-A053-0D131565C115}" type="slidenum">
               <a:rPr b="0" lang="en" sz="1000" spc="-1" strike="noStrike">
                 <a:solidFill>
                   <a:schemeClr val="dk2"/>
@@ -12258,7 +12285,7 @@
         <p:spPr>
           <a:xfrm>
             <a:off x="8472600" y="4663080"/>
-            <a:ext cx="542880" cy="387720"/>
+            <a:ext cx="542520" cy="387360"/>
           </a:xfrm>
           <a:prstGeom prst="rect">
             <a:avLst/>
@@ -12300,7 +12327,7 @@
                 <a:tab algn="l" pos="0"/>
               </a:tabLst>
             </a:pPr>
-            <a:fld id="{801EAD38-1EE1-442F-A8C8-DE804C3F91B4}" type="slidenum">
+            <a:fld id="{15EAB6A7-560E-46B6-9F56-62A9B5BB5028}" type="slidenum">
               <a:rPr b="0" lang="en" sz="1000" spc="-1" strike="noStrike">
                 <a:solidFill>
                   <a:schemeClr val="dk2"/>
@@ -12414,7 +12441,7 @@
         <p:spPr>
           <a:xfrm>
             <a:off x="8472600" y="4663080"/>
-            <a:ext cx="542880" cy="387720"/>
+            <a:ext cx="542520" cy="387360"/>
           </a:xfrm>
           <a:prstGeom prst="rect">
             <a:avLst/>
@@ -12456,7 +12483,7 @@
                 <a:tab algn="l" pos="0"/>
               </a:tabLst>
             </a:pPr>
-            <a:fld id="{589AF63D-8AB1-4495-8A64-AC8A03FE538D}" type="slidenum">
+            <a:fld id="{EB735997-E118-450E-B842-6910DF24FFAF}" type="slidenum">
               <a:rPr b="0" lang="en" sz="1000" spc="-1" strike="noStrike">
                 <a:solidFill>
                   <a:schemeClr val="dk2"/>
@@ -12795,7 +12822,7 @@
         <p:spPr>
           <a:xfrm>
             <a:off x="8472600" y="4663080"/>
-            <a:ext cx="542880" cy="387720"/>
+            <a:ext cx="542520" cy="387360"/>
           </a:xfrm>
           <a:prstGeom prst="rect">
             <a:avLst/>
@@ -12837,7 +12864,7 @@
                 <a:tab algn="l" pos="0"/>
               </a:tabLst>
             </a:pPr>
-            <a:fld id="{A616E25B-6645-4AFE-BEAD-74B556DE38D4}" type="slidenum">
+            <a:fld id="{947DA20C-9CDB-4E18-AD67-D47E723339E3}" type="slidenum">
               <a:rPr b="0" lang="en" sz="1000" spc="-1" strike="noStrike">
                 <a:solidFill>
                   <a:schemeClr val="dk2"/>
@@ -13401,7 +13428,7 @@
         <p:spPr>
           <a:xfrm>
             <a:off x="8472600" y="4663080"/>
-            <a:ext cx="542880" cy="387720"/>
+            <a:ext cx="542520" cy="387360"/>
           </a:xfrm>
           <a:prstGeom prst="rect">
             <a:avLst/>
@@ -13443,7 +13470,7 @@
                 <a:tab algn="l" pos="0"/>
               </a:tabLst>
             </a:pPr>
-            <a:fld id="{EF4E5E73-E932-44B8-8E53-714084CFD942}" type="slidenum">
+            <a:fld id="{EE3CD062-EB9A-45C2-BF3C-58114D8F4331}" type="slidenum">
               <a:rPr b="0" lang="en" sz="1000" spc="-1" strike="noStrike">
                 <a:solidFill>
                   <a:schemeClr val="dk2"/>
@@ -13533,7 +13560,34 @@
                 </a:solidFill>
                 <a:latin typeface="Arial"/>
               </a:rPr>
-              <a:t>Click to edit the title text format</a:t>
+              <a:t>Click to </a:t>
+            </a:r>
+            <a:r>
+              <a:rPr b="0" lang="en-US" sz="1800" spc="-1" strike="noStrike">
+                <a:solidFill>
+                  <a:srgbClr val="000000"/>
+                </a:solidFill>
+                <a:latin typeface="Arial"/>
+              </a:rPr>
+              <a:t>edit the </a:t>
+            </a:r>
+            <a:r>
+              <a:rPr b="0" lang="en-US" sz="1800" spc="-1" strike="noStrike">
+                <a:solidFill>
+                  <a:srgbClr val="000000"/>
+                </a:solidFill>
+                <a:latin typeface="Arial"/>
+              </a:rPr>
+              <a:t>title text </a:t>
+            </a:r>
+            <a:r>
+              <a:rPr b="0" lang="en-US" sz="1800" spc="-1" strike="noStrike">
+                <a:solidFill>
+                  <a:srgbClr val="000000"/>
+                </a:solidFill>
+                <a:latin typeface="Arial"/>
+              </a:rPr>
+              <a:t>format</a:t>
             </a:r>
             <a:endParaRPr b="0" lang="en-US" sz="1800" spc="-1" strike="noStrike">
               <a:solidFill>
@@ -13557,7 +13611,7 @@
         <p:spPr>
           <a:xfrm>
             <a:off x="8472600" y="4663080"/>
-            <a:ext cx="542880" cy="387720"/>
+            <a:ext cx="542520" cy="387360"/>
           </a:xfrm>
           <a:prstGeom prst="rect">
             <a:avLst/>
@@ -13599,7 +13653,7 @@
                 <a:tab algn="l" pos="0"/>
               </a:tabLst>
             </a:pPr>
-            <a:fld id="{CA463121-08FC-486B-A37B-C4C7AE8A6660}" type="slidenum">
+            <a:fld id="{74273E32-9D3B-4D99-A1C9-69C79A5D68E6}" type="slidenum">
               <a:rPr b="0" lang="en" sz="1000" spc="-1" strike="noStrike">
                 <a:solidFill>
                   <a:schemeClr val="dk2"/>
@@ -13713,7 +13767,7 @@
         <p:spPr>
           <a:xfrm>
             <a:off x="8472600" y="4663080"/>
-            <a:ext cx="542880" cy="387720"/>
+            <a:ext cx="542520" cy="387360"/>
           </a:xfrm>
           <a:prstGeom prst="rect">
             <a:avLst/>
@@ -13755,7 +13809,7 @@
                 <a:tab algn="l" pos="0"/>
               </a:tabLst>
             </a:pPr>
-            <a:fld id="{ECCA2E7B-8349-4A04-B9A7-B4CD8A9BFE44}" type="slidenum">
+            <a:fld id="{998655C4-B1B4-47EB-834F-D341D21A4ABF}" type="slidenum">
               <a:rPr b="0" lang="en" sz="1000" spc="-1" strike="noStrike">
                 <a:solidFill>
                   <a:schemeClr val="dk2"/>
@@ -13869,7 +13923,7 @@
         <p:spPr>
           <a:xfrm>
             <a:off x="8472600" y="4663080"/>
-            <a:ext cx="542880" cy="387720"/>
+            <a:ext cx="542520" cy="387360"/>
           </a:xfrm>
           <a:prstGeom prst="rect">
             <a:avLst/>
@@ -13911,7 +13965,7 @@
                 <a:tab algn="l" pos="0"/>
               </a:tabLst>
             </a:pPr>
-            <a:fld id="{4D9690F0-5697-4C6A-892D-127EDC9D16B6}" type="slidenum">
+            <a:fld id="{E3FA0E1C-1510-4E22-B8B4-7E5CD296079D}" type="slidenum">
               <a:rPr b="0" lang="en" sz="1000" spc="-1" strike="noStrike">
                 <a:solidFill>
                   <a:schemeClr val="dk2"/>
@@ -13976,7 +14030,7 @@
         <p:spPr>
           <a:xfrm>
             <a:off x="8472600" y="4663080"/>
-            <a:ext cx="542880" cy="387720"/>
+            <a:ext cx="542520" cy="387360"/>
           </a:xfrm>
           <a:prstGeom prst="rect">
             <a:avLst/>
@@ -14018,7 +14072,7 @@
                 <a:tab algn="l" pos="0"/>
               </a:tabLst>
             </a:pPr>
-            <a:fld id="{41D7F050-BF01-40EA-9241-87963E4E46F6}" type="slidenum">
+            <a:fld id="{A9D3A074-0400-44A5-9EFA-262028F55D93}" type="slidenum">
               <a:rPr b="0" lang="en" sz="1000" spc="-1" strike="noStrike">
                 <a:solidFill>
                   <a:schemeClr val="dk2"/>
@@ -14357,7 +14411,7 @@
         <p:spPr>
           <a:xfrm>
             <a:off x="8472600" y="4663080"/>
-            <a:ext cx="542880" cy="387720"/>
+            <a:ext cx="542520" cy="387360"/>
           </a:xfrm>
           <a:prstGeom prst="rect">
             <a:avLst/>
@@ -14399,7 +14453,7 @@
                 <a:tab algn="l" pos="0"/>
               </a:tabLst>
             </a:pPr>
-            <a:fld id="{BC97E073-48DF-49B0-81F6-158874C3A9E8}" type="slidenum">
+            <a:fld id="{BB12A80E-E0D1-47C8-928C-AF7A3FF3EDF7}" type="slidenum">
               <a:rPr b="0" lang="en" sz="1000" spc="-1" strike="noStrike">
                 <a:solidFill>
                   <a:schemeClr val="dk2"/>
@@ -14738,7 +14792,7 @@
         <p:spPr>
           <a:xfrm>
             <a:off x="8472600" y="4663080"/>
-            <a:ext cx="542880" cy="387720"/>
+            <a:ext cx="542520" cy="387360"/>
           </a:xfrm>
           <a:prstGeom prst="rect">
             <a:avLst/>
@@ -14780,7 +14834,7 @@
                 <a:tab algn="l" pos="0"/>
               </a:tabLst>
             </a:pPr>
-            <a:fld id="{A7920BD2-5000-4DE0-803A-156107D6A310}" type="slidenum">
+            <a:fld id="{2276C880-BDF7-4558-AF07-95D7FDD4D8F7}" type="slidenum">
               <a:rPr b="0" lang="en" sz="1000" spc="-1" strike="noStrike">
                 <a:solidFill>
                   <a:schemeClr val="dk2"/>
@@ -15344,7 +15398,7 @@
         <p:spPr>
           <a:xfrm>
             <a:off x="8472600" y="4663080"/>
-            <a:ext cx="542880" cy="387720"/>
+            <a:ext cx="542520" cy="387360"/>
           </a:xfrm>
           <a:prstGeom prst="rect">
             <a:avLst/>
@@ -15386,7 +15440,7 @@
                 <a:tab algn="l" pos="0"/>
               </a:tabLst>
             </a:pPr>
-            <a:fld id="{338B9F1D-770F-46A7-9414-2F7646CADF09}" type="slidenum">
+            <a:fld id="{625C327B-6051-4C82-B49C-4551F3352840}" type="slidenum">
               <a:rPr b="0" lang="en" sz="1000" spc="-1" strike="noStrike">
                 <a:solidFill>
                   <a:schemeClr val="dk2"/>
@@ -15500,7 +15554,7 @@
         <p:spPr>
           <a:xfrm>
             <a:off x="8472600" y="4663080"/>
-            <a:ext cx="542880" cy="387720"/>
+            <a:ext cx="542520" cy="387360"/>
           </a:xfrm>
           <a:prstGeom prst="rect">
             <a:avLst/>
@@ -15542,7 +15596,7 @@
                 <a:tab algn="l" pos="0"/>
               </a:tabLst>
             </a:pPr>
-            <a:fld id="{CBA422E4-4040-4148-B2CD-24938BBB55F8}" type="slidenum">
+            <a:fld id="{C28F1D19-0237-4EBE-BF3C-2E81A7DAEE6C}" type="slidenum">
               <a:rPr b="0" lang="en" sz="1000" spc="-1" strike="noStrike">
                 <a:solidFill>
                   <a:schemeClr val="dk2"/>
@@ -15607,7 +15661,7 @@
         <p:spPr>
           <a:xfrm>
             <a:off x="8472600" y="4663080"/>
-            <a:ext cx="542880" cy="387720"/>
+            <a:ext cx="542520" cy="387360"/>
           </a:xfrm>
           <a:prstGeom prst="rect">
             <a:avLst/>
@@ -15649,7 +15703,7 @@
                 <a:tab algn="l" pos="0"/>
               </a:tabLst>
             </a:pPr>
-            <a:fld id="{76376926-C0DF-4FFE-A4BF-64D8F1CD74AA}" type="slidenum">
+            <a:fld id="{CDD7686B-F198-45B6-BDFC-F636D7C7E4FF}" type="slidenum">
               <a:rPr b="0" lang="en" sz="1000" spc="-1" strike="noStrike">
                 <a:solidFill>
                   <a:schemeClr val="dk2"/>
@@ -15714,7 +15768,7 @@
         <p:spPr>
           <a:xfrm>
             <a:off x="8472600" y="4663080"/>
-            <a:ext cx="542880" cy="387720"/>
+            <a:ext cx="542520" cy="387360"/>
           </a:xfrm>
           <a:prstGeom prst="rect">
             <a:avLst/>
@@ -15756,7 +15810,7 @@
                 <a:tab algn="l" pos="0"/>
               </a:tabLst>
             </a:pPr>
-            <a:fld id="{6EF0BF96-D376-4676-A247-826119B47B26}" type="slidenum">
+            <a:fld id="{C8224553-CACB-4EED-ADB0-E318ACF7F09D}" type="slidenum">
               <a:rPr b="0" lang="en" sz="1000" spc="-1" strike="noStrike">
                 <a:solidFill>
                   <a:schemeClr val="dk2"/>
@@ -15817,7 +15871,7 @@
         <p:spPr>
           <a:xfrm>
             <a:off x="4572000" y="0"/>
-            <a:ext cx="4566240" cy="5137920"/>
+            <a:ext cx="4565880" cy="5137560"/>
           </a:xfrm>
           <a:prstGeom prst="rect">
             <a:avLst/>
@@ -15870,7 +15924,7 @@
         <p:spPr>
           <a:xfrm>
             <a:off x="8472600" y="4663080"/>
-            <a:ext cx="542880" cy="387720"/>
+            <a:ext cx="542520" cy="387360"/>
           </a:xfrm>
           <a:prstGeom prst="rect">
             <a:avLst/>
@@ -15912,7 +15966,7 @@
                 <a:tab algn="l" pos="0"/>
               </a:tabLst>
             </a:pPr>
-            <a:fld id="{B6605939-59F9-40B2-95CE-05CEB1E31413}" type="slidenum">
+            <a:fld id="{591BE05A-318E-4088-8BB0-6DF0D6591B5B}" type="slidenum">
               <a:rPr b="0" lang="en" sz="1000" spc="-1" strike="noStrike">
                 <a:solidFill>
                   <a:schemeClr val="dk2"/>
@@ -16002,7 +16056,34 @@
                 </a:solidFill>
                 <a:latin typeface="Arial"/>
               </a:rPr>
-              <a:t>Click to edit the title text format</a:t>
+              <a:t>Click to </a:t>
+            </a:r>
+            <a:r>
+              <a:rPr b="0" lang="en-US" sz="1800" spc="-1" strike="noStrike">
+                <a:solidFill>
+                  <a:srgbClr val="000000"/>
+                </a:solidFill>
+                <a:latin typeface="Arial"/>
+              </a:rPr>
+              <a:t>edit the </a:t>
+            </a:r>
+            <a:r>
+              <a:rPr b="0" lang="en-US" sz="1800" spc="-1" strike="noStrike">
+                <a:solidFill>
+                  <a:srgbClr val="000000"/>
+                </a:solidFill>
+                <a:latin typeface="Arial"/>
+              </a:rPr>
+              <a:t>title text </a:t>
+            </a:r>
+            <a:r>
+              <a:rPr b="0" lang="en-US" sz="1800" spc="-1" strike="noStrike">
+                <a:solidFill>
+                  <a:srgbClr val="000000"/>
+                </a:solidFill>
+                <a:latin typeface="Arial"/>
+              </a:rPr>
+              <a:t>format</a:t>
             </a:r>
             <a:endParaRPr b="0" lang="en-US" sz="1800" spc="-1" strike="noStrike">
               <a:solidFill>
@@ -16026,7 +16107,7 @@
         <p:spPr>
           <a:xfrm>
             <a:off x="8472600" y="4663080"/>
-            <a:ext cx="542880" cy="387720"/>
+            <a:ext cx="542520" cy="387360"/>
           </a:xfrm>
           <a:prstGeom prst="rect">
             <a:avLst/>
@@ -16068,7 +16149,7 @@
                 <a:tab algn="l" pos="0"/>
               </a:tabLst>
             </a:pPr>
-            <a:fld id="{BFA0D27C-CFAD-4240-87AA-BBE3FCC04D42}" type="slidenum">
+            <a:fld id="{C0E4F454-DC1D-4F89-A6C3-145A1F381EE2}" type="slidenum">
               <a:rPr b="0" lang="en" sz="1000" spc="-1" strike="noStrike">
                 <a:solidFill>
                   <a:schemeClr val="dk2"/>
@@ -16133,7 +16214,7 @@
         <p:spPr>
           <a:xfrm>
             <a:off x="8472600" y="4663080"/>
-            <a:ext cx="542880" cy="387720"/>
+            <a:ext cx="542520" cy="387360"/>
           </a:xfrm>
           <a:prstGeom prst="rect">
             <a:avLst/>
@@ -16175,7 +16256,7 @@
                 <a:tab algn="l" pos="0"/>
               </a:tabLst>
             </a:pPr>
-            <a:fld id="{18A35A40-FEB3-4C75-8549-8252B95E412C}" type="slidenum">
+            <a:fld id="{E514B4A9-A350-4EDF-BB86-6A9C1B907AEF}" type="slidenum">
               <a:rPr b="0" lang="en" sz="1000" spc="-1" strike="noStrike">
                 <a:solidFill>
                   <a:schemeClr val="dk2"/>
@@ -16265,7 +16346,34 @@
                 </a:solidFill>
                 <a:latin typeface="Arial"/>
               </a:rPr>
-              <a:t>Click to edit the title text format</a:t>
+              <a:t>Click to </a:t>
+            </a:r>
+            <a:r>
+              <a:rPr b="0" lang="en-US" sz="1800" spc="-1" strike="noStrike">
+                <a:solidFill>
+                  <a:srgbClr val="000000"/>
+                </a:solidFill>
+                <a:latin typeface="Arial"/>
+              </a:rPr>
+              <a:t>edit the </a:t>
+            </a:r>
+            <a:r>
+              <a:rPr b="0" lang="en-US" sz="1800" spc="-1" strike="noStrike">
+                <a:solidFill>
+                  <a:srgbClr val="000000"/>
+                </a:solidFill>
+                <a:latin typeface="Arial"/>
+              </a:rPr>
+              <a:t>title text </a:t>
+            </a:r>
+            <a:r>
+              <a:rPr b="0" lang="en-US" sz="1800" spc="-1" strike="noStrike">
+                <a:solidFill>
+                  <a:srgbClr val="000000"/>
+                </a:solidFill>
+                <a:latin typeface="Arial"/>
+              </a:rPr>
+              <a:t>format</a:t>
             </a:r>
             <a:endParaRPr b="0" lang="en-US" sz="1800" spc="-1" strike="noStrike">
               <a:solidFill>
@@ -16739,7 +16847,7 @@
         <p:spPr>
           <a:xfrm>
             <a:off x="8472600" y="4663080"/>
-            <a:ext cx="542880" cy="387720"/>
+            <a:ext cx="542520" cy="387360"/>
           </a:xfrm>
           <a:prstGeom prst="rect">
             <a:avLst/>
@@ -16781,7 +16889,7 @@
                 <a:tab algn="l" pos="0"/>
               </a:tabLst>
             </a:pPr>
-            <a:fld id="{21D094F9-0D62-4C0F-97E5-2116C4C540FF}" type="slidenum">
+            <a:fld id="{4EDCC0FD-4CBF-4C7F-81E3-723A16696EAE}" type="slidenum">
               <a:rPr b="0" lang="en" sz="1000" spc="-1" strike="noStrike">
                 <a:solidFill>
                   <a:schemeClr val="dk2"/>
@@ -16871,7 +16979,25 @@
                 </a:solidFill>
                 <a:latin typeface="Arial"/>
               </a:rPr>
-              <a:t>Click to edit the title text format</a:t>
+              <a:t>Click to edit </a:t>
+            </a:r>
+            <a:r>
+              <a:rPr b="0" lang="en-US" sz="1800" spc="-1" strike="noStrike">
+                <a:solidFill>
+                  <a:srgbClr val="000000"/>
+                </a:solidFill>
+                <a:latin typeface="Arial"/>
+              </a:rPr>
+              <a:t>the title text </a:t>
+            </a:r>
+            <a:r>
+              <a:rPr b="0" lang="en-US" sz="1800" spc="-1" strike="noStrike">
+                <a:solidFill>
+                  <a:srgbClr val="000000"/>
+                </a:solidFill>
+                <a:latin typeface="Arial"/>
+              </a:rPr>
+              <a:t>format</a:t>
             </a:r>
             <a:endParaRPr b="0" lang="en-US" sz="1800" spc="-1" strike="noStrike">
               <a:solidFill>
@@ -17120,7 +17246,7 @@
         <p:spPr>
           <a:xfrm>
             <a:off x="8472600" y="4663080"/>
-            <a:ext cx="542880" cy="387720"/>
+            <a:ext cx="542520" cy="387360"/>
           </a:xfrm>
           <a:prstGeom prst="rect">
             <a:avLst/>
@@ -17162,7 +17288,7 @@
                 <a:tab algn="l" pos="0"/>
               </a:tabLst>
             </a:pPr>
-            <a:fld id="{493BFD45-2277-43C6-8F07-340F81F19B76}" type="slidenum">
+            <a:fld id="{317644A0-3ABF-49C9-BF54-C8B96C3AEDE4}" type="slidenum">
               <a:rPr b="0" lang="en" sz="1000" spc="-1" strike="noStrike">
                 <a:solidFill>
                   <a:schemeClr val="dk2"/>
@@ -17252,7 +17378,16 @@
                 </a:solidFill>
                 <a:latin typeface="Arial"/>
               </a:rPr>
-              <a:t>Click to edit the title text format</a:t>
+              <a:t>Click to edit the </a:t>
+            </a:r>
+            <a:r>
+              <a:rPr b="0" lang="en-US" sz="1800" spc="-1" strike="noStrike">
+                <a:solidFill>
+                  <a:srgbClr val="000000"/>
+                </a:solidFill>
+                <a:latin typeface="Arial"/>
+              </a:rPr>
+              <a:t>title text format</a:t>
             </a:r>
             <a:endParaRPr b="0" lang="en-US" sz="1800" spc="-1" strike="noStrike">
               <a:solidFill>
@@ -17276,7 +17411,7 @@
         <p:spPr>
           <a:xfrm>
             <a:off x="8472600" y="4663080"/>
-            <a:ext cx="542880" cy="387720"/>
+            <a:ext cx="542520" cy="387360"/>
           </a:xfrm>
           <a:prstGeom prst="rect">
             <a:avLst/>
@@ -17318,7 +17453,7 @@
                 <a:tab algn="l" pos="0"/>
               </a:tabLst>
             </a:pPr>
-            <a:fld id="{43174B33-F8D9-486A-8FF6-37CDF89AABAC}" type="slidenum">
+            <a:fld id="{C13FD441-2B4D-44A5-AB80-6D45FE393B5A}" type="slidenum">
               <a:rPr b="0" lang="en" sz="1000" spc="-1" strike="noStrike">
                 <a:solidFill>
                   <a:schemeClr val="dk2"/>
@@ -17657,7 +17792,7 @@
         <p:spPr>
           <a:xfrm>
             <a:off x="8472600" y="4663080"/>
-            <a:ext cx="542880" cy="387720"/>
+            <a:ext cx="542520" cy="387360"/>
           </a:xfrm>
           <a:prstGeom prst="rect">
             <a:avLst/>
@@ -17699,7 +17834,7 @@
                 <a:tab algn="l" pos="0"/>
               </a:tabLst>
             </a:pPr>
-            <a:fld id="{77045FDB-FB3B-42FD-9C2F-9B9B9343F062}" type="slidenum">
+            <a:fld id="{437E655C-988B-4936-AD42-2BE1BFA8FD4F}" type="slidenum">
               <a:rPr b="0" lang="en" sz="1000" spc="-1" strike="noStrike">
                 <a:solidFill>
                   <a:schemeClr val="dk2"/>
@@ -18263,7 +18398,7 @@
         <p:spPr>
           <a:xfrm>
             <a:off x="8472600" y="4663080"/>
-            <a:ext cx="542880" cy="387720"/>
+            <a:ext cx="542520" cy="387360"/>
           </a:xfrm>
           <a:prstGeom prst="rect">
             <a:avLst/>
@@ -18305,7 +18440,7 @@
                 <a:tab algn="l" pos="0"/>
               </a:tabLst>
             </a:pPr>
-            <a:fld id="{317F3713-9448-4B36-9FDE-79CC4BB629E2}" type="slidenum">
+            <a:fld id="{9BCBD834-8035-4727-A1F7-5E766403775E}" type="slidenum">
               <a:rPr b="0" lang="en" sz="1000" spc="-1" strike="noStrike">
                 <a:solidFill>
                   <a:schemeClr val="dk2"/>
@@ -18370,7 +18505,7 @@
         <p:spPr>
           <a:xfrm>
             <a:off x="834480" y="347400"/>
-            <a:ext cx="7468920" cy="1759320"/>
+            <a:ext cx="7468560" cy="1758960"/>
           </a:xfrm>
           <a:prstGeom prst="rect">
             <a:avLst/>
@@ -18422,7 +18557,7 @@
         <p:spPr>
           <a:xfrm>
             <a:off x="204480" y="2304720"/>
-            <a:ext cx="8740800" cy="6120"/>
+            <a:ext cx="8741160" cy="6480"/>
           </a:xfrm>
           <a:prstGeom prst="straightConnector1">
             <a:avLst/>
@@ -18444,7 +18579,7 @@
         <p:spPr>
           <a:xfrm>
             <a:off x="204480" y="3948840"/>
-            <a:ext cx="8740800" cy="6120"/>
+            <a:ext cx="8741160" cy="6480"/>
           </a:xfrm>
           <a:prstGeom prst="straightConnector1">
             <a:avLst/>
@@ -18470,7 +18605,7 @@
         <p:spPr>
           <a:xfrm>
             <a:off x="8472600" y="4663080"/>
-            <a:ext cx="542880" cy="387720"/>
+            <a:ext cx="542520" cy="387360"/>
           </a:xfrm>
           <a:prstGeom prst="rect">
             <a:avLst/>
@@ -18512,7 +18647,7 @@
                 <a:tab algn="l" pos="0"/>
               </a:tabLst>
             </a:pPr>
-            <a:fld id="{917DF710-507D-4712-9CF8-C1126BA2DFE9}" type="slidenum">
+            <a:fld id="{CE7D4FCC-7D91-44E1-8C08-03A041E52E8C}" type="slidenum">
               <a:rPr b="0" lang="en" sz="1000" spc="-1" strike="noStrike">
                 <a:solidFill>
                   <a:schemeClr val="dk2"/>
@@ -18520,7 +18655,7 @@
                 <a:latin typeface="Arial"/>
                 <a:ea typeface="Arial"/>
               </a:rPr>
-              <a:t>&lt;number&gt;</a:t>
+              <a:t>1</a:t>
             </a:fld>
             <a:endParaRPr b="0" lang="en-US" sz="1000" spc="-1" strike="noStrike">
               <a:solidFill>
@@ -18540,7 +18675,7 @@
         <p:spPr>
           <a:xfrm>
             <a:off x="1946880" y="2244240"/>
-            <a:ext cx="5244840" cy="1668600"/>
+            <a:ext cx="5244480" cy="1668600"/>
           </a:xfrm>
           <a:prstGeom prst="rect">
             <a:avLst/>
@@ -18649,7 +18784,7 @@
         <p:spPr>
           <a:xfrm>
             <a:off x="3071880" y="3948480"/>
-            <a:ext cx="2994120" cy="1005480"/>
+            <a:ext cx="2993760" cy="1005480"/>
           </a:xfrm>
           <a:prstGeom prst="rect">
             <a:avLst/>
@@ -18743,7 +18878,7 @@
         <p:spPr>
           <a:xfrm>
             <a:off x="8472600" y="4633560"/>
-            <a:ext cx="542880" cy="387720"/>
+            <a:ext cx="542520" cy="387360"/>
           </a:xfrm>
           <a:prstGeom prst="rect">
             <a:avLst/>
@@ -18785,7 +18920,7 @@
                 <a:tab algn="l" pos="0"/>
               </a:tabLst>
             </a:pPr>
-            <a:fld id="{10E9DE8A-C55C-4C0D-BB78-8974DF6CD347}" type="slidenum">
+            <a:fld id="{15AFBDE1-F04D-4C7C-AEC0-C80C331CB857}" type="slidenum">
               <a:rPr b="0" lang="en" sz="1000" spc="-1" strike="noStrike">
                 <a:solidFill>
                   <a:schemeClr val="dk2"/>
@@ -18793,7 +18928,7 @@
                 <a:latin typeface="Arial"/>
                 <a:ea typeface="Arial"/>
               </a:rPr>
-              <a:t>&lt;number&gt;</a:t>
+              <a:t>10</a:t>
             </a:fld>
             <a:endParaRPr b="0" lang="en-US" sz="1000" spc="-1" strike="noStrike">
               <a:solidFill>
@@ -18817,7 +18952,7 @@
         <p:spPr>
           <a:xfrm>
             <a:off x="1487160" y="171360"/>
-            <a:ext cx="6161760" cy="917280"/>
+            <a:ext cx="6161400" cy="916920"/>
           </a:xfrm>
           <a:prstGeom prst="rect">
             <a:avLst/>
@@ -18869,7 +19004,7 @@
         <p:spPr>
           <a:xfrm>
             <a:off x="204480" y="721440"/>
-            <a:ext cx="8740800" cy="6120"/>
+            <a:ext cx="8741160" cy="6480"/>
           </a:xfrm>
           <a:prstGeom prst="straightConnector1">
             <a:avLst/>
@@ -18895,7 +19030,7 @@
         <p:spPr>
           <a:xfrm>
             <a:off x="343080" y="829800"/>
-            <a:ext cx="8339040" cy="4194720"/>
+            <a:ext cx="8338680" cy="4194360"/>
           </a:xfrm>
           <a:prstGeom prst="rect">
             <a:avLst/>
@@ -19048,7 +19183,7 @@
         <p:spPr>
           <a:xfrm>
             <a:off x="1487160" y="171360"/>
-            <a:ext cx="6161760" cy="917280"/>
+            <a:ext cx="6161400" cy="916920"/>
           </a:xfrm>
           <a:prstGeom prst="rect">
             <a:avLst/>
@@ -19104,7 +19239,7 @@
         <p:spPr>
           <a:xfrm>
             <a:off x="343080" y="606600"/>
-            <a:ext cx="8386920" cy="3489120"/>
+            <a:ext cx="8386560" cy="3488760"/>
           </a:xfrm>
           <a:prstGeom prst="rect">
             <a:avLst/>
@@ -19180,7 +19315,7 @@
         <p:spPr>
           <a:xfrm>
             <a:off x="204480" y="721440"/>
-            <a:ext cx="8740800" cy="6120"/>
+            <a:ext cx="8741160" cy="6480"/>
           </a:xfrm>
           <a:prstGeom prst="straightConnector1">
             <a:avLst/>
@@ -19206,7 +19341,7 @@
         <p:spPr>
           <a:xfrm>
             <a:off x="8472600" y="4633560"/>
-            <a:ext cx="542880" cy="387720"/>
+            <a:ext cx="542520" cy="387360"/>
           </a:xfrm>
           <a:prstGeom prst="rect">
             <a:avLst/>
@@ -19248,7 +19383,7 @@
                 <a:tab algn="l" pos="0"/>
               </a:tabLst>
             </a:pPr>
-            <a:fld id="{0D4E9185-3043-4723-9304-E84E950AFBFB}" type="slidenum">
+            <a:fld id="{71A45DA8-9AFB-478A-AEB5-7695E39BF62E}" type="slidenum">
               <a:rPr b="0" lang="en" sz="1000" spc="-1" strike="noStrike">
                 <a:solidFill>
                   <a:schemeClr val="dk2"/>
@@ -19256,7 +19391,7 @@
                 <a:latin typeface="Arial"/>
                 <a:ea typeface="Arial"/>
               </a:rPr>
-              <a:t>&lt;number&gt;</a:t>
+              <a:t>11</a:t>
             </a:fld>
             <a:endParaRPr b="0" lang="en-US" sz="1000" spc="-1" strike="noStrike">
               <a:solidFill>
@@ -19310,7 +19445,7 @@
         <p:spPr>
           <a:xfrm>
             <a:off x="1487160" y="171360"/>
-            <a:ext cx="6161760" cy="917280"/>
+            <a:ext cx="6161400" cy="916920"/>
           </a:xfrm>
           <a:prstGeom prst="rect">
             <a:avLst/>
@@ -19366,7 +19501,7 @@
         <p:spPr>
           <a:xfrm>
             <a:off x="343080" y="606600"/>
-            <a:ext cx="8309520" cy="4415040"/>
+            <a:ext cx="8309160" cy="4414680"/>
           </a:xfrm>
           <a:prstGeom prst="rect">
             <a:avLst/>
@@ -19638,7 +19773,7 @@
         <p:spPr>
           <a:xfrm>
             <a:off x="204480" y="721440"/>
-            <a:ext cx="8740800" cy="6120"/>
+            <a:ext cx="8741160" cy="6480"/>
           </a:xfrm>
           <a:prstGeom prst="straightConnector1">
             <a:avLst/>
@@ -19664,7 +19799,7 @@
         <p:spPr>
           <a:xfrm>
             <a:off x="8472600" y="4633560"/>
-            <a:ext cx="542880" cy="387720"/>
+            <a:ext cx="542520" cy="387360"/>
           </a:xfrm>
           <a:prstGeom prst="rect">
             <a:avLst/>
@@ -19706,7 +19841,7 @@
                 <a:tab algn="l" pos="0"/>
               </a:tabLst>
             </a:pPr>
-            <a:fld id="{5C25AD49-7D88-4F4B-8BCA-3E38319E8FFF}" type="slidenum">
+            <a:fld id="{A79F80DD-62B4-4ADA-A4C6-D5CC426D26E7}" type="slidenum">
               <a:rPr b="0" lang="en" sz="1000" spc="-1" strike="noStrike">
                 <a:solidFill>
                   <a:schemeClr val="dk2"/>
@@ -19714,7 +19849,7 @@
                 <a:latin typeface="Arial"/>
                 <a:ea typeface="Arial"/>
               </a:rPr>
-              <a:t>&lt;number&gt;</a:t>
+              <a:t>12</a:t>
             </a:fld>
             <a:endParaRPr b="0" lang="en-US" sz="1000" spc="-1" strike="noStrike">
               <a:solidFill>
@@ -19768,7 +19903,7 @@
         <p:spPr>
           <a:xfrm>
             <a:off x="1487160" y="171360"/>
-            <a:ext cx="6161760" cy="917280"/>
+            <a:ext cx="6161400" cy="916920"/>
           </a:xfrm>
           <a:prstGeom prst="rect">
             <a:avLst/>
@@ -19824,7 +19959,7 @@
         <p:spPr>
           <a:xfrm>
             <a:off x="343080" y="606600"/>
-            <a:ext cx="8386920" cy="4190040"/>
+            <a:ext cx="8386560" cy="4189680"/>
           </a:xfrm>
           <a:prstGeom prst="rect">
             <a:avLst/>
@@ -20038,7 +20173,7 @@
         <p:spPr>
           <a:xfrm>
             <a:off x="204480" y="721440"/>
-            <a:ext cx="8740800" cy="6120"/>
+            <a:ext cx="8741160" cy="6480"/>
           </a:xfrm>
           <a:prstGeom prst="straightConnector1">
             <a:avLst/>
@@ -20064,7 +20199,7 @@
         <p:spPr>
           <a:xfrm>
             <a:off x="8472600" y="4633560"/>
-            <a:ext cx="542880" cy="387720"/>
+            <a:ext cx="542520" cy="387360"/>
           </a:xfrm>
           <a:prstGeom prst="rect">
             <a:avLst/>
@@ -20106,7 +20241,7 @@
                 <a:tab algn="l" pos="0"/>
               </a:tabLst>
             </a:pPr>
-            <a:fld id="{697F5136-6AF0-4C04-A85B-01F8F81B45C9}" type="slidenum">
+            <a:fld id="{0C17095B-64FC-44D7-AF28-EBD120629356}" type="slidenum">
               <a:rPr b="0" lang="en" sz="1000" spc="-1" strike="noStrike">
                 <a:solidFill>
                   <a:schemeClr val="dk2"/>
@@ -20114,7 +20249,7 @@
                 <a:latin typeface="Arial"/>
                 <a:ea typeface="Arial"/>
               </a:rPr>
-              <a:t>&lt;number&gt;</a:t>
+              <a:t>2</a:t>
             </a:fld>
             <a:endParaRPr b="0" lang="en-US" sz="1000" spc="-1" strike="noStrike">
               <a:solidFill>
@@ -20164,7 +20299,7 @@
         <p:spPr>
           <a:xfrm>
             <a:off x="327960" y="4114800"/>
-            <a:ext cx="8482680" cy="805680"/>
+            <a:ext cx="8482320" cy="805320"/>
           </a:xfrm>
           <a:prstGeom prst="roundRect">
             <a:avLst>
@@ -20224,7 +20359,7 @@
         <p:spPr>
           <a:xfrm>
             <a:off x="8472600" y="4633560"/>
-            <a:ext cx="542880" cy="387720"/>
+            <a:ext cx="542520" cy="387360"/>
           </a:xfrm>
           <a:prstGeom prst="rect">
             <a:avLst/>
@@ -20266,7 +20401,7 @@
                 <a:tab algn="l" pos="0"/>
               </a:tabLst>
             </a:pPr>
-            <a:fld id="{7AC338CC-9F2B-49BC-A2BC-9148DB9B228A}" type="slidenum">
+            <a:fld id="{90F1865A-C7B7-4589-B1CE-1451BCDF2802}" type="slidenum">
               <a:rPr b="0" lang="en" sz="1000" spc="-1" strike="noStrike">
                 <a:solidFill>
                   <a:schemeClr val="dk2"/>
@@ -20274,7 +20409,7 @@
                 <a:latin typeface="Arial"/>
                 <a:ea typeface="Arial"/>
               </a:rPr>
-              <a:t>&lt;number&gt;</a:t>
+              <a:t>3</a:t>
             </a:fld>
             <a:endParaRPr b="0" lang="en-US" sz="1000" spc="-1" strike="noStrike">
               <a:solidFill>
@@ -20298,7 +20433,7 @@
         <p:spPr>
           <a:xfrm>
             <a:off x="941400" y="3567600"/>
-            <a:ext cx="7255800" cy="1900440"/>
+            <a:ext cx="7255440" cy="1900080"/>
           </a:xfrm>
           <a:prstGeom prst="rect">
             <a:avLst/>
@@ -20367,7 +20502,7 @@
         <p:spPr>
           <a:xfrm>
             <a:off x="1487160" y="171360"/>
-            <a:ext cx="6161760" cy="917280"/>
+            <a:ext cx="6161400" cy="916920"/>
           </a:xfrm>
           <a:prstGeom prst="rect">
             <a:avLst/>
@@ -20419,7 +20554,7 @@
         <p:spPr>
           <a:xfrm>
             <a:off x="204480" y="721440"/>
-            <a:ext cx="8740800" cy="6120"/>
+            <a:ext cx="8741160" cy="6480"/>
           </a:xfrm>
           <a:prstGeom prst="straightConnector1">
             <a:avLst/>
@@ -20445,7 +20580,7 @@
         <p:spPr>
           <a:xfrm>
             <a:off x="343080" y="829800"/>
-            <a:ext cx="8386920" cy="2775600"/>
+            <a:ext cx="8386560" cy="2775240"/>
           </a:xfrm>
           <a:prstGeom prst="rect">
             <a:avLst/>
@@ -20649,7 +20784,7 @@
         <p:spPr>
           <a:xfrm>
             <a:off x="1487160" y="171360"/>
-            <a:ext cx="6161760" cy="917280"/>
+            <a:ext cx="6161400" cy="916920"/>
           </a:xfrm>
           <a:prstGeom prst="rect">
             <a:avLst/>
@@ -20701,7 +20836,7 @@
         <p:spPr>
           <a:xfrm>
             <a:off x="204480" y="721440"/>
-            <a:ext cx="8740800" cy="6120"/>
+            <a:ext cx="8741160" cy="6480"/>
           </a:xfrm>
           <a:prstGeom prst="straightConnector1">
             <a:avLst/>
@@ -20727,7 +20862,7 @@
         <p:spPr>
           <a:xfrm>
             <a:off x="8472600" y="4633560"/>
-            <a:ext cx="542880" cy="387720"/>
+            <a:ext cx="542520" cy="387360"/>
           </a:xfrm>
           <a:prstGeom prst="rect">
             <a:avLst/>
@@ -20769,7 +20904,7 @@
                 <a:tab algn="l" pos="0"/>
               </a:tabLst>
             </a:pPr>
-            <a:fld id="{D981AAFC-907C-4F1D-A7A7-282F0CE2CD4A}" type="slidenum">
+            <a:fld id="{BBC7B9F6-930F-452D-BE85-4F4C1B64CE35}" type="slidenum">
               <a:rPr b="0" lang="en" sz="1000" spc="-1" strike="noStrike">
                 <a:solidFill>
                   <a:schemeClr val="dk2"/>
@@ -20777,7 +20912,7 @@
                 <a:latin typeface="Arial"/>
                 <a:ea typeface="Arial"/>
               </a:rPr>
-              <a:t>&lt;number&gt;</a:t>
+              <a:t>4</a:t>
             </a:fld>
             <a:endParaRPr b="0" lang="en-US" sz="1000" spc="-1" strike="noStrike">
               <a:solidFill>
@@ -20801,7 +20936,7 @@
         <p:spPr>
           <a:xfrm>
             <a:off x="343080" y="462600"/>
-            <a:ext cx="8386920" cy="4562640"/>
+            <a:ext cx="8386560" cy="4562280"/>
           </a:xfrm>
           <a:prstGeom prst="rect">
             <a:avLst/>
@@ -21204,7 +21339,7 @@
         <p:spPr>
           <a:xfrm>
             <a:off x="1487160" y="171360"/>
-            <a:ext cx="6161760" cy="917280"/>
+            <a:ext cx="6161400" cy="916920"/>
           </a:xfrm>
           <a:prstGeom prst="rect">
             <a:avLst/>
@@ -21256,7 +21391,7 @@
         <p:spPr>
           <a:xfrm>
             <a:off x="204480" y="721440"/>
-            <a:ext cx="8740800" cy="6120"/>
+            <a:ext cx="8741160" cy="6480"/>
           </a:xfrm>
           <a:prstGeom prst="straightConnector1">
             <a:avLst/>
@@ -21282,7 +21417,7 @@
         <p:spPr>
           <a:xfrm>
             <a:off x="8472600" y="4633560"/>
-            <a:ext cx="542880" cy="387720"/>
+            <a:ext cx="542520" cy="387360"/>
           </a:xfrm>
           <a:prstGeom prst="rect">
             <a:avLst/>
@@ -21324,7 +21459,7 @@
                 <a:tab algn="l" pos="0"/>
               </a:tabLst>
             </a:pPr>
-            <a:fld id="{D493DFAC-41BF-4A82-BEB6-6CD318104EEE}" type="slidenum">
+            <a:fld id="{98DC80D0-040A-422B-A037-4F9BFEB46A02}" type="slidenum">
               <a:rPr b="0" lang="en" sz="1000" spc="-1" strike="noStrike">
                 <a:solidFill>
                   <a:schemeClr val="dk2"/>
@@ -21332,7 +21467,7 @@
                 <a:latin typeface="Arial"/>
                 <a:ea typeface="Arial"/>
               </a:rPr>
-              <a:t>&lt;number&gt;</a:t>
+              <a:t>5</a:t>
             </a:fld>
             <a:endParaRPr b="0" lang="en-US" sz="1000" spc="-1" strike="noStrike">
               <a:solidFill>
@@ -21356,7 +21491,7 @@
         <p:spPr>
           <a:xfrm>
             <a:off x="343080" y="606600"/>
-            <a:ext cx="8386920" cy="4327920"/>
+            <a:ext cx="8386560" cy="4327560"/>
           </a:xfrm>
           <a:prstGeom prst="rect">
             <a:avLst/>
@@ -21644,7 +21779,7 @@
         <p:spPr>
           <a:xfrm>
             <a:off x="1487160" y="171360"/>
-            <a:ext cx="6161760" cy="917280"/>
+            <a:ext cx="6161400" cy="916920"/>
           </a:xfrm>
           <a:prstGeom prst="rect">
             <a:avLst/>
@@ -21700,7 +21835,7 @@
         <p:spPr>
           <a:xfrm>
             <a:off x="343080" y="606600"/>
-            <a:ext cx="8386920" cy="3489120"/>
+            <a:ext cx="8386560" cy="3488760"/>
           </a:xfrm>
           <a:prstGeom prst="rect">
             <a:avLst/>
@@ -21881,7 +22016,7 @@
         <p:spPr>
           <a:xfrm>
             <a:off x="204480" y="721440"/>
-            <a:ext cx="8740800" cy="6120"/>
+            <a:ext cx="8741160" cy="6480"/>
           </a:xfrm>
           <a:prstGeom prst="straightConnector1">
             <a:avLst/>
@@ -21907,7 +22042,7 @@
         <p:spPr>
           <a:xfrm>
             <a:off x="8472600" y="4633560"/>
-            <a:ext cx="542880" cy="387720"/>
+            <a:ext cx="542520" cy="387360"/>
           </a:xfrm>
           <a:prstGeom prst="rect">
             <a:avLst/>
@@ -21949,7 +22084,7 @@
                 <a:tab algn="l" pos="0"/>
               </a:tabLst>
             </a:pPr>
-            <a:fld id="{5B9C6DC7-98A5-4648-80AC-58D30F3C1B37}" type="slidenum">
+            <a:fld id="{638422A3-E66C-4CBA-A344-A92C2F15FB7F}" type="slidenum">
               <a:rPr b="0" lang="en" sz="1000" spc="-1" strike="noStrike">
                 <a:solidFill>
                   <a:schemeClr val="dk2"/>
@@ -21957,7 +22092,7 @@
                 <a:latin typeface="Arial"/>
                 <a:ea typeface="Arial"/>
               </a:rPr>
-              <a:t>&lt;number&gt;</a:t>
+              <a:t>6</a:t>
             </a:fld>
             <a:endParaRPr b="0" lang="en-US" sz="1000" spc="-1" strike="noStrike">
               <a:solidFill>
@@ -22011,7 +22146,7 @@
         <p:spPr>
           <a:xfrm>
             <a:off x="1487160" y="171360"/>
-            <a:ext cx="6161760" cy="917280"/>
+            <a:ext cx="6161400" cy="916920"/>
           </a:xfrm>
           <a:prstGeom prst="rect">
             <a:avLst/>
@@ -22067,7 +22202,7 @@
         <p:spPr>
           <a:xfrm>
             <a:off x="343080" y="606600"/>
-            <a:ext cx="8386920" cy="4189320"/>
+            <a:ext cx="8386560" cy="4188960"/>
           </a:xfrm>
           <a:prstGeom prst="rect">
             <a:avLst/>
@@ -22208,7 +22343,7 @@
                 <a:latin typeface="Times New Roman"/>
                 <a:ea typeface="Times New Roman"/>
               </a:rPr>
-              <a:t>10,000 accesses on 1GB array of memory</a:t>
+              <a:t>1,000 accesses on 1GB array of memory</a:t>
             </a:r>
             <a:endParaRPr b="0" lang="en-US" sz="1800" spc="-1" strike="noStrike">
               <a:solidFill>
@@ -22357,7 +22492,7 @@
         <p:spPr>
           <a:xfrm>
             <a:off x="204480" y="721440"/>
-            <a:ext cx="8740800" cy="6120"/>
+            <a:ext cx="8741160" cy="6480"/>
           </a:xfrm>
           <a:prstGeom prst="straightConnector1">
             <a:avLst/>
@@ -22383,7 +22518,7 @@
         <p:spPr>
           <a:xfrm>
             <a:off x="8472600" y="4633560"/>
-            <a:ext cx="542880" cy="387720"/>
+            <a:ext cx="542520" cy="387360"/>
           </a:xfrm>
           <a:prstGeom prst="rect">
             <a:avLst/>
@@ -22425,7 +22560,7 @@
                 <a:tab algn="l" pos="0"/>
               </a:tabLst>
             </a:pPr>
-            <a:fld id="{58727203-0472-4A9D-B065-70B32CF7E610}" type="slidenum">
+            <a:fld id="{C63FC68E-2580-4382-A1B1-B3A39851EA42}" type="slidenum">
               <a:rPr b="0" lang="en" sz="1000" spc="-1" strike="noStrike">
                 <a:solidFill>
                   <a:schemeClr val="dk2"/>
@@ -22433,7 +22568,7 @@
                 <a:latin typeface="Arial"/>
                 <a:ea typeface="Arial"/>
               </a:rPr>
-              <a:t>&lt;number&gt;</a:t>
+              <a:t>7</a:t>
             </a:fld>
             <a:endParaRPr b="0" lang="en-US" sz="1000" spc="-1" strike="noStrike">
               <a:solidFill>
@@ -22992,6 +23127,16 @@
                       <a:noAutofit/>
                     </a:bodyPr>
                     <a:p>
+                      <a:pPr algn="ctr"/>
+                      <a:r>
+                        <a:rPr b="0" lang="en-US" sz="1800" spc="-1" strike="noStrike">
+                          <a:solidFill>
+                            <a:srgbClr val="000000"/>
+                          </a:solidFill>
+                          <a:latin typeface="Times New Roman"/>
+                        </a:rPr>
+                        <a:t>.014</a:t>
+                      </a:r>
                       <a:endParaRPr b="0" lang="en-US" sz="1800" spc="-1" strike="noStrike">
                         <a:solidFill>
                           <a:srgbClr val="000000"/>
@@ -23034,6 +23179,16 @@
                       <a:noAutofit/>
                     </a:bodyPr>
                     <a:p>
+                      <a:pPr algn="ctr"/>
+                      <a:r>
+                        <a:rPr b="0" lang="en-US" sz="1800" spc="-1" strike="noStrike">
+                          <a:solidFill>
+                            <a:srgbClr val="000000"/>
+                          </a:solidFill>
+                          <a:latin typeface="Times New Roman"/>
+                        </a:rPr>
+                        <a:t>3.43</a:t>
+                      </a:r>
                       <a:endParaRPr b="0" lang="en-US" sz="1800" spc="-1" strike="noStrike">
                         <a:solidFill>
                           <a:srgbClr val="000000"/>
@@ -23076,6 +23231,16 @@
                       <a:noAutofit/>
                     </a:bodyPr>
                     <a:p>
+                      <a:pPr algn="ctr"/>
+                      <a:r>
+                        <a:rPr b="0" lang="en-US" sz="1800" spc="-1" strike="noStrike">
+                          <a:solidFill>
+                            <a:srgbClr val="000000"/>
+                          </a:solidFill>
+                          <a:latin typeface="Times New Roman"/>
+                        </a:rPr>
+                        <a:t>55,966</a:t>
+                      </a:r>
                       <a:endParaRPr b="0" lang="en-US" sz="1800" spc="-1" strike="noStrike">
                         <a:solidFill>
                           <a:srgbClr val="000000"/>
@@ -23126,7 +23291,7 @@
         <p:spPr>
           <a:xfrm>
             <a:off x="1480680" y="2561400"/>
-            <a:ext cx="1823760" cy="756360"/>
+            <a:ext cx="1823400" cy="756000"/>
           </a:xfrm>
           <a:prstGeom prst="rect">
             <a:avLst/>
@@ -23208,7 +23373,7 @@
         <p:spPr>
           <a:xfrm>
             <a:off x="1487160" y="171360"/>
-            <a:ext cx="6161760" cy="917280"/>
+            <a:ext cx="6161400" cy="916920"/>
           </a:xfrm>
           <a:prstGeom prst="rect">
             <a:avLst/>
@@ -23260,7 +23425,7 @@
         <p:spPr>
           <a:xfrm>
             <a:off x="204480" y="721440"/>
-            <a:ext cx="8740800" cy="6120"/>
+            <a:ext cx="8741160" cy="6480"/>
           </a:xfrm>
           <a:prstGeom prst="straightConnector1">
             <a:avLst/>
@@ -23286,7 +23451,7 @@
         <p:spPr>
           <a:xfrm>
             <a:off x="8472600" y="4633560"/>
-            <a:ext cx="542880" cy="387720"/>
+            <a:ext cx="542520" cy="387360"/>
           </a:xfrm>
           <a:prstGeom prst="rect">
             <a:avLst/>
@@ -23328,7 +23493,7 @@
                 <a:tab algn="l" pos="0"/>
               </a:tabLst>
             </a:pPr>
-            <a:fld id="{9F0A02D8-DE9C-4AE1-B87E-AADE0F66DD97}" type="slidenum">
+            <a:fld id="{1454DAE9-DB39-4722-9F6F-0A1304804DD5}" type="slidenum">
               <a:rPr b="0" lang="en" sz="1000" spc="-1" strike="noStrike">
                 <a:solidFill>
                   <a:schemeClr val="dk2"/>
@@ -23336,7 +23501,7 @@
                 <a:latin typeface="Arial"/>
                 <a:ea typeface="Arial"/>
               </a:rPr>
-              <a:t>&lt;number&gt;</a:t>
+              <a:t>8</a:t>
             </a:fld>
             <a:endParaRPr b="0" lang="en-US" sz="1000" spc="-1" strike="noStrike">
               <a:solidFill>
@@ -23356,7 +23521,7 @@
         <p:spPr>
           <a:xfrm>
             <a:off x="613800" y="1636200"/>
-            <a:ext cx="2007720" cy="1520280"/>
+            <a:ext cx="2007360" cy="1519920"/>
           </a:xfrm>
           <a:prstGeom prst="roundRect">
             <a:avLst>
@@ -23416,7 +23581,7 @@
         <p:spPr>
           <a:xfrm>
             <a:off x="613800" y="3231720"/>
-            <a:ext cx="2007720" cy="1520280"/>
+            <a:ext cx="2007360" cy="1519920"/>
           </a:xfrm>
           <a:prstGeom prst="roundRect">
             <a:avLst>
@@ -23476,7 +23641,7 @@
         <p:spPr>
           <a:xfrm>
             <a:off x="2625480" y="1645200"/>
-            <a:ext cx="1641960" cy="758160"/>
+            <a:ext cx="1641600" cy="757800"/>
           </a:xfrm>
           <a:prstGeom prst="roundRect">
             <a:avLst>
@@ -23536,7 +23701,7 @@
         <p:spPr>
           <a:xfrm>
             <a:off x="2625480" y="2395440"/>
-            <a:ext cx="1641960" cy="758160"/>
+            <a:ext cx="1641600" cy="757800"/>
           </a:xfrm>
           <a:prstGeom prst="roundRect">
             <a:avLst>
@@ -23596,7 +23761,7 @@
         <p:spPr>
           <a:xfrm>
             <a:off x="2625840" y="3229200"/>
-            <a:ext cx="1641960" cy="758160"/>
+            <a:ext cx="1641600" cy="757800"/>
           </a:xfrm>
           <a:prstGeom prst="roundRect">
             <a:avLst>
@@ -23656,7 +23821,7 @@
         <p:spPr>
           <a:xfrm>
             <a:off x="2625840" y="3979440"/>
-            <a:ext cx="1641960" cy="758160"/>
+            <a:ext cx="1641600" cy="757800"/>
           </a:xfrm>
           <a:prstGeom prst="roundRect">
             <a:avLst>
@@ -23716,7 +23881,7 @@
         <p:spPr>
           <a:xfrm>
             <a:off x="4262400" y="1182960"/>
-            <a:ext cx="1367640" cy="453240"/>
+            <a:ext cx="1367280" cy="452880"/>
           </a:xfrm>
           <a:prstGeom prst="roundRect">
             <a:avLst>
@@ -23784,7 +23949,7 @@
         <p:spPr>
           <a:xfrm>
             <a:off x="5630760" y="1183320"/>
-            <a:ext cx="1367640" cy="453240"/>
+            <a:ext cx="1367280" cy="452880"/>
           </a:xfrm>
           <a:prstGeom prst="roundRect">
             <a:avLst>
@@ -23852,7 +24017,7 @@
         <p:spPr>
           <a:xfrm>
             <a:off x="6999120" y="1183680"/>
-            <a:ext cx="1367640" cy="453240"/>
+            <a:ext cx="1367280" cy="452880"/>
           </a:xfrm>
           <a:prstGeom prst="roundRect">
             <a:avLst>
@@ -23911,7 +24076,7 @@
         <p:spPr>
           <a:xfrm>
             <a:off x="4262760" y="1641960"/>
-            <a:ext cx="1376280" cy="754920"/>
+            <a:ext cx="1375920" cy="754560"/>
           </a:xfrm>
           <a:prstGeom prst="roundRect">
             <a:avLst>
@@ -23971,7 +24136,7 @@
         <p:spPr>
           <a:xfrm>
             <a:off x="5631120" y="1642320"/>
-            <a:ext cx="1376280" cy="754920"/>
+            <a:ext cx="1375920" cy="754560"/>
           </a:xfrm>
           <a:prstGeom prst="roundRect">
             <a:avLst>
@@ -24031,7 +24196,7 @@
         <p:spPr>
           <a:xfrm>
             <a:off x="6999480" y="1642680"/>
-            <a:ext cx="1376280" cy="754920"/>
+            <a:ext cx="1375920" cy="754560"/>
           </a:xfrm>
           <a:prstGeom prst="roundRect">
             <a:avLst>
@@ -24091,7 +24256,7 @@
         <p:spPr>
           <a:xfrm>
             <a:off x="4263120" y="2398320"/>
-            <a:ext cx="1376280" cy="754920"/>
+            <a:ext cx="1375920" cy="754560"/>
           </a:xfrm>
           <a:prstGeom prst="roundRect">
             <a:avLst>
@@ -24151,7 +24316,7 @@
         <p:spPr>
           <a:xfrm>
             <a:off x="5631480" y="2398680"/>
-            <a:ext cx="1376280" cy="754920"/>
+            <a:ext cx="1375920" cy="754560"/>
           </a:xfrm>
           <a:prstGeom prst="roundRect">
             <a:avLst>
@@ -24211,7 +24376,7 @@
         <p:spPr>
           <a:xfrm>
             <a:off x="6999840" y="2399040"/>
-            <a:ext cx="1376280" cy="754920"/>
+            <a:ext cx="1375920" cy="754560"/>
           </a:xfrm>
           <a:prstGeom prst="roundRect">
             <a:avLst>
@@ -24271,7 +24436,7 @@
         <p:spPr>
           <a:xfrm>
             <a:off x="4263120" y="3226320"/>
-            <a:ext cx="1376280" cy="754920"/>
+            <a:ext cx="1375920" cy="754560"/>
           </a:xfrm>
           <a:prstGeom prst="roundRect">
             <a:avLst>
@@ -24299,7 +24464,11 @@
             <a:noAutofit/>
           </a:bodyPr>
           <a:p>
-            <a:pPr algn="ctr"/>
+            <a:pPr algn="ctr">
+              <a:lnSpc>
+                <a:spcPct val="100000"/>
+              </a:lnSpc>
+            </a:pPr>
             <a:r>
               <a:rPr b="0" lang="en-US" sz="1800" spc="-1" strike="noStrike">
                 <a:solidFill>
@@ -24327,7 +24496,7 @@
         <p:spPr>
           <a:xfrm>
             <a:off x="5631480" y="3226680"/>
-            <a:ext cx="1376280" cy="754920"/>
+            <a:ext cx="1375920" cy="754560"/>
           </a:xfrm>
           <a:prstGeom prst="roundRect">
             <a:avLst>
@@ -24355,16 +24524,21 @@
             <a:noAutofit/>
           </a:bodyPr>
           <a:p>
-            <a:pPr algn="ctr">
-              <a:lnSpc>
-                <a:spcPct val="100000"/>
-              </a:lnSpc>
-            </a:pPr>
+            <a:pPr algn="ctr"/>
+            <a:r>
+              <a:rPr b="0" lang="en-US" sz="1800" spc="-1" strike="noStrike">
+                <a:solidFill>
+                  <a:srgbClr val="000000"/>
+                </a:solidFill>
+                <a:latin typeface="Times New Roman"/>
+              </a:rPr>
+              <a:t>3.43</a:t>
+            </a:r>
             <a:endParaRPr b="0" lang="en-US" sz="1800" spc="-1" strike="noStrike">
               <a:solidFill>
                 <a:srgbClr val="000000"/>
               </a:solidFill>
-              <a:latin typeface="Arial"/>
+              <a:latin typeface="Times New Roman"/>
             </a:endParaRPr>
           </a:p>
         </p:txBody>
@@ -24378,7 +24552,7 @@
         <p:spPr>
           <a:xfrm>
             <a:off x="6999840" y="3227040"/>
-            <a:ext cx="1376280" cy="754920"/>
+            <a:ext cx="1375920" cy="754560"/>
           </a:xfrm>
           <a:prstGeom prst="roundRect">
             <a:avLst>
@@ -24406,16 +24580,21 @@
             <a:noAutofit/>
           </a:bodyPr>
           <a:p>
-            <a:pPr algn="ctr">
-              <a:lnSpc>
-                <a:spcPct val="100000"/>
-              </a:lnSpc>
-            </a:pPr>
-            <a:endParaRPr b="0" lang="en-US" sz="1800" spc="-1" strike="noStrike">
-              <a:solidFill>
-                <a:srgbClr val="000000"/>
-              </a:solidFill>
-              <a:latin typeface="Arial"/>
+            <a:pPr algn="ctr"/>
+            <a:r>
+              <a:rPr b="0" lang="en-US" sz="1600" spc="-1" strike="noStrike">
+                <a:solidFill>
+                  <a:srgbClr val="000000"/>
+                </a:solidFill>
+                <a:latin typeface="Times New Roman"/>
+              </a:rPr>
+              <a:t>55,966</a:t>
+            </a:r>
+            <a:endParaRPr b="0" lang="en-US" sz="1600" spc="-1" strike="noStrike">
+              <a:solidFill>
+                <a:srgbClr val="000000"/>
+              </a:solidFill>
+              <a:latin typeface="Times New Roman"/>
             </a:endParaRPr>
           </a:p>
         </p:txBody>
@@ -24429,7 +24608,7 @@
         <p:spPr>
           <a:xfrm>
             <a:off x="4263480" y="3982680"/>
-            <a:ext cx="1376280" cy="754920"/>
+            <a:ext cx="1375920" cy="754560"/>
           </a:xfrm>
           <a:prstGeom prst="roundRect">
             <a:avLst>
@@ -24489,7 +24668,7 @@
         <p:spPr>
           <a:xfrm>
             <a:off x="5631840" y="3983040"/>
-            <a:ext cx="1376280" cy="754920"/>
+            <a:ext cx="1375920" cy="754560"/>
           </a:xfrm>
           <a:prstGeom prst="roundRect">
             <a:avLst>
@@ -24549,7 +24728,7 @@
         <p:spPr>
           <a:xfrm>
             <a:off x="7000200" y="3983400"/>
-            <a:ext cx="1376280" cy="754920"/>
+            <a:ext cx="1375920" cy="754560"/>
           </a:xfrm>
           <a:prstGeom prst="roundRect">
             <a:avLst>
@@ -24609,7 +24788,7 @@
         <p:spPr>
           <a:xfrm>
             <a:off x="2642760" y="1183320"/>
-            <a:ext cx="1623600" cy="453240"/>
+            <a:ext cx="1623240" cy="452880"/>
           </a:xfrm>
           <a:prstGeom prst="roundRect">
             <a:avLst>
@@ -24702,7 +24881,7 @@
         <p:spPr>
           <a:xfrm>
             <a:off x="8472600" y="4633560"/>
-            <a:ext cx="542880" cy="387720"/>
+            <a:ext cx="542520" cy="387360"/>
           </a:xfrm>
           <a:prstGeom prst="rect">
             <a:avLst/>
@@ -24744,7 +24923,7 @@
                 <a:tab algn="l" pos="0"/>
               </a:tabLst>
             </a:pPr>
-            <a:fld id="{F5991C67-1A67-4E04-9D8A-236E86CCE938}" type="slidenum">
+            <a:fld id="{4448DE20-5396-4BEE-A0C6-66CC490DBEE9}" type="slidenum">
               <a:rPr b="0" lang="en" sz="1000" spc="-1" strike="noStrike">
                 <a:solidFill>
                   <a:schemeClr val="dk2"/>
@@ -24752,7 +24931,7 @@
                 <a:latin typeface="Arial"/>
                 <a:ea typeface="Arial"/>
               </a:rPr>
-              <a:t>&lt;number&gt;</a:t>
+              <a:t>9</a:t>
             </a:fld>
             <a:endParaRPr b="0" lang="en-US" sz="1000" spc="-1" strike="noStrike">
               <a:solidFill>
@@ -24776,7 +24955,7 @@
         <p:spPr>
           <a:xfrm>
             <a:off x="1487160" y="171360"/>
-            <a:ext cx="6161760" cy="917280"/>
+            <a:ext cx="6161400" cy="916920"/>
           </a:xfrm>
           <a:prstGeom prst="rect">
             <a:avLst/>
@@ -24828,7 +25007,7 @@
         <p:spPr>
           <a:xfrm>
             <a:off x="204480" y="721440"/>
-            <a:ext cx="8740800" cy="6120"/>
+            <a:ext cx="8741160" cy="6480"/>
           </a:xfrm>
           <a:prstGeom prst="straightConnector1">
             <a:avLst/>
@@ -24854,7 +25033,7 @@
         <p:spPr>
           <a:xfrm>
             <a:off x="343080" y="829800"/>
-            <a:ext cx="5366880" cy="4194720"/>
+            <a:ext cx="5366520" cy="4194360"/>
           </a:xfrm>
           <a:prstGeom prst="rect">
             <a:avLst/>
@@ -25147,7 +25326,7 @@
         <p:spPr>
           <a:xfrm>
             <a:off x="5734440" y="1238400"/>
-            <a:ext cx="3175920" cy="3081600"/>
+            <a:ext cx="3175560" cy="3081240"/>
           </a:xfrm>
           <a:prstGeom prst="rect">
             <a:avLst/>
@@ -25166,7 +25345,7 @@
         <p:spPr>
           <a:xfrm>
             <a:off x="5943600" y="4572000"/>
-            <a:ext cx="2281680" cy="452880"/>
+            <a:ext cx="2281320" cy="452520"/>
           </a:xfrm>
           <a:prstGeom prst="rect">
             <a:avLst/>

--- a/presentations/update.pptx
+++ b/presentations/update.pptx
@@ -59,6 +59,7 @@
     <p:sldId id="265" r:id="rId52"/>
     <p:sldId id="266" r:id="rId53"/>
     <p:sldId id="267" r:id="rId54"/>
+    <p:sldId id="268" r:id="rId55"/>
   </p:sldIdLst>
   <p:sldSz cx="9144000" cy="5143500"/>
   <p:notesSz cx="6858000" cy="9144000"/>
@@ -389,7 +390,7 @@
             <a:pPr indent="0" algn="r">
               <a:buNone/>
             </a:pPr>
-            <a:fld id="{8B1709E1-13E8-4892-A91B-6C90EC340142}" type="slidenum">
+            <a:fld id="{691C4B5E-43A6-4A54-B8FF-51AA047A3A5E}" type="slidenum">
               <a:rPr b="0" lang="en-US" sz="1400" spc="-1" strike="noStrike">
                 <a:solidFill>
                   <a:srgbClr val="000000"/>
@@ -432,7 +433,7 @@
       </p:grpSpPr>
       <p:sp>
         <p:nvSpPr>
-          <p:cNvPr id="249" name="PlaceHolder 1"/>
+          <p:cNvPr id="253" name="PlaceHolder 1"/>
           <p:cNvSpPr>
             <a:spLocks noGrp="1"/>
           </p:cNvSpPr>
@@ -443,7 +444,7 @@
         <p:spPr>
           <a:xfrm>
             <a:off x="685080" y="1143000"/>
-            <a:ext cx="5475240" cy="3073680"/>
+            <a:ext cx="5474880" cy="3073320"/>
           </a:xfrm>
           <a:prstGeom prst="rect">
             <a:avLst/>
@@ -455,7 +456,7 @@
       </p:sp>
       <p:sp>
         <p:nvSpPr>
-          <p:cNvPr id="250" name="PlaceHolder 2"/>
+          <p:cNvPr id="254" name="PlaceHolder 2"/>
           <p:cNvSpPr>
             <a:spLocks noGrp="1"/>
           </p:cNvSpPr>
@@ -466,7 +467,7 @@
         <p:spPr>
           <a:xfrm>
             <a:off x="685800" y="4400640"/>
-            <a:ext cx="5473800" cy="3587760"/>
+            <a:ext cx="5473440" cy="3587400"/>
           </a:xfrm>
           <a:prstGeom prst="rect">
             <a:avLst/>
@@ -495,18 +496,18 @@
       </p:sp>
       <p:sp>
         <p:nvSpPr>
-          <p:cNvPr id="251" name="PlaceHolder 3"/>
+          <p:cNvPr id="255" name="PlaceHolder 3"/>
           <p:cNvSpPr>
             <a:spLocks noGrp="1"/>
           </p:cNvSpPr>
           <p:nvPr>
-            <p:ph type="sldNum" idx="56"/>
+            <p:ph type="sldNum" idx="57"/>
           </p:nvPr>
         </p:nvSpPr>
         <p:spPr>
           <a:xfrm>
             <a:off x="3884760" y="8685360"/>
-            <a:ext cx="2959200" cy="446040"/>
+            <a:ext cx="2958840" cy="445680"/>
           </a:xfrm>
           <a:prstGeom prst="rect">
             <a:avLst/>
@@ -548,7 +549,7 @@
                 <a:tab algn="l" pos="0"/>
               </a:tabLst>
             </a:pPr>
-            <a:fld id="{3B4990F2-C3F7-4A80-B0F7-D09CD353380A}" type="slidenum">
+            <a:fld id="{50616BEF-61A5-41B7-A9D5-90610D8CC736}" type="slidenum">
               <a:rPr b="0" lang="en" sz="1200" spc="-1" strike="noStrike">
                 <a:solidFill>
                   <a:srgbClr val="000000"/>
@@ -591,7 +592,7 @@
       </p:grpSpPr>
       <p:sp>
         <p:nvSpPr>
-          <p:cNvPr id="276" name="PlaceHolder 1"/>
+          <p:cNvPr id="280" name="PlaceHolder 1"/>
           <p:cNvSpPr>
             <a:spLocks noGrp="1"/>
           </p:cNvSpPr>
@@ -602,7 +603,7 @@
         <p:spPr>
           <a:xfrm>
             <a:off x="685080" y="1143000"/>
-            <a:ext cx="5475240" cy="3073680"/>
+            <a:ext cx="5474880" cy="3073320"/>
           </a:xfrm>
           <a:prstGeom prst="rect">
             <a:avLst/>
@@ -614,7 +615,7 @@
       </p:sp>
       <p:sp>
         <p:nvSpPr>
-          <p:cNvPr id="277" name="PlaceHolder 2"/>
+          <p:cNvPr id="281" name="PlaceHolder 2"/>
           <p:cNvSpPr>
             <a:spLocks noGrp="1"/>
           </p:cNvSpPr>
@@ -625,7 +626,7 @@
         <p:spPr>
           <a:xfrm>
             <a:off x="685800" y="4400640"/>
-            <a:ext cx="5473800" cy="3587760"/>
+            <a:ext cx="5473440" cy="3587400"/>
           </a:xfrm>
           <a:prstGeom prst="rect">
             <a:avLst/>
@@ -654,18 +655,18 @@
       </p:sp>
       <p:sp>
         <p:nvSpPr>
-          <p:cNvPr id="278" name="PlaceHolder 3"/>
+          <p:cNvPr id="282" name="PlaceHolder 3"/>
           <p:cNvSpPr>
             <a:spLocks noGrp="1"/>
           </p:cNvSpPr>
           <p:nvPr>
-            <p:ph type="sldNum" idx="65"/>
+            <p:ph type="sldNum" idx="66"/>
           </p:nvPr>
         </p:nvSpPr>
         <p:spPr>
           <a:xfrm>
             <a:off x="3884760" y="8685360"/>
-            <a:ext cx="2959200" cy="446040"/>
+            <a:ext cx="2958840" cy="445680"/>
           </a:xfrm>
           <a:prstGeom prst="rect">
             <a:avLst/>
@@ -707,7 +708,7 @@
                 <a:tab algn="l" pos="0"/>
               </a:tabLst>
             </a:pPr>
-            <a:fld id="{CFCC69E7-93CB-43FA-A930-7F2A09CB7314}" type="slidenum">
+            <a:fld id="{512936AB-32F8-40AB-BF99-B38DB7644FF8}" type="slidenum">
               <a:rPr b="0" lang="en" sz="1200" spc="-1" strike="noStrike">
                 <a:solidFill>
                   <a:srgbClr val="000000"/>
@@ -750,7 +751,7 @@
       </p:grpSpPr>
       <p:sp>
         <p:nvSpPr>
-          <p:cNvPr id="279" name="PlaceHolder 1"/>
+          <p:cNvPr id="283" name="PlaceHolder 1"/>
           <p:cNvSpPr>
             <a:spLocks noGrp="1"/>
           </p:cNvSpPr>
@@ -761,7 +762,7 @@
         <p:spPr>
           <a:xfrm>
             <a:off x="685080" y="1143000"/>
-            <a:ext cx="5475240" cy="3073680"/>
+            <a:ext cx="5474880" cy="3073320"/>
           </a:xfrm>
           <a:prstGeom prst="rect">
             <a:avLst/>
@@ -773,7 +774,7 @@
       </p:sp>
       <p:sp>
         <p:nvSpPr>
-          <p:cNvPr id="280" name="PlaceHolder 2"/>
+          <p:cNvPr id="284" name="PlaceHolder 2"/>
           <p:cNvSpPr>
             <a:spLocks noGrp="1"/>
           </p:cNvSpPr>
@@ -784,7 +785,7 @@
         <p:spPr>
           <a:xfrm>
             <a:off x="685800" y="4400640"/>
-            <a:ext cx="5473800" cy="3587760"/>
+            <a:ext cx="5473440" cy="3587400"/>
           </a:xfrm>
           <a:prstGeom prst="rect">
             <a:avLst/>
@@ -813,18 +814,18 @@
       </p:sp>
       <p:sp>
         <p:nvSpPr>
-          <p:cNvPr id="281" name="PlaceHolder 3"/>
+          <p:cNvPr id="285" name="PlaceHolder 3"/>
           <p:cNvSpPr>
             <a:spLocks noGrp="1"/>
           </p:cNvSpPr>
           <p:nvPr>
-            <p:ph type="sldNum" idx="66"/>
+            <p:ph type="sldNum" idx="67"/>
           </p:nvPr>
         </p:nvSpPr>
         <p:spPr>
           <a:xfrm>
             <a:off x="3884760" y="8685360"/>
-            <a:ext cx="2959200" cy="446040"/>
+            <a:ext cx="2958840" cy="445680"/>
           </a:xfrm>
           <a:prstGeom prst="rect">
             <a:avLst/>
@@ -866,7 +867,7 @@
                 <a:tab algn="l" pos="0"/>
               </a:tabLst>
             </a:pPr>
-            <a:fld id="{654403CE-029B-4A4D-9206-13F2919EA42F}" type="slidenum">
+            <a:fld id="{C81CFAFF-206F-4F04-9A12-512AEC08190C}" type="slidenum">
               <a:rPr b="0" lang="en" sz="1200" spc="-1" strike="noStrike">
                 <a:solidFill>
                   <a:srgbClr val="000000"/>
@@ -909,7 +910,7 @@
       </p:grpSpPr>
       <p:sp>
         <p:nvSpPr>
-          <p:cNvPr id="282" name="PlaceHolder 1"/>
+          <p:cNvPr id="286" name="PlaceHolder 1"/>
           <p:cNvSpPr>
             <a:spLocks noGrp="1"/>
           </p:cNvSpPr>
@@ -920,7 +921,7 @@
         <p:spPr>
           <a:xfrm>
             <a:off x="685080" y="1143000"/>
-            <a:ext cx="5475240" cy="3073680"/>
+            <a:ext cx="5474880" cy="3073320"/>
           </a:xfrm>
           <a:prstGeom prst="rect">
             <a:avLst/>
@@ -932,7 +933,7 @@
       </p:sp>
       <p:sp>
         <p:nvSpPr>
-          <p:cNvPr id="283" name="PlaceHolder 2"/>
+          <p:cNvPr id="287" name="PlaceHolder 2"/>
           <p:cNvSpPr>
             <a:spLocks noGrp="1"/>
           </p:cNvSpPr>
@@ -943,7 +944,7 @@
         <p:spPr>
           <a:xfrm>
             <a:off x="685800" y="4400640"/>
-            <a:ext cx="5473800" cy="3587760"/>
+            <a:ext cx="5473440" cy="3587400"/>
           </a:xfrm>
           <a:prstGeom prst="rect">
             <a:avLst/>
@@ -972,18 +973,18 @@
       </p:sp>
       <p:sp>
         <p:nvSpPr>
-          <p:cNvPr id="284" name="PlaceHolder 3"/>
+          <p:cNvPr id="288" name="PlaceHolder 3"/>
           <p:cNvSpPr>
             <a:spLocks noGrp="1"/>
           </p:cNvSpPr>
           <p:nvPr>
-            <p:ph type="sldNum" idx="67"/>
+            <p:ph type="sldNum" idx="68"/>
           </p:nvPr>
         </p:nvSpPr>
         <p:spPr>
           <a:xfrm>
             <a:off x="3884760" y="8685360"/>
-            <a:ext cx="2959200" cy="446040"/>
+            <a:ext cx="2958840" cy="445680"/>
           </a:xfrm>
           <a:prstGeom prst="rect">
             <a:avLst/>
@@ -1025,7 +1026,166 @@
                 <a:tab algn="l" pos="0"/>
               </a:tabLst>
             </a:pPr>
-            <a:fld id="{05B90F09-998C-4EF2-94E5-7CC43FD61771}" type="slidenum">
+            <a:fld id="{A7B427EA-0E00-4283-9969-1CB6B911C3B8}" type="slidenum">
+              <a:rPr b="0" lang="en" sz="1200" spc="-1" strike="noStrike">
+                <a:solidFill>
+                  <a:srgbClr val="000000"/>
+                </a:solidFill>
+                <a:latin typeface="Times New Roman"/>
+                <a:ea typeface="Times New Roman"/>
+              </a:rPr>
+              <a:t>&lt;number&gt;</a:t>
+            </a:fld>
+            <a:endParaRPr b="0" lang="en-US" sz="1200" spc="-1" strike="noStrike">
+              <a:solidFill>
+                <a:srgbClr val="000000"/>
+              </a:solidFill>
+              <a:latin typeface="Times New Roman"/>
+            </a:endParaRPr>
+          </a:p>
+        </p:txBody>
+      </p:sp>
+    </p:spTree>
+  </p:cSld>
+</p:notes>
+</file>
+
+<file path=ppt/notesSlides/notesSlide13.xml><?xml version="1.0" encoding="utf-8"?>
+<p:notes xmlns:a="http://schemas.openxmlformats.org/drawingml/2006/main" xmlns:p="http://schemas.openxmlformats.org/presentationml/2006/main" xmlns:r="http://schemas.openxmlformats.org/officeDocument/2006/relationships" xmlns:p14="http://schemas.microsoft.com/office/powerpoint/2010/main" xmlns:p15="http://schemas.microsoft.com/office/powerpoint/2012/main" xmlns:mc="http://schemas.openxmlformats.org/markup-compatibility/2006">
+  <p:cSld>
+    <p:spTree>
+      <p:nvGrpSpPr>
+        <p:cNvPr id="1" name=""/>
+        <p:cNvGrpSpPr/>
+        <p:nvPr/>
+      </p:nvGrpSpPr>
+      <p:grpSpPr>
+        <a:xfrm>
+          <a:off x="0" y="0"/>
+          <a:ext cx="0" cy="0"/>
+          <a:chOff x="0" y="0"/>
+          <a:chExt cx="0" cy="0"/>
+        </a:xfrm>
+      </p:grpSpPr>
+      <p:sp>
+        <p:nvSpPr>
+          <p:cNvPr id="289" name="PlaceHolder 1"/>
+          <p:cNvSpPr>
+            <a:spLocks noGrp="1"/>
+          </p:cNvSpPr>
+          <p:nvPr>
+            <p:ph type="sldImg"/>
+          </p:nvPr>
+        </p:nvSpPr>
+        <p:spPr>
+          <a:xfrm>
+            <a:off x="685080" y="1143000"/>
+            <a:ext cx="5474880" cy="3073320"/>
+          </a:xfrm>
+          <a:prstGeom prst="rect">
+            <a:avLst/>
+          </a:prstGeom>
+          <a:ln w="0">
+            <a:noFill/>
+          </a:ln>
+        </p:spPr>
+      </p:sp>
+      <p:sp>
+        <p:nvSpPr>
+          <p:cNvPr id="290" name="PlaceHolder 2"/>
+          <p:cNvSpPr>
+            <a:spLocks noGrp="1"/>
+          </p:cNvSpPr>
+          <p:nvPr>
+            <p:ph type="body"/>
+          </p:nvPr>
+        </p:nvSpPr>
+        <p:spPr>
+          <a:xfrm>
+            <a:off x="685800" y="4400640"/>
+            <a:ext cx="5473440" cy="3587400"/>
+          </a:xfrm>
+          <a:prstGeom prst="rect">
+            <a:avLst/>
+          </a:prstGeom>
+          <a:noFill/>
+          <a:ln w="0">
+            <a:noFill/>
+          </a:ln>
+        </p:spPr>
+        <p:txBody>
+          <a:bodyPr lIns="0" rIns="0" tIns="0" bIns="0" anchor="t">
+            <a:noAutofit/>
+          </a:bodyPr>
+          <a:p>
+            <a:pPr marL="216000" indent="-216000">
+              <a:buNone/>
+            </a:pPr>
+            <a:endParaRPr b="0" lang="en-US" sz="1800" spc="-1" strike="noStrike">
+              <a:solidFill>
+                <a:srgbClr val="000000"/>
+              </a:solidFill>
+              <a:latin typeface="Arial"/>
+            </a:endParaRPr>
+          </a:p>
+        </p:txBody>
+      </p:sp>
+      <p:sp>
+        <p:nvSpPr>
+          <p:cNvPr id="291" name="PlaceHolder 3"/>
+          <p:cNvSpPr>
+            <a:spLocks noGrp="1"/>
+          </p:cNvSpPr>
+          <p:nvPr>
+            <p:ph type="sldNum" idx="69"/>
+          </p:nvPr>
+        </p:nvSpPr>
+        <p:spPr>
+          <a:xfrm>
+            <a:off x="3884760" y="8685360"/>
+            <a:ext cx="2958840" cy="445680"/>
+          </a:xfrm>
+          <a:prstGeom prst="rect">
+            <a:avLst/>
+          </a:prstGeom>
+          <a:noFill/>
+          <a:ln w="0">
+            <a:noFill/>
+          </a:ln>
+        </p:spPr>
+        <p:txBody>
+          <a:bodyPr lIns="0" rIns="0" tIns="0" bIns="0" anchor="b">
+            <a:noAutofit/>
+          </a:bodyPr>
+          <a:lstStyle>
+            <a:lvl1pPr indent="0" algn="r">
+              <a:lnSpc>
+                <a:spcPct val="100000"/>
+              </a:lnSpc>
+              <a:buNone/>
+              <a:tabLst>
+                <a:tab algn="l" pos="0"/>
+              </a:tabLst>
+              <a:defRPr b="0" lang="en" sz="1200" spc="-1" strike="noStrike">
+                <a:solidFill>
+                  <a:srgbClr val="000000"/>
+                </a:solidFill>
+                <a:latin typeface="Times New Roman"/>
+                <a:ea typeface="Times New Roman"/>
+              </a:defRPr>
+            </a:lvl1pPr>
+          </a:lstStyle>
+          <a:p>
+            <a:pPr indent="0" algn="r">
+              <a:lnSpc>
+                <a:spcPct val="100000"/>
+              </a:lnSpc>
+              <a:buNone/>
+              <a:tabLst>
+                <a:tab algn="l" pos="0"/>
+              </a:tabLst>
+            </a:pPr>
+            <a:fld id="{F20B15B7-BEBF-4F41-B55B-D302338C92FD}" type="slidenum">
               <a:rPr b="0" lang="en" sz="1200" spc="-1" strike="noStrike">
                 <a:solidFill>
                   <a:srgbClr val="000000"/>
@@ -1068,7 +1228,7 @@
       </p:grpSpPr>
       <p:sp>
         <p:nvSpPr>
-          <p:cNvPr id="252" name="PlaceHolder 1"/>
+          <p:cNvPr id="256" name="PlaceHolder 1"/>
           <p:cNvSpPr>
             <a:spLocks noGrp="1"/>
           </p:cNvSpPr>
@@ -1079,7 +1239,7 @@
         <p:spPr>
           <a:xfrm>
             <a:off x="685080" y="1143000"/>
-            <a:ext cx="5475240" cy="3073680"/>
+            <a:ext cx="5474880" cy="3073320"/>
           </a:xfrm>
           <a:prstGeom prst="rect">
             <a:avLst/>
@@ -1091,7 +1251,7 @@
       </p:sp>
       <p:sp>
         <p:nvSpPr>
-          <p:cNvPr id="253" name="PlaceHolder 2"/>
+          <p:cNvPr id="257" name="PlaceHolder 2"/>
           <p:cNvSpPr>
             <a:spLocks noGrp="1"/>
           </p:cNvSpPr>
@@ -1102,7 +1262,7 @@
         <p:spPr>
           <a:xfrm>
             <a:off x="685800" y="4400640"/>
-            <a:ext cx="5473800" cy="3587760"/>
+            <a:ext cx="5473440" cy="3587400"/>
           </a:xfrm>
           <a:prstGeom prst="rect">
             <a:avLst/>
@@ -1131,18 +1291,18 @@
       </p:sp>
       <p:sp>
         <p:nvSpPr>
-          <p:cNvPr id="254" name="PlaceHolder 3"/>
+          <p:cNvPr id="258" name="PlaceHolder 3"/>
           <p:cNvSpPr>
             <a:spLocks noGrp="1"/>
           </p:cNvSpPr>
           <p:nvPr>
-            <p:ph type="sldNum" idx="57"/>
+            <p:ph type="sldNum" idx="58"/>
           </p:nvPr>
         </p:nvSpPr>
         <p:spPr>
           <a:xfrm>
             <a:off x="3884760" y="8685360"/>
-            <a:ext cx="2959200" cy="446040"/>
+            <a:ext cx="2958840" cy="445680"/>
           </a:xfrm>
           <a:prstGeom prst="rect">
             <a:avLst/>
@@ -1184,7 +1344,7 @@
                 <a:tab algn="l" pos="0"/>
               </a:tabLst>
             </a:pPr>
-            <a:fld id="{24343822-7C71-4C42-B06E-EB40A7A57B8A}" type="slidenum">
+            <a:fld id="{79C9BC3D-87AE-45CC-879F-7D780E718FCC}" type="slidenum">
               <a:rPr b="0" lang="en" sz="1200" spc="-1" strike="noStrike">
                 <a:solidFill>
                   <a:srgbClr val="000000"/>
@@ -1227,7 +1387,7 @@
       </p:grpSpPr>
       <p:sp>
         <p:nvSpPr>
-          <p:cNvPr id="255" name="PlaceHolder 1"/>
+          <p:cNvPr id="259" name="PlaceHolder 1"/>
           <p:cNvSpPr>
             <a:spLocks noGrp="1"/>
           </p:cNvSpPr>
@@ -1238,7 +1398,7 @@
         <p:spPr>
           <a:xfrm>
             <a:off x="685080" y="1143000"/>
-            <a:ext cx="5475240" cy="3073680"/>
+            <a:ext cx="5474880" cy="3073320"/>
           </a:xfrm>
           <a:prstGeom prst="rect">
             <a:avLst/>
@@ -1250,7 +1410,7 @@
       </p:sp>
       <p:sp>
         <p:nvSpPr>
-          <p:cNvPr id="256" name="PlaceHolder 2"/>
+          <p:cNvPr id="260" name="PlaceHolder 2"/>
           <p:cNvSpPr>
             <a:spLocks noGrp="1"/>
           </p:cNvSpPr>
@@ -1261,7 +1421,7 @@
         <p:spPr>
           <a:xfrm>
             <a:off x="685800" y="4400640"/>
-            <a:ext cx="5473800" cy="3587760"/>
+            <a:ext cx="5473440" cy="3587400"/>
           </a:xfrm>
           <a:prstGeom prst="rect">
             <a:avLst/>
@@ -1290,18 +1450,18 @@
       </p:sp>
       <p:sp>
         <p:nvSpPr>
-          <p:cNvPr id="257" name="PlaceHolder 3"/>
+          <p:cNvPr id="261" name="PlaceHolder 3"/>
           <p:cNvSpPr>
             <a:spLocks noGrp="1"/>
           </p:cNvSpPr>
           <p:nvPr>
-            <p:ph type="sldNum" idx="58"/>
+            <p:ph type="sldNum" idx="59"/>
           </p:nvPr>
         </p:nvSpPr>
         <p:spPr>
           <a:xfrm>
             <a:off x="3884760" y="8685360"/>
-            <a:ext cx="2959200" cy="446040"/>
+            <a:ext cx="2958840" cy="445680"/>
           </a:xfrm>
           <a:prstGeom prst="rect">
             <a:avLst/>
@@ -1343,7 +1503,7 @@
                 <a:tab algn="l" pos="0"/>
               </a:tabLst>
             </a:pPr>
-            <a:fld id="{266B7C42-8F44-4263-A19B-480FAB1F384B}" type="slidenum">
+            <a:fld id="{56731E67-2B57-4777-A88B-33133FDB903E}" type="slidenum">
               <a:rPr b="0" lang="en" sz="1200" spc="-1" strike="noStrike">
                 <a:solidFill>
                   <a:srgbClr val="000000"/>
@@ -1386,7 +1546,7 @@
       </p:grpSpPr>
       <p:sp>
         <p:nvSpPr>
-          <p:cNvPr id="258" name="PlaceHolder 1"/>
+          <p:cNvPr id="262" name="PlaceHolder 1"/>
           <p:cNvSpPr>
             <a:spLocks noGrp="1"/>
           </p:cNvSpPr>
@@ -1397,7 +1557,7 @@
         <p:spPr>
           <a:xfrm>
             <a:off x="685080" y="1143000"/>
-            <a:ext cx="5475240" cy="3073680"/>
+            <a:ext cx="5474880" cy="3073320"/>
           </a:xfrm>
           <a:prstGeom prst="rect">
             <a:avLst/>
@@ -1409,7 +1569,7 @@
       </p:sp>
       <p:sp>
         <p:nvSpPr>
-          <p:cNvPr id="259" name="PlaceHolder 2"/>
+          <p:cNvPr id="263" name="PlaceHolder 2"/>
           <p:cNvSpPr>
             <a:spLocks noGrp="1"/>
           </p:cNvSpPr>
@@ -1420,7 +1580,7 @@
         <p:spPr>
           <a:xfrm>
             <a:off x="685800" y="4400640"/>
-            <a:ext cx="5473800" cy="3587760"/>
+            <a:ext cx="5473440" cy="3587400"/>
           </a:xfrm>
           <a:prstGeom prst="rect">
             <a:avLst/>
@@ -1449,18 +1609,18 @@
       </p:sp>
       <p:sp>
         <p:nvSpPr>
-          <p:cNvPr id="260" name="PlaceHolder 3"/>
+          <p:cNvPr id="264" name="PlaceHolder 3"/>
           <p:cNvSpPr>
             <a:spLocks noGrp="1"/>
           </p:cNvSpPr>
           <p:nvPr>
-            <p:ph type="sldNum" idx="59"/>
+            <p:ph type="sldNum" idx="60"/>
           </p:nvPr>
         </p:nvSpPr>
         <p:spPr>
           <a:xfrm>
             <a:off x="3884760" y="8685360"/>
-            <a:ext cx="2959200" cy="446040"/>
+            <a:ext cx="2958840" cy="445680"/>
           </a:xfrm>
           <a:prstGeom prst="rect">
             <a:avLst/>
@@ -1502,7 +1662,7 @@
                 <a:tab algn="l" pos="0"/>
               </a:tabLst>
             </a:pPr>
-            <a:fld id="{57B150FD-89F8-4553-AA1F-673E97AAF5D2}" type="slidenum">
+            <a:fld id="{F3692A91-7BAA-4D32-85D7-3D7E92894F02}" type="slidenum">
               <a:rPr b="0" lang="en" sz="1200" spc="-1" strike="noStrike">
                 <a:solidFill>
                   <a:srgbClr val="000000"/>
@@ -1545,7 +1705,7 @@
       </p:grpSpPr>
       <p:sp>
         <p:nvSpPr>
-          <p:cNvPr id="261" name="PlaceHolder 1"/>
+          <p:cNvPr id="265" name="PlaceHolder 1"/>
           <p:cNvSpPr>
             <a:spLocks noGrp="1"/>
           </p:cNvSpPr>
@@ -1556,7 +1716,7 @@
         <p:spPr>
           <a:xfrm>
             <a:off x="685080" y="1143000"/>
-            <a:ext cx="5475240" cy="3073680"/>
+            <a:ext cx="5474880" cy="3073320"/>
           </a:xfrm>
           <a:prstGeom prst="rect">
             <a:avLst/>
@@ -1568,7 +1728,7 @@
       </p:sp>
       <p:sp>
         <p:nvSpPr>
-          <p:cNvPr id="262" name="PlaceHolder 2"/>
+          <p:cNvPr id="266" name="PlaceHolder 2"/>
           <p:cNvSpPr>
             <a:spLocks noGrp="1"/>
           </p:cNvSpPr>
@@ -1579,7 +1739,7 @@
         <p:spPr>
           <a:xfrm>
             <a:off x="685800" y="4400640"/>
-            <a:ext cx="5473800" cy="3587760"/>
+            <a:ext cx="5473440" cy="3587400"/>
           </a:xfrm>
           <a:prstGeom prst="rect">
             <a:avLst/>
@@ -1608,18 +1768,18 @@
       </p:sp>
       <p:sp>
         <p:nvSpPr>
-          <p:cNvPr id="263" name="PlaceHolder 3"/>
+          <p:cNvPr id="267" name="PlaceHolder 3"/>
           <p:cNvSpPr>
             <a:spLocks noGrp="1"/>
           </p:cNvSpPr>
           <p:nvPr>
-            <p:ph type="sldNum" idx="60"/>
+            <p:ph type="sldNum" idx="61"/>
           </p:nvPr>
         </p:nvSpPr>
         <p:spPr>
           <a:xfrm>
             <a:off x="3884760" y="8685360"/>
-            <a:ext cx="2959200" cy="446040"/>
+            <a:ext cx="2958840" cy="445680"/>
           </a:xfrm>
           <a:prstGeom prst="rect">
             <a:avLst/>
@@ -1661,7 +1821,7 @@
                 <a:tab algn="l" pos="0"/>
               </a:tabLst>
             </a:pPr>
-            <a:fld id="{33C071F9-2999-4648-AE5A-32AE68537EA4}" type="slidenum">
+            <a:fld id="{1649B727-EB94-4742-AF76-76725052A7C7}" type="slidenum">
               <a:rPr b="0" lang="en" sz="1200" spc="-1" strike="noStrike">
                 <a:solidFill>
                   <a:srgbClr val="000000"/>
@@ -1704,7 +1864,7 @@
       </p:grpSpPr>
       <p:sp>
         <p:nvSpPr>
-          <p:cNvPr id="264" name="PlaceHolder 1"/>
+          <p:cNvPr id="268" name="PlaceHolder 1"/>
           <p:cNvSpPr>
             <a:spLocks noGrp="1"/>
           </p:cNvSpPr>
@@ -1715,7 +1875,7 @@
         <p:spPr>
           <a:xfrm>
             <a:off x="685080" y="1143000"/>
-            <a:ext cx="5475240" cy="3073680"/>
+            <a:ext cx="5474880" cy="3073320"/>
           </a:xfrm>
           <a:prstGeom prst="rect">
             <a:avLst/>
@@ -1727,7 +1887,7 @@
       </p:sp>
       <p:sp>
         <p:nvSpPr>
-          <p:cNvPr id="265" name="PlaceHolder 2"/>
+          <p:cNvPr id="269" name="PlaceHolder 2"/>
           <p:cNvSpPr>
             <a:spLocks noGrp="1"/>
           </p:cNvSpPr>
@@ -1738,7 +1898,7 @@
         <p:spPr>
           <a:xfrm>
             <a:off x="685800" y="4400640"/>
-            <a:ext cx="5473800" cy="3587760"/>
+            <a:ext cx="5473440" cy="3587400"/>
           </a:xfrm>
           <a:prstGeom prst="rect">
             <a:avLst/>
@@ -1767,18 +1927,18 @@
       </p:sp>
       <p:sp>
         <p:nvSpPr>
-          <p:cNvPr id="266" name="PlaceHolder 3"/>
+          <p:cNvPr id="270" name="PlaceHolder 3"/>
           <p:cNvSpPr>
             <a:spLocks noGrp="1"/>
           </p:cNvSpPr>
           <p:nvPr>
-            <p:ph type="sldNum" idx="61"/>
+            <p:ph type="sldNum" idx="62"/>
           </p:nvPr>
         </p:nvSpPr>
         <p:spPr>
           <a:xfrm>
             <a:off x="3884760" y="8685360"/>
-            <a:ext cx="2959200" cy="446040"/>
+            <a:ext cx="2958840" cy="445680"/>
           </a:xfrm>
           <a:prstGeom prst="rect">
             <a:avLst/>
@@ -1820,7 +1980,7 @@
                 <a:tab algn="l" pos="0"/>
               </a:tabLst>
             </a:pPr>
-            <a:fld id="{E9842531-D5DD-4ECE-9DA5-669F4BBBF197}" type="slidenum">
+            <a:fld id="{63CDE685-CBF7-4112-9C09-754C717D47B5}" type="slidenum">
               <a:rPr b="0" lang="en" sz="1200" spc="-1" strike="noStrike">
                 <a:solidFill>
                   <a:srgbClr val="000000"/>
@@ -1863,7 +2023,7 @@
       </p:grpSpPr>
       <p:sp>
         <p:nvSpPr>
-          <p:cNvPr id="267" name="PlaceHolder 1"/>
+          <p:cNvPr id="271" name="PlaceHolder 1"/>
           <p:cNvSpPr>
             <a:spLocks noGrp="1"/>
           </p:cNvSpPr>
@@ -1874,7 +2034,7 @@
         <p:spPr>
           <a:xfrm>
             <a:off x="685080" y="1143000"/>
-            <a:ext cx="5475240" cy="3073680"/>
+            <a:ext cx="5474880" cy="3073320"/>
           </a:xfrm>
           <a:prstGeom prst="rect">
             <a:avLst/>
@@ -1886,7 +2046,7 @@
       </p:sp>
       <p:sp>
         <p:nvSpPr>
-          <p:cNvPr id="268" name="PlaceHolder 2"/>
+          <p:cNvPr id="272" name="PlaceHolder 2"/>
           <p:cNvSpPr>
             <a:spLocks noGrp="1"/>
           </p:cNvSpPr>
@@ -1897,7 +2057,7 @@
         <p:spPr>
           <a:xfrm>
             <a:off x="685800" y="4400640"/>
-            <a:ext cx="5473800" cy="3587760"/>
+            <a:ext cx="5473440" cy="3587400"/>
           </a:xfrm>
           <a:prstGeom prst="rect">
             <a:avLst/>
@@ -1926,18 +2086,18 @@
       </p:sp>
       <p:sp>
         <p:nvSpPr>
-          <p:cNvPr id="269" name="PlaceHolder 3"/>
+          <p:cNvPr id="273" name="PlaceHolder 3"/>
           <p:cNvSpPr>
             <a:spLocks noGrp="1"/>
           </p:cNvSpPr>
           <p:nvPr>
-            <p:ph type="sldNum" idx="62"/>
+            <p:ph type="sldNum" idx="63"/>
           </p:nvPr>
         </p:nvSpPr>
         <p:spPr>
           <a:xfrm>
             <a:off x="3884760" y="8685360"/>
-            <a:ext cx="2959200" cy="446040"/>
+            <a:ext cx="2958840" cy="445680"/>
           </a:xfrm>
           <a:prstGeom prst="rect">
             <a:avLst/>
@@ -1979,7 +2139,7 @@
                 <a:tab algn="l" pos="0"/>
               </a:tabLst>
             </a:pPr>
-            <a:fld id="{EB82C052-C5BB-47D6-AC70-E7100F74831E}" type="slidenum">
+            <a:fld id="{8763647E-55B1-483E-8FB1-5E79A45806F3}" type="slidenum">
               <a:rPr b="0" lang="en" sz="1200" spc="-1" strike="noStrike">
                 <a:solidFill>
                   <a:srgbClr val="000000"/>
@@ -2022,7 +2182,7 @@
       </p:grpSpPr>
       <p:sp>
         <p:nvSpPr>
-          <p:cNvPr id="270" name="PlaceHolder 1"/>
+          <p:cNvPr id="274" name="PlaceHolder 1"/>
           <p:cNvSpPr>
             <a:spLocks noGrp="1"/>
           </p:cNvSpPr>
@@ -2033,7 +2193,7 @@
         <p:spPr>
           <a:xfrm>
             <a:off x="685080" y="1143000"/>
-            <a:ext cx="5475240" cy="3073680"/>
+            <a:ext cx="5474880" cy="3073320"/>
           </a:xfrm>
           <a:prstGeom prst="rect">
             <a:avLst/>
@@ -2045,7 +2205,7 @@
       </p:sp>
       <p:sp>
         <p:nvSpPr>
-          <p:cNvPr id="271" name="PlaceHolder 2"/>
+          <p:cNvPr id="275" name="PlaceHolder 2"/>
           <p:cNvSpPr>
             <a:spLocks noGrp="1"/>
           </p:cNvSpPr>
@@ -2056,7 +2216,7 @@
         <p:spPr>
           <a:xfrm>
             <a:off x="685800" y="4400640"/>
-            <a:ext cx="5473800" cy="3587760"/>
+            <a:ext cx="5473440" cy="3587400"/>
           </a:xfrm>
           <a:prstGeom prst="rect">
             <a:avLst/>
@@ -2085,18 +2245,18 @@
       </p:sp>
       <p:sp>
         <p:nvSpPr>
-          <p:cNvPr id="272" name="PlaceHolder 3"/>
+          <p:cNvPr id="276" name="PlaceHolder 3"/>
           <p:cNvSpPr>
             <a:spLocks noGrp="1"/>
           </p:cNvSpPr>
           <p:nvPr>
-            <p:ph type="sldNum" idx="63"/>
+            <p:ph type="sldNum" idx="64"/>
           </p:nvPr>
         </p:nvSpPr>
         <p:spPr>
           <a:xfrm>
             <a:off x="3884760" y="8685360"/>
-            <a:ext cx="2959200" cy="446040"/>
+            <a:ext cx="2958840" cy="445680"/>
           </a:xfrm>
           <a:prstGeom prst="rect">
             <a:avLst/>
@@ -2138,7 +2298,7 @@
                 <a:tab algn="l" pos="0"/>
               </a:tabLst>
             </a:pPr>
-            <a:fld id="{E42CF881-3D44-4D68-9DBE-CAB02D67BEDA}" type="slidenum">
+            <a:fld id="{A1DB7C61-0CAB-46D3-AF19-E5C538200852}" type="slidenum">
               <a:rPr b="0" lang="en" sz="1200" spc="-1" strike="noStrike">
                 <a:solidFill>
                   <a:srgbClr val="000000"/>
@@ -2181,7 +2341,7 @@
       </p:grpSpPr>
       <p:sp>
         <p:nvSpPr>
-          <p:cNvPr id="273" name="PlaceHolder 1"/>
+          <p:cNvPr id="277" name="PlaceHolder 1"/>
           <p:cNvSpPr>
             <a:spLocks noGrp="1"/>
           </p:cNvSpPr>
@@ -2192,7 +2352,7 @@
         <p:spPr>
           <a:xfrm>
             <a:off x="685080" y="1143000"/>
-            <a:ext cx="5475240" cy="3073680"/>
+            <a:ext cx="5474880" cy="3073320"/>
           </a:xfrm>
           <a:prstGeom prst="rect">
             <a:avLst/>
@@ -2204,7 +2364,7 @@
       </p:sp>
       <p:sp>
         <p:nvSpPr>
-          <p:cNvPr id="274" name="PlaceHolder 2"/>
+          <p:cNvPr id="278" name="PlaceHolder 2"/>
           <p:cNvSpPr>
             <a:spLocks noGrp="1"/>
           </p:cNvSpPr>
@@ -2215,7 +2375,7 @@
         <p:spPr>
           <a:xfrm>
             <a:off x="685800" y="4400640"/>
-            <a:ext cx="5473800" cy="3587760"/>
+            <a:ext cx="5473440" cy="3587400"/>
           </a:xfrm>
           <a:prstGeom prst="rect">
             <a:avLst/>
@@ -2244,18 +2404,18 @@
       </p:sp>
       <p:sp>
         <p:nvSpPr>
-          <p:cNvPr id="275" name="PlaceHolder 3"/>
+          <p:cNvPr id="279" name="PlaceHolder 3"/>
           <p:cNvSpPr>
             <a:spLocks noGrp="1"/>
           </p:cNvSpPr>
           <p:nvPr>
-            <p:ph type="sldNum" idx="64"/>
+            <p:ph type="sldNum" idx="65"/>
           </p:nvPr>
         </p:nvSpPr>
         <p:spPr>
           <a:xfrm>
             <a:off x="3884760" y="8685360"/>
-            <a:ext cx="2959200" cy="446040"/>
+            <a:ext cx="2958840" cy="445680"/>
           </a:xfrm>
           <a:prstGeom prst="rect">
             <a:avLst/>
@@ -2297,7 +2457,7 @@
                 <a:tab algn="l" pos="0"/>
               </a:tabLst>
             </a:pPr>
-            <a:fld id="{446C0547-8DF3-4861-B6DB-AF386CC8AC52}" type="slidenum">
+            <a:fld id="{0C5ABB72-9B58-4FC1-9690-945E9DDCF538}" type="slidenum">
               <a:rPr b="0" lang="en" sz="1200" spc="-1" strike="noStrike">
                 <a:solidFill>
                   <a:srgbClr val="000000"/>
@@ -2432,7 +2592,7 @@
         <p:txBody>
           <a:bodyPr/>
           <a:p>
-            <a:fld id="{CA11DBEA-767F-4AE2-8F58-5FE200D43B9E}" type="slidenum">
+            <a:fld id="{13C95CCF-0445-47B2-ACFB-86C4FA9012C3}" type="slidenum">
               <a:t>&lt;#&gt;</a:t>
             </a:fld>
           </a:p>
@@ -2514,7 +2674,7 @@
         <p:txBody>
           <a:bodyPr/>
           <a:p>
-            <a:fld id="{3E2038C7-FECD-4904-9F66-1A76260FAAD9}" type="slidenum">
+            <a:fld id="{38D7D2D0-91B2-46CB-B2F5-8CEFDD9B5B9B}" type="slidenum">
               <a:t>&lt;#&gt;</a:t>
             </a:fld>
           </a:p>
@@ -2636,7 +2796,7 @@
         <p:txBody>
           <a:bodyPr/>
           <a:p>
-            <a:fld id="{A0CACBA2-E4AD-4E08-A4E2-2AAA54115853}" type="slidenum">
+            <a:fld id="{290922B7-0D77-4735-A677-633C06CBC9F0}" type="slidenum">
               <a:t>&lt;#&gt;</a:t>
             </a:fld>
           </a:p>
@@ -2761,7 +2921,7 @@
         <p:txBody>
           <a:bodyPr/>
           <a:p>
-            <a:fld id="{1E2E520D-00C6-47D4-872F-FCF798A89D42}" type="slidenum">
+            <a:fld id="{59AA2726-DBF2-460B-A1F7-91053A4A4E4F}" type="slidenum">
               <a:t>&lt;#&gt;</a:t>
             </a:fld>
           </a:p>
@@ -2929,7 +3089,7 @@
         <p:txBody>
           <a:bodyPr/>
           <a:p>
-            <a:fld id="{951AA69A-4971-4BF8-A608-1AAB6EB413C4}" type="slidenum">
+            <a:fld id="{2EB4BC5E-0FF0-4866-A37D-0ED6061AFA57}" type="slidenum">
               <a:t>&lt;#&gt;</a:t>
             </a:fld>
           </a:p>
@@ -3011,7 +3171,7 @@
         <p:txBody>
           <a:bodyPr/>
           <a:p>
-            <a:fld id="{14F9805D-8CFB-49B8-8CE4-BC60A37C3C69}" type="slidenum">
+            <a:fld id="{4A87A05A-AC2B-4CE7-A493-2558064987EE}" type="slidenum">
               <a:t>&lt;#&gt;</a:t>
             </a:fld>
           </a:p>
@@ -3133,7 +3293,7 @@
         <p:txBody>
           <a:bodyPr/>
           <a:p>
-            <a:fld id="{4CF4F5A6-0A4C-4DD0-BAEB-BE6CC15DACFA}" type="slidenum">
+            <a:fld id="{9555C2FE-AC6D-4C87-9D7C-555342C9A76C}" type="slidenum">
               <a:t>&lt;#&gt;</a:t>
             </a:fld>
           </a:p>
@@ -3258,7 +3418,7 @@
         <p:txBody>
           <a:bodyPr/>
           <a:p>
-            <a:fld id="{1FDC0B7B-0ABF-4EDB-98C3-AABD2ADF1762}" type="slidenum">
+            <a:fld id="{9B0D3017-7569-4465-9CAB-12BBF17C616D}" type="slidenum">
               <a:t>&lt;#&gt;</a:t>
             </a:fld>
           </a:p>
@@ -3426,7 +3586,7 @@
         <p:txBody>
           <a:bodyPr/>
           <a:p>
-            <a:fld id="{25525A9F-BF3D-4E6E-A6A5-D8AAEE7A73AC}" type="slidenum">
+            <a:fld id="{02078F12-910B-4CEE-A722-E89E2B8C5236}" type="slidenum">
               <a:t>&lt;#&gt;</a:t>
             </a:fld>
           </a:p>
@@ -3508,7 +3668,7 @@
         <p:txBody>
           <a:bodyPr/>
           <a:p>
-            <a:fld id="{D701EE65-7D83-44F2-8EC1-0EDE8D5EE73C}" type="slidenum">
+            <a:fld id="{E7B01462-D48A-4BD5-8C75-5F22CFB3A2D5}" type="slidenum">
               <a:t>&lt;#&gt;</a:t>
             </a:fld>
           </a:p>
@@ -3630,7 +3790,7 @@
         <p:txBody>
           <a:bodyPr/>
           <a:p>
-            <a:fld id="{FCCE47B4-6906-4520-A809-A5BDD6A0E25A}" type="slidenum">
+            <a:fld id="{C0ECC93C-3684-4B77-809B-CDE52CF328B3}" type="slidenum">
               <a:t>&lt;#&gt;</a:t>
             </a:fld>
           </a:p>
@@ -3672,7 +3832,7 @@
         <p:txBody>
           <a:bodyPr/>
           <a:p>
-            <a:fld id="{082A7DFF-2BD1-4C54-B69F-9A03FD797AFC}" type="slidenum">
+            <a:fld id="{23522A7A-CD10-4512-87C3-5879A4F1AADB}" type="slidenum">
               <a:t>&lt;#&gt;</a:t>
             </a:fld>
           </a:p>
@@ -3797,7 +3957,7 @@
         <p:txBody>
           <a:bodyPr/>
           <a:p>
-            <a:fld id="{E748E841-A225-4578-8342-E628C1707CAA}" type="slidenum">
+            <a:fld id="{64E905B5-7049-4B9F-B6A3-8F3E9C09966C}" type="slidenum">
               <a:t>&lt;#&gt;</a:t>
             </a:fld>
           </a:p>
@@ -3965,7 +4125,7 @@
         <p:txBody>
           <a:bodyPr/>
           <a:p>
-            <a:fld id="{A4F55801-20FF-4A66-A4E9-2207455E567D}" type="slidenum">
+            <a:fld id="{44F20F09-83BE-4B52-B88F-654CD5A4B5B1}" type="slidenum">
               <a:t>&lt;#&gt;</a:t>
             </a:fld>
           </a:p>
@@ -4047,7 +4207,7 @@
         <p:txBody>
           <a:bodyPr/>
           <a:p>
-            <a:fld id="{A02B3D3D-DE1F-470F-9598-6AE8530E26C1}" type="slidenum">
+            <a:fld id="{83775152-E90E-4FB0-9032-66DF52106B35}" type="slidenum">
               <a:t>&lt;#&gt;</a:t>
             </a:fld>
           </a:p>
@@ -4169,7 +4329,7 @@
         <p:txBody>
           <a:bodyPr/>
           <a:p>
-            <a:fld id="{AF1DA0BE-14FE-4825-B403-282FCB74F5D6}" type="slidenum">
+            <a:fld id="{8798410D-FFAF-4F17-9BD8-CBA21EA6589A}" type="slidenum">
               <a:t>&lt;#&gt;</a:t>
             </a:fld>
           </a:p>
@@ -4294,7 +4454,7 @@
         <p:txBody>
           <a:bodyPr/>
           <a:p>
-            <a:fld id="{03DBDD5E-4FD5-4AF2-854F-6D8E3338324C}" type="slidenum">
+            <a:fld id="{25C6FA80-50FC-42F7-B4CF-B0D77A6643CA}" type="slidenum">
               <a:t>&lt;#&gt;</a:t>
             </a:fld>
           </a:p>
@@ -4462,7 +4622,7 @@
         <p:txBody>
           <a:bodyPr/>
           <a:p>
-            <a:fld id="{9501D28E-1535-4081-9BDA-5B125F641FAC}" type="slidenum">
+            <a:fld id="{2807A707-A28B-4B57-882E-7C8D17A7DED4}" type="slidenum">
               <a:t>&lt;#&gt;</a:t>
             </a:fld>
           </a:p>
@@ -4544,7 +4704,7 @@
         <p:txBody>
           <a:bodyPr/>
           <a:p>
-            <a:fld id="{A3BA0FF4-E88F-4BCB-A976-F761BAA1C51F}" type="slidenum">
+            <a:fld id="{A08D5553-96BF-416F-A1DB-2C00499F5A91}" type="slidenum">
               <a:t>&lt;#&gt;</a:t>
             </a:fld>
           </a:p>
@@ -4666,7 +4826,7 @@
         <p:txBody>
           <a:bodyPr/>
           <a:p>
-            <a:fld id="{F4ED1D66-BC5B-4948-B714-7D6B658D0F61}" type="slidenum">
+            <a:fld id="{3BE8F629-2323-4D87-AB05-30A1BD8CADA9}" type="slidenum">
               <a:t>&lt;#&gt;</a:t>
             </a:fld>
           </a:p>
@@ -4791,7 +4951,7 @@
         <p:txBody>
           <a:bodyPr/>
           <a:p>
-            <a:fld id="{0FE5C988-F68D-4001-8C89-B695E6076D33}" type="slidenum">
+            <a:fld id="{02485D22-7825-4106-A387-50D8CBE65368}" type="slidenum">
               <a:t>&lt;#&gt;</a:t>
             </a:fld>
           </a:p>
@@ -4959,7 +5119,7 @@
         <p:txBody>
           <a:bodyPr/>
           <a:p>
-            <a:fld id="{17705E98-0046-47C0-96C2-11A8C8126E5B}" type="slidenum">
+            <a:fld id="{363C361B-1456-443D-B63F-DEE442F173D8}" type="slidenum">
               <a:t>&lt;#&gt;</a:t>
             </a:fld>
           </a:p>
@@ -5081,7 +5241,7 @@
         <p:txBody>
           <a:bodyPr/>
           <a:p>
-            <a:fld id="{E745F50C-9F28-4FE9-A05E-FE59DF5C13BE}" type="slidenum">
+            <a:fld id="{1A41029F-FFD7-48C9-BB97-2ACC0E9371C6}" type="slidenum">
               <a:t>&lt;#&gt;</a:t>
             </a:fld>
           </a:p>
@@ -5163,7 +5323,7 @@
         <p:txBody>
           <a:bodyPr/>
           <a:p>
-            <a:fld id="{D00E6050-B5FB-4CD0-8CD6-8189814F6CAB}" type="slidenum">
+            <a:fld id="{4F3725E5-B2A5-4A96-BFC6-B8CEC4E0C480}" type="slidenum">
               <a:t>&lt;#&gt;</a:t>
             </a:fld>
           </a:p>
@@ -5285,7 +5445,7 @@
         <p:txBody>
           <a:bodyPr/>
           <a:p>
-            <a:fld id="{00FAF65D-8623-454B-BA9A-8E208BEA9118}" type="slidenum">
+            <a:fld id="{4E2ADC27-23F9-4D97-AE2D-B4AEC55D63ED}" type="slidenum">
               <a:t>&lt;#&gt;</a:t>
             </a:fld>
           </a:p>
@@ -5327,7 +5487,7 @@
         <p:txBody>
           <a:bodyPr/>
           <a:p>
-            <a:fld id="{57E122E3-63E0-41CB-ADD9-4E18A29FA256}" type="slidenum">
+            <a:fld id="{BCFF2341-989F-49A1-A2E3-EAB84E57A5B9}" type="slidenum">
               <a:t>&lt;#&gt;</a:t>
             </a:fld>
           </a:p>
@@ -5369,7 +5529,7 @@
         <p:txBody>
           <a:bodyPr/>
           <a:p>
-            <a:fld id="{9D496CD7-59CF-4990-BED6-7EE27AEE65F5}" type="slidenum">
+            <a:fld id="{FB447F34-2EC6-4852-A33F-E8FE72C89E03}" type="slidenum">
               <a:t>&lt;#&gt;</a:t>
             </a:fld>
           </a:p>
@@ -5494,7 +5654,7 @@
         <p:txBody>
           <a:bodyPr/>
           <a:p>
-            <a:fld id="{E9541D73-94A4-41E2-B15B-B2042AAE00D7}" type="slidenum">
+            <a:fld id="{47C2E3AC-2CED-4827-8742-30126F8C5DFD}" type="slidenum">
               <a:t>&lt;#&gt;</a:t>
             </a:fld>
           </a:p>
@@ -5662,7 +5822,7 @@
         <p:txBody>
           <a:bodyPr/>
           <a:p>
-            <a:fld id="{B2126947-64F1-4182-A9A8-26C25F2C8FFD}" type="slidenum">
+            <a:fld id="{EDD362AD-8C53-4C7B-B0F1-A1BAFB946903}" type="slidenum">
               <a:t>&lt;#&gt;</a:t>
             </a:fld>
           </a:p>
@@ -5744,7 +5904,7 @@
         <p:txBody>
           <a:bodyPr/>
           <a:p>
-            <a:fld id="{891AA2E9-A534-4889-887B-C50DF5952B8B}" type="slidenum">
+            <a:fld id="{DCC026A8-20EA-4C80-BE9B-B87D4C94CFE5}" type="slidenum">
               <a:t>&lt;#&gt;</a:t>
             </a:fld>
           </a:p>
@@ -5786,7 +5946,7 @@
         <p:txBody>
           <a:bodyPr/>
           <a:p>
-            <a:fld id="{2DB63256-D733-47FB-A594-ED8BEADD1B3F}" type="slidenum">
+            <a:fld id="{6908B859-878B-4611-9D6E-622F9302E416}" type="slidenum">
               <a:t>&lt;#&gt;</a:t>
             </a:fld>
           </a:p>
@@ -5828,7 +5988,7 @@
         <p:txBody>
           <a:bodyPr/>
           <a:p>
-            <a:fld id="{92588475-A972-4BA3-862C-045BE4FE4A2F}" type="slidenum">
+            <a:fld id="{F1AB2B4F-0B30-4136-B14F-4A071F241398}" type="slidenum">
               <a:t>&lt;#&gt;</a:t>
             </a:fld>
           </a:p>
@@ -5870,7 +6030,7 @@
         <p:txBody>
           <a:bodyPr/>
           <a:p>
-            <a:fld id="{D00790EB-F4F4-4883-8B3C-F8A82CD99C90}" type="slidenum">
+            <a:fld id="{90E3AFD9-D866-43BB-A52F-78B6B5DB2803}" type="slidenum">
               <a:t>&lt;#&gt;</a:t>
             </a:fld>
           </a:p>
@@ -5952,7 +6112,7 @@
         <p:txBody>
           <a:bodyPr/>
           <a:p>
-            <a:fld id="{10185C20-A88B-4D69-9221-260B5034AA14}" type="slidenum">
+            <a:fld id="{1F5C06D4-A603-4436-A512-442011F4CCFA}" type="slidenum">
               <a:t>&lt;#&gt;</a:t>
             </a:fld>
           </a:p>
@@ -5994,7 +6154,7 @@
         <p:txBody>
           <a:bodyPr/>
           <a:p>
-            <a:fld id="{89252558-9692-45F2-B376-D254FB262DA7}" type="slidenum">
+            <a:fld id="{31085338-267B-4BEC-B609-80F90BACBD7C}" type="slidenum">
               <a:t>&lt;#&gt;</a:t>
             </a:fld>
           </a:p>
@@ -6162,7 +6322,7 @@
         <p:txBody>
           <a:bodyPr/>
           <a:p>
-            <a:fld id="{DA682423-794B-42DD-9315-CDBFC0447E7A}" type="slidenum">
+            <a:fld id="{713C0518-43DB-4236-9395-8D3F129183C3}" type="slidenum">
               <a:t>&lt;#&gt;</a:t>
             </a:fld>
           </a:p>
@@ -6287,7 +6447,7 @@
         <p:txBody>
           <a:bodyPr/>
           <a:p>
-            <a:fld id="{215AC943-AAC5-445F-B41B-B35B3201C79D}" type="slidenum">
+            <a:fld id="{9CFA65E7-E056-41DE-9747-A64001966C24}" type="slidenum">
               <a:t>&lt;#&gt;</a:t>
             </a:fld>
           </a:p>
@@ -6409,7 +6569,7 @@
         <p:txBody>
           <a:bodyPr/>
           <a:p>
-            <a:fld id="{94BAE71F-979A-460E-9D1D-3DDE3138CF3F}" type="slidenum">
+            <a:fld id="{197C8677-BFC5-47C3-85FF-E3BF216D0DFB}" type="slidenum">
               <a:t>&lt;#&gt;</a:t>
             </a:fld>
           </a:p>
@@ -6534,7 +6694,7 @@
         <p:txBody>
           <a:bodyPr/>
           <a:p>
-            <a:fld id="{87CFB900-4F42-4A01-A03F-44A7DA5D2A0D}" type="slidenum">
+            <a:fld id="{29E7CED2-D46F-4967-B691-7B24EC3E23B0}" type="slidenum">
               <a:t>&lt;#&gt;</a:t>
             </a:fld>
           </a:p>
@@ -6702,7 +6862,7 @@
         <p:txBody>
           <a:bodyPr/>
           <a:p>
-            <a:fld id="{3C431463-3D27-4193-AE66-ADE511CC716A}" type="slidenum">
+            <a:fld id="{EAC357C3-6445-4BEC-90C3-D976D662CA05}" type="slidenum">
               <a:t>&lt;#&gt;</a:t>
             </a:fld>
           </a:p>
@@ -6775,34 +6935,7 @@
                 </a:solidFill>
                 <a:latin typeface="Arial"/>
               </a:rPr>
-              <a:t>Click to </a:t>
-            </a:r>
-            <a:r>
-              <a:rPr b="0" lang="en-US" sz="1800" spc="-1" strike="noStrike">
-                <a:solidFill>
-                  <a:srgbClr val="000000"/>
-                </a:solidFill>
-                <a:latin typeface="Arial"/>
-              </a:rPr>
-              <a:t>edit the </a:t>
-            </a:r>
-            <a:r>
-              <a:rPr b="0" lang="en-US" sz="1800" spc="-1" strike="noStrike">
-                <a:solidFill>
-                  <a:srgbClr val="000000"/>
-                </a:solidFill>
-                <a:latin typeface="Arial"/>
-              </a:rPr>
-              <a:t>title text </a:t>
-            </a:r>
-            <a:r>
-              <a:rPr b="0" lang="en-US" sz="1800" spc="-1" strike="noStrike">
-                <a:solidFill>
-                  <a:srgbClr val="000000"/>
-                </a:solidFill>
-                <a:latin typeface="Arial"/>
-              </a:rPr>
-              <a:t>format</a:t>
+              <a:t>Click to edit the title text format</a:t>
             </a:r>
             <a:endParaRPr b="0" lang="en-US" sz="1800" spc="-1" strike="noStrike">
               <a:solidFill>
@@ -6826,7 +6959,7 @@
         <p:spPr>
           <a:xfrm>
             <a:off x="8472600" y="4663080"/>
-            <a:ext cx="542520" cy="387360"/>
+            <a:ext cx="542160" cy="387000"/>
           </a:xfrm>
           <a:prstGeom prst="rect">
             <a:avLst/>
@@ -6868,7 +7001,7 @@
                 <a:tab algn="l" pos="0"/>
               </a:tabLst>
             </a:pPr>
-            <a:fld id="{E671CE46-6BB2-40D7-8417-7F1E92ADE816}" type="slidenum">
+            <a:fld id="{F3568A28-3E94-41A2-87BD-6B07AEE5F676}" type="slidenum">
               <a:rPr b="0" lang="en" sz="1000" spc="-1" strike="noStrike">
                 <a:solidFill>
                   <a:schemeClr val="dk2"/>
@@ -6876,7 +7009,7 @@
                 <a:latin typeface="Arial"/>
                 <a:ea typeface="Arial"/>
               </a:rPr>
-              <a:t>&lt;number&gt;</a:t>
+              <a:t>9</a:t>
             </a:fld>
             <a:endParaRPr b="0" lang="en-US" sz="1000" spc="-1" strike="noStrike">
               <a:solidFill>
@@ -6982,7 +7115,7 @@
         <p:spPr>
           <a:xfrm>
             <a:off x="8472600" y="4663080"/>
-            <a:ext cx="542520" cy="387360"/>
+            <a:ext cx="542160" cy="387000"/>
           </a:xfrm>
           <a:prstGeom prst="rect">
             <a:avLst/>
@@ -7024,7 +7157,7 @@
                 <a:tab algn="l" pos="0"/>
               </a:tabLst>
             </a:pPr>
-            <a:fld id="{0BBA740F-0F36-4235-93D7-49D13B88FEE9}" type="slidenum">
+            <a:fld id="{FBFE9482-7642-44FB-A376-8B9B95544319}" type="slidenum">
               <a:rPr b="0" lang="en" sz="1000" spc="-1" strike="noStrike">
                 <a:solidFill>
                   <a:schemeClr val="dk2"/>
@@ -7138,7 +7271,7 @@
         <p:spPr>
           <a:xfrm>
             <a:off x="8472600" y="4663080"/>
-            <a:ext cx="542520" cy="387360"/>
+            <a:ext cx="542160" cy="387000"/>
           </a:xfrm>
           <a:prstGeom prst="rect">
             <a:avLst/>
@@ -7180,7 +7313,7 @@
                 <a:tab algn="l" pos="0"/>
               </a:tabLst>
             </a:pPr>
-            <a:fld id="{106A0B94-5EE8-491B-9575-DA8A4253E674}" type="slidenum">
+            <a:fld id="{5002758F-A825-4F8B-980F-E72F3D7D89AA}" type="slidenum">
               <a:rPr b="0" lang="en" sz="1000" spc="-1" strike="noStrike">
                 <a:solidFill>
                   <a:schemeClr val="dk2"/>
@@ -7519,7 +7652,7 @@
         <p:spPr>
           <a:xfrm>
             <a:off x="8472600" y="4663080"/>
-            <a:ext cx="542520" cy="387360"/>
+            <a:ext cx="542160" cy="387000"/>
           </a:xfrm>
           <a:prstGeom prst="rect">
             <a:avLst/>
@@ -7561,7 +7694,7 @@
                 <a:tab algn="l" pos="0"/>
               </a:tabLst>
             </a:pPr>
-            <a:fld id="{DE55AB73-D3D9-4E8A-8785-B7711C605A8D}" type="slidenum">
+            <a:fld id="{A529B162-4C56-45B6-8990-1D47DB651C85}" type="slidenum">
               <a:rPr b="0" lang="en" sz="1000" spc="-1" strike="noStrike">
                 <a:solidFill>
                   <a:schemeClr val="dk2"/>
@@ -8125,7 +8258,7 @@
         <p:spPr>
           <a:xfrm>
             <a:off x="8472600" y="4663080"/>
-            <a:ext cx="542520" cy="387360"/>
+            <a:ext cx="542160" cy="387000"/>
           </a:xfrm>
           <a:prstGeom prst="rect">
             <a:avLst/>
@@ -8167,7 +8300,7 @@
                 <a:tab algn="l" pos="0"/>
               </a:tabLst>
             </a:pPr>
-            <a:fld id="{3B667B90-CCD0-47C0-8D93-6C66778CE04C}" type="slidenum">
+            <a:fld id="{B332CBE7-081B-4B73-9C68-26ABC9973CA0}" type="slidenum">
               <a:rPr b="0" lang="en" sz="1000" spc="-1" strike="noStrike">
                 <a:solidFill>
                   <a:schemeClr val="dk2"/>
@@ -8281,7 +8414,7 @@
         <p:spPr>
           <a:xfrm>
             <a:off x="8472600" y="4663080"/>
-            <a:ext cx="542520" cy="387360"/>
+            <a:ext cx="542160" cy="387000"/>
           </a:xfrm>
           <a:prstGeom prst="rect">
             <a:avLst/>
@@ -8323,7 +8456,7 @@
                 <a:tab algn="l" pos="0"/>
               </a:tabLst>
             </a:pPr>
-            <a:fld id="{3341AAC2-F536-40DE-B8C4-E2B0318894F0}" type="slidenum">
+            <a:fld id="{60D813C0-33B6-4EF3-8CB7-7797F6376F1D}" type="slidenum">
               <a:rPr b="0" lang="en" sz="1000" spc="-1" strike="noStrike">
                 <a:solidFill>
                   <a:schemeClr val="dk2"/>
@@ -8437,7 +8570,7 @@
         <p:spPr>
           <a:xfrm>
             <a:off x="8472600" y="4663080"/>
-            <a:ext cx="542520" cy="387360"/>
+            <a:ext cx="542160" cy="387000"/>
           </a:xfrm>
           <a:prstGeom prst="rect">
             <a:avLst/>
@@ -8479,7 +8612,7 @@
                 <a:tab algn="l" pos="0"/>
               </a:tabLst>
             </a:pPr>
-            <a:fld id="{7A1C255F-86AB-4427-B986-BDDB53362769}" type="slidenum">
+            <a:fld id="{DB914618-E4EE-4D4F-A672-A12883C5329F}" type="slidenum">
               <a:rPr b="0" lang="en" sz="1000" spc="-1" strike="noStrike">
                 <a:solidFill>
                   <a:schemeClr val="dk2"/>
@@ -8818,7 +8951,7 @@
         <p:spPr>
           <a:xfrm>
             <a:off x="8472600" y="4663080"/>
-            <a:ext cx="542520" cy="387360"/>
+            <a:ext cx="542160" cy="387000"/>
           </a:xfrm>
           <a:prstGeom prst="rect">
             <a:avLst/>
@@ -8860,7 +8993,7 @@
                 <a:tab algn="l" pos="0"/>
               </a:tabLst>
             </a:pPr>
-            <a:fld id="{73F9E8EE-968F-432B-A826-7D70B3DC1F84}" type="slidenum">
+            <a:fld id="{B136EE67-E9F6-46EF-9E94-55C49360BF6B}" type="slidenum">
               <a:rPr b="0" lang="en" sz="1000" spc="-1" strike="noStrike">
                 <a:solidFill>
                   <a:schemeClr val="dk2"/>
@@ -9424,7 +9557,7 @@
         <p:spPr>
           <a:xfrm>
             <a:off x="8472600" y="4663080"/>
-            <a:ext cx="542520" cy="387360"/>
+            <a:ext cx="542160" cy="387000"/>
           </a:xfrm>
           <a:prstGeom prst="rect">
             <a:avLst/>
@@ -9466,7 +9599,7 @@
                 <a:tab algn="l" pos="0"/>
               </a:tabLst>
             </a:pPr>
-            <a:fld id="{82C83B91-1A91-49AB-A09F-C1BF41AD93F3}" type="slidenum">
+            <a:fld id="{37736C89-3405-4E9B-853D-A293902F7C7C}" type="slidenum">
               <a:rPr b="0" lang="en" sz="1000" spc="-1" strike="noStrike">
                 <a:solidFill>
                   <a:schemeClr val="dk2"/>
@@ -9580,7 +9713,7 @@
         <p:spPr>
           <a:xfrm>
             <a:off x="8472600" y="4663080"/>
-            <a:ext cx="542520" cy="387360"/>
+            <a:ext cx="542160" cy="387000"/>
           </a:xfrm>
           <a:prstGeom prst="rect">
             <a:avLst/>
@@ -9622,7 +9755,7 @@
                 <a:tab algn="l" pos="0"/>
               </a:tabLst>
             </a:pPr>
-            <a:fld id="{62F1F29C-851D-47AD-B4EF-50853515B5FC}" type="slidenum">
+            <a:fld id="{71EB8828-177C-48A5-9E0D-A46AE6D055AD}" type="slidenum">
               <a:rPr b="0" lang="en" sz="1000" spc="-1" strike="noStrike">
                 <a:solidFill>
                   <a:schemeClr val="dk2"/>
@@ -9736,7 +9869,7 @@
         <p:spPr>
           <a:xfrm>
             <a:off x="8472600" y="4663080"/>
-            <a:ext cx="542520" cy="387360"/>
+            <a:ext cx="542160" cy="387000"/>
           </a:xfrm>
           <a:prstGeom prst="rect">
             <a:avLst/>
@@ -9778,7 +9911,7 @@
                 <a:tab algn="l" pos="0"/>
               </a:tabLst>
             </a:pPr>
-            <a:fld id="{D485D5DE-5BFB-4E98-B7A5-7AA7CC47328B}" type="slidenum">
+            <a:fld id="{0E0B3E11-1152-4E31-AC0D-9B006FF1B23E}" type="slidenum">
               <a:rPr b="0" lang="en" sz="1000" spc="-1" strike="noStrike">
                 <a:solidFill>
                   <a:schemeClr val="dk2"/>
@@ -9843,7 +9976,7 @@
         <p:spPr>
           <a:xfrm>
             <a:off x="8472600" y="4663080"/>
-            <a:ext cx="542520" cy="387360"/>
+            <a:ext cx="542160" cy="387000"/>
           </a:xfrm>
           <a:prstGeom prst="rect">
             <a:avLst/>
@@ -9885,7 +10018,7 @@
                 <a:tab algn="l" pos="0"/>
               </a:tabLst>
             </a:pPr>
-            <a:fld id="{54BF38B1-91F2-4E4C-81FA-C2179A35EF21}" type="slidenum">
+            <a:fld id="{76D4323B-6CA9-4E22-ACD7-F43B78861504}" type="slidenum">
               <a:rPr b="0" lang="en" sz="1000" spc="-1" strike="noStrike">
                 <a:solidFill>
                   <a:schemeClr val="dk2"/>
@@ -10224,7 +10357,7 @@
         <p:spPr>
           <a:xfrm>
             <a:off x="8472600" y="4663080"/>
-            <a:ext cx="542520" cy="387360"/>
+            <a:ext cx="542160" cy="387000"/>
           </a:xfrm>
           <a:prstGeom prst="rect">
             <a:avLst/>
@@ -10266,7 +10399,7 @@
                 <a:tab algn="l" pos="0"/>
               </a:tabLst>
             </a:pPr>
-            <a:fld id="{5C31F447-DB39-4FDB-AAFA-F6C4BE5B3F6C}" type="slidenum">
+            <a:fld id="{F86D3996-5DCB-4361-8618-32C80A181292}" type="slidenum">
               <a:rPr b="0" lang="en" sz="1000" spc="-1" strike="noStrike">
                 <a:solidFill>
                   <a:schemeClr val="dk2"/>
@@ -10830,7 +10963,7 @@
         <p:spPr>
           <a:xfrm>
             <a:off x="8472600" y="4663080"/>
-            <a:ext cx="542520" cy="387360"/>
+            <a:ext cx="542160" cy="387000"/>
           </a:xfrm>
           <a:prstGeom prst="rect">
             <a:avLst/>
@@ -10872,7 +11005,7 @@
                 <a:tab algn="l" pos="0"/>
               </a:tabLst>
             </a:pPr>
-            <a:fld id="{170CD871-A277-417D-A3A5-FBBE542D837A}" type="slidenum">
+            <a:fld id="{91092C99-4173-4B47-8526-4A75AA41C92E}" type="slidenum">
               <a:rPr b="0" lang="en" sz="1000" spc="-1" strike="noStrike">
                 <a:solidFill>
                   <a:schemeClr val="dk2"/>
@@ -10986,7 +11119,7 @@
         <p:spPr>
           <a:xfrm>
             <a:off x="8472600" y="4663080"/>
-            <a:ext cx="542520" cy="387360"/>
+            <a:ext cx="542160" cy="387000"/>
           </a:xfrm>
           <a:prstGeom prst="rect">
             <a:avLst/>
@@ -11028,7 +11161,7 @@
                 <a:tab algn="l" pos="0"/>
               </a:tabLst>
             </a:pPr>
-            <a:fld id="{B83EFA36-E3CC-44DA-80B0-C85A70F7C459}" type="slidenum">
+            <a:fld id="{94959DCE-DB7B-41E5-826D-CACCACC08384}" type="slidenum">
               <a:rPr b="0" lang="en" sz="1000" spc="-1" strike="noStrike">
                 <a:solidFill>
                   <a:schemeClr val="dk2"/>
@@ -11142,7 +11275,7 @@
         <p:spPr>
           <a:xfrm>
             <a:off x="8472600" y="4663080"/>
-            <a:ext cx="542520" cy="387360"/>
+            <a:ext cx="542160" cy="387000"/>
           </a:xfrm>
           <a:prstGeom prst="rect">
             <a:avLst/>
@@ -11184,7 +11317,7 @@
                 <a:tab algn="l" pos="0"/>
               </a:tabLst>
             </a:pPr>
-            <a:fld id="{EF801F1A-1F1E-4BD1-AB65-61AF594584B8}" type="slidenum">
+            <a:fld id="{D060F454-8F6E-4671-885D-3AA49B435BE5}" type="slidenum">
               <a:rPr b="0" lang="en" sz="1000" spc="-1" strike="noStrike">
                 <a:solidFill>
                   <a:schemeClr val="dk2"/>
@@ -11523,7 +11656,7 @@
         <p:spPr>
           <a:xfrm>
             <a:off x="8472600" y="4663080"/>
-            <a:ext cx="542520" cy="387360"/>
+            <a:ext cx="542160" cy="387000"/>
           </a:xfrm>
           <a:prstGeom prst="rect">
             <a:avLst/>
@@ -11565,7 +11698,7 @@
                 <a:tab algn="l" pos="0"/>
               </a:tabLst>
             </a:pPr>
-            <a:fld id="{0CC84735-8D99-4B0C-A6D8-917C32E334D4}" type="slidenum">
+            <a:fld id="{21A449CC-1A3A-4E73-8695-8C67BCDAEEFC}" type="slidenum">
               <a:rPr b="0" lang="en" sz="1000" spc="-1" strike="noStrike">
                 <a:solidFill>
                   <a:schemeClr val="dk2"/>
@@ -12129,7 +12262,7 @@
         <p:spPr>
           <a:xfrm>
             <a:off x="8472600" y="4663080"/>
-            <a:ext cx="542520" cy="387360"/>
+            <a:ext cx="542160" cy="387000"/>
           </a:xfrm>
           <a:prstGeom prst="rect">
             <a:avLst/>
@@ -12171,7 +12304,7 @@
                 <a:tab algn="l" pos="0"/>
               </a:tabLst>
             </a:pPr>
-            <a:fld id="{3EADA0A9-0A83-4EB4-A053-0D131565C115}" type="slidenum">
+            <a:fld id="{77E1E83A-AEBE-49E5-9CF9-8421F50052FD}" type="slidenum">
               <a:rPr b="0" lang="en" sz="1000" spc="-1" strike="noStrike">
                 <a:solidFill>
                   <a:schemeClr val="dk2"/>
@@ -12285,7 +12418,7 @@
         <p:spPr>
           <a:xfrm>
             <a:off x="8472600" y="4663080"/>
-            <a:ext cx="542520" cy="387360"/>
+            <a:ext cx="542160" cy="387000"/>
           </a:xfrm>
           <a:prstGeom prst="rect">
             <a:avLst/>
@@ -12327,7 +12460,7 @@
                 <a:tab algn="l" pos="0"/>
               </a:tabLst>
             </a:pPr>
-            <a:fld id="{15EAB6A7-560E-46B6-9F56-62A9B5BB5028}" type="slidenum">
+            <a:fld id="{B3504FFF-8576-465E-9CF0-48DDCB15298C}" type="slidenum">
               <a:rPr b="0" lang="en" sz="1000" spc="-1" strike="noStrike">
                 <a:solidFill>
                   <a:schemeClr val="dk2"/>
@@ -12441,7 +12574,7 @@
         <p:spPr>
           <a:xfrm>
             <a:off x="8472600" y="4663080"/>
-            <a:ext cx="542520" cy="387360"/>
+            <a:ext cx="542160" cy="387000"/>
           </a:xfrm>
           <a:prstGeom prst="rect">
             <a:avLst/>
@@ -12483,7 +12616,7 @@
                 <a:tab algn="l" pos="0"/>
               </a:tabLst>
             </a:pPr>
-            <a:fld id="{EB735997-E118-450E-B842-6910DF24FFAF}" type="slidenum">
+            <a:fld id="{19674D4D-A847-4D3D-A342-4FB30EF0697E}" type="slidenum">
               <a:rPr b="0" lang="en" sz="1000" spc="-1" strike="noStrike">
                 <a:solidFill>
                   <a:schemeClr val="dk2"/>
@@ -12822,7 +12955,7 @@
         <p:spPr>
           <a:xfrm>
             <a:off x="8472600" y="4663080"/>
-            <a:ext cx="542520" cy="387360"/>
+            <a:ext cx="542160" cy="387000"/>
           </a:xfrm>
           <a:prstGeom prst="rect">
             <a:avLst/>
@@ -12864,7 +12997,7 @@
                 <a:tab algn="l" pos="0"/>
               </a:tabLst>
             </a:pPr>
-            <a:fld id="{947DA20C-9CDB-4E18-AD67-D47E723339E3}" type="slidenum">
+            <a:fld id="{5A9D2636-2436-4DFF-A8EB-602139290EF0}" type="slidenum">
               <a:rPr b="0" lang="en" sz="1000" spc="-1" strike="noStrike">
                 <a:solidFill>
                   <a:schemeClr val="dk2"/>
@@ -13428,7 +13561,7 @@
         <p:spPr>
           <a:xfrm>
             <a:off x="8472600" y="4663080"/>
-            <a:ext cx="542520" cy="387360"/>
+            <a:ext cx="542160" cy="387000"/>
           </a:xfrm>
           <a:prstGeom prst="rect">
             <a:avLst/>
@@ -13470,7 +13603,7 @@
                 <a:tab algn="l" pos="0"/>
               </a:tabLst>
             </a:pPr>
-            <a:fld id="{EE3CD062-EB9A-45C2-BF3C-58114D8F4331}" type="slidenum">
+            <a:fld id="{E09FCC94-4604-4326-8EB5-0D2DFBF455C0}" type="slidenum">
               <a:rPr b="0" lang="en" sz="1000" spc="-1" strike="noStrike">
                 <a:solidFill>
                   <a:schemeClr val="dk2"/>
@@ -13560,34 +13693,7 @@
                 </a:solidFill>
                 <a:latin typeface="Arial"/>
               </a:rPr>
-              <a:t>Click to </a:t>
-            </a:r>
-            <a:r>
-              <a:rPr b="0" lang="en-US" sz="1800" spc="-1" strike="noStrike">
-                <a:solidFill>
-                  <a:srgbClr val="000000"/>
-                </a:solidFill>
-                <a:latin typeface="Arial"/>
-              </a:rPr>
-              <a:t>edit the </a:t>
-            </a:r>
-            <a:r>
-              <a:rPr b="0" lang="en-US" sz="1800" spc="-1" strike="noStrike">
-                <a:solidFill>
-                  <a:srgbClr val="000000"/>
-                </a:solidFill>
-                <a:latin typeface="Arial"/>
-              </a:rPr>
-              <a:t>title text </a:t>
-            </a:r>
-            <a:r>
-              <a:rPr b="0" lang="en-US" sz="1800" spc="-1" strike="noStrike">
-                <a:solidFill>
-                  <a:srgbClr val="000000"/>
-                </a:solidFill>
-                <a:latin typeface="Arial"/>
-              </a:rPr>
-              <a:t>format</a:t>
+              <a:t>Click to edit the title text format</a:t>
             </a:r>
             <a:endParaRPr b="0" lang="en-US" sz="1800" spc="-1" strike="noStrike">
               <a:solidFill>
@@ -13611,7 +13717,7 @@
         <p:spPr>
           <a:xfrm>
             <a:off x="8472600" y="4663080"/>
-            <a:ext cx="542520" cy="387360"/>
+            <a:ext cx="542160" cy="387000"/>
           </a:xfrm>
           <a:prstGeom prst="rect">
             <a:avLst/>
@@ -13653,7 +13759,7 @@
                 <a:tab algn="l" pos="0"/>
               </a:tabLst>
             </a:pPr>
-            <a:fld id="{74273E32-9D3B-4D99-A1C9-69C79A5D68E6}" type="slidenum">
+            <a:fld id="{45115FD9-FA75-4BA1-8ACA-C255DE7E56A6}" type="slidenum">
               <a:rPr b="0" lang="en" sz="1000" spc="-1" strike="noStrike">
                 <a:solidFill>
                   <a:schemeClr val="dk2"/>
@@ -13767,7 +13873,7 @@
         <p:spPr>
           <a:xfrm>
             <a:off x="8472600" y="4663080"/>
-            <a:ext cx="542520" cy="387360"/>
+            <a:ext cx="542160" cy="387000"/>
           </a:xfrm>
           <a:prstGeom prst="rect">
             <a:avLst/>
@@ -13809,7 +13915,7 @@
                 <a:tab algn="l" pos="0"/>
               </a:tabLst>
             </a:pPr>
-            <a:fld id="{998655C4-B1B4-47EB-834F-D341D21A4ABF}" type="slidenum">
+            <a:fld id="{41B9BE2D-3A16-4D53-87AC-AB465BBF107B}" type="slidenum">
               <a:rPr b="0" lang="en" sz="1000" spc="-1" strike="noStrike">
                 <a:solidFill>
                   <a:schemeClr val="dk2"/>
@@ -13923,7 +14029,7 @@
         <p:spPr>
           <a:xfrm>
             <a:off x="8472600" y="4663080"/>
-            <a:ext cx="542520" cy="387360"/>
+            <a:ext cx="542160" cy="387000"/>
           </a:xfrm>
           <a:prstGeom prst="rect">
             <a:avLst/>
@@ -13965,7 +14071,7 @@
                 <a:tab algn="l" pos="0"/>
               </a:tabLst>
             </a:pPr>
-            <a:fld id="{E3FA0E1C-1510-4E22-B8B4-7E5CD296079D}" type="slidenum">
+            <a:fld id="{9727A75F-EF38-4FDC-AE7D-6B9046666FF7}" type="slidenum">
               <a:rPr b="0" lang="en" sz="1000" spc="-1" strike="noStrike">
                 <a:solidFill>
                   <a:schemeClr val="dk2"/>
@@ -14030,7 +14136,7 @@
         <p:spPr>
           <a:xfrm>
             <a:off x="8472600" y="4663080"/>
-            <a:ext cx="542520" cy="387360"/>
+            <a:ext cx="542160" cy="387000"/>
           </a:xfrm>
           <a:prstGeom prst="rect">
             <a:avLst/>
@@ -14072,7 +14178,7 @@
                 <a:tab algn="l" pos="0"/>
               </a:tabLst>
             </a:pPr>
-            <a:fld id="{A9D3A074-0400-44A5-9EFA-262028F55D93}" type="slidenum">
+            <a:fld id="{0E098A7F-F545-443E-8F63-E453950C2DB1}" type="slidenum">
               <a:rPr b="0" lang="en" sz="1000" spc="-1" strike="noStrike">
                 <a:solidFill>
                   <a:schemeClr val="dk2"/>
@@ -14411,7 +14517,7 @@
         <p:spPr>
           <a:xfrm>
             <a:off x="8472600" y="4663080"/>
-            <a:ext cx="542520" cy="387360"/>
+            <a:ext cx="542160" cy="387000"/>
           </a:xfrm>
           <a:prstGeom prst="rect">
             <a:avLst/>
@@ -14453,7 +14559,7 @@
                 <a:tab algn="l" pos="0"/>
               </a:tabLst>
             </a:pPr>
-            <a:fld id="{BB12A80E-E0D1-47C8-928C-AF7A3FF3EDF7}" type="slidenum">
+            <a:fld id="{F381AC57-B32E-4DF8-85DC-BAB91EAAC309}" type="slidenum">
               <a:rPr b="0" lang="en" sz="1000" spc="-1" strike="noStrike">
                 <a:solidFill>
                   <a:schemeClr val="dk2"/>
@@ -14792,7 +14898,7 @@
         <p:spPr>
           <a:xfrm>
             <a:off x="8472600" y="4663080"/>
-            <a:ext cx="542520" cy="387360"/>
+            <a:ext cx="542160" cy="387000"/>
           </a:xfrm>
           <a:prstGeom prst="rect">
             <a:avLst/>
@@ -14834,7 +14940,7 @@
                 <a:tab algn="l" pos="0"/>
               </a:tabLst>
             </a:pPr>
-            <a:fld id="{2276C880-BDF7-4558-AF07-95D7FDD4D8F7}" type="slidenum">
+            <a:fld id="{0DE87E4C-F62F-43F6-99F7-0E5170242CE6}" type="slidenum">
               <a:rPr b="0" lang="en" sz="1000" spc="-1" strike="noStrike">
                 <a:solidFill>
                   <a:schemeClr val="dk2"/>
@@ -15398,7 +15504,7 @@
         <p:spPr>
           <a:xfrm>
             <a:off x="8472600" y="4663080"/>
-            <a:ext cx="542520" cy="387360"/>
+            <a:ext cx="542160" cy="387000"/>
           </a:xfrm>
           <a:prstGeom prst="rect">
             <a:avLst/>
@@ -15440,7 +15546,7 @@
                 <a:tab algn="l" pos="0"/>
               </a:tabLst>
             </a:pPr>
-            <a:fld id="{625C327B-6051-4C82-B49C-4551F3352840}" type="slidenum">
+            <a:fld id="{33D9A220-A6B6-4986-86EA-2ED4881E2F33}" type="slidenum">
               <a:rPr b="0" lang="en" sz="1000" spc="-1" strike="noStrike">
                 <a:solidFill>
                   <a:schemeClr val="dk2"/>
@@ -15554,7 +15660,7 @@
         <p:spPr>
           <a:xfrm>
             <a:off x="8472600" y="4663080"/>
-            <a:ext cx="542520" cy="387360"/>
+            <a:ext cx="542160" cy="387000"/>
           </a:xfrm>
           <a:prstGeom prst="rect">
             <a:avLst/>
@@ -15596,7 +15702,7 @@
                 <a:tab algn="l" pos="0"/>
               </a:tabLst>
             </a:pPr>
-            <a:fld id="{C28F1D19-0237-4EBE-BF3C-2E81A7DAEE6C}" type="slidenum">
+            <a:fld id="{352A75F6-90AF-484A-962A-4EF862019D93}" type="slidenum">
               <a:rPr b="0" lang="en" sz="1000" spc="-1" strike="noStrike">
                 <a:solidFill>
                   <a:schemeClr val="dk2"/>
@@ -15661,7 +15767,7 @@
         <p:spPr>
           <a:xfrm>
             <a:off x="8472600" y="4663080"/>
-            <a:ext cx="542520" cy="387360"/>
+            <a:ext cx="542160" cy="387000"/>
           </a:xfrm>
           <a:prstGeom prst="rect">
             <a:avLst/>
@@ -15703,7 +15809,7 @@
                 <a:tab algn="l" pos="0"/>
               </a:tabLst>
             </a:pPr>
-            <a:fld id="{CDD7686B-F198-45B6-BDFC-F636D7C7E4FF}" type="slidenum">
+            <a:fld id="{8E5472AD-8D8C-45C7-BF5F-C68471F6FEE6}" type="slidenum">
               <a:rPr b="0" lang="en" sz="1000" spc="-1" strike="noStrike">
                 <a:solidFill>
                   <a:schemeClr val="dk2"/>
@@ -15768,7 +15874,7 @@
         <p:spPr>
           <a:xfrm>
             <a:off x="8472600" y="4663080"/>
-            <a:ext cx="542520" cy="387360"/>
+            <a:ext cx="542160" cy="387000"/>
           </a:xfrm>
           <a:prstGeom prst="rect">
             <a:avLst/>
@@ -15810,7 +15916,7 @@
                 <a:tab algn="l" pos="0"/>
               </a:tabLst>
             </a:pPr>
-            <a:fld id="{C8224553-CACB-4EED-ADB0-E318ACF7F09D}" type="slidenum">
+            <a:fld id="{22F422E6-EF18-4BEE-89F9-50C28ABF21C4}" type="slidenum">
               <a:rPr b="0" lang="en" sz="1000" spc="-1" strike="noStrike">
                 <a:solidFill>
                   <a:schemeClr val="dk2"/>
@@ -15871,7 +15977,7 @@
         <p:spPr>
           <a:xfrm>
             <a:off x="4572000" y="0"/>
-            <a:ext cx="4565880" cy="5137560"/>
+            <a:ext cx="4565520" cy="5137200"/>
           </a:xfrm>
           <a:prstGeom prst="rect">
             <a:avLst/>
@@ -15924,7 +16030,7 @@
         <p:spPr>
           <a:xfrm>
             <a:off x="8472600" y="4663080"/>
-            <a:ext cx="542520" cy="387360"/>
+            <a:ext cx="542160" cy="387000"/>
           </a:xfrm>
           <a:prstGeom prst="rect">
             <a:avLst/>
@@ -15966,7 +16072,7 @@
                 <a:tab algn="l" pos="0"/>
               </a:tabLst>
             </a:pPr>
-            <a:fld id="{591BE05A-318E-4088-8BB0-6DF0D6591B5B}" type="slidenum">
+            <a:fld id="{355562F0-8E6D-4367-86F3-DB39CE49A32C}" type="slidenum">
               <a:rPr b="0" lang="en" sz="1000" spc="-1" strike="noStrike">
                 <a:solidFill>
                   <a:schemeClr val="dk2"/>
@@ -16056,34 +16162,7 @@
                 </a:solidFill>
                 <a:latin typeface="Arial"/>
               </a:rPr>
-              <a:t>Click to </a:t>
-            </a:r>
-            <a:r>
-              <a:rPr b="0" lang="en-US" sz="1800" spc="-1" strike="noStrike">
-                <a:solidFill>
-                  <a:srgbClr val="000000"/>
-                </a:solidFill>
-                <a:latin typeface="Arial"/>
-              </a:rPr>
-              <a:t>edit the </a:t>
-            </a:r>
-            <a:r>
-              <a:rPr b="0" lang="en-US" sz="1800" spc="-1" strike="noStrike">
-                <a:solidFill>
-                  <a:srgbClr val="000000"/>
-                </a:solidFill>
-                <a:latin typeface="Arial"/>
-              </a:rPr>
-              <a:t>title text </a:t>
-            </a:r>
-            <a:r>
-              <a:rPr b="0" lang="en-US" sz="1800" spc="-1" strike="noStrike">
-                <a:solidFill>
-                  <a:srgbClr val="000000"/>
-                </a:solidFill>
-                <a:latin typeface="Arial"/>
-              </a:rPr>
-              <a:t>format</a:t>
+              <a:t>Click to edit the title text format</a:t>
             </a:r>
             <a:endParaRPr b="0" lang="en-US" sz="1800" spc="-1" strike="noStrike">
               <a:solidFill>
@@ -16107,7 +16186,7 @@
         <p:spPr>
           <a:xfrm>
             <a:off x="8472600" y="4663080"/>
-            <a:ext cx="542520" cy="387360"/>
+            <a:ext cx="542160" cy="387000"/>
           </a:xfrm>
           <a:prstGeom prst="rect">
             <a:avLst/>
@@ -16149,7 +16228,7 @@
                 <a:tab algn="l" pos="0"/>
               </a:tabLst>
             </a:pPr>
-            <a:fld id="{C0E4F454-DC1D-4F89-A6C3-145A1F381EE2}" type="slidenum">
+            <a:fld id="{240B26DF-79A1-4016-AD83-792E0CD37844}" type="slidenum">
               <a:rPr b="0" lang="en" sz="1000" spc="-1" strike="noStrike">
                 <a:solidFill>
                   <a:schemeClr val="dk2"/>
@@ -16214,7 +16293,7 @@
         <p:spPr>
           <a:xfrm>
             <a:off x="8472600" y="4663080"/>
-            <a:ext cx="542520" cy="387360"/>
+            <a:ext cx="542160" cy="387000"/>
           </a:xfrm>
           <a:prstGeom prst="rect">
             <a:avLst/>
@@ -16256,7 +16335,7 @@
                 <a:tab algn="l" pos="0"/>
               </a:tabLst>
             </a:pPr>
-            <a:fld id="{E514B4A9-A350-4EDF-BB86-6A9C1B907AEF}" type="slidenum">
+            <a:fld id="{659B09A3-4EEA-4555-B168-6FB50B8510EA}" type="slidenum">
               <a:rPr b="0" lang="en" sz="1000" spc="-1" strike="noStrike">
                 <a:solidFill>
                   <a:schemeClr val="dk2"/>
@@ -16346,34 +16425,7 @@
                 </a:solidFill>
                 <a:latin typeface="Arial"/>
               </a:rPr>
-              <a:t>Click to </a:t>
-            </a:r>
-            <a:r>
-              <a:rPr b="0" lang="en-US" sz="1800" spc="-1" strike="noStrike">
-                <a:solidFill>
-                  <a:srgbClr val="000000"/>
-                </a:solidFill>
-                <a:latin typeface="Arial"/>
-              </a:rPr>
-              <a:t>edit the </a:t>
-            </a:r>
-            <a:r>
-              <a:rPr b="0" lang="en-US" sz="1800" spc="-1" strike="noStrike">
-                <a:solidFill>
-                  <a:srgbClr val="000000"/>
-                </a:solidFill>
-                <a:latin typeface="Arial"/>
-              </a:rPr>
-              <a:t>title text </a:t>
-            </a:r>
-            <a:r>
-              <a:rPr b="0" lang="en-US" sz="1800" spc="-1" strike="noStrike">
-                <a:solidFill>
-                  <a:srgbClr val="000000"/>
-                </a:solidFill>
-                <a:latin typeface="Arial"/>
-              </a:rPr>
-              <a:t>format</a:t>
+              <a:t>Click to edit the title text format</a:t>
             </a:r>
             <a:endParaRPr b="0" lang="en-US" sz="1800" spc="-1" strike="noStrike">
               <a:solidFill>
@@ -16847,7 +16899,7 @@
         <p:spPr>
           <a:xfrm>
             <a:off x="8472600" y="4663080"/>
-            <a:ext cx="542520" cy="387360"/>
+            <a:ext cx="542160" cy="387000"/>
           </a:xfrm>
           <a:prstGeom prst="rect">
             <a:avLst/>
@@ -16889,7 +16941,7 @@
                 <a:tab algn="l" pos="0"/>
               </a:tabLst>
             </a:pPr>
-            <a:fld id="{4EDCC0FD-4CBF-4C7F-81E3-723A16696EAE}" type="slidenum">
+            <a:fld id="{E2B55A6B-4C09-4500-9269-1CEC0414A0FC}" type="slidenum">
               <a:rPr b="0" lang="en" sz="1000" spc="-1" strike="noStrike">
                 <a:solidFill>
                   <a:schemeClr val="dk2"/>
@@ -16979,25 +17031,7 @@
                 </a:solidFill>
                 <a:latin typeface="Arial"/>
               </a:rPr>
-              <a:t>Click to edit </a:t>
-            </a:r>
-            <a:r>
-              <a:rPr b="0" lang="en-US" sz="1800" spc="-1" strike="noStrike">
-                <a:solidFill>
-                  <a:srgbClr val="000000"/>
-                </a:solidFill>
-                <a:latin typeface="Arial"/>
-              </a:rPr>
-              <a:t>the title text </a:t>
-            </a:r>
-            <a:r>
-              <a:rPr b="0" lang="en-US" sz="1800" spc="-1" strike="noStrike">
-                <a:solidFill>
-                  <a:srgbClr val="000000"/>
-                </a:solidFill>
-                <a:latin typeface="Arial"/>
-              </a:rPr>
-              <a:t>format</a:t>
+              <a:t>Click to edit the title text format</a:t>
             </a:r>
             <a:endParaRPr b="0" lang="en-US" sz="1800" spc="-1" strike="noStrike">
               <a:solidFill>
@@ -17246,7 +17280,7 @@
         <p:spPr>
           <a:xfrm>
             <a:off x="8472600" y="4663080"/>
-            <a:ext cx="542520" cy="387360"/>
+            <a:ext cx="542160" cy="387000"/>
           </a:xfrm>
           <a:prstGeom prst="rect">
             <a:avLst/>
@@ -17288,7 +17322,7 @@
                 <a:tab algn="l" pos="0"/>
               </a:tabLst>
             </a:pPr>
-            <a:fld id="{317644A0-3ABF-49C9-BF54-C8B96C3AEDE4}" type="slidenum">
+            <a:fld id="{3EAA0646-2C09-4D0E-949A-CD833980ACE3}" type="slidenum">
               <a:rPr b="0" lang="en" sz="1000" spc="-1" strike="noStrike">
                 <a:solidFill>
                   <a:schemeClr val="dk2"/>
@@ -17378,16 +17412,7 @@
                 </a:solidFill>
                 <a:latin typeface="Arial"/>
               </a:rPr>
-              <a:t>Click to edit the </a:t>
-            </a:r>
-            <a:r>
-              <a:rPr b="0" lang="en-US" sz="1800" spc="-1" strike="noStrike">
-                <a:solidFill>
-                  <a:srgbClr val="000000"/>
-                </a:solidFill>
-                <a:latin typeface="Arial"/>
-              </a:rPr>
-              <a:t>title text format</a:t>
+              <a:t>Click to edit the title text format</a:t>
             </a:r>
             <a:endParaRPr b="0" lang="en-US" sz="1800" spc="-1" strike="noStrike">
               <a:solidFill>
@@ -17411,7 +17436,7 @@
         <p:spPr>
           <a:xfrm>
             <a:off x="8472600" y="4663080"/>
-            <a:ext cx="542520" cy="387360"/>
+            <a:ext cx="542160" cy="387000"/>
           </a:xfrm>
           <a:prstGeom prst="rect">
             <a:avLst/>
@@ -17453,7 +17478,7 @@
                 <a:tab algn="l" pos="0"/>
               </a:tabLst>
             </a:pPr>
-            <a:fld id="{C13FD441-2B4D-44A5-AB80-6D45FE393B5A}" type="slidenum">
+            <a:fld id="{15AEEE4D-65C4-432A-9D8E-3D4AAA37C9C3}" type="slidenum">
               <a:rPr b="0" lang="en" sz="1000" spc="-1" strike="noStrike">
                 <a:solidFill>
                   <a:schemeClr val="dk2"/>
@@ -17792,7 +17817,7 @@
         <p:spPr>
           <a:xfrm>
             <a:off x="8472600" y="4663080"/>
-            <a:ext cx="542520" cy="387360"/>
+            <a:ext cx="542160" cy="387000"/>
           </a:xfrm>
           <a:prstGeom prst="rect">
             <a:avLst/>
@@ -17834,7 +17859,7 @@
                 <a:tab algn="l" pos="0"/>
               </a:tabLst>
             </a:pPr>
-            <a:fld id="{437E655C-988B-4936-AD42-2BE1BFA8FD4F}" type="slidenum">
+            <a:fld id="{6773FF6C-AB59-4C0E-8A87-8C849677954D}" type="slidenum">
               <a:rPr b="0" lang="en" sz="1000" spc="-1" strike="noStrike">
                 <a:solidFill>
                   <a:schemeClr val="dk2"/>
@@ -18398,7 +18423,7 @@
         <p:spPr>
           <a:xfrm>
             <a:off x="8472600" y="4663080"/>
-            <a:ext cx="542520" cy="387360"/>
+            <a:ext cx="542160" cy="387000"/>
           </a:xfrm>
           <a:prstGeom prst="rect">
             <a:avLst/>
@@ -18440,7 +18465,7 @@
                 <a:tab algn="l" pos="0"/>
               </a:tabLst>
             </a:pPr>
-            <a:fld id="{9BCBD834-8035-4727-A1F7-5E766403775E}" type="slidenum">
+            <a:fld id="{21896DBA-7702-402A-A90D-60FB7C834426}" type="slidenum">
               <a:rPr b="0" lang="en" sz="1000" spc="-1" strike="noStrike">
                 <a:solidFill>
                   <a:schemeClr val="dk2"/>
@@ -18505,7 +18530,7 @@
         <p:spPr>
           <a:xfrm>
             <a:off x="834480" y="347400"/>
-            <a:ext cx="7468560" cy="1758960"/>
+            <a:ext cx="7468200" cy="1758600"/>
           </a:xfrm>
           <a:prstGeom prst="rect">
             <a:avLst/>
@@ -18557,7 +18582,7 @@
         <p:spPr>
           <a:xfrm>
             <a:off x="204480" y="2304720"/>
-            <a:ext cx="8741160" cy="6480"/>
+            <a:ext cx="8741520" cy="6840"/>
           </a:xfrm>
           <a:prstGeom prst="straightConnector1">
             <a:avLst/>
@@ -18579,7 +18604,7 @@
         <p:spPr>
           <a:xfrm>
             <a:off x="204480" y="3948840"/>
-            <a:ext cx="8741160" cy="6480"/>
+            <a:ext cx="8741520" cy="6840"/>
           </a:xfrm>
           <a:prstGeom prst="straightConnector1">
             <a:avLst/>
@@ -18605,7 +18630,7 @@
         <p:spPr>
           <a:xfrm>
             <a:off x="8472600" y="4663080"/>
-            <a:ext cx="542520" cy="387360"/>
+            <a:ext cx="542160" cy="387000"/>
           </a:xfrm>
           <a:prstGeom prst="rect">
             <a:avLst/>
@@ -18647,7 +18672,7 @@
                 <a:tab algn="l" pos="0"/>
               </a:tabLst>
             </a:pPr>
-            <a:fld id="{CE7D4FCC-7D91-44E1-8C08-03A041E52E8C}" type="slidenum">
+            <a:fld id="{44A498E9-D469-486C-8CED-4813062EF273}" type="slidenum">
               <a:rPr b="0" lang="en" sz="1000" spc="-1" strike="noStrike">
                 <a:solidFill>
                   <a:schemeClr val="dk2"/>
@@ -18655,7 +18680,7 @@
                 <a:latin typeface="Arial"/>
                 <a:ea typeface="Arial"/>
               </a:rPr>
-              <a:t>1</a:t>
+              <a:t>&lt;number&gt;</a:t>
             </a:fld>
             <a:endParaRPr b="0" lang="en-US" sz="1000" spc="-1" strike="noStrike">
               <a:solidFill>
@@ -18675,7 +18700,7 @@
         <p:spPr>
           <a:xfrm>
             <a:off x="1946880" y="2244240"/>
-            <a:ext cx="5244480" cy="1668600"/>
+            <a:ext cx="5244120" cy="1668600"/>
           </a:xfrm>
           <a:prstGeom prst="rect">
             <a:avLst/>
@@ -18784,7 +18809,7 @@
         <p:spPr>
           <a:xfrm>
             <a:off x="3071880" y="3948480"/>
-            <a:ext cx="2993760" cy="1005480"/>
+            <a:ext cx="2993400" cy="1005480"/>
           </a:xfrm>
           <a:prstGeom prst="rect">
             <a:avLst/>
@@ -18867,7 +18892,7 @@
       </p:grpSpPr>
       <p:sp>
         <p:nvSpPr>
-          <p:cNvPr id="237" name="PlaceHolder 1"/>
+          <p:cNvPr id="235" name="PlaceHolder 1"/>
           <p:cNvSpPr>
             <a:spLocks noGrp="1"/>
           </p:cNvSpPr>
@@ -18878,7 +18903,7 @@
         <p:spPr>
           <a:xfrm>
             <a:off x="8472600" y="4633560"/>
-            <a:ext cx="542520" cy="387360"/>
+            <a:ext cx="542160" cy="387000"/>
           </a:xfrm>
           <a:prstGeom prst="rect">
             <a:avLst/>
@@ -18920,7 +18945,7 @@
                 <a:tab algn="l" pos="0"/>
               </a:tabLst>
             </a:pPr>
-            <a:fld id="{15AFBDE1-F04D-4C7C-AEC0-C80C331CB857}" type="slidenum">
+            <a:fld id="{F2B17686-E08E-415A-98EB-4718ED3B2525}" type="slidenum">
               <a:rPr b="0" lang="en" sz="1000" spc="-1" strike="noStrike">
                 <a:solidFill>
                   <a:schemeClr val="dk2"/>
@@ -18928,7 +18953,7 @@
                 <a:latin typeface="Arial"/>
                 <a:ea typeface="Arial"/>
               </a:rPr>
-              <a:t>10</a:t>
+              <a:t>&lt;number&gt;</a:t>
             </a:fld>
             <a:endParaRPr b="0" lang="en-US" sz="1000" spc="-1" strike="noStrike">
               <a:solidFill>
@@ -18941,7 +18966,7 @@
       </p:sp>
       <p:sp>
         <p:nvSpPr>
-          <p:cNvPr id="238" name="PlaceHolder 2"/>
+          <p:cNvPr id="236" name="PlaceHolder 2"/>
           <p:cNvSpPr>
             <a:spLocks noGrp="1"/>
           </p:cNvSpPr>
@@ -18952,7 +18977,7 @@
         <p:spPr>
           <a:xfrm>
             <a:off x="1487160" y="171360"/>
-            <a:ext cx="6161400" cy="916920"/>
+            <a:ext cx="6161040" cy="916560"/>
           </a:xfrm>
           <a:prstGeom prst="rect">
             <a:avLst/>
@@ -18984,7 +19009,7 @@
                 <a:latin typeface="Times New Roman"/>
                 <a:ea typeface="Times New Roman"/>
               </a:rPr>
-              <a:t>Gap &amp; Contribution</a:t>
+              <a:t>Direction / Future Work</a:t>
             </a:r>
             <a:endParaRPr b="0" lang="en-US" sz="2400" spc="-1" strike="noStrike">
               <a:solidFill>
@@ -18997,14 +19022,14 @@
       </p:sp>
       <p:cxnSp>
         <p:nvCxnSpPr>
-          <p:cNvPr id="239" name="Google Shape;106;p 1"/>
+          <p:cNvPr id="237" name="Google Shape;106;p 3"/>
           <p:cNvCxnSpPr/>
           <p:nvPr/>
         </p:nvCxnSpPr>
         <p:spPr>
           <a:xfrm>
             <a:off x="204480" y="721440"/>
-            <a:ext cx="8741160" cy="6480"/>
+            <a:ext cx="8741520" cy="6840"/>
           </a:xfrm>
           <a:prstGeom prst="straightConnector1">
             <a:avLst/>
@@ -19019,7 +19044,7 @@
       </p:cxnSp>
       <p:sp>
         <p:nvSpPr>
-          <p:cNvPr id="240" name="PlaceHolder 3"/>
+          <p:cNvPr id="238" name="PlaceHolder 3"/>
           <p:cNvSpPr>
             <a:spLocks noGrp="1"/>
           </p:cNvSpPr>
@@ -19030,7 +19055,7 @@
         <p:spPr>
           <a:xfrm>
             <a:off x="343080" y="829800"/>
-            <a:ext cx="8338680" cy="4194360"/>
+            <a:ext cx="5366160" cy="4194000"/>
           </a:xfrm>
           <a:prstGeom prst="rect">
             <a:avLst/>
@@ -19065,9 +19090,8 @@
                   <a:srgbClr val="000000"/>
                 </a:solidFill>
                 <a:latin typeface="Times New Roman"/>
-                <a:ea typeface="Noto Sans CJK SC"/>
-              </a:rPr>
-              <a:t>A Midsummer Nights Tree (AMNT) by Sam Thomas</a:t>
+              </a:rPr>
+              <a:t>Implementing a RISC-V TEE in gem5:</a:t>
             </a:r>
             <a:endParaRPr b="0" lang="en-US" sz="2200" spc="-1" strike="noStrike">
               <a:solidFill>
@@ -19092,31 +19116,132 @@
               <a:buChar char=""/>
             </a:pPr>
             <a:r>
-              <a:rPr b="0" lang="en-US" sz="1800" spc="-1" strike="noStrike">
+              <a:rPr b="0" lang="en-US" sz="1600" spc="-1" strike="noStrike">
                 <a:solidFill>
                   <a:srgbClr val="000000"/>
                 </a:solidFill>
                 <a:latin typeface="Times New Roman"/>
                 <a:ea typeface="Noto Sans CJK SC"/>
               </a:rPr>
-              <a:t>Crash consistent secure memory protocol by defining write-back protocols that sync the on-chip BMT root &amp; stored leaf counters in off-chip memory</a:t>
+              <a:t>Currently adding cache hierarchy</a:t>
             </a:r>
-            <a:endParaRPr b="0" lang="en-US" sz="1800" spc="-1" strike="noStrike">
-              <a:solidFill>
-                <a:srgbClr val="000000"/>
-              </a:solidFill>
-              <a:latin typeface="Arial"/>
-            </a:endParaRPr>
-          </a:p>
-          <a:p>
-            <a:pPr marL="432000" indent="0">
+            <a:endParaRPr b="0" lang="en-US" sz="1600" spc="-1" strike="noStrike">
+              <a:solidFill>
+                <a:srgbClr val="000000"/>
+              </a:solidFill>
+              <a:latin typeface="Arial"/>
+            </a:endParaRPr>
+          </a:p>
+          <a:p>
+            <a:pPr lvl="2" marL="1296000" indent="-288000">
+              <a:lnSpc>
+                <a:spcPct val="100000"/>
+              </a:lnSpc>
+              <a:spcBef>
+                <a:spcPts val="850"/>
+              </a:spcBef>
+              <a:buClr>
+                <a:srgbClr val="000000"/>
+              </a:buClr>
+              <a:buSzPct val="45000"/>
+              <a:buFont typeface="Wingdings" charset="2"/>
+              <a:buChar char=""/>
+            </a:pPr>
+            <a:r>
+              <a:rPr b="0" lang="en-US" sz="1600" spc="-1" strike="noStrike">
+                <a:solidFill>
+                  <a:srgbClr val="000000"/>
+                </a:solidFill>
+                <a:latin typeface="Times New Roman"/>
+                <a:ea typeface="Noto Sans CJK SC"/>
+              </a:rPr>
+              <a:t>Incorporating caches into secure memory through “board” hierarchy</a:t>
+            </a:r>
+            <a:endParaRPr b="0" lang="en-US" sz="1600" spc="-1" strike="noStrike">
+              <a:solidFill>
+                <a:srgbClr val="000000"/>
+              </a:solidFill>
+              <a:latin typeface="Arial"/>
+            </a:endParaRPr>
+          </a:p>
+          <a:p>
+            <a:pPr lvl="2" marL="1296000" indent="-288000">
+              <a:lnSpc>
+                <a:spcPct val="100000"/>
+              </a:lnSpc>
+              <a:spcBef>
+                <a:spcPts val="850"/>
+              </a:spcBef>
+              <a:buClr>
+                <a:srgbClr val="000000"/>
+              </a:buClr>
+              <a:buSzPct val="45000"/>
+              <a:buFont typeface="Wingdings" charset="2"/>
+              <a:buChar char=""/>
+            </a:pPr>
+            <a:r>
+              <a:rPr b="0" lang="en-US" sz="1600" spc="-1" strike="noStrike">
+                <a:solidFill>
+                  <a:srgbClr val="000000"/>
+                </a:solidFill>
+                <a:latin typeface="Times New Roman"/>
+                <a:ea typeface="Noto Sans CJK SC"/>
+              </a:rPr>
+              <a:t>Entirely different way of connecting things</a:t>
+            </a:r>
+            <a:endParaRPr b="0" lang="en-US" sz="1600" spc="-1" strike="noStrike">
+              <a:solidFill>
+                <a:srgbClr val="000000"/>
+              </a:solidFill>
+              <a:latin typeface="Arial"/>
+            </a:endParaRPr>
+          </a:p>
+          <a:p>
+            <a:pPr lvl="1" marL="864000" indent="-324000">
+              <a:lnSpc>
+                <a:spcPct val="100000"/>
+              </a:lnSpc>
+              <a:spcBef>
+                <a:spcPts val="1134"/>
+              </a:spcBef>
+              <a:buClr>
+                <a:srgbClr val="000000"/>
+              </a:buClr>
+              <a:buSzPct val="75000"/>
+              <a:buFont typeface="Symbol" charset="2"/>
+              <a:buChar char=""/>
+            </a:pPr>
+            <a:r>
+              <a:rPr b="0" lang="en-US" sz="1600" spc="-1" strike="noStrike">
+                <a:solidFill>
+                  <a:srgbClr val="000000"/>
+                </a:solidFill>
+                <a:latin typeface="Times New Roman"/>
+                <a:ea typeface="Noto Sans CJK SC"/>
+              </a:rPr>
+              <a:t>PMP is included in any RISCV cpu in gem5</a:t>
+            </a:r>
+            <a:endParaRPr b="0" lang="en-US" sz="1600" spc="-1" strike="noStrike">
+              <a:solidFill>
+                <a:srgbClr val="000000"/>
+              </a:solidFill>
+              <a:latin typeface="Arial"/>
+            </a:endParaRPr>
+          </a:p>
+          <a:p>
+            <a:pPr marL="432000" indent="-324000">
               <a:lnSpc>
                 <a:spcPct val="100000"/>
               </a:lnSpc>
               <a:spcBef>
                 <a:spcPts val="1417"/>
               </a:spcBef>
-              <a:buNone/>
+              <a:buClr>
+                <a:srgbClr val="000000"/>
+              </a:buClr>
+              <a:buSzPct val="45000"/>
+              <a:buFont typeface="Wingdings" charset="2"/>
+              <a:buChar char=""/>
               <a:tabLst>
                 <a:tab algn="l" pos="0"/>
               </a:tabLst>
@@ -19129,9 +19254,155 @@
                 <a:latin typeface="Times New Roman"/>
                 <a:ea typeface="Noto Sans CJK SC"/>
               </a:rPr>
-              <a:t> </a:t>
+              <a:t>What is my contribution?</a:t>
             </a:r>
             <a:endParaRPr b="0" lang="en-US" sz="2200" spc="-1" strike="noStrike">
+              <a:solidFill>
+                <a:srgbClr val="000000"/>
+              </a:solidFill>
+              <a:latin typeface="Arial"/>
+            </a:endParaRPr>
+          </a:p>
+          <a:p>
+            <a:pPr lvl="1" marL="864000" indent="-324000">
+              <a:lnSpc>
+                <a:spcPct val="100000"/>
+              </a:lnSpc>
+              <a:spcBef>
+                <a:spcPts val="1134"/>
+              </a:spcBef>
+              <a:buClr>
+                <a:srgbClr val="000000"/>
+              </a:buClr>
+              <a:buSzPct val="75000"/>
+              <a:buFont typeface="Symbol" charset="2"/>
+              <a:buChar char=""/>
+              <a:tabLst>
+                <a:tab algn="l" pos="0"/>
+              </a:tabLst>
+            </a:pPr>
+            <a:r>
+              <a:rPr b="0" lang="en-US" sz="1600" spc="-1" strike="noStrike">
+                <a:solidFill>
+                  <a:srgbClr val="000000"/>
+                </a:solidFill>
+                <a:latin typeface="Times New Roman"/>
+                <a:ea typeface="Noto Sans CJK SC"/>
+              </a:rPr>
+              <a:t>Until now, I have been just trying to implement Zach’s work in gem5</a:t>
+            </a:r>
+            <a:endParaRPr b="0" lang="en-US" sz="1600" spc="-1" strike="noStrike">
+              <a:solidFill>
+                <a:srgbClr val="000000"/>
+              </a:solidFill>
+              <a:latin typeface="Arial"/>
+            </a:endParaRPr>
+          </a:p>
+          <a:p>
+            <a:pPr lvl="1" marL="864000" indent="-324000">
+              <a:lnSpc>
+                <a:spcPct val="100000"/>
+              </a:lnSpc>
+              <a:spcBef>
+                <a:spcPts val="1134"/>
+              </a:spcBef>
+              <a:buClr>
+                <a:srgbClr val="000000"/>
+              </a:buClr>
+              <a:buSzPct val="75000"/>
+              <a:buFont typeface="Symbol" charset="2"/>
+              <a:buChar char=""/>
+              <a:tabLst>
+                <a:tab algn="l" pos="0"/>
+              </a:tabLst>
+            </a:pPr>
+            <a:r>
+              <a:rPr b="0" lang="en-US" sz="1600" spc="-1" strike="noStrike">
+                <a:solidFill>
+                  <a:srgbClr val="000000"/>
+                </a:solidFill>
+                <a:latin typeface="Times New Roman"/>
+                <a:ea typeface="Noto Sans CJK SC"/>
+              </a:rPr>
+              <a:t>Deeper understanding of attack methods (winter break project?)</a:t>
+            </a:r>
+            <a:endParaRPr b="0" lang="en-US" sz="1600" spc="-1" strike="noStrike">
+              <a:solidFill>
+                <a:srgbClr val="000000"/>
+              </a:solidFill>
+              <a:latin typeface="Arial"/>
+            </a:endParaRPr>
+          </a:p>
+        </p:txBody>
+      </p:sp>
+      <p:pic>
+        <p:nvPicPr>
+          <p:cNvPr id="239" name="" descr=""/>
+          <p:cNvPicPr/>
+          <p:nvPr/>
+        </p:nvPicPr>
+        <p:blipFill>
+          <a:blip r:embed="rId1"/>
+          <a:stretch/>
+        </p:blipFill>
+        <p:spPr>
+          <a:xfrm>
+            <a:off x="5734440" y="1238400"/>
+            <a:ext cx="3175200" cy="3080880"/>
+          </a:xfrm>
+          <a:prstGeom prst="rect">
+            <a:avLst/>
+          </a:prstGeom>
+          <a:ln w="0">
+            <a:noFill/>
+          </a:ln>
+        </p:spPr>
+      </p:pic>
+      <p:sp>
+        <p:nvSpPr>
+          <p:cNvPr id="240" name=""/>
+          <p:cNvSpPr/>
+          <p:nvPr/>
+        </p:nvSpPr>
+        <p:spPr>
+          <a:xfrm>
+            <a:off x="5943600" y="4572000"/>
+            <a:ext cx="2280960" cy="452160"/>
+          </a:xfrm>
+          <a:prstGeom prst="rect">
+            <a:avLst/>
+          </a:prstGeom>
+          <a:noFill/>
+          <a:ln w="0">
+            <a:noFill/>
+          </a:ln>
+        </p:spPr>
+        <p:style>
+          <a:lnRef idx="0"/>
+          <a:fillRef idx="0"/>
+          <a:effectRef idx="0"/>
+          <a:fontRef idx="minor"/>
+        </p:style>
+        <p:txBody>
+          <a:bodyPr lIns="90000" rIns="90000" tIns="45000" bIns="45000" anchor="t">
+            <a:noAutofit/>
+          </a:bodyPr>
+          <a:p>
+            <a:pPr>
+              <a:lnSpc>
+                <a:spcPct val="100000"/>
+              </a:lnSpc>
+            </a:pPr>
+            <a:r>
+              <a:rPr b="0" lang="en-US" sz="1400" spc="-1" strike="noStrike">
+                <a:solidFill>
+                  <a:srgbClr val="808080"/>
+                </a:solidFill>
+                <a:latin typeface="Times New Roman"/>
+              </a:rPr>
+              <a:t>Moolman, Z. &amp; Lehman T.</a:t>
+            </a:r>
+            <a:endParaRPr b="0" lang="en-US" sz="1400" spc="-1" strike="noStrike">
               <a:solidFill>
                 <a:srgbClr val="000000"/>
               </a:solidFill>
@@ -19177,171 +19448,13 @@
             <a:spLocks noGrp="1"/>
           </p:cNvSpPr>
           <p:nvPr>
-            <p:ph type="title"/>
-          </p:nvPr>
-        </p:nvSpPr>
-        <p:spPr>
-          <a:xfrm>
-            <a:off x="1487160" y="171360"/>
-            <a:ext cx="6161400" cy="916920"/>
-          </a:xfrm>
-          <a:prstGeom prst="rect">
-            <a:avLst/>
-          </a:prstGeom>
-          <a:noFill/>
-          <a:ln w="0">
-            <a:noFill/>
-          </a:ln>
-        </p:spPr>
-        <p:txBody>
-          <a:bodyPr lIns="67680" rIns="67680" tIns="33840" bIns="33840" anchor="t">
-            <a:noAutofit/>
-          </a:bodyPr>
-          <a:p>
-            <a:pPr indent="0" algn="ctr">
-              <a:lnSpc>
-                <a:spcPct val="90000"/>
-              </a:lnSpc>
-              <a:buNone/>
-              <a:tabLst>
-                <a:tab algn="l" pos="0"/>
-              </a:tabLst>
-            </a:pPr>
-            <a:r>
-              <a:rPr b="0" lang="en" sz="2400" spc="-1" strike="noStrike">
-                <a:solidFill>
-                  <a:srgbClr val="000000"/>
-                </a:solidFill>
-                <a:latin typeface="Times New Roman"/>
-                <a:ea typeface="Times New Roman"/>
-              </a:rPr>
-              <a:t>Limitations</a:t>
-            </a:r>
-            <a:endParaRPr b="0" lang="en-US" sz="2400" spc="-1" strike="noStrike">
-              <a:solidFill>
-                <a:srgbClr val="000000"/>
-              </a:solidFill>
-              <a:latin typeface="Arial"/>
-            </a:endParaRPr>
-          </a:p>
-        </p:txBody>
-      </p:sp>
-      <p:sp>
-        <p:nvSpPr>
-          <p:cNvPr id="242" name="PlaceHolder 2"/>
-          <p:cNvSpPr>
-            <a:spLocks noGrp="1"/>
-          </p:cNvSpPr>
-          <p:nvPr>
-            <p:ph/>
-          </p:nvPr>
-        </p:nvSpPr>
-        <p:spPr>
-          <a:xfrm>
-            <a:off x="343080" y="606600"/>
-            <a:ext cx="8386560" cy="3488760"/>
-          </a:xfrm>
-          <a:prstGeom prst="rect">
-            <a:avLst/>
-          </a:prstGeom>
-          <a:noFill/>
-          <a:ln w="0">
-            <a:noFill/>
-          </a:ln>
-        </p:spPr>
-        <p:txBody>
-          <a:bodyPr lIns="67680" rIns="67680" tIns="33840" bIns="33840" anchor="t">
-            <a:noAutofit/>
-          </a:bodyPr>
-          <a:p>
-            <a:pPr marL="177840" indent="0">
-              <a:lnSpc>
-                <a:spcPct val="90000"/>
-              </a:lnSpc>
-              <a:buNone/>
-              <a:tabLst>
-                <a:tab algn="l" pos="0"/>
-              </a:tabLst>
-            </a:pPr>
-            <a:endParaRPr b="0" lang="en-US" sz="1800" spc="-1" strike="noStrike">
-              <a:solidFill>
-                <a:srgbClr val="000000"/>
-              </a:solidFill>
-              <a:latin typeface="Arial"/>
-            </a:endParaRPr>
-          </a:p>
-          <a:p>
-            <a:pPr marL="457200" indent="-380880">
-              <a:lnSpc>
-                <a:spcPct val="90000"/>
-              </a:lnSpc>
-              <a:spcBef>
-                <a:spcPts val="1199"/>
-              </a:spcBef>
-              <a:buClr>
-                <a:srgbClr val="000000"/>
-              </a:buClr>
-              <a:buFont typeface="Times New Roman"/>
-              <a:buChar char="•"/>
-              <a:tabLst>
-                <a:tab algn="l" pos="0"/>
-              </a:tabLst>
-            </a:pPr>
-            <a:r>
-              <a:rPr b="0" lang="en" sz="2400" spc="-1" strike="noStrike">
-                <a:solidFill>
-                  <a:srgbClr val="000000"/>
-                </a:solidFill>
-                <a:latin typeface="Times New Roman"/>
-                <a:ea typeface="Times New Roman"/>
-              </a:rPr>
-              <a:t>Computational and memory overhead</a:t>
-            </a:r>
-            <a:endParaRPr b="0" lang="en-US" sz="2400" spc="-1" strike="noStrike">
-              <a:solidFill>
-                <a:srgbClr val="000000"/>
-              </a:solidFill>
-              <a:latin typeface="Arial"/>
-            </a:endParaRPr>
-          </a:p>
-        </p:txBody>
-      </p:sp>
-      <p:cxnSp>
-        <p:nvCxnSpPr>
-          <p:cNvPr id="243" name="Google Shape;180;p25"/>
-          <p:cNvCxnSpPr/>
-          <p:nvPr/>
-        </p:nvCxnSpPr>
-        <p:spPr>
-          <a:xfrm>
-            <a:off x="204480" y="721440"/>
-            <a:ext cx="8741160" cy="6480"/>
-          </a:xfrm>
-          <a:prstGeom prst="straightConnector1">
-            <a:avLst/>
-          </a:prstGeom>
-          <a:ln w="57225">
-            <a:solidFill>
-              <a:srgbClr val="0b5394"/>
-            </a:solidFill>
-            <a:miter/>
-          </a:ln>
-        </p:spPr>
-      </p:cxnSp>
-      <p:sp>
-        <p:nvSpPr>
-          <p:cNvPr id="244" name="PlaceHolder 3"/>
-          <p:cNvSpPr>
-            <a:spLocks noGrp="1"/>
-          </p:cNvSpPr>
-          <p:nvPr>
             <p:ph type="sldNum" idx="54"/>
           </p:nvPr>
         </p:nvSpPr>
         <p:spPr>
           <a:xfrm>
             <a:off x="8472600" y="4633560"/>
-            <a:ext cx="542520" cy="387360"/>
+            <a:ext cx="542160" cy="387000"/>
           </a:xfrm>
           <a:prstGeom prst="rect">
             <a:avLst/>
@@ -19383,7 +19496,7 @@
                 <a:tab algn="l" pos="0"/>
               </a:tabLst>
             </a:pPr>
-            <a:fld id="{71A45DA8-9AFB-478A-AEB5-7695E39BF62E}" type="slidenum">
+            <a:fld id="{124752F2-6011-405C-A44A-24118AB33CA9}" type="slidenum">
               <a:rPr b="0" lang="en" sz="1000" spc="-1" strike="noStrike">
                 <a:solidFill>
                   <a:schemeClr val="dk2"/>
@@ -19391,13 +19504,214 @@
                 <a:latin typeface="Arial"/>
                 <a:ea typeface="Arial"/>
               </a:rPr>
-              <a:t>11</a:t>
+              <a:t>&lt;number&gt;</a:t>
             </a:fld>
             <a:endParaRPr b="0" lang="en-US" sz="1000" spc="-1" strike="noStrike">
               <a:solidFill>
                 <a:srgbClr val="000000"/>
               </a:solidFill>
               <a:latin typeface="Times New Roman"/>
+            </a:endParaRPr>
+          </a:p>
+        </p:txBody>
+      </p:sp>
+      <p:sp>
+        <p:nvSpPr>
+          <p:cNvPr id="242" name="PlaceHolder 2"/>
+          <p:cNvSpPr>
+            <a:spLocks noGrp="1"/>
+          </p:cNvSpPr>
+          <p:nvPr>
+            <p:ph type="title"/>
+          </p:nvPr>
+        </p:nvSpPr>
+        <p:spPr>
+          <a:xfrm>
+            <a:off x="1487160" y="171360"/>
+            <a:ext cx="6161040" cy="916560"/>
+          </a:xfrm>
+          <a:prstGeom prst="rect">
+            <a:avLst/>
+          </a:prstGeom>
+          <a:noFill/>
+          <a:ln w="0">
+            <a:noFill/>
+          </a:ln>
+        </p:spPr>
+        <p:txBody>
+          <a:bodyPr lIns="67680" rIns="67680" tIns="33840" bIns="33840" anchor="t">
+            <a:noAutofit/>
+          </a:bodyPr>
+          <a:p>
+            <a:pPr indent="0" algn="ctr">
+              <a:lnSpc>
+                <a:spcPct val="90000"/>
+              </a:lnSpc>
+              <a:buNone/>
+              <a:tabLst>
+                <a:tab algn="l" pos="0"/>
+              </a:tabLst>
+            </a:pPr>
+            <a:r>
+              <a:rPr b="0" lang="en" sz="2400" spc="-1" strike="noStrike">
+                <a:solidFill>
+                  <a:srgbClr val="000000"/>
+                </a:solidFill>
+                <a:latin typeface="Times New Roman"/>
+                <a:ea typeface="Times New Roman"/>
+              </a:rPr>
+              <a:t>Gap &amp; Contribution</a:t>
+            </a:r>
+            <a:endParaRPr b="0" lang="en-US" sz="2400" spc="-1" strike="noStrike">
+              <a:solidFill>
+                <a:srgbClr val="000000"/>
+              </a:solidFill>
+              <a:latin typeface="Arial"/>
+            </a:endParaRPr>
+          </a:p>
+        </p:txBody>
+      </p:sp>
+      <p:cxnSp>
+        <p:nvCxnSpPr>
+          <p:cNvPr id="243" name="Google Shape;106;p 1"/>
+          <p:cNvCxnSpPr/>
+          <p:nvPr/>
+        </p:nvCxnSpPr>
+        <p:spPr>
+          <a:xfrm>
+            <a:off x="204480" y="721440"/>
+            <a:ext cx="8741520" cy="6840"/>
+          </a:xfrm>
+          <a:prstGeom prst="straightConnector1">
+            <a:avLst/>
+          </a:prstGeom>
+          <a:ln w="57225">
+            <a:solidFill>
+              <a:srgbClr val="0b5394"/>
+            </a:solidFill>
+            <a:miter/>
+          </a:ln>
+        </p:spPr>
+      </p:cxnSp>
+      <p:sp>
+        <p:nvSpPr>
+          <p:cNvPr id="244" name="PlaceHolder 3"/>
+          <p:cNvSpPr>
+            <a:spLocks noGrp="1"/>
+          </p:cNvSpPr>
+          <p:nvPr>
+            <p:ph/>
+          </p:nvPr>
+        </p:nvSpPr>
+        <p:spPr>
+          <a:xfrm>
+            <a:off x="343080" y="829800"/>
+            <a:ext cx="8338320" cy="4194000"/>
+          </a:xfrm>
+          <a:prstGeom prst="rect">
+            <a:avLst/>
+          </a:prstGeom>
+          <a:noFill/>
+          <a:ln w="0">
+            <a:noFill/>
+          </a:ln>
+        </p:spPr>
+        <p:txBody>
+          <a:bodyPr lIns="67680" rIns="67680" tIns="33840" bIns="33840" anchor="t">
+            <a:noAutofit/>
+          </a:bodyPr>
+          <a:p>
+            <a:pPr marL="432000" indent="-324000">
+              <a:lnSpc>
+                <a:spcPct val="100000"/>
+              </a:lnSpc>
+              <a:spcBef>
+                <a:spcPts val="1417"/>
+              </a:spcBef>
+              <a:buClr>
+                <a:srgbClr val="000000"/>
+              </a:buClr>
+              <a:buSzPct val="45000"/>
+              <a:buFont typeface="Wingdings" charset="2"/>
+              <a:buChar char=""/>
+            </a:pPr>
+            <a:r>
+              <a:rPr b="0" lang="en-US" sz="2200" spc="-1" strike="noStrike">
+                <a:solidFill>
+                  <a:srgbClr val="000000"/>
+                </a:solidFill>
+                <a:latin typeface="Times New Roman"/>
+                <a:ea typeface="Noto Sans CJK SC"/>
+              </a:rPr>
+              <a:t>A Midsummer Nights Tree (AMNT) by Sam Thomas</a:t>
+            </a:r>
+            <a:endParaRPr b="0" lang="en-US" sz="2200" spc="-1" strike="noStrike">
+              <a:solidFill>
+                <a:srgbClr val="000000"/>
+              </a:solidFill>
+              <a:latin typeface="Arial"/>
+            </a:endParaRPr>
+          </a:p>
+          <a:p>
+            <a:pPr lvl="1" marL="864000" indent="-324000">
+              <a:lnSpc>
+                <a:spcPct val="100000"/>
+              </a:lnSpc>
+              <a:spcBef>
+                <a:spcPts val="1134"/>
+              </a:spcBef>
+              <a:buClr>
+                <a:srgbClr val="000000"/>
+              </a:buClr>
+              <a:buSzPct val="75000"/>
+              <a:buFont typeface="Symbol" charset="2"/>
+              <a:buChar char=""/>
+            </a:pPr>
+            <a:r>
+              <a:rPr b="0" lang="en-US" sz="1800" spc="-1" strike="noStrike">
+                <a:solidFill>
+                  <a:srgbClr val="000000"/>
+                </a:solidFill>
+                <a:latin typeface="Times New Roman"/>
+                <a:ea typeface="Noto Sans CJK SC"/>
+              </a:rPr>
+              <a:t>Crash consistent secure memory protocol by defining write-back protocols that sync the on-chip BMT root &amp; stored leaf counters in off-chip memory</a:t>
+            </a:r>
+            <a:endParaRPr b="0" lang="en-US" sz="1800" spc="-1" strike="noStrike">
+              <a:solidFill>
+                <a:srgbClr val="000000"/>
+              </a:solidFill>
+              <a:latin typeface="Arial"/>
+            </a:endParaRPr>
+          </a:p>
+          <a:p>
+            <a:pPr marL="432000" indent="0">
+              <a:lnSpc>
+                <a:spcPct val="100000"/>
+              </a:lnSpc>
+              <a:spcBef>
+                <a:spcPts val="1417"/>
+              </a:spcBef>
+              <a:buNone/>
+              <a:tabLst>
+                <a:tab algn="l" pos="0"/>
+              </a:tabLst>
+            </a:pPr>
+            <a:r>
+              <a:rPr b="0" lang="en-US" sz="2200" spc="-1" strike="noStrike">
+                <a:solidFill>
+                  <a:srgbClr val="000000"/>
+                </a:solidFill>
+                <a:latin typeface="Times New Roman"/>
+                <a:ea typeface="Noto Sans CJK SC"/>
+              </a:rPr>
+              <a:t> </a:t>
+            </a:r>
+            <a:endParaRPr b="0" lang="en-US" sz="2200" spc="-1" strike="noStrike">
+              <a:solidFill>
+                <a:srgbClr val="000000"/>
+              </a:solidFill>
+              <a:latin typeface="Arial"/>
             </a:endParaRPr>
           </a:p>
         </p:txBody>
@@ -19445,7 +19759,7 @@
         <p:spPr>
           <a:xfrm>
             <a:off x="1487160" y="171360"/>
-            <a:ext cx="6161400" cy="916920"/>
+            <a:ext cx="6161040" cy="916560"/>
           </a:xfrm>
           <a:prstGeom prst="rect">
             <a:avLst/>
@@ -19477,7 +19791,7 @@
                 <a:latin typeface="Times New Roman"/>
                 <a:ea typeface="Times New Roman"/>
               </a:rPr>
-              <a:t>Sources</a:t>
+              <a:t>Limitations</a:t>
             </a:r>
             <a:endParaRPr b="0" lang="en-US" sz="2400" spc="-1" strike="noStrike">
               <a:solidFill>
@@ -19501,7 +19815,7 @@
         <p:spPr>
           <a:xfrm>
             <a:off x="343080" y="606600"/>
-            <a:ext cx="8309160" cy="4414680"/>
+            <a:ext cx="8386200" cy="3488400"/>
           </a:xfrm>
           <a:prstGeom prst="rect">
             <a:avLst/>
@@ -19525,237 +19839,41 @@
                 <a:tab algn="l" pos="0"/>
               </a:tabLst>
             </a:pPr>
-            <a:endParaRPr b="0" lang="en-US" sz="1400" spc="-1" strike="noStrike">
-              <a:solidFill>
-                <a:srgbClr val="000000"/>
-              </a:solidFill>
-              <a:latin typeface="Arial"/>
-            </a:endParaRPr>
-          </a:p>
-          <a:p>
-            <a:pPr marL="177840" indent="0">
+            <a:endParaRPr b="0" lang="en-US" sz="1800" spc="-1" strike="noStrike">
+              <a:solidFill>
+                <a:srgbClr val="000000"/>
+              </a:solidFill>
+              <a:latin typeface="Arial"/>
+            </a:endParaRPr>
+          </a:p>
+          <a:p>
+            <a:pPr marL="457200" indent="-380880">
               <a:lnSpc>
                 <a:spcPct val="90000"/>
               </a:lnSpc>
               <a:spcBef>
                 <a:spcPts val="1199"/>
               </a:spcBef>
-              <a:buNone/>
+              <a:buClr>
+                <a:srgbClr val="000000"/>
+              </a:buClr>
+              <a:buFont typeface="Times New Roman"/>
+              <a:buChar char="•"/>
               <a:tabLst>
                 <a:tab algn="l" pos="0"/>
               </a:tabLst>
             </a:pPr>
             <a:r>
-              <a:rPr b="0" lang="en" sz="1400" spc="-1" strike="noStrike">
+              <a:rPr b="0" lang="en" sz="2400" spc="-1" strike="noStrike">
                 <a:solidFill>
                   <a:srgbClr val="000000"/>
                 </a:solidFill>
                 <a:latin typeface="Times New Roman"/>
                 <a:ea typeface="Times New Roman"/>
               </a:rPr>
-              <a:t>[1]</a:t>
+              <a:t>Computational and memory overhead</a:t>
             </a:r>
-            <a:r>
-              <a:rPr b="0" lang="en" sz="1400" spc="-1" strike="noStrike">
-                <a:solidFill>
-                  <a:schemeClr val="dk1"/>
-                </a:solidFill>
-                <a:latin typeface="Times New Roman"/>
-                <a:ea typeface="Times New Roman"/>
-              </a:rPr>
-              <a:t> Dayeol Lee (2022) Building Trusted Execution Environments. In: </a:t>
-            </a:r>
-            <a:r>
-              <a:rPr b="0" i="1" lang="en" sz="1400" spc="-1" strike="noStrike">
-                <a:solidFill>
-                  <a:schemeClr val="dk1"/>
-                </a:solidFill>
-                <a:latin typeface="Times New Roman"/>
-                <a:ea typeface="Times New Roman"/>
-              </a:rPr>
-              <a:t>A dissertation submitted in partial satisfaction of the requirements for the degree of Doctor of Philosophy in Computer Science in the Graduate Division of the University of California, Berkeley</a:t>
-            </a:r>
-            <a:r>
-              <a:rPr b="0" lang="en" sz="1400" spc="-1" strike="noStrike">
-                <a:solidFill>
-                  <a:schemeClr val="dk1"/>
-                </a:solidFill>
-                <a:latin typeface="Times New Roman"/>
-                <a:ea typeface="Times New Roman"/>
-              </a:rPr>
-              <a:t>. </a:t>
-            </a:r>
-            <a:endParaRPr b="0" lang="en-US" sz="1400" spc="-1" strike="noStrike">
-              <a:solidFill>
-                <a:srgbClr val="000000"/>
-              </a:solidFill>
-              <a:latin typeface="Arial"/>
-            </a:endParaRPr>
-          </a:p>
-          <a:p>
-            <a:pPr marL="177840" indent="0">
-              <a:lnSpc>
-                <a:spcPct val="90000"/>
-              </a:lnSpc>
-              <a:spcBef>
-                <a:spcPts val="1199"/>
-              </a:spcBef>
-              <a:buNone/>
-              <a:tabLst>
-                <a:tab algn="l" pos="0"/>
-              </a:tabLst>
-            </a:pPr>
-            <a:r>
-              <a:rPr b="0" lang="en" sz="1400" spc="-1" strike="noStrike">
-                <a:solidFill>
-                  <a:schemeClr val="dk1"/>
-                </a:solidFill>
-                <a:latin typeface="Times New Roman"/>
-                <a:ea typeface="Times New Roman"/>
-              </a:rPr>
-              <a:t>[2] Chenyu Yan, Brian Rogers, Daniel Englender, et. al. (2006) Improving Cost, Performance, and Security of Memory Encryption and Authentication. In: </a:t>
-            </a:r>
-            <a:r>
-              <a:rPr b="0" i="1" lang="en" sz="1400" spc="-1" strike="noStrike">
-                <a:solidFill>
-                  <a:schemeClr val="dk1"/>
-                </a:solidFill>
-                <a:latin typeface="Times New Roman"/>
-                <a:ea typeface="Times New Roman"/>
-              </a:rPr>
-              <a:t>Proceedings of the 33rd International Symposium on Computer Architecture (ISCA’06)</a:t>
-            </a:r>
-            <a:endParaRPr b="0" lang="en-US" sz="1400" spc="-1" strike="noStrike">
-              <a:solidFill>
-                <a:srgbClr val="000000"/>
-              </a:solidFill>
-              <a:latin typeface="Arial"/>
-            </a:endParaRPr>
-          </a:p>
-          <a:p>
-            <a:pPr marL="177840" indent="0">
-              <a:lnSpc>
-                <a:spcPct val="90000"/>
-              </a:lnSpc>
-              <a:spcBef>
-                <a:spcPts val="1199"/>
-              </a:spcBef>
-              <a:buNone/>
-              <a:tabLst>
-                <a:tab algn="l" pos="0"/>
-              </a:tabLst>
-            </a:pPr>
-            <a:r>
-              <a:rPr b="0" lang="en" sz="1400" spc="-1" strike="noStrike">
-                <a:solidFill>
-                  <a:schemeClr val="dk1"/>
-                </a:solidFill>
-                <a:latin typeface="Times New Roman"/>
-                <a:ea typeface="Times New Roman"/>
-              </a:rPr>
-              <a:t>[3] Brian Rogers &amp; Milos Prvulovic (2007) Using address independent seed encryption and bonsai merkle trees to make secure processors OS-and performance-friendly. In: </a:t>
-            </a:r>
-            <a:r>
-              <a:rPr b="0" i="1" lang="en" sz="1400" spc="-1" strike="noStrike">
-                <a:solidFill>
-                  <a:schemeClr val="dk1"/>
-                </a:solidFill>
-                <a:latin typeface="Times New Roman"/>
-                <a:ea typeface="Times New Roman"/>
-              </a:rPr>
-              <a:t>40th IEEE/ACM International Symposium on Microarchitecture (MICRO’07)</a:t>
-            </a:r>
-            <a:endParaRPr b="0" lang="en-US" sz="1400" spc="-1" strike="noStrike">
-              <a:solidFill>
-                <a:srgbClr val="000000"/>
-              </a:solidFill>
-              <a:latin typeface="Arial"/>
-            </a:endParaRPr>
-          </a:p>
-          <a:p>
-            <a:pPr marL="177840" indent="0">
-              <a:lnSpc>
-                <a:spcPct val="90000"/>
-              </a:lnSpc>
-              <a:spcBef>
-                <a:spcPts val="1199"/>
-              </a:spcBef>
-              <a:buNone/>
-              <a:tabLst>
-                <a:tab algn="l" pos="0"/>
-              </a:tabLst>
-            </a:pPr>
-            <a:r>
-              <a:rPr b="0" lang="en" sz="1400" spc="-1" strike="noStrike">
-                <a:solidFill>
-                  <a:schemeClr val="dk1"/>
-                </a:solidFill>
-                <a:latin typeface="Times New Roman"/>
-                <a:ea typeface="Times New Roman"/>
-              </a:rPr>
-              <a:t>[3] Zach Moolman &amp; Tamara Silbergleit Lehman (2024) Extending RISC-V Keystone to Include Efficient Secure Memory</a:t>
-            </a:r>
-            <a:endParaRPr b="0" lang="en-US" sz="1400" spc="-1" strike="noStrike">
-              <a:solidFill>
-                <a:srgbClr val="000000"/>
-              </a:solidFill>
-              <a:latin typeface="Arial"/>
-            </a:endParaRPr>
-          </a:p>
-          <a:p>
-            <a:pPr marL="177840" indent="0">
-              <a:lnSpc>
-                <a:spcPct val="90000"/>
-              </a:lnSpc>
-              <a:spcBef>
-                <a:spcPts val="1199"/>
-              </a:spcBef>
-              <a:buNone/>
-              <a:tabLst>
-                <a:tab algn="l" pos="0"/>
-              </a:tabLst>
-            </a:pPr>
-            <a:endParaRPr b="0" lang="en-US" sz="1400" spc="-1" strike="noStrike">
-              <a:solidFill>
-                <a:srgbClr val="000000"/>
-              </a:solidFill>
-              <a:latin typeface="Arial"/>
-            </a:endParaRPr>
-          </a:p>
-          <a:p>
-            <a:pPr marL="177840" indent="0">
-              <a:lnSpc>
-                <a:spcPct val="90000"/>
-              </a:lnSpc>
-              <a:spcBef>
-                <a:spcPts val="1199"/>
-              </a:spcBef>
-              <a:buNone/>
-              <a:tabLst>
-                <a:tab algn="l" pos="0"/>
-              </a:tabLst>
-            </a:pPr>
-            <a:endParaRPr b="0" lang="en-US" sz="1400" spc="-1" strike="noStrike">
-              <a:solidFill>
-                <a:srgbClr val="000000"/>
-              </a:solidFill>
-              <a:latin typeface="Arial"/>
-            </a:endParaRPr>
-          </a:p>
-          <a:p>
-            <a:pPr marL="177840" indent="0">
-              <a:lnSpc>
-                <a:spcPct val="90000"/>
-              </a:lnSpc>
-              <a:spcBef>
-                <a:spcPts val="1199"/>
-              </a:spcBef>
-              <a:buNone/>
-              <a:tabLst>
-                <a:tab algn="l" pos="0"/>
-              </a:tabLst>
-            </a:pPr>
-            <a:endParaRPr b="0" lang="en-US" sz="1400" spc="-1" strike="noStrike">
+            <a:endParaRPr b="0" lang="en-US" sz="2400" spc="-1" strike="noStrike">
               <a:solidFill>
                 <a:srgbClr val="000000"/>
               </a:solidFill>
@@ -19766,14 +19884,14 @@
       </p:sp>
       <p:cxnSp>
         <p:nvCxnSpPr>
-          <p:cNvPr id="247" name="Google Shape;207;p28"/>
+          <p:cNvPr id="247" name="Google Shape;180;p25"/>
           <p:cNvCxnSpPr/>
           <p:nvPr/>
         </p:nvCxnSpPr>
         <p:spPr>
           <a:xfrm>
             <a:off x="204480" y="721440"/>
-            <a:ext cx="8741160" cy="6480"/>
+            <a:ext cx="8741520" cy="6840"/>
           </a:xfrm>
           <a:prstGeom prst="straightConnector1">
             <a:avLst/>
@@ -19799,7 +19917,7 @@
         <p:spPr>
           <a:xfrm>
             <a:off x="8472600" y="4633560"/>
-            <a:ext cx="542520" cy="387360"/>
+            <a:ext cx="542160" cy="387000"/>
           </a:xfrm>
           <a:prstGeom prst="rect">
             <a:avLst/>
@@ -19841,7 +19959,7 @@
                 <a:tab algn="l" pos="0"/>
               </a:tabLst>
             </a:pPr>
-            <a:fld id="{A79F80DD-62B4-4ADA-A4C6-D5CC426D26E7}" type="slidenum">
+            <a:fld id="{6BDCAFA0-9792-452F-98D8-DD5D1D77DD7E}" type="slidenum">
               <a:rPr b="0" lang="en" sz="1000" spc="-1" strike="noStrike">
                 <a:solidFill>
                   <a:schemeClr val="dk2"/>
@@ -19849,7 +19967,465 @@
                 <a:latin typeface="Arial"/>
                 <a:ea typeface="Arial"/>
               </a:rPr>
-              <a:t>12</a:t>
+              <a:t>&lt;number&gt;</a:t>
+            </a:fld>
+            <a:endParaRPr b="0" lang="en-US" sz="1000" spc="-1" strike="noStrike">
+              <a:solidFill>
+                <a:srgbClr val="000000"/>
+              </a:solidFill>
+              <a:latin typeface="Times New Roman"/>
+            </a:endParaRPr>
+          </a:p>
+        </p:txBody>
+      </p:sp>
+    </p:spTree>
+  </p:cSld>
+  <mc:AlternateContent>
+    <mc:Choice Requires="p14">
+      <p:transition spd="slow" p14:dur="2000"/>
+    </mc:Choice>
+    <mc:Fallback>
+      <p:transition spd="slow"/>
+    </mc:Fallback>
+  </mc:AlternateContent>
+</p:sld>
+</file>
+
+<file path=ppt/slides/slide13.xml><?xml version="1.0" encoding="utf-8"?>
+<p:sld xmlns:a="http://schemas.openxmlformats.org/drawingml/2006/main" xmlns:p="http://schemas.openxmlformats.org/presentationml/2006/main" xmlns:r="http://schemas.openxmlformats.org/officeDocument/2006/relationships" xmlns:p14="http://schemas.microsoft.com/office/powerpoint/2010/main" xmlns:p15="http://schemas.microsoft.com/office/powerpoint/2012/main" xmlns:mc="http://schemas.openxmlformats.org/markup-compatibility/2006" showMasterSp="0">
+  <p:cSld>
+    <p:spTree>
+      <p:nvGrpSpPr>
+        <p:cNvPr id="1" name=""/>
+        <p:cNvGrpSpPr/>
+        <p:nvPr/>
+      </p:nvGrpSpPr>
+      <p:grpSpPr>
+        <a:xfrm>
+          <a:off x="0" y="0"/>
+          <a:ext cx="0" cy="0"/>
+          <a:chOff x="0" y="0"/>
+          <a:chExt cx="0" cy="0"/>
+        </a:xfrm>
+      </p:grpSpPr>
+      <p:sp>
+        <p:nvSpPr>
+          <p:cNvPr id="249" name="PlaceHolder 1"/>
+          <p:cNvSpPr>
+            <a:spLocks noGrp="1"/>
+          </p:cNvSpPr>
+          <p:nvPr>
+            <p:ph type="title"/>
+          </p:nvPr>
+        </p:nvSpPr>
+        <p:spPr>
+          <a:xfrm>
+            <a:off x="1487160" y="171360"/>
+            <a:ext cx="6161040" cy="916560"/>
+          </a:xfrm>
+          <a:prstGeom prst="rect">
+            <a:avLst/>
+          </a:prstGeom>
+          <a:noFill/>
+          <a:ln w="0">
+            <a:noFill/>
+          </a:ln>
+        </p:spPr>
+        <p:txBody>
+          <a:bodyPr lIns="67680" rIns="67680" tIns="33840" bIns="33840" anchor="t">
+            <a:noAutofit/>
+          </a:bodyPr>
+          <a:p>
+            <a:pPr indent="0" algn="ctr">
+              <a:lnSpc>
+                <a:spcPct val="90000"/>
+              </a:lnSpc>
+              <a:buNone/>
+              <a:tabLst>
+                <a:tab algn="l" pos="0"/>
+              </a:tabLst>
+            </a:pPr>
+            <a:r>
+              <a:rPr b="0" lang="en" sz="2400" spc="-1" strike="noStrike">
+                <a:solidFill>
+                  <a:srgbClr val="000000"/>
+                </a:solidFill>
+                <a:latin typeface="Times New Roman"/>
+                <a:ea typeface="Times New Roman"/>
+              </a:rPr>
+              <a:t>Sources</a:t>
+            </a:r>
+            <a:endParaRPr b="0" lang="en-US" sz="2400" spc="-1" strike="noStrike">
+              <a:solidFill>
+                <a:srgbClr val="000000"/>
+              </a:solidFill>
+              <a:latin typeface="Arial"/>
+            </a:endParaRPr>
+          </a:p>
+        </p:txBody>
+      </p:sp>
+      <p:sp>
+        <p:nvSpPr>
+          <p:cNvPr id="250" name="PlaceHolder 2"/>
+          <p:cNvSpPr>
+            <a:spLocks noGrp="1"/>
+          </p:cNvSpPr>
+          <p:nvPr>
+            <p:ph/>
+          </p:nvPr>
+        </p:nvSpPr>
+        <p:spPr>
+          <a:xfrm>
+            <a:off x="343080" y="606600"/>
+            <a:ext cx="8308800" cy="4414320"/>
+          </a:xfrm>
+          <a:prstGeom prst="rect">
+            <a:avLst/>
+          </a:prstGeom>
+          <a:noFill/>
+          <a:ln w="0">
+            <a:noFill/>
+          </a:ln>
+        </p:spPr>
+        <p:txBody>
+          <a:bodyPr lIns="67680" rIns="67680" tIns="33840" bIns="33840" anchor="t">
+            <a:noAutofit/>
+          </a:bodyPr>
+          <a:p>
+            <a:pPr marL="177840" indent="0">
+              <a:lnSpc>
+                <a:spcPct val="90000"/>
+              </a:lnSpc>
+              <a:buNone/>
+              <a:tabLst>
+                <a:tab algn="l" pos="0"/>
+              </a:tabLst>
+            </a:pPr>
+            <a:endParaRPr b="0" lang="en-US" sz="1400" spc="-1" strike="noStrike">
+              <a:solidFill>
+                <a:srgbClr val="000000"/>
+              </a:solidFill>
+              <a:latin typeface="Arial"/>
+            </a:endParaRPr>
+          </a:p>
+          <a:p>
+            <a:pPr marL="177840" indent="0">
+              <a:lnSpc>
+                <a:spcPct val="90000"/>
+              </a:lnSpc>
+              <a:spcBef>
+                <a:spcPts val="1199"/>
+              </a:spcBef>
+              <a:buNone/>
+              <a:tabLst>
+                <a:tab algn="l" pos="0"/>
+              </a:tabLst>
+            </a:pPr>
+            <a:r>
+              <a:rPr b="0" lang="en" sz="1400" spc="-1" strike="noStrike">
+                <a:solidFill>
+                  <a:srgbClr val="000000"/>
+                </a:solidFill>
+                <a:latin typeface="Times New Roman"/>
+                <a:ea typeface="Times New Roman"/>
+              </a:rPr>
+              <a:t>[1]</a:t>
+            </a:r>
+            <a:r>
+              <a:rPr b="0" lang="en" sz="1400" spc="-1" strike="noStrike">
+                <a:solidFill>
+                  <a:schemeClr val="dk1"/>
+                </a:solidFill>
+                <a:latin typeface="Times New Roman"/>
+                <a:ea typeface="Times New Roman"/>
+              </a:rPr>
+              <a:t> Dayeol Lee (2022) Building Trusted Execution Environments. In: </a:t>
+            </a:r>
+            <a:r>
+              <a:rPr b="0" i="1" lang="en" sz="1400" spc="-1" strike="noStrike">
+                <a:solidFill>
+                  <a:schemeClr val="dk1"/>
+                </a:solidFill>
+                <a:latin typeface="Times New Roman"/>
+                <a:ea typeface="Times New Roman"/>
+              </a:rPr>
+              <a:t>A dissertation submitted in partial satisfaction of the requirements for the degree of Doctor of Philosophy in Computer Science in the Graduate Division of the University of California, Berkeley</a:t>
+            </a:r>
+            <a:r>
+              <a:rPr b="0" lang="en" sz="1400" spc="-1" strike="noStrike">
+                <a:solidFill>
+                  <a:schemeClr val="dk1"/>
+                </a:solidFill>
+                <a:latin typeface="Times New Roman"/>
+                <a:ea typeface="Times New Roman"/>
+              </a:rPr>
+              <a:t>. </a:t>
+            </a:r>
+            <a:endParaRPr b="0" lang="en-US" sz="1400" spc="-1" strike="noStrike">
+              <a:solidFill>
+                <a:srgbClr val="000000"/>
+              </a:solidFill>
+              <a:latin typeface="Arial"/>
+            </a:endParaRPr>
+          </a:p>
+          <a:p>
+            <a:pPr marL="177840" indent="0">
+              <a:lnSpc>
+                <a:spcPct val="90000"/>
+              </a:lnSpc>
+              <a:spcBef>
+                <a:spcPts val="1199"/>
+              </a:spcBef>
+              <a:buNone/>
+              <a:tabLst>
+                <a:tab algn="l" pos="0"/>
+              </a:tabLst>
+            </a:pPr>
+            <a:r>
+              <a:rPr b="0" lang="en" sz="1400" spc="-1" strike="noStrike">
+                <a:solidFill>
+                  <a:schemeClr val="dk1"/>
+                </a:solidFill>
+                <a:latin typeface="Times New Roman"/>
+                <a:ea typeface="Times New Roman"/>
+              </a:rPr>
+              <a:t>[2] Chenyu Yan, Brian Rogers, Daniel Englender, et. al. (2006) Improving Cost, Performance, and Security of Memory Encryption and Authentication. In: </a:t>
+            </a:r>
+            <a:r>
+              <a:rPr b="0" i="1" lang="en" sz="1400" spc="-1" strike="noStrike">
+                <a:solidFill>
+                  <a:schemeClr val="dk1"/>
+                </a:solidFill>
+                <a:latin typeface="Times New Roman"/>
+                <a:ea typeface="Times New Roman"/>
+              </a:rPr>
+              <a:t>Proceedings of the 33rd International Symposium on Computer Architecture (ISCA’06)</a:t>
+            </a:r>
+            <a:endParaRPr b="0" lang="en-US" sz="1400" spc="-1" strike="noStrike">
+              <a:solidFill>
+                <a:srgbClr val="000000"/>
+              </a:solidFill>
+              <a:latin typeface="Arial"/>
+            </a:endParaRPr>
+          </a:p>
+          <a:p>
+            <a:pPr marL="177840" indent="0">
+              <a:lnSpc>
+                <a:spcPct val="90000"/>
+              </a:lnSpc>
+              <a:spcBef>
+                <a:spcPts val="1199"/>
+              </a:spcBef>
+              <a:buNone/>
+              <a:tabLst>
+                <a:tab algn="l" pos="0"/>
+              </a:tabLst>
+            </a:pPr>
+            <a:r>
+              <a:rPr b="0" lang="en" sz="1400" spc="-1" strike="noStrike">
+                <a:solidFill>
+                  <a:schemeClr val="dk1"/>
+                </a:solidFill>
+                <a:latin typeface="Times New Roman"/>
+                <a:ea typeface="Times New Roman"/>
+              </a:rPr>
+              <a:t>[3] Brian Rogers &amp; Milos Prvulovic (2007) Using address independent seed encryption and bonsai merkle trees to make secure processors OS-and performance-friendly. In: </a:t>
+            </a:r>
+            <a:r>
+              <a:rPr b="0" i="1" lang="en" sz="1400" spc="-1" strike="noStrike">
+                <a:solidFill>
+                  <a:schemeClr val="dk1"/>
+                </a:solidFill>
+                <a:latin typeface="Times New Roman"/>
+                <a:ea typeface="Times New Roman"/>
+              </a:rPr>
+              <a:t>40th IEEE/ACM International Symposium on Microarchitecture (MICRO’07)</a:t>
+            </a:r>
+            <a:endParaRPr b="0" lang="en-US" sz="1400" spc="-1" strike="noStrike">
+              <a:solidFill>
+                <a:srgbClr val="000000"/>
+              </a:solidFill>
+              <a:latin typeface="Arial"/>
+            </a:endParaRPr>
+          </a:p>
+          <a:p>
+            <a:pPr marL="177840" indent="0">
+              <a:lnSpc>
+                <a:spcPct val="90000"/>
+              </a:lnSpc>
+              <a:spcBef>
+                <a:spcPts val="1199"/>
+              </a:spcBef>
+              <a:buNone/>
+              <a:tabLst>
+                <a:tab algn="l" pos="0"/>
+              </a:tabLst>
+            </a:pPr>
+            <a:r>
+              <a:rPr b="0" lang="en" sz="1400" spc="-1" strike="noStrike">
+                <a:solidFill>
+                  <a:schemeClr val="dk1"/>
+                </a:solidFill>
+                <a:latin typeface="Times New Roman"/>
+                <a:ea typeface="Times New Roman"/>
+              </a:rPr>
+              <a:t>[3] Zach Moolman &amp; Tamara Silbergleit Lehman (2024) Extending RISC-V Keystone to Include Efficient Secure Memory</a:t>
+            </a:r>
+            <a:endParaRPr b="0" lang="en-US" sz="1400" spc="-1" strike="noStrike">
+              <a:solidFill>
+                <a:srgbClr val="000000"/>
+              </a:solidFill>
+              <a:latin typeface="Arial"/>
+            </a:endParaRPr>
+          </a:p>
+          <a:p>
+            <a:pPr marL="177840" indent="0">
+              <a:lnSpc>
+                <a:spcPct val="90000"/>
+              </a:lnSpc>
+              <a:spcBef>
+                <a:spcPts val="1199"/>
+              </a:spcBef>
+              <a:buNone/>
+              <a:tabLst>
+                <a:tab algn="l" pos="0"/>
+              </a:tabLst>
+            </a:pPr>
+            <a:endParaRPr b="0" lang="en-US" sz="1400" spc="-1" strike="noStrike">
+              <a:solidFill>
+                <a:srgbClr val="000000"/>
+              </a:solidFill>
+              <a:latin typeface="Arial"/>
+            </a:endParaRPr>
+          </a:p>
+          <a:p>
+            <a:pPr marL="177840" indent="0">
+              <a:lnSpc>
+                <a:spcPct val="90000"/>
+              </a:lnSpc>
+              <a:spcBef>
+                <a:spcPts val="1199"/>
+              </a:spcBef>
+              <a:buNone/>
+              <a:tabLst>
+                <a:tab algn="l" pos="0"/>
+              </a:tabLst>
+            </a:pPr>
+            <a:endParaRPr b="0" lang="en-US" sz="1400" spc="-1" strike="noStrike">
+              <a:solidFill>
+                <a:srgbClr val="000000"/>
+              </a:solidFill>
+              <a:latin typeface="Arial"/>
+            </a:endParaRPr>
+          </a:p>
+          <a:p>
+            <a:pPr marL="177840" indent="0">
+              <a:lnSpc>
+                <a:spcPct val="90000"/>
+              </a:lnSpc>
+              <a:spcBef>
+                <a:spcPts val="1199"/>
+              </a:spcBef>
+              <a:buNone/>
+              <a:tabLst>
+                <a:tab algn="l" pos="0"/>
+              </a:tabLst>
+            </a:pPr>
+            <a:endParaRPr b="0" lang="en-US" sz="1400" spc="-1" strike="noStrike">
+              <a:solidFill>
+                <a:srgbClr val="000000"/>
+              </a:solidFill>
+              <a:latin typeface="Arial"/>
+            </a:endParaRPr>
+          </a:p>
+        </p:txBody>
+      </p:sp>
+      <p:cxnSp>
+        <p:nvCxnSpPr>
+          <p:cNvPr id="251" name="Google Shape;207;p28"/>
+          <p:cNvCxnSpPr/>
+          <p:nvPr/>
+        </p:nvCxnSpPr>
+        <p:spPr>
+          <a:xfrm>
+            <a:off x="204480" y="721440"/>
+            <a:ext cx="8741520" cy="6840"/>
+          </a:xfrm>
+          <a:prstGeom prst="straightConnector1">
+            <a:avLst/>
+          </a:prstGeom>
+          <a:ln w="57225">
+            <a:solidFill>
+              <a:srgbClr val="0b5394"/>
+            </a:solidFill>
+            <a:miter/>
+          </a:ln>
+        </p:spPr>
+      </p:cxnSp>
+      <p:sp>
+        <p:nvSpPr>
+          <p:cNvPr id="252" name="PlaceHolder 3"/>
+          <p:cNvSpPr>
+            <a:spLocks noGrp="1"/>
+          </p:cNvSpPr>
+          <p:nvPr>
+            <p:ph type="sldNum" idx="56"/>
+          </p:nvPr>
+        </p:nvSpPr>
+        <p:spPr>
+          <a:xfrm>
+            <a:off x="8472600" y="4633560"/>
+            <a:ext cx="542160" cy="387000"/>
+          </a:xfrm>
+          <a:prstGeom prst="rect">
+            <a:avLst/>
+          </a:prstGeom>
+          <a:noFill/>
+          <a:ln w="0">
+            <a:noFill/>
+          </a:ln>
+        </p:spPr>
+        <p:txBody>
+          <a:bodyPr lIns="91440" rIns="91440" tIns="91440" bIns="91440" anchor="ctr">
+            <a:normAutofit/>
+          </a:bodyPr>
+          <a:lstStyle>
+            <a:lvl1pPr indent="0" algn="r">
+              <a:lnSpc>
+                <a:spcPct val="100000"/>
+              </a:lnSpc>
+              <a:buNone/>
+              <a:tabLst>
+                <a:tab algn="l" pos="0"/>
+              </a:tabLst>
+              <a:defRPr b="0" lang="en" sz="1000" spc="-1" strike="noStrike">
+                <a:solidFill>
+                  <a:schemeClr val="dk2"/>
+                </a:solidFill>
+                <a:latin typeface="Arial"/>
+                <a:ea typeface="Arial"/>
+              </a:defRPr>
+            </a:lvl1pPr>
+          </a:lstStyle>
+          <a:p>
+            <a:pPr indent="0" algn="r">
+              <a:lnSpc>
+                <a:spcPct val="100000"/>
+              </a:lnSpc>
+              <a:buNone/>
+              <a:tabLst>
+                <a:tab algn="l" pos="0"/>
+              </a:tabLst>
+            </a:pPr>
+            <a:fld id="{8FA7DE60-3064-4D10-8ABA-A5EB794A20E9}" type="slidenum">
+              <a:rPr b="0" lang="en" sz="1000" spc="-1" strike="noStrike">
+                <a:solidFill>
+                  <a:schemeClr val="dk2"/>
+                </a:solidFill>
+                <a:latin typeface="Arial"/>
+                <a:ea typeface="Arial"/>
+              </a:rPr>
+              <a:t>&lt;number&gt;</a:t>
             </a:fld>
             <a:endParaRPr b="0" lang="en-US" sz="1000" spc="-1" strike="noStrike">
               <a:solidFill>
@@ -19903,7 +20479,7 @@
         <p:spPr>
           <a:xfrm>
             <a:off x="1487160" y="171360"/>
-            <a:ext cx="6161400" cy="916920"/>
+            <a:ext cx="6161040" cy="916560"/>
           </a:xfrm>
           <a:prstGeom prst="rect">
             <a:avLst/>
@@ -19959,7 +20535,7 @@
         <p:spPr>
           <a:xfrm>
             <a:off x="343080" y="606600"/>
-            <a:ext cx="8386560" cy="4189680"/>
+            <a:ext cx="8386200" cy="4189320"/>
           </a:xfrm>
           <a:prstGeom prst="rect">
             <a:avLst/>
@@ -20173,7 +20749,7 @@
         <p:spPr>
           <a:xfrm>
             <a:off x="204480" y="721440"/>
-            <a:ext cx="8741160" cy="6480"/>
+            <a:ext cx="8741520" cy="6840"/>
           </a:xfrm>
           <a:prstGeom prst="straightConnector1">
             <a:avLst/>
@@ -20199,7 +20775,7 @@
         <p:spPr>
           <a:xfrm>
             <a:off x="8472600" y="4633560"/>
-            <a:ext cx="542520" cy="387360"/>
+            <a:ext cx="542160" cy="387000"/>
           </a:xfrm>
           <a:prstGeom prst="rect">
             <a:avLst/>
@@ -20241,7 +20817,7 @@
                 <a:tab algn="l" pos="0"/>
               </a:tabLst>
             </a:pPr>
-            <a:fld id="{0C17095B-64FC-44D7-AF28-EBD120629356}" type="slidenum">
+            <a:fld id="{2C8AF8C9-982C-4114-BDAB-FF0B4A4B8286}" type="slidenum">
               <a:rPr b="0" lang="en" sz="1000" spc="-1" strike="noStrike">
                 <a:solidFill>
                   <a:schemeClr val="dk2"/>
@@ -20249,7 +20825,7 @@
                 <a:latin typeface="Arial"/>
                 <a:ea typeface="Arial"/>
               </a:rPr>
-              <a:t>2</a:t>
+              <a:t>&lt;number&gt;</a:t>
             </a:fld>
             <a:endParaRPr b="0" lang="en-US" sz="1000" spc="-1" strike="noStrike">
               <a:solidFill>
@@ -20299,7 +20875,7 @@
         <p:spPr>
           <a:xfrm>
             <a:off x="327960" y="4114800"/>
-            <a:ext cx="8482320" cy="805320"/>
+            <a:ext cx="8481960" cy="804960"/>
           </a:xfrm>
           <a:prstGeom prst="roundRect">
             <a:avLst>
@@ -20359,7 +20935,7 @@
         <p:spPr>
           <a:xfrm>
             <a:off x="8472600" y="4633560"/>
-            <a:ext cx="542520" cy="387360"/>
+            <a:ext cx="542160" cy="387000"/>
           </a:xfrm>
           <a:prstGeom prst="rect">
             <a:avLst/>
@@ -20401,7 +20977,7 @@
                 <a:tab algn="l" pos="0"/>
               </a:tabLst>
             </a:pPr>
-            <a:fld id="{90F1865A-C7B7-4589-B1CE-1451BCDF2802}" type="slidenum">
+            <a:fld id="{C58D283C-5AF1-48E6-B192-AD57EA2427EC}" type="slidenum">
               <a:rPr b="0" lang="en" sz="1000" spc="-1" strike="noStrike">
                 <a:solidFill>
                   <a:schemeClr val="dk2"/>
@@ -20409,7 +20985,7 @@
                 <a:latin typeface="Arial"/>
                 <a:ea typeface="Arial"/>
               </a:rPr>
-              <a:t>3</a:t>
+              <a:t>&lt;number&gt;</a:t>
             </a:fld>
             <a:endParaRPr b="0" lang="en-US" sz="1000" spc="-1" strike="noStrike">
               <a:solidFill>
@@ -20433,7 +21009,7 @@
         <p:spPr>
           <a:xfrm>
             <a:off x="941400" y="3567600"/>
-            <a:ext cx="7255440" cy="1900080"/>
+            <a:ext cx="7255080" cy="1899720"/>
           </a:xfrm>
           <a:prstGeom prst="rect">
             <a:avLst/>
@@ -20502,7 +21078,7 @@
         <p:spPr>
           <a:xfrm>
             <a:off x="1487160" y="171360"/>
-            <a:ext cx="6161400" cy="916920"/>
+            <a:ext cx="6161040" cy="916560"/>
           </a:xfrm>
           <a:prstGeom prst="rect">
             <a:avLst/>
@@ -20554,7 +21130,7 @@
         <p:spPr>
           <a:xfrm>
             <a:off x="204480" y="721440"/>
-            <a:ext cx="8741160" cy="6480"/>
+            <a:ext cx="8741520" cy="6840"/>
           </a:xfrm>
           <a:prstGeom prst="straightConnector1">
             <a:avLst/>
@@ -20580,7 +21156,7 @@
         <p:spPr>
           <a:xfrm>
             <a:off x="343080" y="829800"/>
-            <a:ext cx="8386560" cy="2775240"/>
+            <a:ext cx="8386200" cy="2774880"/>
           </a:xfrm>
           <a:prstGeom prst="rect">
             <a:avLst/>
@@ -20784,7 +21360,7 @@
         <p:spPr>
           <a:xfrm>
             <a:off x="1487160" y="171360"/>
-            <a:ext cx="6161400" cy="916920"/>
+            <a:ext cx="6161040" cy="916560"/>
           </a:xfrm>
           <a:prstGeom prst="rect">
             <a:avLst/>
@@ -20836,7 +21412,7 @@
         <p:spPr>
           <a:xfrm>
             <a:off x="204480" y="721440"/>
-            <a:ext cx="8741160" cy="6480"/>
+            <a:ext cx="8741520" cy="6840"/>
           </a:xfrm>
           <a:prstGeom prst="straightConnector1">
             <a:avLst/>
@@ -20862,7 +21438,7 @@
         <p:spPr>
           <a:xfrm>
             <a:off x="8472600" y="4633560"/>
-            <a:ext cx="542520" cy="387360"/>
+            <a:ext cx="542160" cy="387000"/>
           </a:xfrm>
           <a:prstGeom prst="rect">
             <a:avLst/>
@@ -20904,7 +21480,7 @@
                 <a:tab algn="l" pos="0"/>
               </a:tabLst>
             </a:pPr>
-            <a:fld id="{BBC7B9F6-930F-452D-BE85-4F4C1B64CE35}" type="slidenum">
+            <a:fld id="{F72EFC7C-4D6C-469A-8C1E-4BFB5A6F0E11}" type="slidenum">
               <a:rPr b="0" lang="en" sz="1000" spc="-1" strike="noStrike">
                 <a:solidFill>
                   <a:schemeClr val="dk2"/>
@@ -20912,7 +21488,7 @@
                 <a:latin typeface="Arial"/>
                 <a:ea typeface="Arial"/>
               </a:rPr>
-              <a:t>4</a:t>
+              <a:t>&lt;number&gt;</a:t>
             </a:fld>
             <a:endParaRPr b="0" lang="en-US" sz="1000" spc="-1" strike="noStrike">
               <a:solidFill>
@@ -20936,7 +21512,7 @@
         <p:spPr>
           <a:xfrm>
             <a:off x="343080" y="462600"/>
-            <a:ext cx="8386560" cy="4562280"/>
+            <a:ext cx="8386200" cy="4561920"/>
           </a:xfrm>
           <a:prstGeom prst="rect">
             <a:avLst/>
@@ -21339,7 +21915,7 @@
         <p:spPr>
           <a:xfrm>
             <a:off x="1487160" y="171360"/>
-            <a:ext cx="6161400" cy="916920"/>
+            <a:ext cx="6161040" cy="916560"/>
           </a:xfrm>
           <a:prstGeom prst="rect">
             <a:avLst/>
@@ -21391,7 +21967,7 @@
         <p:spPr>
           <a:xfrm>
             <a:off x="204480" y="721440"/>
-            <a:ext cx="8741160" cy="6480"/>
+            <a:ext cx="8741520" cy="6840"/>
           </a:xfrm>
           <a:prstGeom prst="straightConnector1">
             <a:avLst/>
@@ -21417,7 +21993,7 @@
         <p:spPr>
           <a:xfrm>
             <a:off x="8472600" y="4633560"/>
-            <a:ext cx="542520" cy="387360"/>
+            <a:ext cx="542160" cy="387000"/>
           </a:xfrm>
           <a:prstGeom prst="rect">
             <a:avLst/>
@@ -21459,7 +22035,7 @@
                 <a:tab algn="l" pos="0"/>
               </a:tabLst>
             </a:pPr>
-            <a:fld id="{98DC80D0-040A-422B-A037-4F9BFEB46A02}" type="slidenum">
+            <a:fld id="{95B9F4B2-D4D3-4C5D-8A3A-38EF002A4F0D}" type="slidenum">
               <a:rPr b="0" lang="en" sz="1000" spc="-1" strike="noStrike">
                 <a:solidFill>
                   <a:schemeClr val="dk2"/>
@@ -21467,7 +22043,7 @@
                 <a:latin typeface="Arial"/>
                 <a:ea typeface="Arial"/>
               </a:rPr>
-              <a:t>5</a:t>
+              <a:t>&lt;number&gt;</a:t>
             </a:fld>
             <a:endParaRPr b="0" lang="en-US" sz="1000" spc="-1" strike="noStrike">
               <a:solidFill>
@@ -21491,7 +22067,7 @@
         <p:spPr>
           <a:xfrm>
             <a:off x="343080" y="606600"/>
-            <a:ext cx="8386560" cy="4327560"/>
+            <a:ext cx="8386200" cy="4327200"/>
           </a:xfrm>
           <a:prstGeom prst="rect">
             <a:avLst/>
@@ -21779,7 +22355,7 @@
         <p:spPr>
           <a:xfrm>
             <a:off x="1487160" y="171360"/>
-            <a:ext cx="6161400" cy="916920"/>
+            <a:ext cx="6161040" cy="916560"/>
           </a:xfrm>
           <a:prstGeom prst="rect">
             <a:avLst/>
@@ -21835,7 +22411,7 @@
         <p:spPr>
           <a:xfrm>
             <a:off x="343080" y="606600"/>
-            <a:ext cx="8386560" cy="3488760"/>
+            <a:ext cx="8386200" cy="3488400"/>
           </a:xfrm>
           <a:prstGeom prst="rect">
             <a:avLst/>
@@ -22016,7 +22592,7 @@
         <p:spPr>
           <a:xfrm>
             <a:off x="204480" y="721440"/>
-            <a:ext cx="8741160" cy="6480"/>
+            <a:ext cx="8741520" cy="6840"/>
           </a:xfrm>
           <a:prstGeom prst="straightConnector1">
             <a:avLst/>
@@ -22042,7 +22618,7 @@
         <p:spPr>
           <a:xfrm>
             <a:off x="8472600" y="4633560"/>
-            <a:ext cx="542520" cy="387360"/>
+            <a:ext cx="542160" cy="387000"/>
           </a:xfrm>
           <a:prstGeom prst="rect">
             <a:avLst/>
@@ -22084,7 +22660,7 @@
                 <a:tab algn="l" pos="0"/>
               </a:tabLst>
             </a:pPr>
-            <a:fld id="{638422A3-E66C-4CBA-A344-A92C2F15FB7F}" type="slidenum">
+            <a:fld id="{D21C1E57-350A-4687-8FF0-A9BE73D2F058}" type="slidenum">
               <a:rPr b="0" lang="en" sz="1000" spc="-1" strike="noStrike">
                 <a:solidFill>
                   <a:schemeClr val="dk2"/>
@@ -22092,7 +22668,7 @@
                 <a:latin typeface="Arial"/>
                 <a:ea typeface="Arial"/>
               </a:rPr>
-              <a:t>6</a:t>
+              <a:t>&lt;number&gt;</a:t>
             </a:fld>
             <a:endParaRPr b="0" lang="en-US" sz="1000" spc="-1" strike="noStrike">
               <a:solidFill>
@@ -22146,7 +22722,7 @@
         <p:spPr>
           <a:xfrm>
             <a:off x="1487160" y="171360"/>
-            <a:ext cx="6161400" cy="916920"/>
+            <a:ext cx="6161040" cy="916560"/>
           </a:xfrm>
           <a:prstGeom prst="rect">
             <a:avLst/>
@@ -22202,7 +22778,7 @@
         <p:spPr>
           <a:xfrm>
             <a:off x="343080" y="606600"/>
-            <a:ext cx="8386560" cy="4188960"/>
+            <a:ext cx="8386200" cy="4188600"/>
           </a:xfrm>
           <a:prstGeom prst="rect">
             <a:avLst/>
@@ -22492,7 +23068,7 @@
         <p:spPr>
           <a:xfrm>
             <a:off x="204480" y="721440"/>
-            <a:ext cx="8741160" cy="6480"/>
+            <a:ext cx="8741520" cy="6840"/>
           </a:xfrm>
           <a:prstGeom prst="straightConnector1">
             <a:avLst/>
@@ -22518,7 +23094,7 @@
         <p:spPr>
           <a:xfrm>
             <a:off x="8472600" y="4633560"/>
-            <a:ext cx="542520" cy="387360"/>
+            <a:ext cx="542160" cy="387000"/>
           </a:xfrm>
           <a:prstGeom prst="rect">
             <a:avLst/>
@@ -22560,7 +23136,7 @@
                 <a:tab algn="l" pos="0"/>
               </a:tabLst>
             </a:pPr>
-            <a:fld id="{C63FC68E-2580-4382-A1B1-B3A39851EA42}" type="slidenum">
+            <a:fld id="{8A17E26E-57F8-428C-A936-21AABDE9E382}" type="slidenum">
               <a:rPr b="0" lang="en" sz="1000" spc="-1" strike="noStrike">
                 <a:solidFill>
                   <a:schemeClr val="dk2"/>
@@ -22568,7 +23144,7 @@
                 <a:latin typeface="Arial"/>
                 <a:ea typeface="Arial"/>
               </a:rPr>
-              <a:t>7</a:t>
+              <a:t>&lt;number&gt;</a:t>
             </a:fld>
             <a:endParaRPr b="0" lang="en-US" sz="1000" spc="-1" strike="noStrike">
               <a:solidFill>
@@ -23127,7 +23703,11 @@
                       <a:noAutofit/>
                     </a:bodyPr>
                     <a:p>
-                      <a:pPr algn="ctr"/>
+                      <a:pPr algn="ctr">
+                        <a:lnSpc>
+                          <a:spcPct val="100000"/>
+                        </a:lnSpc>
+                      </a:pPr>
                       <a:r>
                         <a:rPr b="0" lang="en-US" sz="1800" spc="-1" strike="noStrike">
                           <a:solidFill>
@@ -23179,7 +23759,11 @@
                       <a:noAutofit/>
                     </a:bodyPr>
                     <a:p>
-                      <a:pPr algn="ctr"/>
+                      <a:pPr algn="ctr">
+                        <a:lnSpc>
+                          <a:spcPct val="100000"/>
+                        </a:lnSpc>
+                      </a:pPr>
                       <a:r>
                         <a:rPr b="0" lang="en-US" sz="1800" spc="-1" strike="noStrike">
                           <a:solidFill>
@@ -23231,7 +23815,11 @@
                       <a:noAutofit/>
                     </a:bodyPr>
                     <a:p>
-                      <a:pPr algn="ctr"/>
+                      <a:pPr algn="ctr">
+                        <a:lnSpc>
+                          <a:spcPct val="100000"/>
+                        </a:lnSpc>
+                      </a:pPr>
                       <a:r>
                         <a:rPr b="0" lang="en-US" sz="1800" spc="-1" strike="noStrike">
                           <a:solidFill>
@@ -23291,7 +23879,7 @@
         <p:spPr>
           <a:xfrm>
             <a:off x="1480680" y="2561400"/>
-            <a:ext cx="1823400" cy="756000"/>
+            <a:ext cx="1823040" cy="755640"/>
           </a:xfrm>
           <a:prstGeom prst="rect">
             <a:avLst/>
@@ -23373,7 +23961,7 @@
         <p:spPr>
           <a:xfrm>
             <a:off x="1487160" y="171360"/>
-            <a:ext cx="6161400" cy="916920"/>
+            <a:ext cx="6161040" cy="916560"/>
           </a:xfrm>
           <a:prstGeom prst="rect">
             <a:avLst/>
@@ -23425,7 +24013,7 @@
         <p:spPr>
           <a:xfrm>
             <a:off x="204480" y="721440"/>
-            <a:ext cx="8741160" cy="6480"/>
+            <a:ext cx="8741520" cy="6840"/>
           </a:xfrm>
           <a:prstGeom prst="straightConnector1">
             <a:avLst/>
@@ -23451,7 +24039,7 @@
         <p:spPr>
           <a:xfrm>
             <a:off x="8472600" y="4633560"/>
-            <a:ext cx="542520" cy="387360"/>
+            <a:ext cx="542160" cy="387000"/>
           </a:xfrm>
           <a:prstGeom prst="rect">
             <a:avLst/>
@@ -23493,7 +24081,7 @@
                 <a:tab algn="l" pos="0"/>
               </a:tabLst>
             </a:pPr>
-            <a:fld id="{1454DAE9-DB39-4722-9F6F-0A1304804DD5}" type="slidenum">
+            <a:fld id="{3A51C1B4-A74D-4265-A19C-C267EFA70824}" type="slidenum">
               <a:rPr b="0" lang="en" sz="1000" spc="-1" strike="noStrike">
                 <a:solidFill>
                   <a:schemeClr val="dk2"/>
@@ -23501,7 +24089,7 @@
                 <a:latin typeface="Arial"/>
                 <a:ea typeface="Arial"/>
               </a:rPr>
-              <a:t>8</a:t>
+              <a:t>&lt;number&gt;</a:t>
             </a:fld>
             <a:endParaRPr b="0" lang="en-US" sz="1000" spc="-1" strike="noStrike">
               <a:solidFill>
@@ -23521,7 +24109,7 @@
         <p:spPr>
           <a:xfrm>
             <a:off x="613800" y="1636200"/>
-            <a:ext cx="2007360" cy="1519920"/>
+            <a:ext cx="2007000" cy="1519560"/>
           </a:xfrm>
           <a:prstGeom prst="roundRect">
             <a:avLst>
@@ -23581,7 +24169,7 @@
         <p:spPr>
           <a:xfrm>
             <a:off x="613800" y="3231720"/>
-            <a:ext cx="2007360" cy="1519920"/>
+            <a:ext cx="2007000" cy="1519560"/>
           </a:xfrm>
           <a:prstGeom prst="roundRect">
             <a:avLst>
@@ -23641,7 +24229,7 @@
         <p:spPr>
           <a:xfrm>
             <a:off x="2625480" y="1645200"/>
-            <a:ext cx="1641600" cy="757800"/>
+            <a:ext cx="1641240" cy="757440"/>
           </a:xfrm>
           <a:prstGeom prst="roundRect">
             <a:avLst>
@@ -23701,7 +24289,7 @@
         <p:spPr>
           <a:xfrm>
             <a:off x="2625480" y="2395440"/>
-            <a:ext cx="1641600" cy="757800"/>
+            <a:ext cx="1641240" cy="757440"/>
           </a:xfrm>
           <a:prstGeom prst="roundRect">
             <a:avLst>
@@ -23761,7 +24349,7 @@
         <p:spPr>
           <a:xfrm>
             <a:off x="2625840" y="3229200"/>
-            <a:ext cx="1641600" cy="757800"/>
+            <a:ext cx="1641240" cy="757440"/>
           </a:xfrm>
           <a:prstGeom prst="roundRect">
             <a:avLst>
@@ -23821,7 +24409,7 @@
         <p:spPr>
           <a:xfrm>
             <a:off x="2625840" y="3979440"/>
-            <a:ext cx="1641600" cy="757800"/>
+            <a:ext cx="1641240" cy="757440"/>
           </a:xfrm>
           <a:prstGeom prst="roundRect">
             <a:avLst>
@@ -23881,7 +24469,7 @@
         <p:spPr>
           <a:xfrm>
             <a:off x="4262400" y="1182960"/>
-            <a:ext cx="1367280" cy="452880"/>
+            <a:ext cx="1366920" cy="452520"/>
           </a:xfrm>
           <a:prstGeom prst="roundRect">
             <a:avLst>
@@ -23949,7 +24537,7 @@
         <p:spPr>
           <a:xfrm>
             <a:off x="5630760" y="1183320"/>
-            <a:ext cx="1367280" cy="452880"/>
+            <a:ext cx="1366920" cy="452520"/>
           </a:xfrm>
           <a:prstGeom prst="roundRect">
             <a:avLst>
@@ -24017,7 +24605,7 @@
         <p:spPr>
           <a:xfrm>
             <a:off x="6999120" y="1183680"/>
-            <a:ext cx="1367280" cy="452880"/>
+            <a:ext cx="1366920" cy="452520"/>
           </a:xfrm>
           <a:prstGeom prst="roundRect">
             <a:avLst>
@@ -24076,7 +24664,7 @@
         <p:spPr>
           <a:xfrm>
             <a:off x="4262760" y="1641960"/>
-            <a:ext cx="1375920" cy="754560"/>
+            <a:ext cx="1375560" cy="754200"/>
           </a:xfrm>
           <a:prstGeom prst="roundRect">
             <a:avLst>
@@ -24136,7 +24724,7 @@
         <p:spPr>
           <a:xfrm>
             <a:off x="5631120" y="1642320"/>
-            <a:ext cx="1375920" cy="754560"/>
+            <a:ext cx="1375560" cy="754200"/>
           </a:xfrm>
           <a:prstGeom prst="roundRect">
             <a:avLst>
@@ -24196,7 +24784,7 @@
         <p:spPr>
           <a:xfrm>
             <a:off x="6999480" y="1642680"/>
-            <a:ext cx="1375920" cy="754560"/>
+            <a:ext cx="1375560" cy="754200"/>
           </a:xfrm>
           <a:prstGeom prst="roundRect">
             <a:avLst>
@@ -24256,7 +24844,7 @@
         <p:spPr>
           <a:xfrm>
             <a:off x="4263120" y="2398320"/>
-            <a:ext cx="1375920" cy="754560"/>
+            <a:ext cx="1375560" cy="754200"/>
           </a:xfrm>
           <a:prstGeom prst="roundRect">
             <a:avLst>
@@ -24316,7 +24904,7 @@
         <p:spPr>
           <a:xfrm>
             <a:off x="5631480" y="2398680"/>
-            <a:ext cx="1375920" cy="754560"/>
+            <a:ext cx="1375560" cy="754200"/>
           </a:xfrm>
           <a:prstGeom prst="roundRect">
             <a:avLst>
@@ -24376,7 +24964,7 @@
         <p:spPr>
           <a:xfrm>
             <a:off x="6999840" y="2399040"/>
-            <a:ext cx="1375920" cy="754560"/>
+            <a:ext cx="1375560" cy="754200"/>
           </a:xfrm>
           <a:prstGeom prst="roundRect">
             <a:avLst>
@@ -24436,7 +25024,7 @@
         <p:spPr>
           <a:xfrm>
             <a:off x="4263120" y="3226320"/>
-            <a:ext cx="1375920" cy="754560"/>
+            <a:ext cx="1375560" cy="754200"/>
           </a:xfrm>
           <a:prstGeom prst="roundRect">
             <a:avLst>
@@ -24496,7 +25084,7 @@
         <p:spPr>
           <a:xfrm>
             <a:off x="5631480" y="3226680"/>
-            <a:ext cx="1375920" cy="754560"/>
+            <a:ext cx="1375560" cy="754200"/>
           </a:xfrm>
           <a:prstGeom prst="roundRect">
             <a:avLst>
@@ -24524,7 +25112,11 @@
             <a:noAutofit/>
           </a:bodyPr>
           <a:p>
-            <a:pPr algn="ctr"/>
+            <a:pPr algn="ctr">
+              <a:lnSpc>
+                <a:spcPct val="100000"/>
+              </a:lnSpc>
+            </a:pPr>
             <a:r>
               <a:rPr b="0" lang="en-US" sz="1800" spc="-1" strike="noStrike">
                 <a:solidFill>
@@ -24538,7 +25130,7 @@
               <a:solidFill>
                 <a:srgbClr val="000000"/>
               </a:solidFill>
-              <a:latin typeface="Times New Roman"/>
+              <a:latin typeface="Arial"/>
             </a:endParaRPr>
           </a:p>
         </p:txBody>
@@ -24552,7 +25144,7 @@
         <p:spPr>
           <a:xfrm>
             <a:off x="6999840" y="3227040"/>
-            <a:ext cx="1375920" cy="754560"/>
+            <a:ext cx="1375560" cy="754200"/>
           </a:xfrm>
           <a:prstGeom prst="roundRect">
             <a:avLst>
@@ -24580,7 +25172,11 @@
             <a:noAutofit/>
           </a:bodyPr>
           <a:p>
-            <a:pPr algn="ctr"/>
+            <a:pPr algn="ctr">
+              <a:lnSpc>
+                <a:spcPct val="100000"/>
+              </a:lnSpc>
+            </a:pPr>
             <a:r>
               <a:rPr b="0" lang="en-US" sz="1600" spc="-1" strike="noStrike">
                 <a:solidFill>
@@ -24594,7 +25190,7 @@
               <a:solidFill>
                 <a:srgbClr val="000000"/>
               </a:solidFill>
-              <a:latin typeface="Times New Roman"/>
+              <a:latin typeface="Arial"/>
             </a:endParaRPr>
           </a:p>
         </p:txBody>
@@ -24608,7 +25204,7 @@
         <p:spPr>
           <a:xfrm>
             <a:off x="4263480" y="3982680"/>
-            <a:ext cx="1375920" cy="754560"/>
+            <a:ext cx="1375560" cy="754200"/>
           </a:xfrm>
           <a:prstGeom prst="roundRect">
             <a:avLst>
@@ -24668,7 +25264,7 @@
         <p:spPr>
           <a:xfrm>
             <a:off x="5631840" y="3983040"/>
-            <a:ext cx="1375920" cy="754560"/>
+            <a:ext cx="1375560" cy="754200"/>
           </a:xfrm>
           <a:prstGeom prst="roundRect">
             <a:avLst>
@@ -24728,7 +25324,7 @@
         <p:spPr>
           <a:xfrm>
             <a:off x="7000200" y="3983400"/>
-            <a:ext cx="1375920" cy="754560"/>
+            <a:ext cx="1375560" cy="754200"/>
           </a:xfrm>
           <a:prstGeom prst="roundRect">
             <a:avLst>
@@ -24788,7 +25384,7 @@
         <p:spPr>
           <a:xfrm>
             <a:off x="2642760" y="1183320"/>
-            <a:ext cx="1623240" cy="452880"/>
+            <a:ext cx="1622880" cy="452520"/>
           </a:xfrm>
           <a:prstGeom prst="roundRect">
             <a:avLst>
@@ -24881,7 +25477,7 @@
         <p:spPr>
           <a:xfrm>
             <a:off x="8472600" y="4633560"/>
-            <a:ext cx="542520" cy="387360"/>
+            <a:ext cx="542160" cy="387000"/>
           </a:xfrm>
           <a:prstGeom prst="rect">
             <a:avLst/>
@@ -24923,7 +25519,7 @@
                 <a:tab algn="l" pos="0"/>
               </a:tabLst>
             </a:pPr>
-            <a:fld id="{4448DE20-5396-4BEE-A0C6-66CC490DBEE9}" type="slidenum">
+            <a:fld id="{12F2F958-7889-47A7-AC5C-6DB92CC7C16C}" type="slidenum">
               <a:rPr b="0" lang="en" sz="1000" spc="-1" strike="noStrike">
                 <a:solidFill>
                   <a:schemeClr val="dk2"/>
@@ -24931,7 +25527,7 @@
                 <a:latin typeface="Arial"/>
                 <a:ea typeface="Arial"/>
               </a:rPr>
-              <a:t>9</a:t>
+              <a:t>&lt;number&gt;</a:t>
             </a:fld>
             <a:endParaRPr b="0" lang="en-US" sz="1000" spc="-1" strike="noStrike">
               <a:solidFill>
@@ -24955,7 +25551,7 @@
         <p:spPr>
           <a:xfrm>
             <a:off x="1487160" y="171360"/>
-            <a:ext cx="6161400" cy="916920"/>
+            <a:ext cx="6161040" cy="916560"/>
           </a:xfrm>
           <a:prstGeom prst="rect">
             <a:avLst/>
@@ -24987,7 +25583,7 @@
                 <a:latin typeface="Times New Roman"/>
                 <a:ea typeface="Times New Roman"/>
               </a:rPr>
-              <a:t>Direction / Future Work</a:t>
+              <a:t>PMP Sensitivity Analysis</a:t>
             </a:r>
             <a:endParaRPr b="0" lang="en-US" sz="2400" spc="-1" strike="noStrike">
               <a:solidFill>
@@ -25007,7 +25603,7 @@
         <p:spPr>
           <a:xfrm>
             <a:off x="204480" y="721440"/>
-            <a:ext cx="8741160" cy="6480"/>
+            <a:ext cx="8741520" cy="6840"/>
           </a:xfrm>
           <a:prstGeom prst="straightConnector1">
             <a:avLst/>
@@ -25033,7 +25629,7 @@
         <p:spPr>
           <a:xfrm>
             <a:off x="343080" y="829800"/>
-            <a:ext cx="5366520" cy="4194360"/>
+            <a:ext cx="7886520" cy="4194000"/>
           </a:xfrm>
           <a:prstGeom prst="rect">
             <a:avLst/>
@@ -25069,7 +25665,38 @@
                 </a:solidFill>
                 <a:latin typeface="Times New Roman"/>
               </a:rPr>
-              <a:t>Implementing a RISC-V TEE in gem5:</a:t>
+              <a:t>How does a variable PMP size affect performance</a:t>
+            </a:r>
+            <a:endParaRPr b="0" lang="en-US" sz="2200" spc="-1" strike="noStrike">
+              <a:solidFill>
+                <a:srgbClr val="000000"/>
+              </a:solidFill>
+              <a:latin typeface="Arial"/>
+            </a:endParaRPr>
+          </a:p>
+          <a:p>
+            <a:pPr marL="432000" indent="-324000">
+              <a:lnSpc>
+                <a:spcPct val="100000"/>
+              </a:lnSpc>
+              <a:spcBef>
+                <a:spcPts val="1417"/>
+              </a:spcBef>
+              <a:buClr>
+                <a:srgbClr val="000000"/>
+              </a:buClr>
+              <a:buSzPct val="45000"/>
+              <a:buFont typeface="Wingdings" charset="2"/>
+              <a:buChar char=""/>
+            </a:pPr>
+            <a:r>
+              <a:rPr b="0" lang="en-US" sz="2200" spc="-1" strike="noStrike">
+                <a:solidFill>
+                  <a:srgbClr val="000000"/>
+                </a:solidFill>
+                <a:latin typeface="Times New Roman"/>
+              </a:rPr>
+              <a:t>Efficient PMP packing:</a:t>
             </a:r>
             <a:endParaRPr b="0" lang="en-US" sz="2200" spc="-1" strike="noStrike">
               <a:solidFill>
@@ -25101,286 +25728,9 @@
                 <a:latin typeface="Times New Roman"/>
                 <a:ea typeface="Noto Sans CJK SC"/>
               </a:rPr>
-              <a:t>Currently adding cache hierarchy</a:t>
+              <a:t>Currently, gem5 implements Naturally Aligned Power of Two (NAPOT) packing, which requires the base address to be aligned by a power of two.</a:t>
             </a:r>
             <a:endParaRPr b="0" lang="en-US" sz="1600" spc="-1" strike="noStrike">
-              <a:solidFill>
-                <a:srgbClr val="000000"/>
-              </a:solidFill>
-              <a:latin typeface="Arial"/>
-            </a:endParaRPr>
-          </a:p>
-          <a:p>
-            <a:pPr lvl="2" marL="1296000" indent="-288000">
-              <a:lnSpc>
-                <a:spcPct val="100000"/>
-              </a:lnSpc>
-              <a:spcBef>
-                <a:spcPts val="850"/>
-              </a:spcBef>
-              <a:buClr>
-                <a:srgbClr val="000000"/>
-              </a:buClr>
-              <a:buSzPct val="45000"/>
-              <a:buFont typeface="Wingdings" charset="2"/>
-              <a:buChar char=""/>
-            </a:pPr>
-            <a:r>
-              <a:rPr b="0" lang="en-US" sz="1600" spc="-1" strike="noStrike">
-                <a:solidFill>
-                  <a:srgbClr val="000000"/>
-                </a:solidFill>
-                <a:latin typeface="Times New Roman"/>
-                <a:ea typeface="Noto Sans CJK SC"/>
-              </a:rPr>
-              <a:t>Incorporating caches into secure memory through “board” hierarchy</a:t>
-            </a:r>
-            <a:endParaRPr b="0" lang="en-US" sz="1600" spc="-1" strike="noStrike">
-              <a:solidFill>
-                <a:srgbClr val="000000"/>
-              </a:solidFill>
-              <a:latin typeface="Arial"/>
-            </a:endParaRPr>
-          </a:p>
-          <a:p>
-            <a:pPr lvl="2" marL="1296000" indent="-288000">
-              <a:lnSpc>
-                <a:spcPct val="100000"/>
-              </a:lnSpc>
-              <a:spcBef>
-                <a:spcPts val="850"/>
-              </a:spcBef>
-              <a:buClr>
-                <a:srgbClr val="000000"/>
-              </a:buClr>
-              <a:buSzPct val="45000"/>
-              <a:buFont typeface="Wingdings" charset="2"/>
-              <a:buChar char=""/>
-            </a:pPr>
-            <a:r>
-              <a:rPr b="0" lang="en-US" sz="1600" spc="-1" strike="noStrike">
-                <a:solidFill>
-                  <a:srgbClr val="000000"/>
-                </a:solidFill>
-                <a:latin typeface="Times New Roman"/>
-                <a:ea typeface="Noto Sans CJK SC"/>
-              </a:rPr>
-              <a:t>Entirely different way of connecting things</a:t>
-            </a:r>
-            <a:endParaRPr b="0" lang="en-US" sz="1600" spc="-1" strike="noStrike">
-              <a:solidFill>
-                <a:srgbClr val="000000"/>
-              </a:solidFill>
-              <a:latin typeface="Arial"/>
-            </a:endParaRPr>
-          </a:p>
-          <a:p>
-            <a:pPr lvl="1" marL="864000" indent="-324000">
-              <a:lnSpc>
-                <a:spcPct val="100000"/>
-              </a:lnSpc>
-              <a:spcBef>
-                <a:spcPts val="1134"/>
-              </a:spcBef>
-              <a:buClr>
-                <a:srgbClr val="000000"/>
-              </a:buClr>
-              <a:buSzPct val="75000"/>
-              <a:buFont typeface="Symbol" charset="2"/>
-              <a:buChar char=""/>
-            </a:pPr>
-            <a:r>
-              <a:rPr b="0" lang="en-US" sz="1600" spc="-1" strike="noStrike">
-                <a:solidFill>
-                  <a:srgbClr val="000000"/>
-                </a:solidFill>
-                <a:latin typeface="Times New Roman"/>
-                <a:ea typeface="Noto Sans CJK SC"/>
-              </a:rPr>
-              <a:t>PMP is included in any RISCV cpu in gem5</a:t>
-            </a:r>
-            <a:endParaRPr b="0" lang="en-US" sz="1600" spc="-1" strike="noStrike">
-              <a:solidFill>
-                <a:srgbClr val="000000"/>
-              </a:solidFill>
-              <a:latin typeface="Arial"/>
-            </a:endParaRPr>
-          </a:p>
-          <a:p>
-            <a:pPr marL="432000" indent="-324000">
-              <a:lnSpc>
-                <a:spcPct val="100000"/>
-              </a:lnSpc>
-              <a:spcBef>
-                <a:spcPts val="1417"/>
-              </a:spcBef>
-              <a:buClr>
-                <a:srgbClr val="000000"/>
-              </a:buClr>
-              <a:buSzPct val="45000"/>
-              <a:buFont typeface="Wingdings" charset="2"/>
-              <a:buChar char=""/>
-              <a:tabLst>
-                <a:tab algn="l" pos="0"/>
-              </a:tabLst>
-            </a:pPr>
-            <a:r>
-              <a:rPr b="0" lang="en-US" sz="2200" spc="-1" strike="noStrike">
-                <a:solidFill>
-                  <a:srgbClr val="000000"/>
-                </a:solidFill>
-                <a:latin typeface="Times New Roman"/>
-                <a:ea typeface="Noto Sans CJK SC"/>
-              </a:rPr>
-              <a:t>What is my contribution?</a:t>
-            </a:r>
-            <a:endParaRPr b="0" lang="en-US" sz="2200" spc="-1" strike="noStrike">
-              <a:solidFill>
-                <a:srgbClr val="000000"/>
-              </a:solidFill>
-              <a:latin typeface="Arial"/>
-            </a:endParaRPr>
-          </a:p>
-          <a:p>
-            <a:pPr lvl="1" marL="864000" indent="-324000">
-              <a:lnSpc>
-                <a:spcPct val="100000"/>
-              </a:lnSpc>
-              <a:spcBef>
-                <a:spcPts val="1134"/>
-              </a:spcBef>
-              <a:buClr>
-                <a:srgbClr val="000000"/>
-              </a:buClr>
-              <a:buSzPct val="75000"/>
-              <a:buFont typeface="Symbol" charset="2"/>
-              <a:buChar char=""/>
-              <a:tabLst>
-                <a:tab algn="l" pos="0"/>
-              </a:tabLst>
-            </a:pPr>
-            <a:r>
-              <a:rPr b="0" lang="en-US" sz="1600" spc="-1" strike="noStrike">
-                <a:solidFill>
-                  <a:srgbClr val="000000"/>
-                </a:solidFill>
-                <a:latin typeface="Times New Roman"/>
-                <a:ea typeface="Noto Sans CJK SC"/>
-              </a:rPr>
-              <a:t>Until now, I have been just trying to implement Zach’s work in gem5</a:t>
-            </a:r>
-            <a:endParaRPr b="0" lang="en-US" sz="1600" spc="-1" strike="noStrike">
-              <a:solidFill>
-                <a:srgbClr val="000000"/>
-              </a:solidFill>
-              <a:latin typeface="Arial"/>
-            </a:endParaRPr>
-          </a:p>
-          <a:p>
-            <a:pPr lvl="1" marL="864000" indent="-324000">
-              <a:lnSpc>
-                <a:spcPct val="100000"/>
-              </a:lnSpc>
-              <a:spcBef>
-                <a:spcPts val="1134"/>
-              </a:spcBef>
-              <a:buClr>
-                <a:srgbClr val="000000"/>
-              </a:buClr>
-              <a:buSzPct val="75000"/>
-              <a:buFont typeface="Symbol" charset="2"/>
-              <a:buChar char=""/>
-              <a:tabLst>
-                <a:tab algn="l" pos="0"/>
-              </a:tabLst>
-            </a:pPr>
-            <a:r>
-              <a:rPr b="0" lang="en-US" sz="1600" spc="-1" strike="noStrike">
-                <a:solidFill>
-                  <a:srgbClr val="000000"/>
-                </a:solidFill>
-                <a:latin typeface="Times New Roman"/>
-                <a:ea typeface="Noto Sans CJK SC"/>
-              </a:rPr>
-              <a:t>Deeper understanding of attack methods (winter break project?)</a:t>
-            </a:r>
-            <a:endParaRPr b="0" lang="en-US" sz="1600" spc="-1" strike="noStrike">
-              <a:solidFill>
-                <a:srgbClr val="000000"/>
-              </a:solidFill>
-              <a:latin typeface="Arial"/>
-            </a:endParaRPr>
-          </a:p>
-        </p:txBody>
-      </p:sp>
-      <p:pic>
-        <p:nvPicPr>
-          <p:cNvPr id="235" name="" descr=""/>
-          <p:cNvPicPr/>
-          <p:nvPr/>
-        </p:nvPicPr>
-        <p:blipFill>
-          <a:blip r:embed="rId1"/>
-          <a:stretch/>
-        </p:blipFill>
-        <p:spPr>
-          <a:xfrm>
-            <a:off x="5734440" y="1238400"/>
-            <a:ext cx="3175560" cy="3081240"/>
-          </a:xfrm>
-          <a:prstGeom prst="rect">
-            <a:avLst/>
-          </a:prstGeom>
-          <a:ln w="0">
-            <a:noFill/>
-          </a:ln>
-        </p:spPr>
-      </p:pic>
-      <p:sp>
-        <p:nvSpPr>
-          <p:cNvPr id="236" name=""/>
-          <p:cNvSpPr/>
-          <p:nvPr/>
-        </p:nvSpPr>
-        <p:spPr>
-          <a:xfrm>
-            <a:off x="5943600" y="4572000"/>
-            <a:ext cx="2281320" cy="452520"/>
-          </a:xfrm>
-          <a:prstGeom prst="rect">
-            <a:avLst/>
-          </a:prstGeom>
-          <a:noFill/>
-          <a:ln w="0">
-            <a:noFill/>
-          </a:ln>
-        </p:spPr>
-        <p:style>
-          <a:lnRef idx="0"/>
-          <a:fillRef idx="0"/>
-          <a:effectRef idx="0"/>
-          <a:fontRef idx="minor"/>
-        </p:style>
-        <p:txBody>
-          <a:bodyPr lIns="90000" rIns="90000" tIns="45000" bIns="45000" anchor="t">
-            <a:noAutofit/>
-          </a:bodyPr>
-          <a:p>
-            <a:pPr>
-              <a:lnSpc>
-                <a:spcPct val="100000"/>
-              </a:lnSpc>
-            </a:pPr>
-            <a:r>
-              <a:rPr b="0" lang="en-US" sz="1400" spc="-1" strike="noStrike">
-                <a:solidFill>
-                  <a:srgbClr val="808080"/>
-                </a:solidFill>
-                <a:latin typeface="Times New Roman"/>
-              </a:rPr>
-              <a:t>Moolman, Z. &amp; Lehman T.</a:t>
-            </a:r>
-            <a:endParaRPr b="0" lang="en-US" sz="1400" spc="-1" strike="noStrike">
               <a:solidFill>
                 <a:srgbClr val="000000"/>
               </a:solidFill>
